--- a/PROJECT/00_formi/n_01_UIUX요구분석_포르미.pptx
+++ b/PROJECT/00_formi/n_01_UIUX요구분석_포르미.pptx
@@ -127,7 +127,7 @@
   </p:defaultTextStyle>
   <p:extLst>
     <p:ext uri="{EFAFB233-063F-42B5-8137-9DF3F51BA10A}">
-      <p15:sldGuideLst xmlns="" xmlns:p15="http://schemas.microsoft.com/office/powerpoint/2012/main">
+      <p15:sldGuideLst xmlns:p15="http://schemas.microsoft.com/office/powerpoint/2012/main">
         <p15:guide id="1" orient="horz" pos="2160" userDrawn="1">
           <p15:clr>
             <a:srgbClr val="A4A3A4"/>
@@ -146,9 +146,7 @@
 
 <file path=ppt/commentAuthors.xml><?xml version="1.0" encoding="utf-8"?>
 <p:cmAuthorLst xmlns:a="http://schemas.openxmlformats.org/drawingml/2006/main" xmlns:r="http://schemas.openxmlformats.org/officeDocument/2006/relationships" xmlns:p="http://schemas.openxmlformats.org/presentationml/2006/main">
-  <p:cmAuthor id="1" name="i do" initials="id" lastIdx="2" clrIdx="0">
-    <p:extLst/>
-  </p:cmAuthor>
+  <p:cmAuthor id="1" name="i do" initials="id" lastIdx="2" clrIdx="0"/>
 </p:cmAuthorLst>
 </file>
 
@@ -1730,7 +1728,7 @@
             <a:t>: </a:t>
           </a:r>
           <a:r>
-            <a:rPr lang="ko-KR" altLang="en-US" sz="1100" b="0" dirty="0" err="1" smtClean="0">
+            <a:rPr lang="ko-KR" altLang="en-US" sz="1100" b="0" dirty="0" err="1">
               <a:solidFill>
                 <a:schemeClr val="tx1">
                   <a:lumMod val="75000"/>
@@ -1816,19 +1814,7 @@
               </a:solidFill>
               <a:latin typeface="+mn-lt"/>
             </a:rPr>
-            <a:t>: </a:t>
-          </a:r>
-          <a:r>
-            <a:rPr lang="en-US" altLang="ko-KR" sz="1100" b="0" dirty="0" smtClean="0">
-              <a:solidFill>
-                <a:schemeClr val="tx1">
-                  <a:lumMod val="75000"/>
-                  <a:lumOff val="25000"/>
-                </a:schemeClr>
-              </a:solidFill>
-              <a:latin typeface="+mn-lt"/>
-            </a:rPr>
-            <a:t>https://formefood.com</a:t>
+            <a:t>: https://formefood.com</a:t>
           </a:r>
           <a:endParaRPr lang="ko-KR" altLang="en-US" sz="1100" b="0" dirty="0">
             <a:solidFill>
@@ -1914,15 +1900,15 @@
             <a:t>: </a:t>
           </a:r>
           <a:r>
-            <a:rPr lang="en-US" sz="1100" b="0" i="0" dirty="0" err="1" smtClean="0"/>
+            <a:rPr lang="en-US" sz="1100" b="0" i="0" dirty="0" err="1"/>
             <a:t>다이어트</a:t>
           </a:r>
           <a:r>
-            <a:rPr lang="en-US" sz="1100" b="0" i="0" dirty="0" smtClean="0"/>
+            <a:rPr lang="en-US" sz="1100" b="0" i="0" dirty="0"/>
             <a:t> </a:t>
           </a:r>
           <a:r>
-            <a:rPr lang="en-US" sz="1100" b="0" i="0" dirty="0" err="1" smtClean="0"/>
+            <a:rPr lang="en-US" sz="1100" b="0" i="0" dirty="0" err="1"/>
             <a:t>도시락</a:t>
           </a:r>
           <a:endParaRPr lang="ko-KR" altLang="en-US" sz="1100" b="0" dirty="0">
@@ -2009,63 +1995,63 @@
             <a:t>: </a:t>
           </a:r>
           <a:r>
-            <a:rPr lang="en-US" sz="1100" b="0" i="0" dirty="0" err="1" smtClean="0"/>
+            <a:rPr lang="en-US" sz="1100" b="0" i="0" dirty="0" err="1"/>
             <a:t>식단</a:t>
           </a:r>
           <a:r>
-            <a:rPr lang="en-US" sz="1100" b="0" i="0" dirty="0" smtClean="0"/>
+            <a:rPr lang="en-US" sz="1100" b="0" i="0" dirty="0"/>
             <a:t> </a:t>
           </a:r>
           <a:r>
-            <a:rPr lang="en-US" sz="1100" b="0" i="0" dirty="0" err="1" smtClean="0"/>
+            <a:rPr lang="en-US" sz="1100" b="0" i="0" dirty="0" err="1"/>
             <a:t>관리</a:t>
           </a:r>
           <a:r>
-            <a:rPr lang="en-US" sz="1100" b="0" i="0" dirty="0" smtClean="0"/>
+            <a:rPr lang="en-US" sz="1100" b="0" i="0" dirty="0"/>
             <a:t> 및 </a:t>
           </a:r>
           <a:r>
-            <a:rPr lang="en-US" sz="1100" b="0" i="0" dirty="0" err="1" smtClean="0"/>
+            <a:rPr lang="en-US" sz="1100" b="0" i="0" dirty="0" err="1"/>
             <a:t>간단한</a:t>
           </a:r>
           <a:r>
-            <a:rPr lang="en-US" sz="1100" b="0" i="0" dirty="0" smtClean="0"/>
+            <a:rPr lang="en-US" sz="1100" b="0" i="0" dirty="0"/>
             <a:t> 한 끼 </a:t>
           </a:r>
           <a:r>
-            <a:rPr lang="en-US" sz="1100" b="0" i="0" dirty="0" err="1" smtClean="0"/>
+            <a:rPr lang="en-US" sz="1100" b="0" i="0" dirty="0" err="1"/>
             <a:t>식사</a:t>
           </a:r>
           <a:r>
-            <a:rPr lang="en-US" sz="1100" b="0" i="0" dirty="0" smtClean="0"/>
+            <a:rPr lang="en-US" sz="1100" b="0" i="0" dirty="0"/>
             <a:t> </a:t>
           </a:r>
           <a:r>
-            <a:rPr lang="en-US" sz="1100" b="0" i="0" dirty="0" err="1" smtClean="0"/>
+            <a:rPr lang="en-US" sz="1100" b="0" i="0" dirty="0" err="1"/>
             <a:t>대용이</a:t>
           </a:r>
           <a:r>
-            <a:rPr lang="en-US" sz="1100" b="0" i="0" dirty="0" smtClean="0"/>
+            <a:rPr lang="en-US" sz="1100" b="0" i="0" dirty="0"/>
             <a:t> </a:t>
           </a:r>
           <a:r>
-            <a:rPr lang="en-US" sz="1100" b="0" i="0" dirty="0" err="1" smtClean="0"/>
+            <a:rPr lang="en-US" sz="1100" b="0" i="0" dirty="0" err="1"/>
             <a:t>필요로</a:t>
           </a:r>
           <a:r>
-            <a:rPr lang="en-US" sz="1100" b="0" i="0" dirty="0" smtClean="0"/>
+            <a:rPr lang="en-US" sz="1100" b="0" i="0" dirty="0"/>
             <a:t> </a:t>
           </a:r>
           <a:r>
-            <a:rPr lang="en-US" sz="1100" b="0" i="0" dirty="0" err="1" smtClean="0"/>
+            <a:rPr lang="en-US" sz="1100" b="0" i="0" dirty="0" err="1"/>
             <a:t>하는</a:t>
           </a:r>
           <a:r>
-            <a:rPr lang="en-US" sz="1100" b="0" i="0" dirty="0" smtClean="0"/>
+            <a:rPr lang="en-US" sz="1100" b="0" i="0" dirty="0"/>
             <a:t> </a:t>
           </a:r>
           <a:r>
-            <a:rPr lang="en-US" sz="1100" b="0" i="0" dirty="0" err="1" smtClean="0"/>
+            <a:rPr lang="en-US" sz="1100" b="0" i="0" dirty="0" err="1"/>
             <a:t>사람들</a:t>
           </a:r>
           <a:endParaRPr lang="ko-KR" altLang="en-US" sz="1100" b="0" dirty="0">
@@ -2140,7 +2126,7 @@
             <a:t>무 </a:t>
           </a:r>
           <a:r>
-            <a:rPr lang="en-US" altLang="ko-KR" sz="1100" b="0" dirty="0" smtClean="0">
+            <a:rPr lang="en-US" altLang="ko-KR" sz="1100" b="0" dirty="0">
               <a:solidFill>
                 <a:schemeClr val="tx1">
                   <a:lumMod val="75000"/>
@@ -2152,7 +2138,7 @@
             <a:t>: </a:t>
           </a:r>
           <a:r>
-            <a:rPr lang="ko-KR" altLang="en-US" sz="1100" b="0" dirty="0" smtClean="0">
+            <a:rPr lang="ko-KR" altLang="en-US" sz="1100" b="0" dirty="0">
               <a:solidFill>
                 <a:schemeClr val="tx1">
                   <a:lumMod val="75000"/>
@@ -2163,15 +2149,6 @@
             </a:rPr>
             <a:t>무</a:t>
           </a:r>
-          <a:endParaRPr lang="ko-KR" altLang="en-US" sz="1100" b="0" dirty="0">
-            <a:solidFill>
-              <a:schemeClr val="tx1">
-                <a:lumMod val="75000"/>
-                <a:lumOff val="25000"/>
-              </a:schemeClr>
-            </a:solidFill>
-            <a:latin typeface="+mn-lt"/>
-          </a:endParaRPr>
         </a:p>
       </dgm:t>
     </dgm:pt>
@@ -2208,14 +2185,6 @@
         </dgm:presLayoutVars>
       </dgm:prSet>
       <dgm:spPr/>
-      <dgm:t>
-        <a:bodyPr/>
-        <a:lstStyle/>
-        <a:p>
-          <a:pPr latinLnBrk="1"/>
-          <a:endParaRPr lang="ko-KR" altLang="en-US"/>
-        </a:p>
-      </dgm:t>
     </dgm:pt>
     <dgm:pt modelId="{BAECB982-55FA-4202-8E27-F6B6CC2287CD}" type="pres">
       <dgm:prSet presAssocID="{D58B520D-A07B-4F94-8DF3-9C1500C899DC}" presName="thickLine" presStyleLbl="alignNode1" presStyleIdx="0" presStyleCnt="1"/>
@@ -2228,14 +2197,6 @@
     <dgm:pt modelId="{53626961-974F-4A63-9DA8-CD56D99EE4DF}" type="pres">
       <dgm:prSet presAssocID="{D58B520D-A07B-4F94-8DF3-9C1500C899DC}" presName="tx1" presStyleLbl="revTx" presStyleIdx="0" presStyleCnt="6"/>
       <dgm:spPr/>
-      <dgm:t>
-        <a:bodyPr/>
-        <a:lstStyle/>
-        <a:p>
-          <a:pPr latinLnBrk="1"/>
-          <a:endParaRPr lang="ko-KR" altLang="en-US"/>
-        </a:p>
-      </dgm:t>
     </dgm:pt>
     <dgm:pt modelId="{CFF04302-6886-4386-9185-5D53F19CEF97}" type="pres">
       <dgm:prSet presAssocID="{D58B520D-A07B-4F94-8DF3-9C1500C899DC}" presName="vert1" presStyleCnt="0"/>
@@ -2256,14 +2217,6 @@
     <dgm:pt modelId="{B292DB37-5DAC-4239-B187-DFD8D1E45EBC}" type="pres">
       <dgm:prSet presAssocID="{28926570-D9F9-446E-A6FE-D0A1CA8563C3}" presName="tx2" presStyleLbl="revTx" presStyleIdx="1" presStyleCnt="6" custScaleY="67816"/>
       <dgm:spPr/>
-      <dgm:t>
-        <a:bodyPr/>
-        <a:lstStyle/>
-        <a:p>
-          <a:pPr latinLnBrk="1"/>
-          <a:endParaRPr lang="ko-KR" altLang="en-US"/>
-        </a:p>
-      </dgm:t>
     </dgm:pt>
     <dgm:pt modelId="{AD57E317-9AA0-4DC4-A66B-22B937972D83}" type="pres">
       <dgm:prSet presAssocID="{28926570-D9F9-446E-A6FE-D0A1CA8563C3}" presName="vert2" presStyleCnt="0"/>
@@ -2288,14 +2241,6 @@
     <dgm:pt modelId="{10968B22-FB99-41A1-9693-4805EB3AA705}" type="pres">
       <dgm:prSet presAssocID="{711F28F9-5C6A-452F-B6B7-51D365DA9BE5}" presName="tx2" presStyleLbl="revTx" presStyleIdx="2" presStyleCnt="6" custScaleY="67816"/>
       <dgm:spPr/>
-      <dgm:t>
-        <a:bodyPr/>
-        <a:lstStyle/>
-        <a:p>
-          <a:pPr latinLnBrk="1"/>
-          <a:endParaRPr lang="ko-KR" altLang="en-US"/>
-        </a:p>
-      </dgm:t>
     </dgm:pt>
     <dgm:pt modelId="{DB348B1C-28E3-4DE7-9791-71B6F7233EF7}" type="pres">
       <dgm:prSet presAssocID="{711F28F9-5C6A-452F-B6B7-51D365DA9BE5}" presName="vert2" presStyleCnt="0"/>
@@ -2320,14 +2265,6 @@
     <dgm:pt modelId="{9C8F1E3E-C216-4424-9670-DF95234C16C6}" type="pres">
       <dgm:prSet presAssocID="{36EE2512-896A-411B-8C18-A9209D8B8486}" presName="tx2" presStyleLbl="revTx" presStyleIdx="3" presStyleCnt="6" custScaleY="67816"/>
       <dgm:spPr/>
-      <dgm:t>
-        <a:bodyPr/>
-        <a:lstStyle/>
-        <a:p>
-          <a:pPr latinLnBrk="1"/>
-          <a:endParaRPr lang="ko-KR" altLang="en-US"/>
-        </a:p>
-      </dgm:t>
     </dgm:pt>
     <dgm:pt modelId="{C20FBA09-16C5-4ED9-B82C-AC601DAFD6F4}" type="pres">
       <dgm:prSet presAssocID="{36EE2512-896A-411B-8C18-A9209D8B8486}" presName="vert2" presStyleCnt="0"/>
@@ -2352,14 +2289,6 @@
     <dgm:pt modelId="{81DFE6F8-DD24-492B-83E1-0830D2F01B2A}" type="pres">
       <dgm:prSet presAssocID="{48B20F56-5579-43A5-B7FC-B6921DBCF66B}" presName="tx2" presStyleLbl="revTx" presStyleIdx="4" presStyleCnt="6" custScaleY="67816"/>
       <dgm:spPr/>
-      <dgm:t>
-        <a:bodyPr/>
-        <a:lstStyle/>
-        <a:p>
-          <a:pPr latinLnBrk="1"/>
-          <a:endParaRPr lang="ko-KR" altLang="en-US"/>
-        </a:p>
-      </dgm:t>
     </dgm:pt>
     <dgm:pt modelId="{FE4C7192-2E36-4DBC-80C2-DFB3BB155973}" type="pres">
       <dgm:prSet presAssocID="{48B20F56-5579-43A5-B7FC-B6921DBCF66B}" presName="vert2" presStyleCnt="0"/>
@@ -2384,14 +2313,6 @@
     <dgm:pt modelId="{4F06D6B1-2BB4-4075-A033-688B589B0B14}" type="pres">
       <dgm:prSet presAssocID="{D60B39B7-B0FB-4F89-830B-0C40B4020BA1}" presName="tx2" presStyleLbl="revTx" presStyleIdx="5" presStyleCnt="6" custScaleY="67816"/>
       <dgm:spPr/>
-      <dgm:t>
-        <a:bodyPr/>
-        <a:lstStyle/>
-        <a:p>
-          <a:pPr latinLnBrk="1"/>
-          <a:endParaRPr lang="ko-KR" altLang="en-US"/>
-        </a:p>
-      </dgm:t>
     </dgm:pt>
     <dgm:pt modelId="{D22D3395-A616-4309-9A8B-968F96B15176}" type="pres">
       <dgm:prSet presAssocID="{D60B39B7-B0FB-4F89-830B-0C40B4020BA1}" presName="vert2" presStyleCnt="0"/>
@@ -2407,19 +2328,19 @@
     </dgm:pt>
   </dgm:ptLst>
   <dgm:cxnLst>
+    <dgm:cxn modelId="{A43F6A05-69BA-4A7C-BD72-EF3B441F30B7}" type="presOf" srcId="{28926570-D9F9-446E-A6FE-D0A1CA8563C3}" destId="{B292DB37-5DAC-4239-B187-DFD8D1E45EBC}" srcOrd="0" destOrd="0" presId="urn:microsoft.com/office/officeart/2008/layout/LinedList"/>
     <dgm:cxn modelId="{68E1D40E-3915-4387-99C4-74338A7B5837}" type="presOf" srcId="{D58B520D-A07B-4F94-8DF3-9C1500C899DC}" destId="{53626961-974F-4A63-9DA8-CD56D99EE4DF}" srcOrd="0" destOrd="0" presId="urn:microsoft.com/office/officeart/2008/layout/LinedList"/>
-    <dgm:cxn modelId="{258533EE-F705-4DF7-878C-CC0A3A2D4E72}" srcId="{D58B520D-A07B-4F94-8DF3-9C1500C899DC}" destId="{48B20F56-5579-43A5-B7FC-B6921DBCF66B}" srcOrd="3" destOrd="0" parTransId="{0D8B302B-B7A7-4DD5-B555-3AF9D3B6CEEC}" sibTransId="{C4455AB2-5ACB-41BF-BA34-02D2ADDFBFC3}"/>
+    <dgm:cxn modelId="{4A04DA38-9CD6-4FAE-BEF9-DA47CD2A52B8}" type="presOf" srcId="{36EE2512-896A-411B-8C18-A9209D8B8486}" destId="{9C8F1E3E-C216-4424-9670-DF95234C16C6}" srcOrd="0" destOrd="0" presId="urn:microsoft.com/office/officeart/2008/layout/LinedList"/>
+    <dgm:cxn modelId="{3864695B-4312-42AD-B616-2BEF5E8E430C}" srcId="{D58B520D-A07B-4F94-8DF3-9C1500C899DC}" destId="{36EE2512-896A-411B-8C18-A9209D8B8486}" srcOrd="2" destOrd="0" parTransId="{D2A8114D-A229-4172-974F-0B46CE7FB202}" sibTransId="{FA1528B4-2ECC-4930-9E81-09442B71C991}"/>
+    <dgm:cxn modelId="{37352D5D-983C-4B8E-B80F-BF9AB47A236D}" srcId="{78B4B756-542A-42DE-878E-77FF91FD2977}" destId="{D58B520D-A07B-4F94-8DF3-9C1500C899DC}" srcOrd="0" destOrd="0" parTransId="{2A7C9E93-EB2E-4231-8DA7-1E640460AB28}" sibTransId="{1F8783D3-8D2F-4F76-AF1C-25D324BD0D03}"/>
     <dgm:cxn modelId="{CDFDAC7E-671F-4D42-8E30-D8296EDBAF65}" srcId="{D58B520D-A07B-4F94-8DF3-9C1500C899DC}" destId="{D60B39B7-B0FB-4F89-830B-0C40B4020BA1}" srcOrd="4" destOrd="0" parTransId="{01F7781F-9633-4B4A-A11D-678DA1172AEE}" sibTransId="{EC4C1283-9338-443D-B6C7-66F9905552DC}"/>
+    <dgm:cxn modelId="{49AF6182-1BA8-42FA-B606-39E71ECC384D}" srcId="{D58B520D-A07B-4F94-8DF3-9C1500C899DC}" destId="{711F28F9-5C6A-452F-B6B7-51D365DA9BE5}" srcOrd="1" destOrd="0" parTransId="{E6BBB757-E182-4A7C-AD73-090A29D9DC9D}" sibTransId="{CA49FA52-5989-4E9B-96E7-82AB9DAC88EC}"/>
     <dgm:cxn modelId="{3C44EB8B-6E96-4618-80BA-67174B98DA0A}" type="presOf" srcId="{48B20F56-5579-43A5-B7FC-B6921DBCF66B}" destId="{81DFE6F8-DD24-492B-83E1-0830D2F01B2A}" srcOrd="0" destOrd="0" presId="urn:microsoft.com/office/officeart/2008/layout/LinedList"/>
     <dgm:cxn modelId="{61F8C9C8-B2C0-4C9A-983D-2EACECA974A2}" srcId="{D58B520D-A07B-4F94-8DF3-9C1500C899DC}" destId="{28926570-D9F9-446E-A6FE-D0A1CA8563C3}" srcOrd="0" destOrd="0" parTransId="{942DBD04-AC7E-49A2-A4AA-B91B3D259276}" sibTransId="{A3E5F99B-F69F-4C7A-97B1-7D804234C214}"/>
-    <dgm:cxn modelId="{4A04DA38-9CD6-4FAE-BEF9-DA47CD2A52B8}" type="presOf" srcId="{36EE2512-896A-411B-8C18-A9209D8B8486}" destId="{9C8F1E3E-C216-4424-9670-DF95234C16C6}" srcOrd="0" destOrd="0" presId="urn:microsoft.com/office/officeart/2008/layout/LinedList"/>
+    <dgm:cxn modelId="{040649DB-B7E2-40E6-B8F1-079AC4E5E770}" type="presOf" srcId="{78B4B756-542A-42DE-878E-77FF91FD2977}" destId="{29E70F29-69A1-4720-B9F8-A239D19F5874}" srcOrd="0" destOrd="0" presId="urn:microsoft.com/office/officeart/2008/layout/LinedList"/>
     <dgm:cxn modelId="{E2F4C5E9-E815-47F5-9B07-14C10E731888}" type="presOf" srcId="{711F28F9-5C6A-452F-B6B7-51D365DA9BE5}" destId="{10968B22-FB99-41A1-9693-4805EB3AA705}" srcOrd="0" destOrd="0" presId="urn:microsoft.com/office/officeart/2008/layout/LinedList"/>
+    <dgm:cxn modelId="{258533EE-F705-4DF7-878C-CC0A3A2D4E72}" srcId="{D58B520D-A07B-4F94-8DF3-9C1500C899DC}" destId="{48B20F56-5579-43A5-B7FC-B6921DBCF66B}" srcOrd="3" destOrd="0" parTransId="{0D8B302B-B7A7-4DD5-B555-3AF9D3B6CEEC}" sibTransId="{C4455AB2-5ACB-41BF-BA34-02D2ADDFBFC3}"/>
     <dgm:cxn modelId="{99BEB4FC-C7B0-41BD-B961-E7A774109E9F}" type="presOf" srcId="{D60B39B7-B0FB-4F89-830B-0C40B4020BA1}" destId="{4F06D6B1-2BB4-4075-A033-688B589B0B14}" srcOrd="0" destOrd="0" presId="urn:microsoft.com/office/officeart/2008/layout/LinedList"/>
-    <dgm:cxn modelId="{49AF6182-1BA8-42FA-B606-39E71ECC384D}" srcId="{D58B520D-A07B-4F94-8DF3-9C1500C899DC}" destId="{711F28F9-5C6A-452F-B6B7-51D365DA9BE5}" srcOrd="1" destOrd="0" parTransId="{E6BBB757-E182-4A7C-AD73-090A29D9DC9D}" sibTransId="{CA49FA52-5989-4E9B-96E7-82AB9DAC88EC}"/>
-    <dgm:cxn modelId="{37352D5D-983C-4B8E-B80F-BF9AB47A236D}" srcId="{78B4B756-542A-42DE-878E-77FF91FD2977}" destId="{D58B520D-A07B-4F94-8DF3-9C1500C899DC}" srcOrd="0" destOrd="0" parTransId="{2A7C9E93-EB2E-4231-8DA7-1E640460AB28}" sibTransId="{1F8783D3-8D2F-4F76-AF1C-25D324BD0D03}"/>
-    <dgm:cxn modelId="{040649DB-B7E2-40E6-B8F1-079AC4E5E770}" type="presOf" srcId="{78B4B756-542A-42DE-878E-77FF91FD2977}" destId="{29E70F29-69A1-4720-B9F8-A239D19F5874}" srcOrd="0" destOrd="0" presId="urn:microsoft.com/office/officeart/2008/layout/LinedList"/>
-    <dgm:cxn modelId="{3864695B-4312-42AD-B616-2BEF5E8E430C}" srcId="{D58B520D-A07B-4F94-8DF3-9C1500C899DC}" destId="{36EE2512-896A-411B-8C18-A9209D8B8486}" srcOrd="2" destOrd="0" parTransId="{D2A8114D-A229-4172-974F-0B46CE7FB202}" sibTransId="{FA1528B4-2ECC-4930-9E81-09442B71C991}"/>
-    <dgm:cxn modelId="{A43F6A05-69BA-4A7C-BD72-EF3B441F30B7}" type="presOf" srcId="{28926570-D9F9-446E-A6FE-D0A1CA8563C3}" destId="{B292DB37-5DAC-4239-B187-DFD8D1E45EBC}" srcOrd="0" destOrd="0" presId="urn:microsoft.com/office/officeart/2008/layout/LinedList"/>
     <dgm:cxn modelId="{E802829F-B414-4F58-85D9-779B444B32C1}" type="presParOf" srcId="{29E70F29-69A1-4720-B9F8-A239D19F5874}" destId="{BAECB982-55FA-4202-8E27-F6B6CC2287CD}" srcOrd="0" destOrd="0" presId="urn:microsoft.com/office/officeart/2008/layout/LinedList"/>
     <dgm:cxn modelId="{E6D3800E-25BB-4FC4-BAF3-A8D056ACD405}" type="presParOf" srcId="{29E70F29-69A1-4720-B9F8-A239D19F5874}" destId="{174BC0FF-8CB4-4D37-954E-0E6C9CA76C9F}" srcOrd="1" destOrd="0" presId="urn:microsoft.com/office/officeart/2008/layout/LinedList"/>
     <dgm:cxn modelId="{F64CC9CD-A485-4F52-9E5E-1EA00C98B199}" type="presParOf" srcId="{174BC0FF-8CB4-4D37-954E-0E6C9CA76C9F}" destId="{53626961-974F-4A63-9DA8-CD56D99EE4DF}" srcOrd="0" destOrd="0" presId="urn:microsoft.com/office/officeart/2008/layout/LinedList"/>
@@ -2554,43 +2475,43 @@
             <a:t>: </a:t>
           </a:r>
           <a:r>
-            <a:rPr lang="ko-KR" altLang="en-US" sz="1100" b="0" i="0" dirty="0" smtClean="0"/>
+            <a:rPr lang="ko-KR" altLang="en-US" sz="1100" b="0" i="0" dirty="0"/>
             <a:t>많은 다이어트 도시락 경쟁업체 속에서 </a:t>
           </a:r>
           <a:r>
-            <a:rPr lang="en-US" altLang="ko-KR" sz="1100" b="0" i="0" dirty="0" smtClean="0"/>
+            <a:rPr lang="en-US" altLang="ko-KR" sz="1100" b="0" i="0" dirty="0"/>
             <a:t>'</a:t>
           </a:r>
           <a:r>
-            <a:rPr lang="ko-KR" altLang="en-US" sz="1100" b="0" i="0" dirty="0" err="1" smtClean="0"/>
+            <a:rPr lang="ko-KR" altLang="en-US" sz="1100" b="0" i="0" dirty="0" err="1"/>
             <a:t>포르미</a:t>
           </a:r>
           <a:r>
-            <a:rPr lang="en-US" altLang="ko-KR" sz="1100" b="0" i="0" dirty="0" smtClean="0"/>
+            <a:rPr lang="en-US" altLang="ko-KR" sz="1100" b="0" i="0" dirty="0"/>
             <a:t>' </a:t>
           </a:r>
           <a:r>
-            <a:rPr lang="ko-KR" altLang="en-US" sz="1100" b="0" i="0" dirty="0" smtClean="0"/>
+            <a:rPr lang="ko-KR" altLang="en-US" sz="1100" b="0" i="0" dirty="0"/>
             <a:t>라는 브랜드만이 가지고 있는 </a:t>
           </a:r>
           <a:r>
-            <a:rPr lang="ko-KR" altLang="en-US" sz="1100" b="0" i="0" dirty="0" err="1" smtClean="0"/>
+            <a:rPr lang="ko-KR" altLang="en-US" sz="1100" b="0" i="0" dirty="0" err="1"/>
             <a:t>아이덴티티가</a:t>
           </a:r>
           <a:r>
-            <a:rPr lang="ko-KR" altLang="en-US" sz="1100" b="0" i="0" dirty="0" smtClean="0"/>
+            <a:rPr lang="ko-KR" altLang="en-US" sz="1100" b="0" i="0" dirty="0"/>
             <a:t> 부족한 느낌으로 </a:t>
           </a:r>
           <a:r>
-            <a:rPr lang="ko-KR" altLang="en-US" sz="1100" b="0" i="0" dirty="0" err="1" smtClean="0"/>
+            <a:rPr lang="ko-KR" altLang="en-US" sz="1100" b="0" i="0" dirty="0" err="1"/>
             <a:t>포르미만의</a:t>
           </a:r>
           <a:r>
-            <a:rPr lang="ko-KR" altLang="en-US" sz="1100" b="0" i="0" dirty="0" smtClean="0"/>
+            <a:rPr lang="ko-KR" altLang="en-US" sz="1100" b="0" i="0" dirty="0"/>
             <a:t> 강점이 나타나는 특색 있는 디자인으로 재구성하기 위함</a:t>
           </a:r>
           <a:r>
-            <a:rPr lang="en-US" altLang="ko-KR" sz="1100" b="0" i="0" dirty="0" smtClean="0"/>
+            <a:rPr lang="en-US" altLang="ko-KR" sz="1100" b="0" i="0" dirty="0"/>
             <a:t>.</a:t>
           </a:r>
           <a:endParaRPr lang="ko-KR" altLang="en-US" sz="1100" b="0" dirty="0">
@@ -2671,99 +2592,99 @@
             <a:t>: </a:t>
           </a:r>
           <a:r>
-            <a:rPr lang="en-US" sz="1100" b="0" i="0" dirty="0" err="1" smtClean="0"/>
+            <a:rPr lang="en-US" sz="1100" b="0" i="0" dirty="0" err="1"/>
             <a:t>포르미만이</a:t>
           </a:r>
           <a:r>
-            <a:rPr lang="en-US" sz="1100" b="0" i="0" dirty="0" smtClean="0"/>
+            <a:rPr lang="en-US" sz="1100" b="0" i="0" dirty="0"/>
             <a:t> </a:t>
           </a:r>
           <a:r>
-            <a:rPr lang="en-US" sz="1100" b="0" i="0" dirty="0" err="1" smtClean="0"/>
+            <a:rPr lang="en-US" sz="1100" b="0" i="0" dirty="0" err="1"/>
             <a:t>가지고</a:t>
           </a:r>
           <a:r>
-            <a:rPr lang="en-US" sz="1100" b="0" i="0" dirty="0" smtClean="0"/>
+            <a:rPr lang="en-US" sz="1100" b="0" i="0" dirty="0"/>
             <a:t> </a:t>
           </a:r>
           <a:r>
-            <a:rPr lang="en-US" sz="1100" b="0" i="0" dirty="0" err="1" smtClean="0"/>
+            <a:rPr lang="en-US" sz="1100" b="0" i="0" dirty="0" err="1"/>
             <a:t>있는</a:t>
           </a:r>
           <a:r>
-            <a:rPr lang="en-US" sz="1100" b="0" i="0" dirty="0" smtClean="0"/>
+            <a:rPr lang="en-US" sz="1100" b="0" i="0" dirty="0"/>
             <a:t> </a:t>
           </a:r>
           <a:r>
-            <a:rPr lang="en-US" sz="1100" b="0" i="0" dirty="0" err="1" smtClean="0"/>
+            <a:rPr lang="en-US" sz="1100" b="0" i="0" dirty="0" err="1"/>
             <a:t>업체</a:t>
           </a:r>
           <a:r>
-            <a:rPr lang="en-US" sz="1100" b="0" i="0" dirty="0" smtClean="0"/>
+            <a:rPr lang="en-US" sz="1100" b="0" i="0" dirty="0"/>
             <a:t> </a:t>
           </a:r>
           <a:r>
-            <a:rPr lang="en-US" sz="1100" b="0" i="0" dirty="0" err="1" smtClean="0"/>
+            <a:rPr lang="en-US" sz="1100" b="0" i="0" dirty="0" err="1"/>
             <a:t>장점이</a:t>
           </a:r>
           <a:r>
-            <a:rPr lang="en-US" sz="1100" b="0" i="0" dirty="0" smtClean="0"/>
+            <a:rPr lang="en-US" sz="1100" b="0" i="0" dirty="0"/>
             <a:t> </a:t>
           </a:r>
           <a:r>
-            <a:rPr lang="en-US" sz="1100" b="0" i="0" dirty="0" err="1" smtClean="0"/>
+            <a:rPr lang="en-US" sz="1100" b="0" i="0" dirty="0" err="1"/>
             <a:t>드러나면서</a:t>
           </a:r>
           <a:r>
-            <a:rPr lang="en-US" sz="1100" b="0" i="0" dirty="0" smtClean="0"/>
+            <a:rPr lang="en-US" sz="1100" b="0" i="0" dirty="0"/>
             <a:t> </a:t>
           </a:r>
           <a:r>
-            <a:rPr lang="en-US" sz="1100" b="0" i="0" dirty="0" err="1" smtClean="0"/>
+            <a:rPr lang="en-US" sz="1100" b="0" i="0" dirty="0" err="1"/>
             <a:t>고객들에게</a:t>
           </a:r>
           <a:r>
-            <a:rPr lang="en-US" sz="1100" b="0" i="0" dirty="0" smtClean="0"/>
+            <a:rPr lang="en-US" sz="1100" b="0" i="0" dirty="0"/>
             <a:t> </a:t>
           </a:r>
           <a:r>
-            <a:rPr lang="en-US" sz="1100" b="0" i="0" dirty="0" err="1" smtClean="0"/>
+            <a:rPr lang="en-US" sz="1100" b="0" i="0" dirty="0" err="1"/>
             <a:t>긍정적인</a:t>
           </a:r>
           <a:r>
-            <a:rPr lang="en-US" sz="1100" b="0" i="0" dirty="0" smtClean="0"/>
+            <a:rPr lang="en-US" sz="1100" b="0" i="0" dirty="0"/>
             <a:t> </a:t>
           </a:r>
           <a:r>
-            <a:rPr lang="en-US" sz="1100" b="0" i="0" dirty="0" err="1" smtClean="0"/>
+            <a:rPr lang="en-US" sz="1100" b="0" i="0" dirty="0" err="1"/>
             <a:t>영향으로</a:t>
           </a:r>
           <a:r>
-            <a:rPr lang="en-US" sz="1100" b="0" i="0" dirty="0" smtClean="0"/>
+            <a:rPr lang="en-US" sz="1100" b="0" i="0" dirty="0"/>
             <a:t> </a:t>
           </a:r>
           <a:r>
-            <a:rPr lang="en-US" sz="1100" b="0" i="0" dirty="0" err="1" smtClean="0"/>
+            <a:rPr lang="en-US" sz="1100" b="0" i="0" dirty="0" err="1"/>
             <a:t>매출로까지</a:t>
           </a:r>
           <a:r>
-            <a:rPr lang="en-US" sz="1100" b="0" i="0" dirty="0" smtClean="0"/>
+            <a:rPr lang="en-US" sz="1100" b="0" i="0" dirty="0"/>
             <a:t> </a:t>
           </a:r>
           <a:r>
-            <a:rPr lang="en-US" sz="1100" b="0" i="0" dirty="0" err="1" smtClean="0"/>
+            <a:rPr lang="en-US" sz="1100" b="0" i="0" dirty="0" err="1"/>
             <a:t>이어지는</a:t>
           </a:r>
           <a:r>
-            <a:rPr lang="en-US" sz="1100" b="0" i="0" dirty="0" smtClean="0"/>
+            <a:rPr lang="en-US" sz="1100" b="0" i="0" dirty="0"/>
             <a:t> </a:t>
           </a:r>
           <a:r>
-            <a:rPr lang="en-US" sz="1100" b="0" i="0" dirty="0" err="1" smtClean="0"/>
+            <a:rPr lang="en-US" sz="1100" b="0" i="0" dirty="0" err="1"/>
             <a:t>결과</a:t>
           </a:r>
           <a:r>
-            <a:rPr lang="en-US" sz="1100" b="0" i="0" dirty="0" smtClean="0"/>
+            <a:rPr lang="en-US" sz="1100" b="0" i="0" dirty="0"/>
             <a:t>.</a:t>
           </a:r>
           <a:endParaRPr lang="ko-KR" altLang="en-US" sz="1100" b="0" dirty="0">
@@ -2829,22 +2750,10 @@
               </a:solidFill>
               <a:latin typeface="+mn-lt"/>
             </a:rPr>
-            <a:t>: </a:t>
+            <a:t>: 1280px </a:t>
           </a:r>
           <a:r>
-            <a:rPr lang="en-US" altLang="ko-KR" sz="1100" b="0" dirty="0" smtClean="0">
-              <a:solidFill>
-                <a:schemeClr val="tx1">
-                  <a:lumMod val="75000"/>
-                  <a:lumOff val="25000"/>
-                </a:schemeClr>
-              </a:solidFill>
-              <a:latin typeface="+mn-lt"/>
-            </a:rPr>
-            <a:t>1280px </a:t>
-          </a:r>
-          <a:r>
-            <a:rPr lang="ko-KR" altLang="en-US" sz="1100" b="0" dirty="0" smtClean="0">
+            <a:rPr lang="ko-KR" altLang="en-US" sz="1100" b="0" dirty="0">
               <a:solidFill>
                 <a:schemeClr val="tx1">
                   <a:lumMod val="75000"/>
@@ -2856,7 +2765,7 @@
             <a:t>기준 그 이상의 화면의 크기를 가지는 기기 </a:t>
           </a:r>
           <a:r>
-            <a:rPr lang="en-US" altLang="ko-KR" sz="1100" b="0" dirty="0" smtClean="0">
+            <a:rPr lang="en-US" altLang="ko-KR" sz="1100" b="0" dirty="0">
               <a:solidFill>
                 <a:schemeClr val="tx1">
                   <a:lumMod val="75000"/>
@@ -2868,7 +2777,7 @@
             <a:t>+ </a:t>
           </a:r>
           <a:r>
-            <a:rPr lang="ko-KR" altLang="en-US" sz="1100" b="0" dirty="0" err="1" smtClean="0">
+            <a:rPr lang="ko-KR" altLang="en-US" sz="1100" b="0" dirty="0" err="1">
               <a:solidFill>
                 <a:schemeClr val="tx1">
                   <a:lumMod val="75000"/>
@@ -2945,7 +2854,7 @@
             <a:t>: </a:t>
           </a:r>
           <a:r>
-            <a:rPr lang="ko-KR" altLang="en-US" sz="1100" b="0" dirty="0" smtClean="0">
+            <a:rPr lang="ko-KR" altLang="en-US" sz="1100" b="0" dirty="0">
               <a:solidFill>
                 <a:schemeClr val="tx1">
                   <a:lumMod val="75000"/>
@@ -2957,7 +2866,7 @@
             <a:t>그린</a:t>
           </a:r>
           <a:r>
-            <a:rPr lang="en-US" altLang="ko-KR" sz="1100" b="0" dirty="0" smtClean="0">
+            <a:rPr lang="en-US" altLang="ko-KR" sz="1100" b="0" dirty="0">
               <a:solidFill>
                 <a:schemeClr val="tx1">
                   <a:lumMod val="75000"/>
@@ -2969,7 +2878,7 @@
             <a:t>, </a:t>
           </a:r>
           <a:r>
-            <a:rPr lang="ko-KR" altLang="en-US" sz="1100" b="0" dirty="0" smtClean="0">
+            <a:rPr lang="ko-KR" altLang="en-US" sz="1100" b="0" dirty="0">
               <a:solidFill>
                 <a:schemeClr val="tx1">
                   <a:lumMod val="75000"/>
@@ -2978,17 +2887,8 @@
               </a:solidFill>
               <a:latin typeface="+mn-lt"/>
             </a:rPr>
-            <a:t>오렌지</a:t>
+            <a:t>옐로우</a:t>
           </a:r>
-          <a:endParaRPr lang="ko-KR" altLang="en-US" sz="1100" b="0" dirty="0">
-            <a:solidFill>
-              <a:schemeClr val="tx1">
-                <a:lumMod val="75000"/>
-                <a:lumOff val="25000"/>
-              </a:schemeClr>
-            </a:solidFill>
-            <a:latin typeface="+mn-lt"/>
-          </a:endParaRPr>
         </a:p>
       </dgm:t>
     </dgm:pt>
@@ -3052,7 +2952,7 @@
             <a:t> </a:t>
           </a:r>
           <a:r>
-            <a:rPr lang="en-US" altLang="ko-KR" sz="1100" b="0" dirty="0" smtClean="0">
+            <a:rPr lang="en-US" altLang="ko-KR" sz="1100" b="0" dirty="0">
               <a:solidFill>
                 <a:schemeClr val="tx1">
                   <a:lumMod val="75000"/>
@@ -3064,7 +2964,7 @@
             <a:t>: </a:t>
           </a:r>
           <a:r>
-            <a:rPr lang="ko-KR" altLang="ko-KR" sz="1100" b="0" dirty="0" smtClean="0">
+            <a:rPr lang="ko-KR" altLang="ko-KR" sz="1100" b="0" dirty="0">
               <a:solidFill>
                 <a:schemeClr val="tx1">
                   <a:lumMod val="75000"/>
@@ -3076,7 +2976,7 @@
             <a:t>주요상품이 돋보이도록 직관적이면서 시각적인 </a:t>
           </a:r>
           <a:r>
-            <a:rPr lang="ko-KR" altLang="ko-KR" sz="1100" b="0" dirty="0" err="1" smtClean="0">
+            <a:rPr lang="ko-KR" altLang="ko-KR" sz="1100" b="0" dirty="0" err="1">
               <a:solidFill>
                 <a:schemeClr val="tx1">
                   <a:lumMod val="75000"/>
@@ -3088,7 +2988,7 @@
             <a:t>집중도를</a:t>
           </a:r>
           <a:r>
-            <a:rPr lang="ko-KR" altLang="ko-KR" sz="1100" b="0" dirty="0" smtClean="0">
+            <a:rPr lang="ko-KR" altLang="ko-KR" sz="1100" b="0" dirty="0">
               <a:solidFill>
                 <a:schemeClr val="tx1">
                   <a:lumMod val="75000"/>
@@ -3100,7 +3000,7 @@
             <a:t> 높이는 디자인과</a:t>
           </a:r>
           <a:r>
-            <a:rPr lang="en-US" altLang="ko-KR" sz="1100" b="0" dirty="0" smtClean="0">
+            <a:rPr lang="en-US" altLang="ko-KR" sz="1100" b="0" dirty="0">
               <a:solidFill>
                 <a:schemeClr val="tx1">
                   <a:lumMod val="75000"/>
@@ -3112,7 +3012,7 @@
             <a:t> </a:t>
           </a:r>
           <a:r>
-            <a:rPr lang="ko-KR" altLang="en-US" sz="1100" b="0" dirty="0" err="1" smtClean="0">
+            <a:rPr lang="ko-KR" altLang="en-US" sz="1100" b="0" dirty="0" err="1">
               <a:solidFill>
                 <a:schemeClr val="tx1">
                   <a:lumMod val="75000"/>
@@ -3124,7 +3024,7 @@
             <a:t>포르미라는</a:t>
           </a:r>
           <a:r>
-            <a:rPr lang="ko-KR" altLang="en-US" sz="1100" b="0" dirty="0" smtClean="0">
+            <a:rPr lang="ko-KR" altLang="en-US" sz="1100" b="0" dirty="0">
               <a:solidFill>
                 <a:schemeClr val="tx1">
                   <a:lumMod val="75000"/>
@@ -3136,7 +3036,7 @@
             <a:t> 브랜드 특색을 살린 자연친화적인 디자인</a:t>
           </a:r>
           <a:r>
-            <a:rPr lang="en-US" altLang="ko-KR" sz="1100" b="0" dirty="0" smtClean="0">
+            <a:rPr lang="en-US" altLang="ko-KR" sz="1100" b="0" dirty="0">
               <a:solidFill>
                 <a:schemeClr val="tx1">
                   <a:lumMod val="75000"/>
@@ -3237,7 +3137,7 @@
             <a:t> </a:t>
           </a:r>
           <a:r>
-            <a:rPr lang="en-US" altLang="ko-KR" sz="1100" b="0" dirty="0" smtClean="0">
+            <a:rPr lang="en-US" altLang="ko-KR" sz="1100" b="0" dirty="0">
               <a:solidFill>
                 <a:schemeClr val="tx1">
                   <a:lumMod val="75000"/>
@@ -3249,7 +3149,7 @@
             <a:t>: </a:t>
           </a:r>
           <a:r>
-            <a:rPr lang="ko-KR" altLang="en-US" sz="1100" b="0" dirty="0" smtClean="0">
+            <a:rPr lang="ko-KR" altLang="en-US" sz="1100" b="0" dirty="0">
               <a:solidFill>
                 <a:schemeClr val="tx1">
                   <a:lumMod val="75000"/>
@@ -3261,7 +3161,7 @@
             <a:t>다이어트 도시락</a:t>
           </a:r>
           <a:r>
-            <a:rPr lang="en-US" altLang="ko-KR" sz="1100" b="0" dirty="0" smtClean="0">
+            <a:rPr lang="en-US" altLang="ko-KR" sz="1100" b="0" dirty="0">
               <a:solidFill>
                 <a:schemeClr val="tx1">
                   <a:lumMod val="75000"/>
@@ -3273,7 +3173,7 @@
             <a:t>, </a:t>
           </a:r>
           <a:r>
-            <a:rPr lang="ko-KR" altLang="en-US" sz="1100" b="0" dirty="0" err="1" smtClean="0">
+            <a:rPr lang="ko-KR" altLang="en-US" sz="1100" b="0" dirty="0" err="1">
               <a:solidFill>
                 <a:schemeClr val="tx1">
                   <a:lumMod val="75000"/>
@@ -3285,7 +3185,7 @@
             <a:t>혼밥족</a:t>
           </a:r>
           <a:r>
-            <a:rPr lang="en-US" altLang="ko-KR" sz="1100" b="0" dirty="0" smtClean="0">
+            <a:rPr lang="en-US" altLang="ko-KR" sz="1100" b="0" dirty="0">
               <a:solidFill>
                 <a:schemeClr val="tx1">
                   <a:lumMod val="75000"/>
@@ -3297,7 +3197,7 @@
             <a:t>, </a:t>
           </a:r>
           <a:r>
-            <a:rPr lang="ko-KR" altLang="en-US" sz="1100" b="0" dirty="0" smtClean="0">
+            <a:rPr lang="ko-KR" altLang="en-US" sz="1100" b="0" dirty="0">
               <a:solidFill>
                 <a:schemeClr val="tx1">
                   <a:lumMod val="75000"/>
@@ -3309,7 +3209,7 @@
             <a:t>운동식단</a:t>
           </a:r>
           <a:r>
-            <a:rPr lang="en-US" altLang="ko-KR" sz="1100" b="0" dirty="0" smtClean="0">
+            <a:rPr lang="en-US" altLang="ko-KR" sz="1100" b="0" dirty="0">
               <a:solidFill>
                 <a:schemeClr val="tx1">
                   <a:lumMod val="75000"/>
@@ -3321,7 +3221,7 @@
             <a:t>, </a:t>
           </a:r>
           <a:r>
-            <a:rPr lang="ko-KR" altLang="en-US" sz="1100" b="0" dirty="0" smtClean="0">
+            <a:rPr lang="ko-KR" altLang="en-US" sz="1100" b="0" dirty="0">
               <a:solidFill>
                 <a:schemeClr val="tx1">
                   <a:lumMod val="75000"/>
@@ -3332,15 +3232,6 @@
             </a:rPr>
             <a:t>다이어트</a:t>
           </a:r>
-          <a:endParaRPr lang="ko-KR" altLang="en-US" sz="1100" b="0" dirty="0">
-            <a:solidFill>
-              <a:schemeClr val="tx1">
-                <a:lumMod val="75000"/>
-                <a:lumOff val="25000"/>
-              </a:schemeClr>
-            </a:solidFill>
-            <a:latin typeface="+mn-lt"/>
-          </a:endParaRPr>
         </a:p>
       </dgm:t>
     </dgm:pt>
@@ -3377,14 +3268,6 @@
         </dgm:presLayoutVars>
       </dgm:prSet>
       <dgm:spPr/>
-      <dgm:t>
-        <a:bodyPr/>
-        <a:lstStyle/>
-        <a:p>
-          <a:pPr latinLnBrk="1"/>
-          <a:endParaRPr lang="ko-KR" altLang="en-US"/>
-        </a:p>
-      </dgm:t>
     </dgm:pt>
     <dgm:pt modelId="{BAECB982-55FA-4202-8E27-F6B6CC2287CD}" type="pres">
       <dgm:prSet presAssocID="{D58B520D-A07B-4F94-8DF3-9C1500C899DC}" presName="thickLine" presStyleLbl="alignNode1" presStyleIdx="0" presStyleCnt="1"/>
@@ -3397,14 +3280,6 @@
     <dgm:pt modelId="{53626961-974F-4A63-9DA8-CD56D99EE4DF}" type="pres">
       <dgm:prSet presAssocID="{D58B520D-A07B-4F94-8DF3-9C1500C899DC}" presName="tx1" presStyleLbl="revTx" presStyleIdx="0" presStyleCnt="7"/>
       <dgm:spPr/>
-      <dgm:t>
-        <a:bodyPr/>
-        <a:lstStyle/>
-        <a:p>
-          <a:pPr latinLnBrk="1"/>
-          <a:endParaRPr lang="ko-KR" altLang="en-US"/>
-        </a:p>
-      </dgm:t>
     </dgm:pt>
     <dgm:pt modelId="{CFF04302-6886-4386-9185-5D53F19CEF97}" type="pres">
       <dgm:prSet presAssocID="{D58B520D-A07B-4F94-8DF3-9C1500C899DC}" presName="vert1" presStyleCnt="0"/>
@@ -3425,14 +3300,6 @@
     <dgm:pt modelId="{B292DB37-5DAC-4239-B187-DFD8D1E45EBC}" type="pres">
       <dgm:prSet presAssocID="{28926570-D9F9-446E-A6FE-D0A1CA8563C3}" presName="tx2" presStyleLbl="revTx" presStyleIdx="1" presStyleCnt="7" custScaleY="67816"/>
       <dgm:spPr/>
-      <dgm:t>
-        <a:bodyPr/>
-        <a:lstStyle/>
-        <a:p>
-          <a:pPr latinLnBrk="1"/>
-          <a:endParaRPr lang="ko-KR" altLang="en-US"/>
-        </a:p>
-      </dgm:t>
     </dgm:pt>
     <dgm:pt modelId="{AD57E317-9AA0-4DC4-A66B-22B937972D83}" type="pres">
       <dgm:prSet presAssocID="{28926570-D9F9-446E-A6FE-D0A1CA8563C3}" presName="vert2" presStyleCnt="0"/>
@@ -3457,14 +3324,6 @@
     <dgm:pt modelId="{10968B22-FB99-41A1-9693-4805EB3AA705}" type="pres">
       <dgm:prSet presAssocID="{711F28F9-5C6A-452F-B6B7-51D365DA9BE5}" presName="tx2" presStyleLbl="revTx" presStyleIdx="2" presStyleCnt="7" custScaleY="67816"/>
       <dgm:spPr/>
-      <dgm:t>
-        <a:bodyPr/>
-        <a:lstStyle/>
-        <a:p>
-          <a:pPr latinLnBrk="1"/>
-          <a:endParaRPr lang="ko-KR" altLang="en-US"/>
-        </a:p>
-      </dgm:t>
     </dgm:pt>
     <dgm:pt modelId="{DB348B1C-28E3-4DE7-9791-71B6F7233EF7}" type="pres">
       <dgm:prSet presAssocID="{711F28F9-5C6A-452F-B6B7-51D365DA9BE5}" presName="vert2" presStyleCnt="0"/>
@@ -3489,14 +3348,6 @@
     <dgm:pt modelId="{9C8F1E3E-C216-4424-9670-DF95234C16C6}" type="pres">
       <dgm:prSet presAssocID="{36EE2512-896A-411B-8C18-A9209D8B8486}" presName="tx2" presStyleLbl="revTx" presStyleIdx="3" presStyleCnt="7" custScaleY="67816"/>
       <dgm:spPr/>
-      <dgm:t>
-        <a:bodyPr/>
-        <a:lstStyle/>
-        <a:p>
-          <a:pPr latinLnBrk="1"/>
-          <a:endParaRPr lang="ko-KR" altLang="en-US"/>
-        </a:p>
-      </dgm:t>
     </dgm:pt>
     <dgm:pt modelId="{C20FBA09-16C5-4ED9-B82C-AC601DAFD6F4}" type="pres">
       <dgm:prSet presAssocID="{36EE2512-896A-411B-8C18-A9209D8B8486}" presName="vert2" presStyleCnt="0"/>
@@ -3521,14 +3372,6 @@
     <dgm:pt modelId="{81DFE6F8-DD24-492B-83E1-0830D2F01B2A}" type="pres">
       <dgm:prSet presAssocID="{48B20F56-5579-43A5-B7FC-B6921DBCF66B}" presName="tx2" presStyleLbl="revTx" presStyleIdx="4" presStyleCnt="7" custScaleY="67816"/>
       <dgm:spPr/>
-      <dgm:t>
-        <a:bodyPr/>
-        <a:lstStyle/>
-        <a:p>
-          <a:pPr latinLnBrk="1"/>
-          <a:endParaRPr lang="ko-KR" altLang="en-US"/>
-        </a:p>
-      </dgm:t>
     </dgm:pt>
     <dgm:pt modelId="{FE4C7192-2E36-4DBC-80C2-DFB3BB155973}" type="pres">
       <dgm:prSet presAssocID="{48B20F56-5579-43A5-B7FC-B6921DBCF66B}" presName="vert2" presStyleCnt="0"/>
@@ -3553,14 +3396,6 @@
     <dgm:pt modelId="{4F06D6B1-2BB4-4075-A033-688B589B0B14}" type="pres">
       <dgm:prSet presAssocID="{D60B39B7-B0FB-4F89-830B-0C40B4020BA1}" presName="tx2" presStyleLbl="revTx" presStyleIdx="5" presStyleCnt="7" custScaleY="67816"/>
       <dgm:spPr/>
-      <dgm:t>
-        <a:bodyPr/>
-        <a:lstStyle/>
-        <a:p>
-          <a:pPr latinLnBrk="1"/>
-          <a:endParaRPr lang="ko-KR" altLang="en-US"/>
-        </a:p>
-      </dgm:t>
     </dgm:pt>
     <dgm:pt modelId="{D22D3395-A616-4309-9A8B-968F96B15176}" type="pres">
       <dgm:prSet presAssocID="{D60B39B7-B0FB-4F89-830B-0C40B4020BA1}" presName="vert2" presStyleCnt="0"/>
@@ -3585,14 +3420,6 @@
     <dgm:pt modelId="{F1D1BEF8-9417-4F00-9342-2A92EF88E3E4}" type="pres">
       <dgm:prSet presAssocID="{70057C24-78A9-4E15-805D-4830A7B87457}" presName="tx2" presStyleLbl="revTx" presStyleIdx="6" presStyleCnt="7" custScaleY="67816"/>
       <dgm:spPr/>
-      <dgm:t>
-        <a:bodyPr/>
-        <a:lstStyle/>
-        <a:p>
-          <a:pPr latinLnBrk="1"/>
-          <a:endParaRPr lang="ko-KR" altLang="en-US"/>
-        </a:p>
-      </dgm:t>
     </dgm:pt>
     <dgm:pt modelId="{A3E14711-E84E-4DDD-9E59-08B76228A8F4}" type="pres">
       <dgm:prSet presAssocID="{70057C24-78A9-4E15-805D-4830A7B87457}" presName="vert2" presStyleCnt="0"/>
@@ -3608,21 +3435,21 @@
     </dgm:pt>
   </dgm:ptLst>
   <dgm:cxnLst>
-    <dgm:cxn modelId="{040649DB-B7E2-40E6-B8F1-079AC4E5E770}" type="presOf" srcId="{78B4B756-542A-42DE-878E-77FF91FD2977}" destId="{29E70F29-69A1-4720-B9F8-A239D19F5874}" srcOrd="0" destOrd="0" presId="urn:microsoft.com/office/officeart/2008/layout/LinedList"/>
-    <dgm:cxn modelId="{945A36A1-8868-49AC-AD6A-517F149F4A39}" srcId="{D58B520D-A07B-4F94-8DF3-9C1500C899DC}" destId="{70057C24-78A9-4E15-805D-4830A7B87457}" srcOrd="5" destOrd="0" parTransId="{D9F0FD69-7052-4873-9112-1C3642420A67}" sibTransId="{4DA0A697-7CF5-498B-BCAD-DB467EE332AE}"/>
-    <dgm:cxn modelId="{E6BF2A9B-8D19-407B-BE38-00FAB4AC2510}" type="presOf" srcId="{70057C24-78A9-4E15-805D-4830A7B87457}" destId="{F1D1BEF8-9417-4F00-9342-2A92EF88E3E4}" srcOrd="0" destOrd="0" presId="urn:microsoft.com/office/officeart/2008/layout/LinedList"/>
-    <dgm:cxn modelId="{E2F4C5E9-E815-47F5-9B07-14C10E731888}" type="presOf" srcId="{711F28F9-5C6A-452F-B6B7-51D365DA9BE5}" destId="{10968B22-FB99-41A1-9693-4805EB3AA705}" srcOrd="0" destOrd="0" presId="urn:microsoft.com/office/officeart/2008/layout/LinedList"/>
+    <dgm:cxn modelId="{A43F6A05-69BA-4A7C-BD72-EF3B441F30B7}" type="presOf" srcId="{28926570-D9F9-446E-A6FE-D0A1CA8563C3}" destId="{B292DB37-5DAC-4239-B187-DFD8D1E45EBC}" srcOrd="0" destOrd="0" presId="urn:microsoft.com/office/officeart/2008/layout/LinedList"/>
+    <dgm:cxn modelId="{68E1D40E-3915-4387-99C4-74338A7B5837}" type="presOf" srcId="{D58B520D-A07B-4F94-8DF3-9C1500C899DC}" destId="{53626961-974F-4A63-9DA8-CD56D99EE4DF}" srcOrd="0" destOrd="0" presId="urn:microsoft.com/office/officeart/2008/layout/LinedList"/>
     <dgm:cxn modelId="{4A04DA38-9CD6-4FAE-BEF9-DA47CD2A52B8}" type="presOf" srcId="{36EE2512-896A-411B-8C18-A9209D8B8486}" destId="{9C8F1E3E-C216-4424-9670-DF95234C16C6}" srcOrd="0" destOrd="0" presId="urn:microsoft.com/office/officeart/2008/layout/LinedList"/>
-    <dgm:cxn modelId="{3C44EB8B-6E96-4618-80BA-67174B98DA0A}" type="presOf" srcId="{48B20F56-5579-43A5-B7FC-B6921DBCF66B}" destId="{81DFE6F8-DD24-492B-83E1-0830D2F01B2A}" srcOrd="0" destOrd="0" presId="urn:microsoft.com/office/officeart/2008/layout/LinedList"/>
-    <dgm:cxn modelId="{A43F6A05-69BA-4A7C-BD72-EF3B441F30B7}" type="presOf" srcId="{28926570-D9F9-446E-A6FE-D0A1CA8563C3}" destId="{B292DB37-5DAC-4239-B187-DFD8D1E45EBC}" srcOrd="0" destOrd="0" presId="urn:microsoft.com/office/officeart/2008/layout/LinedList"/>
     <dgm:cxn modelId="{3864695B-4312-42AD-B616-2BEF5E8E430C}" srcId="{D58B520D-A07B-4F94-8DF3-9C1500C899DC}" destId="{36EE2512-896A-411B-8C18-A9209D8B8486}" srcOrd="2" destOrd="0" parTransId="{D2A8114D-A229-4172-974F-0B46CE7FB202}" sibTransId="{FA1528B4-2ECC-4930-9E81-09442B71C991}"/>
     <dgm:cxn modelId="{37352D5D-983C-4B8E-B80F-BF9AB47A236D}" srcId="{78B4B756-542A-42DE-878E-77FF91FD2977}" destId="{D58B520D-A07B-4F94-8DF3-9C1500C899DC}" srcOrd="0" destOrd="0" parTransId="{2A7C9E93-EB2E-4231-8DA7-1E640460AB28}" sibTransId="{1F8783D3-8D2F-4F76-AF1C-25D324BD0D03}"/>
+    <dgm:cxn modelId="{CDFDAC7E-671F-4D42-8E30-D8296EDBAF65}" srcId="{D58B520D-A07B-4F94-8DF3-9C1500C899DC}" destId="{D60B39B7-B0FB-4F89-830B-0C40B4020BA1}" srcOrd="4" destOrd="0" parTransId="{01F7781F-9633-4B4A-A11D-678DA1172AEE}" sibTransId="{EC4C1283-9338-443D-B6C7-66F9905552DC}"/>
+    <dgm:cxn modelId="{49AF6182-1BA8-42FA-B606-39E71ECC384D}" srcId="{D58B520D-A07B-4F94-8DF3-9C1500C899DC}" destId="{711F28F9-5C6A-452F-B6B7-51D365DA9BE5}" srcOrd="1" destOrd="0" parTransId="{E6BBB757-E182-4A7C-AD73-090A29D9DC9D}" sibTransId="{CA49FA52-5989-4E9B-96E7-82AB9DAC88EC}"/>
+    <dgm:cxn modelId="{3C44EB8B-6E96-4618-80BA-67174B98DA0A}" type="presOf" srcId="{48B20F56-5579-43A5-B7FC-B6921DBCF66B}" destId="{81DFE6F8-DD24-492B-83E1-0830D2F01B2A}" srcOrd="0" destOrd="0" presId="urn:microsoft.com/office/officeart/2008/layout/LinedList"/>
+    <dgm:cxn modelId="{E6BF2A9B-8D19-407B-BE38-00FAB4AC2510}" type="presOf" srcId="{70057C24-78A9-4E15-805D-4830A7B87457}" destId="{F1D1BEF8-9417-4F00-9342-2A92EF88E3E4}" srcOrd="0" destOrd="0" presId="urn:microsoft.com/office/officeart/2008/layout/LinedList"/>
+    <dgm:cxn modelId="{945A36A1-8868-49AC-AD6A-517F149F4A39}" srcId="{D58B520D-A07B-4F94-8DF3-9C1500C899DC}" destId="{70057C24-78A9-4E15-805D-4830A7B87457}" srcOrd="5" destOrd="0" parTransId="{D9F0FD69-7052-4873-9112-1C3642420A67}" sibTransId="{4DA0A697-7CF5-498B-BCAD-DB467EE332AE}"/>
+    <dgm:cxn modelId="{61F8C9C8-B2C0-4C9A-983D-2EACECA974A2}" srcId="{D58B520D-A07B-4F94-8DF3-9C1500C899DC}" destId="{28926570-D9F9-446E-A6FE-D0A1CA8563C3}" srcOrd="0" destOrd="0" parTransId="{942DBD04-AC7E-49A2-A4AA-B91B3D259276}" sibTransId="{A3E5F99B-F69F-4C7A-97B1-7D804234C214}"/>
+    <dgm:cxn modelId="{040649DB-B7E2-40E6-B8F1-079AC4E5E770}" type="presOf" srcId="{78B4B756-542A-42DE-878E-77FF91FD2977}" destId="{29E70F29-69A1-4720-B9F8-A239D19F5874}" srcOrd="0" destOrd="0" presId="urn:microsoft.com/office/officeart/2008/layout/LinedList"/>
+    <dgm:cxn modelId="{E2F4C5E9-E815-47F5-9B07-14C10E731888}" type="presOf" srcId="{711F28F9-5C6A-452F-B6B7-51D365DA9BE5}" destId="{10968B22-FB99-41A1-9693-4805EB3AA705}" srcOrd="0" destOrd="0" presId="urn:microsoft.com/office/officeart/2008/layout/LinedList"/>
     <dgm:cxn modelId="{258533EE-F705-4DF7-878C-CC0A3A2D4E72}" srcId="{D58B520D-A07B-4F94-8DF3-9C1500C899DC}" destId="{48B20F56-5579-43A5-B7FC-B6921DBCF66B}" srcOrd="3" destOrd="0" parTransId="{0D8B302B-B7A7-4DD5-B555-3AF9D3B6CEEC}" sibTransId="{C4455AB2-5ACB-41BF-BA34-02D2ADDFBFC3}"/>
     <dgm:cxn modelId="{99BEB4FC-C7B0-41BD-B961-E7A774109E9F}" type="presOf" srcId="{D60B39B7-B0FB-4F89-830B-0C40B4020BA1}" destId="{4F06D6B1-2BB4-4075-A033-688B589B0B14}" srcOrd="0" destOrd="0" presId="urn:microsoft.com/office/officeart/2008/layout/LinedList"/>
-    <dgm:cxn modelId="{49AF6182-1BA8-42FA-B606-39E71ECC384D}" srcId="{D58B520D-A07B-4F94-8DF3-9C1500C899DC}" destId="{711F28F9-5C6A-452F-B6B7-51D365DA9BE5}" srcOrd="1" destOrd="0" parTransId="{E6BBB757-E182-4A7C-AD73-090A29D9DC9D}" sibTransId="{CA49FA52-5989-4E9B-96E7-82AB9DAC88EC}"/>
-    <dgm:cxn modelId="{CDFDAC7E-671F-4D42-8E30-D8296EDBAF65}" srcId="{D58B520D-A07B-4F94-8DF3-9C1500C899DC}" destId="{D60B39B7-B0FB-4F89-830B-0C40B4020BA1}" srcOrd="4" destOrd="0" parTransId="{01F7781F-9633-4B4A-A11D-678DA1172AEE}" sibTransId="{EC4C1283-9338-443D-B6C7-66F9905552DC}"/>
-    <dgm:cxn modelId="{68E1D40E-3915-4387-99C4-74338A7B5837}" type="presOf" srcId="{D58B520D-A07B-4F94-8DF3-9C1500C899DC}" destId="{53626961-974F-4A63-9DA8-CD56D99EE4DF}" srcOrd="0" destOrd="0" presId="urn:microsoft.com/office/officeart/2008/layout/LinedList"/>
-    <dgm:cxn modelId="{61F8C9C8-B2C0-4C9A-983D-2EACECA974A2}" srcId="{D58B520D-A07B-4F94-8DF3-9C1500C899DC}" destId="{28926570-D9F9-446E-A6FE-D0A1CA8563C3}" srcOrd="0" destOrd="0" parTransId="{942DBD04-AC7E-49A2-A4AA-B91B3D259276}" sibTransId="{A3E5F99B-F69F-4C7A-97B1-7D804234C214}"/>
     <dgm:cxn modelId="{E802829F-B414-4F58-85D9-779B444B32C1}" type="presParOf" srcId="{29E70F29-69A1-4720-B9F8-A239D19F5874}" destId="{BAECB982-55FA-4202-8E27-F6B6CC2287CD}" srcOrd="0" destOrd="0" presId="urn:microsoft.com/office/officeart/2008/layout/LinedList"/>
     <dgm:cxn modelId="{E6D3800E-25BB-4FC4-BAF3-A8D056ACD405}" type="presParOf" srcId="{29E70F29-69A1-4720-B9F8-A239D19F5874}" destId="{174BC0FF-8CB4-4D37-954E-0E6C9CA76C9F}" srcOrd="1" destOrd="0" presId="urn:microsoft.com/office/officeart/2008/layout/LinedList"/>
     <dgm:cxn modelId="{F64CC9CD-A485-4F52-9E5E-1EA00C98B199}" type="presParOf" srcId="{174BC0FF-8CB4-4D37-954E-0E6C9CA76C9F}" destId="{53626961-974F-4A63-9DA8-CD56D99EE4DF}" srcOrd="0" destOrd="0" presId="urn:microsoft.com/office/officeart/2008/layout/LinedList"/>
@@ -3774,7 +3601,7 @@
         </a:bodyPr>
         <a:lstStyle/>
         <a:p>
-          <a:pPr lvl="0" algn="l" defTabSz="889000" latinLnBrk="1">
+          <a:pPr marL="0" lvl="0" indent="0" algn="l" defTabSz="889000" latinLnBrk="1">
             <a:lnSpc>
               <a:spcPct val="90000"/>
             </a:lnSpc>
@@ -3784,6 +3611,7 @@
             <a:spcAft>
               <a:spcPct val="35000"/>
             </a:spcAft>
+            <a:buNone/>
           </a:pPr>
           <a:r>
             <a:rPr lang="ko-KR" altLang="en-US" sz="2000" b="1" kern="1200" dirty="0"/>
@@ -3833,7 +3661,7 @@
         </a:bodyPr>
         <a:lstStyle/>
         <a:p>
-          <a:pPr lvl="0" algn="l" defTabSz="488950" latinLnBrk="1">
+          <a:pPr marL="0" lvl="0" indent="0" algn="l" defTabSz="488950" latinLnBrk="1">
             <a:lnSpc>
               <a:spcPct val="90000"/>
             </a:lnSpc>
@@ -3843,6 +3671,7 @@
             <a:spcAft>
               <a:spcPct val="35000"/>
             </a:spcAft>
+            <a:buNone/>
           </a:pPr>
           <a:r>
             <a:rPr lang="ko-KR" altLang="en-US" sz="1100" b="1" kern="1200" dirty="0">
@@ -3866,7 +3695,7 @@
             <a:t>: </a:t>
           </a:r>
           <a:r>
-            <a:rPr lang="ko-KR" altLang="en-US" sz="1100" b="0" kern="1200" dirty="0" err="1" smtClean="0">
+            <a:rPr lang="ko-KR" altLang="en-US" sz="1100" b="0" kern="1200" dirty="0" err="1">
               <a:solidFill>
                 <a:schemeClr val="tx1">
                   <a:lumMod val="75000"/>
@@ -3979,7 +3808,7 @@
         </a:bodyPr>
         <a:lstStyle/>
         <a:p>
-          <a:pPr lvl="0" algn="l" defTabSz="488950" latinLnBrk="1">
+          <a:pPr marL="0" lvl="0" indent="0" algn="l" defTabSz="488950" latinLnBrk="1">
             <a:lnSpc>
               <a:spcPct val="90000"/>
             </a:lnSpc>
@@ -3989,6 +3818,7 @@
             <a:spcAft>
               <a:spcPct val="35000"/>
             </a:spcAft>
+            <a:buNone/>
           </a:pPr>
           <a:r>
             <a:rPr lang="ko-KR" altLang="en-US" sz="1100" b="1" kern="1200" dirty="0">
@@ -4021,19 +3851,7 @@
               </a:solidFill>
               <a:latin typeface="+mn-lt"/>
             </a:rPr>
-            <a:t>: </a:t>
-          </a:r>
-          <a:r>
-            <a:rPr lang="en-US" altLang="ko-KR" sz="1100" b="0" kern="1200" dirty="0" smtClean="0">
-              <a:solidFill>
-                <a:schemeClr val="tx1">
-                  <a:lumMod val="75000"/>
-                  <a:lumOff val="25000"/>
-                </a:schemeClr>
-              </a:solidFill>
-              <a:latin typeface="+mn-lt"/>
-            </a:rPr>
-            <a:t>https://formefood.com</a:t>
+            <a:t>: https://formefood.com</a:t>
           </a:r>
           <a:endParaRPr lang="ko-KR" altLang="en-US" sz="1100" b="0" kern="1200" dirty="0">
             <a:solidFill>
@@ -4137,7 +3955,7 @@
         </a:bodyPr>
         <a:lstStyle/>
         <a:p>
-          <a:pPr lvl="0" algn="l" defTabSz="488950" latinLnBrk="1">
+          <a:pPr marL="0" lvl="0" indent="0" algn="l" defTabSz="488950" latinLnBrk="1">
             <a:lnSpc>
               <a:spcPct val="90000"/>
             </a:lnSpc>
@@ -4147,6 +3965,7 @@
             <a:spcAft>
               <a:spcPct val="35000"/>
             </a:spcAft>
+            <a:buNone/>
           </a:pPr>
           <a:r>
             <a:rPr lang="ko-KR" altLang="en-US" sz="1100" b="1" kern="1200" dirty="0">
@@ -4188,15 +4007,15 @@
             <a:t>: </a:t>
           </a:r>
           <a:r>
-            <a:rPr lang="en-US" sz="1100" b="0" i="0" kern="1200" dirty="0" err="1" smtClean="0"/>
+            <a:rPr lang="en-US" sz="1100" b="0" i="0" kern="1200" dirty="0" err="1"/>
             <a:t>다이어트</a:t>
           </a:r>
           <a:r>
-            <a:rPr lang="en-US" sz="1100" b="0" i="0" kern="1200" dirty="0" smtClean="0"/>
+            <a:rPr lang="en-US" sz="1100" b="0" i="0" kern="1200" dirty="0"/>
             <a:t> </a:t>
           </a:r>
           <a:r>
-            <a:rPr lang="en-US" sz="1100" b="0" i="0" kern="1200" dirty="0" err="1" smtClean="0"/>
+            <a:rPr lang="en-US" sz="1100" b="0" i="0" kern="1200" dirty="0" err="1"/>
             <a:t>도시락</a:t>
           </a:r>
           <a:endParaRPr lang="ko-KR" altLang="en-US" sz="1100" b="0" kern="1200" dirty="0">
@@ -4301,7 +4120,7 @@
         </a:bodyPr>
         <a:lstStyle/>
         <a:p>
-          <a:pPr lvl="0" algn="l" defTabSz="488950" latinLnBrk="1">
+          <a:pPr marL="0" lvl="0" indent="0" algn="l" defTabSz="488950" latinLnBrk="1">
             <a:lnSpc>
               <a:spcPct val="90000"/>
             </a:lnSpc>
@@ -4311,6 +4130,7 @@
             <a:spcAft>
               <a:spcPct val="35000"/>
             </a:spcAft>
+            <a:buNone/>
           </a:pPr>
           <a:r>
             <a:rPr lang="ko-KR" altLang="en-US" sz="1100" b="1" kern="1200" dirty="0">
@@ -4352,63 +4172,63 @@
             <a:t>: </a:t>
           </a:r>
           <a:r>
-            <a:rPr lang="en-US" sz="1100" b="0" i="0" kern="1200" dirty="0" err="1" smtClean="0"/>
+            <a:rPr lang="en-US" sz="1100" b="0" i="0" kern="1200" dirty="0" err="1"/>
             <a:t>식단</a:t>
           </a:r>
           <a:r>
-            <a:rPr lang="en-US" sz="1100" b="0" i="0" kern="1200" dirty="0" smtClean="0"/>
+            <a:rPr lang="en-US" sz="1100" b="0" i="0" kern="1200" dirty="0"/>
             <a:t> </a:t>
           </a:r>
           <a:r>
-            <a:rPr lang="en-US" sz="1100" b="0" i="0" kern="1200" dirty="0" err="1" smtClean="0"/>
+            <a:rPr lang="en-US" sz="1100" b="0" i="0" kern="1200" dirty="0" err="1"/>
             <a:t>관리</a:t>
           </a:r>
           <a:r>
-            <a:rPr lang="en-US" sz="1100" b="0" i="0" kern="1200" dirty="0" smtClean="0"/>
+            <a:rPr lang="en-US" sz="1100" b="0" i="0" kern="1200" dirty="0"/>
             <a:t> 및 </a:t>
           </a:r>
           <a:r>
-            <a:rPr lang="en-US" sz="1100" b="0" i="0" kern="1200" dirty="0" err="1" smtClean="0"/>
+            <a:rPr lang="en-US" sz="1100" b="0" i="0" kern="1200" dirty="0" err="1"/>
             <a:t>간단한</a:t>
           </a:r>
           <a:r>
-            <a:rPr lang="en-US" sz="1100" b="0" i="0" kern="1200" dirty="0" smtClean="0"/>
+            <a:rPr lang="en-US" sz="1100" b="0" i="0" kern="1200" dirty="0"/>
             <a:t> 한 끼 </a:t>
           </a:r>
           <a:r>
-            <a:rPr lang="en-US" sz="1100" b="0" i="0" kern="1200" dirty="0" err="1" smtClean="0"/>
+            <a:rPr lang="en-US" sz="1100" b="0" i="0" kern="1200" dirty="0" err="1"/>
             <a:t>식사</a:t>
           </a:r>
           <a:r>
-            <a:rPr lang="en-US" sz="1100" b="0" i="0" kern="1200" dirty="0" smtClean="0"/>
+            <a:rPr lang="en-US" sz="1100" b="0" i="0" kern="1200" dirty="0"/>
             <a:t> </a:t>
           </a:r>
           <a:r>
-            <a:rPr lang="en-US" sz="1100" b="0" i="0" kern="1200" dirty="0" err="1" smtClean="0"/>
+            <a:rPr lang="en-US" sz="1100" b="0" i="0" kern="1200" dirty="0" err="1"/>
             <a:t>대용이</a:t>
           </a:r>
           <a:r>
-            <a:rPr lang="en-US" sz="1100" b="0" i="0" kern="1200" dirty="0" smtClean="0"/>
+            <a:rPr lang="en-US" sz="1100" b="0" i="0" kern="1200" dirty="0"/>
             <a:t> </a:t>
           </a:r>
           <a:r>
-            <a:rPr lang="en-US" sz="1100" b="0" i="0" kern="1200" dirty="0" err="1" smtClean="0"/>
+            <a:rPr lang="en-US" sz="1100" b="0" i="0" kern="1200" dirty="0" err="1"/>
             <a:t>필요로</a:t>
           </a:r>
           <a:r>
-            <a:rPr lang="en-US" sz="1100" b="0" i="0" kern="1200" dirty="0" smtClean="0"/>
+            <a:rPr lang="en-US" sz="1100" b="0" i="0" kern="1200" dirty="0"/>
             <a:t> </a:t>
           </a:r>
           <a:r>
-            <a:rPr lang="en-US" sz="1100" b="0" i="0" kern="1200" dirty="0" err="1" smtClean="0"/>
+            <a:rPr lang="en-US" sz="1100" b="0" i="0" kern="1200" dirty="0" err="1"/>
             <a:t>하는</a:t>
           </a:r>
           <a:r>
-            <a:rPr lang="en-US" sz="1100" b="0" i="0" kern="1200" dirty="0" smtClean="0"/>
+            <a:rPr lang="en-US" sz="1100" b="0" i="0" kern="1200" dirty="0"/>
             <a:t> </a:t>
           </a:r>
           <a:r>
-            <a:rPr lang="en-US" sz="1100" b="0" i="0" kern="1200" dirty="0" err="1" smtClean="0"/>
+            <a:rPr lang="en-US" sz="1100" b="0" i="0" kern="1200" dirty="0" err="1"/>
             <a:t>사람들</a:t>
           </a:r>
           <a:endParaRPr lang="ko-KR" altLang="en-US" sz="1100" b="0" kern="1200" dirty="0">
@@ -4513,7 +4333,7 @@
         </a:bodyPr>
         <a:lstStyle/>
         <a:p>
-          <a:pPr lvl="0" algn="l" defTabSz="488950" latinLnBrk="1">
+          <a:pPr marL="0" lvl="0" indent="0" algn="l" defTabSz="488950" latinLnBrk="1">
             <a:lnSpc>
               <a:spcPct val="90000"/>
             </a:lnSpc>
@@ -4523,6 +4343,7 @@
             <a:spcAft>
               <a:spcPct val="35000"/>
             </a:spcAft>
+            <a:buNone/>
           </a:pPr>
           <a:r>
             <a:rPr lang="ko-KR" altLang="en-US" sz="1100" b="1" kern="1200" dirty="0">
@@ -4552,7 +4373,7 @@
             <a:t>무 </a:t>
           </a:r>
           <a:r>
-            <a:rPr lang="en-US" altLang="ko-KR" sz="1100" b="0" kern="1200" dirty="0" smtClean="0">
+            <a:rPr lang="en-US" altLang="ko-KR" sz="1100" b="0" kern="1200" dirty="0">
               <a:solidFill>
                 <a:schemeClr val="tx1">
                   <a:lumMod val="75000"/>
@@ -4564,7 +4385,7 @@
             <a:t>: </a:t>
           </a:r>
           <a:r>
-            <a:rPr lang="ko-KR" altLang="en-US" sz="1100" b="0" kern="1200" dirty="0" smtClean="0">
+            <a:rPr lang="ko-KR" altLang="en-US" sz="1100" b="0" kern="1200" dirty="0">
               <a:solidFill>
                 <a:schemeClr val="tx1">
                   <a:lumMod val="75000"/>
@@ -4575,15 +4396,6 @@
             </a:rPr>
             <a:t>무</a:t>
           </a:r>
-          <a:endParaRPr lang="ko-KR" altLang="en-US" sz="1100" b="0" kern="1200" dirty="0">
-            <a:solidFill>
-              <a:schemeClr val="tx1">
-                <a:lumMod val="75000"/>
-                <a:lumOff val="25000"/>
-              </a:schemeClr>
-            </a:solidFill>
-            <a:latin typeface="+mn-lt"/>
-          </a:endParaRPr>
         </a:p>
       </dsp:txBody>
       <dsp:txXfrm>
@@ -4739,7 +4551,7 @@
         </a:bodyPr>
         <a:lstStyle/>
         <a:p>
-          <a:pPr lvl="0" algn="l" defTabSz="889000" latinLnBrk="1">
+          <a:pPr marL="0" lvl="0" indent="0" algn="l" defTabSz="889000" latinLnBrk="1">
             <a:lnSpc>
               <a:spcPct val="90000"/>
             </a:lnSpc>
@@ -4749,6 +4561,7 @@
             <a:spcAft>
               <a:spcPct val="35000"/>
             </a:spcAft>
+            <a:buNone/>
           </a:pPr>
           <a:r>
             <a:rPr lang="ko-KR" altLang="en-US" sz="2000" b="1" kern="1200" dirty="0"/>
@@ -4798,7 +4611,7 @@
         </a:bodyPr>
         <a:lstStyle/>
         <a:p>
-          <a:pPr lvl="0" algn="l" defTabSz="488950" latinLnBrk="1">
+          <a:pPr marL="0" lvl="0" indent="0" algn="l" defTabSz="488950" latinLnBrk="1">
             <a:lnSpc>
               <a:spcPct val="90000"/>
             </a:lnSpc>
@@ -4808,6 +4621,7 @@
             <a:spcAft>
               <a:spcPct val="35000"/>
             </a:spcAft>
+            <a:buNone/>
           </a:pPr>
           <a:r>
             <a:rPr lang="ko-KR" altLang="en-US" sz="1100" b="1" kern="1200" dirty="0">
@@ -4831,43 +4645,43 @@
             <a:t>: </a:t>
           </a:r>
           <a:r>
-            <a:rPr lang="ko-KR" altLang="en-US" sz="1100" b="0" i="0" kern="1200" dirty="0" smtClean="0"/>
+            <a:rPr lang="ko-KR" altLang="en-US" sz="1100" b="0" i="0" kern="1200" dirty="0"/>
             <a:t>많은 다이어트 도시락 경쟁업체 속에서 </a:t>
           </a:r>
           <a:r>
-            <a:rPr lang="en-US" altLang="ko-KR" sz="1100" b="0" i="0" kern="1200" dirty="0" smtClean="0"/>
+            <a:rPr lang="en-US" altLang="ko-KR" sz="1100" b="0" i="0" kern="1200" dirty="0"/>
             <a:t>'</a:t>
           </a:r>
           <a:r>
-            <a:rPr lang="ko-KR" altLang="en-US" sz="1100" b="0" i="0" kern="1200" dirty="0" err="1" smtClean="0"/>
+            <a:rPr lang="ko-KR" altLang="en-US" sz="1100" b="0" i="0" kern="1200" dirty="0" err="1"/>
             <a:t>포르미</a:t>
           </a:r>
           <a:r>
-            <a:rPr lang="en-US" altLang="ko-KR" sz="1100" b="0" i="0" kern="1200" dirty="0" smtClean="0"/>
+            <a:rPr lang="en-US" altLang="ko-KR" sz="1100" b="0" i="0" kern="1200" dirty="0"/>
             <a:t>' </a:t>
           </a:r>
           <a:r>
-            <a:rPr lang="ko-KR" altLang="en-US" sz="1100" b="0" i="0" kern="1200" dirty="0" smtClean="0"/>
+            <a:rPr lang="ko-KR" altLang="en-US" sz="1100" b="0" i="0" kern="1200" dirty="0"/>
             <a:t>라는 브랜드만이 가지고 있는 </a:t>
           </a:r>
           <a:r>
-            <a:rPr lang="ko-KR" altLang="en-US" sz="1100" b="0" i="0" kern="1200" dirty="0" err="1" smtClean="0"/>
+            <a:rPr lang="ko-KR" altLang="en-US" sz="1100" b="0" i="0" kern="1200" dirty="0" err="1"/>
             <a:t>아이덴티티가</a:t>
           </a:r>
           <a:r>
-            <a:rPr lang="ko-KR" altLang="en-US" sz="1100" b="0" i="0" kern="1200" dirty="0" smtClean="0"/>
+            <a:rPr lang="ko-KR" altLang="en-US" sz="1100" b="0" i="0" kern="1200" dirty="0"/>
             <a:t> 부족한 느낌으로 </a:t>
           </a:r>
           <a:r>
-            <a:rPr lang="ko-KR" altLang="en-US" sz="1100" b="0" i="0" kern="1200" dirty="0" err="1" smtClean="0"/>
+            <a:rPr lang="ko-KR" altLang="en-US" sz="1100" b="0" i="0" kern="1200" dirty="0" err="1"/>
             <a:t>포르미만의</a:t>
           </a:r>
           <a:r>
-            <a:rPr lang="ko-KR" altLang="en-US" sz="1100" b="0" i="0" kern="1200" dirty="0" smtClean="0"/>
+            <a:rPr lang="ko-KR" altLang="en-US" sz="1100" b="0" i="0" kern="1200" dirty="0"/>
             <a:t> 강점이 나타나는 특색 있는 디자인으로 재구성하기 위함</a:t>
           </a:r>
           <a:r>
-            <a:rPr lang="en-US" altLang="ko-KR" sz="1100" b="0" i="0" kern="1200" dirty="0" smtClean="0"/>
+            <a:rPr lang="en-US" altLang="ko-KR" sz="1100" b="0" i="0" kern="1200" dirty="0"/>
             <a:t>.</a:t>
           </a:r>
           <a:endParaRPr lang="ko-KR" altLang="en-US" sz="1100" b="0" kern="1200" dirty="0">
@@ -4972,7 +4786,7 @@
         </a:bodyPr>
         <a:lstStyle/>
         <a:p>
-          <a:pPr lvl="0" algn="l" defTabSz="488950" latinLnBrk="1">
+          <a:pPr marL="0" lvl="0" indent="0" algn="l" defTabSz="488950" latinLnBrk="1">
             <a:lnSpc>
               <a:spcPct val="90000"/>
             </a:lnSpc>
@@ -4982,6 +4796,7 @@
             <a:spcAft>
               <a:spcPct val="35000"/>
             </a:spcAft>
+            <a:buNone/>
           </a:pPr>
           <a:r>
             <a:rPr lang="ko-KR" altLang="en-US" sz="1100" b="1" kern="1200" dirty="0">
@@ -5017,99 +4832,99 @@
             <a:t>: </a:t>
           </a:r>
           <a:r>
-            <a:rPr lang="en-US" sz="1100" b="0" i="0" kern="1200" dirty="0" err="1" smtClean="0"/>
+            <a:rPr lang="en-US" sz="1100" b="0" i="0" kern="1200" dirty="0" err="1"/>
             <a:t>포르미만이</a:t>
           </a:r>
           <a:r>
-            <a:rPr lang="en-US" sz="1100" b="0" i="0" kern="1200" dirty="0" smtClean="0"/>
+            <a:rPr lang="en-US" sz="1100" b="0" i="0" kern="1200" dirty="0"/>
             <a:t> </a:t>
           </a:r>
           <a:r>
-            <a:rPr lang="en-US" sz="1100" b="0" i="0" kern="1200" dirty="0" err="1" smtClean="0"/>
+            <a:rPr lang="en-US" sz="1100" b="0" i="0" kern="1200" dirty="0" err="1"/>
             <a:t>가지고</a:t>
           </a:r>
           <a:r>
-            <a:rPr lang="en-US" sz="1100" b="0" i="0" kern="1200" dirty="0" smtClean="0"/>
+            <a:rPr lang="en-US" sz="1100" b="0" i="0" kern="1200" dirty="0"/>
             <a:t> </a:t>
           </a:r>
           <a:r>
-            <a:rPr lang="en-US" sz="1100" b="0" i="0" kern="1200" dirty="0" err="1" smtClean="0"/>
+            <a:rPr lang="en-US" sz="1100" b="0" i="0" kern="1200" dirty="0" err="1"/>
             <a:t>있는</a:t>
           </a:r>
           <a:r>
-            <a:rPr lang="en-US" sz="1100" b="0" i="0" kern="1200" dirty="0" smtClean="0"/>
+            <a:rPr lang="en-US" sz="1100" b="0" i="0" kern="1200" dirty="0"/>
             <a:t> </a:t>
           </a:r>
           <a:r>
-            <a:rPr lang="en-US" sz="1100" b="0" i="0" kern="1200" dirty="0" err="1" smtClean="0"/>
+            <a:rPr lang="en-US" sz="1100" b="0" i="0" kern="1200" dirty="0" err="1"/>
             <a:t>업체</a:t>
           </a:r>
           <a:r>
-            <a:rPr lang="en-US" sz="1100" b="0" i="0" kern="1200" dirty="0" smtClean="0"/>
+            <a:rPr lang="en-US" sz="1100" b="0" i="0" kern="1200" dirty="0"/>
             <a:t> </a:t>
           </a:r>
           <a:r>
-            <a:rPr lang="en-US" sz="1100" b="0" i="0" kern="1200" dirty="0" err="1" smtClean="0"/>
+            <a:rPr lang="en-US" sz="1100" b="0" i="0" kern="1200" dirty="0" err="1"/>
             <a:t>장점이</a:t>
           </a:r>
           <a:r>
-            <a:rPr lang="en-US" sz="1100" b="0" i="0" kern="1200" dirty="0" smtClean="0"/>
+            <a:rPr lang="en-US" sz="1100" b="0" i="0" kern="1200" dirty="0"/>
             <a:t> </a:t>
           </a:r>
           <a:r>
-            <a:rPr lang="en-US" sz="1100" b="0" i="0" kern="1200" dirty="0" err="1" smtClean="0"/>
+            <a:rPr lang="en-US" sz="1100" b="0" i="0" kern="1200" dirty="0" err="1"/>
             <a:t>드러나면서</a:t>
           </a:r>
           <a:r>
-            <a:rPr lang="en-US" sz="1100" b="0" i="0" kern="1200" dirty="0" smtClean="0"/>
+            <a:rPr lang="en-US" sz="1100" b="0" i="0" kern="1200" dirty="0"/>
             <a:t> </a:t>
           </a:r>
           <a:r>
-            <a:rPr lang="en-US" sz="1100" b="0" i="0" kern="1200" dirty="0" err="1" smtClean="0"/>
+            <a:rPr lang="en-US" sz="1100" b="0" i="0" kern="1200" dirty="0" err="1"/>
             <a:t>고객들에게</a:t>
           </a:r>
           <a:r>
-            <a:rPr lang="en-US" sz="1100" b="0" i="0" kern="1200" dirty="0" smtClean="0"/>
+            <a:rPr lang="en-US" sz="1100" b="0" i="0" kern="1200" dirty="0"/>
             <a:t> </a:t>
           </a:r>
           <a:r>
-            <a:rPr lang="en-US" sz="1100" b="0" i="0" kern="1200" dirty="0" err="1" smtClean="0"/>
+            <a:rPr lang="en-US" sz="1100" b="0" i="0" kern="1200" dirty="0" err="1"/>
             <a:t>긍정적인</a:t>
           </a:r>
           <a:r>
-            <a:rPr lang="en-US" sz="1100" b="0" i="0" kern="1200" dirty="0" smtClean="0"/>
+            <a:rPr lang="en-US" sz="1100" b="0" i="0" kern="1200" dirty="0"/>
             <a:t> </a:t>
           </a:r>
           <a:r>
-            <a:rPr lang="en-US" sz="1100" b="0" i="0" kern="1200" dirty="0" err="1" smtClean="0"/>
+            <a:rPr lang="en-US" sz="1100" b="0" i="0" kern="1200" dirty="0" err="1"/>
             <a:t>영향으로</a:t>
           </a:r>
           <a:r>
-            <a:rPr lang="en-US" sz="1100" b="0" i="0" kern="1200" dirty="0" smtClean="0"/>
+            <a:rPr lang="en-US" sz="1100" b="0" i="0" kern="1200" dirty="0"/>
             <a:t> </a:t>
           </a:r>
           <a:r>
-            <a:rPr lang="en-US" sz="1100" b="0" i="0" kern="1200" dirty="0" err="1" smtClean="0"/>
+            <a:rPr lang="en-US" sz="1100" b="0" i="0" kern="1200" dirty="0" err="1"/>
             <a:t>매출로까지</a:t>
           </a:r>
           <a:r>
-            <a:rPr lang="en-US" sz="1100" b="0" i="0" kern="1200" dirty="0" smtClean="0"/>
+            <a:rPr lang="en-US" sz="1100" b="0" i="0" kern="1200" dirty="0"/>
             <a:t> </a:t>
           </a:r>
           <a:r>
-            <a:rPr lang="en-US" sz="1100" b="0" i="0" kern="1200" dirty="0" err="1" smtClean="0"/>
+            <a:rPr lang="en-US" sz="1100" b="0" i="0" kern="1200" dirty="0" err="1"/>
             <a:t>이어지는</a:t>
           </a:r>
           <a:r>
-            <a:rPr lang="en-US" sz="1100" b="0" i="0" kern="1200" dirty="0" smtClean="0"/>
+            <a:rPr lang="en-US" sz="1100" b="0" i="0" kern="1200" dirty="0"/>
             <a:t> </a:t>
           </a:r>
           <a:r>
-            <a:rPr lang="en-US" sz="1100" b="0" i="0" kern="1200" dirty="0" err="1" smtClean="0"/>
+            <a:rPr lang="en-US" sz="1100" b="0" i="0" kern="1200" dirty="0" err="1"/>
             <a:t>결과</a:t>
           </a:r>
           <a:r>
-            <a:rPr lang="en-US" sz="1100" b="0" i="0" kern="1200" dirty="0" smtClean="0"/>
+            <a:rPr lang="en-US" sz="1100" b="0" i="0" kern="1200" dirty="0"/>
             <a:t>.</a:t>
           </a:r>
           <a:endParaRPr lang="ko-KR" altLang="en-US" sz="1100" b="0" kern="1200" dirty="0">
@@ -5214,7 +5029,7 @@
         </a:bodyPr>
         <a:lstStyle/>
         <a:p>
-          <a:pPr lvl="0" algn="l" defTabSz="488950" latinLnBrk="1">
+          <a:pPr marL="0" lvl="0" indent="0" algn="l" defTabSz="488950" latinLnBrk="1">
             <a:lnSpc>
               <a:spcPct val="90000"/>
             </a:lnSpc>
@@ -5224,6 +5039,7 @@
             <a:spcAft>
               <a:spcPct val="35000"/>
             </a:spcAft>
+            <a:buNone/>
           </a:pPr>
           <a:r>
             <a:rPr lang="ko-KR" altLang="en-US" sz="1100" b="1" kern="1200" dirty="0">
@@ -5244,22 +5060,10 @@
               </a:solidFill>
               <a:latin typeface="+mn-lt"/>
             </a:rPr>
-            <a:t>: </a:t>
+            <a:t>: 1280px </a:t>
           </a:r>
           <a:r>
-            <a:rPr lang="en-US" altLang="ko-KR" sz="1100" b="0" kern="1200" dirty="0" smtClean="0">
-              <a:solidFill>
-                <a:schemeClr val="tx1">
-                  <a:lumMod val="75000"/>
-                  <a:lumOff val="25000"/>
-                </a:schemeClr>
-              </a:solidFill>
-              <a:latin typeface="+mn-lt"/>
-            </a:rPr>
-            <a:t>1280px </a:t>
-          </a:r>
-          <a:r>
-            <a:rPr lang="ko-KR" altLang="en-US" sz="1100" b="0" kern="1200" dirty="0" smtClean="0">
+            <a:rPr lang="ko-KR" altLang="en-US" sz="1100" b="0" kern="1200" dirty="0">
               <a:solidFill>
                 <a:schemeClr val="tx1">
                   <a:lumMod val="75000"/>
@@ -5271,7 +5075,7 @@
             <a:t>기준 그 이상의 화면의 크기를 가지는 기기 </a:t>
           </a:r>
           <a:r>
-            <a:rPr lang="en-US" altLang="ko-KR" sz="1100" b="0" kern="1200" dirty="0" smtClean="0">
+            <a:rPr lang="en-US" altLang="ko-KR" sz="1100" b="0" kern="1200" dirty="0">
               <a:solidFill>
                 <a:schemeClr val="tx1">
                   <a:lumMod val="75000"/>
@@ -5283,7 +5087,7 @@
             <a:t>+ </a:t>
           </a:r>
           <a:r>
-            <a:rPr lang="ko-KR" altLang="en-US" sz="1100" b="0" kern="1200" dirty="0" err="1" smtClean="0">
+            <a:rPr lang="ko-KR" altLang="en-US" sz="1100" b="0" kern="1200" dirty="0" err="1">
               <a:solidFill>
                 <a:schemeClr val="tx1">
                   <a:lumMod val="75000"/>
@@ -5396,7 +5200,7 @@
         </a:bodyPr>
         <a:lstStyle/>
         <a:p>
-          <a:pPr lvl="0" algn="l" defTabSz="488950" latinLnBrk="1">
+          <a:pPr marL="0" lvl="0" indent="0" algn="l" defTabSz="488950" latinLnBrk="1">
             <a:lnSpc>
               <a:spcPct val="90000"/>
             </a:lnSpc>
@@ -5406,6 +5210,7 @@
             <a:spcAft>
               <a:spcPct val="35000"/>
             </a:spcAft>
+            <a:buNone/>
           </a:pPr>
           <a:r>
             <a:rPr lang="ko-KR" altLang="en-US" sz="1100" b="1" kern="1200" dirty="0">
@@ -5429,7 +5234,7 @@
             <a:t>: </a:t>
           </a:r>
           <a:r>
-            <a:rPr lang="ko-KR" altLang="en-US" sz="1100" b="0" kern="1200" dirty="0" smtClean="0">
+            <a:rPr lang="ko-KR" altLang="en-US" sz="1100" b="0" kern="1200" dirty="0">
               <a:solidFill>
                 <a:schemeClr val="tx1">
                   <a:lumMod val="75000"/>
@@ -5441,7 +5246,7 @@
             <a:t>그린</a:t>
           </a:r>
           <a:r>
-            <a:rPr lang="en-US" altLang="ko-KR" sz="1100" b="0" kern="1200" dirty="0" smtClean="0">
+            <a:rPr lang="en-US" altLang="ko-KR" sz="1100" b="0" kern="1200" dirty="0">
               <a:solidFill>
                 <a:schemeClr val="tx1">
                   <a:lumMod val="75000"/>
@@ -5453,7 +5258,7 @@
             <a:t>, </a:t>
           </a:r>
           <a:r>
-            <a:rPr lang="ko-KR" altLang="en-US" sz="1100" b="0" kern="1200" dirty="0" smtClean="0">
+            <a:rPr lang="ko-KR" altLang="en-US" sz="1100" b="0" kern="1200" dirty="0">
               <a:solidFill>
                 <a:schemeClr val="tx1">
                   <a:lumMod val="75000"/>
@@ -5462,17 +5267,8 @@
               </a:solidFill>
               <a:latin typeface="+mn-lt"/>
             </a:rPr>
-            <a:t>오렌지</a:t>
+            <a:t>옐로우</a:t>
           </a:r>
-          <a:endParaRPr lang="ko-KR" altLang="en-US" sz="1100" b="0" kern="1200" dirty="0">
-            <a:solidFill>
-              <a:schemeClr val="tx1">
-                <a:lumMod val="75000"/>
-                <a:lumOff val="25000"/>
-              </a:schemeClr>
-            </a:solidFill>
-            <a:latin typeface="+mn-lt"/>
-          </a:endParaRPr>
         </a:p>
       </dsp:txBody>
       <dsp:txXfrm>
@@ -5566,7 +5362,7 @@
         </a:bodyPr>
         <a:lstStyle/>
         <a:p>
-          <a:pPr lvl="0" algn="l" defTabSz="488950" latinLnBrk="1">
+          <a:pPr marL="0" lvl="0" indent="0" algn="l" defTabSz="488950" latinLnBrk="1">
             <a:lnSpc>
               <a:spcPct val="90000"/>
             </a:lnSpc>
@@ -5576,6 +5372,7 @@
             <a:spcAft>
               <a:spcPct val="35000"/>
             </a:spcAft>
+            <a:buNone/>
           </a:pPr>
           <a:r>
             <a:rPr lang="ko-KR" altLang="en-US" sz="1100" b="1" kern="1200" dirty="0">
@@ -5605,7 +5402,7 @@
             <a:t> </a:t>
           </a:r>
           <a:r>
-            <a:rPr lang="en-US" altLang="ko-KR" sz="1100" b="0" kern="1200" dirty="0" smtClean="0">
+            <a:rPr lang="en-US" altLang="ko-KR" sz="1100" b="0" kern="1200" dirty="0">
               <a:solidFill>
                 <a:schemeClr val="tx1">
                   <a:lumMod val="75000"/>
@@ -5617,7 +5414,7 @@
             <a:t>: </a:t>
           </a:r>
           <a:r>
-            <a:rPr lang="ko-KR" altLang="ko-KR" sz="1100" b="0" kern="1200" dirty="0" smtClean="0">
+            <a:rPr lang="ko-KR" altLang="ko-KR" sz="1100" b="0" kern="1200" dirty="0">
               <a:solidFill>
                 <a:schemeClr val="tx1">
                   <a:lumMod val="75000"/>
@@ -5629,7 +5426,7 @@
             <a:t>주요상품이 돋보이도록 직관적이면서 시각적인 </a:t>
           </a:r>
           <a:r>
-            <a:rPr lang="ko-KR" altLang="ko-KR" sz="1100" b="0" kern="1200" dirty="0" err="1" smtClean="0">
+            <a:rPr lang="ko-KR" altLang="ko-KR" sz="1100" b="0" kern="1200" dirty="0" err="1">
               <a:solidFill>
                 <a:schemeClr val="tx1">
                   <a:lumMod val="75000"/>
@@ -5641,7 +5438,7 @@
             <a:t>집중도를</a:t>
           </a:r>
           <a:r>
-            <a:rPr lang="ko-KR" altLang="ko-KR" sz="1100" b="0" kern="1200" dirty="0" smtClean="0">
+            <a:rPr lang="ko-KR" altLang="ko-KR" sz="1100" b="0" kern="1200" dirty="0">
               <a:solidFill>
                 <a:schemeClr val="tx1">
                   <a:lumMod val="75000"/>
@@ -5653,7 +5450,7 @@
             <a:t> 높이는 디자인과</a:t>
           </a:r>
           <a:r>
-            <a:rPr lang="en-US" altLang="ko-KR" sz="1100" b="0" kern="1200" dirty="0" smtClean="0">
+            <a:rPr lang="en-US" altLang="ko-KR" sz="1100" b="0" kern="1200" dirty="0">
               <a:solidFill>
                 <a:schemeClr val="tx1">
                   <a:lumMod val="75000"/>
@@ -5665,7 +5462,7 @@
             <a:t> </a:t>
           </a:r>
           <a:r>
-            <a:rPr lang="ko-KR" altLang="en-US" sz="1100" b="0" kern="1200" dirty="0" err="1" smtClean="0">
+            <a:rPr lang="ko-KR" altLang="en-US" sz="1100" b="0" kern="1200" dirty="0" err="1">
               <a:solidFill>
                 <a:schemeClr val="tx1">
                   <a:lumMod val="75000"/>
@@ -5677,7 +5474,7 @@
             <a:t>포르미라는</a:t>
           </a:r>
           <a:r>
-            <a:rPr lang="ko-KR" altLang="en-US" sz="1100" b="0" kern="1200" dirty="0" smtClean="0">
+            <a:rPr lang="ko-KR" altLang="en-US" sz="1100" b="0" kern="1200" dirty="0">
               <a:solidFill>
                 <a:schemeClr val="tx1">
                   <a:lumMod val="75000"/>
@@ -5689,7 +5486,7 @@
             <a:t> 브랜드 특색을 살린 자연친화적인 디자인</a:t>
           </a:r>
           <a:r>
-            <a:rPr lang="en-US" altLang="ko-KR" sz="1100" b="0" kern="1200" dirty="0" smtClean="0">
+            <a:rPr lang="en-US" altLang="ko-KR" sz="1100" b="0" kern="1200" dirty="0">
               <a:solidFill>
                 <a:schemeClr val="tx1">
                   <a:lumMod val="75000"/>
@@ -5802,7 +5599,7 @@
         </a:bodyPr>
         <a:lstStyle/>
         <a:p>
-          <a:pPr lvl="0" algn="l" defTabSz="488950" latinLnBrk="1">
+          <a:pPr marL="0" lvl="0" indent="0" algn="l" defTabSz="488950" latinLnBrk="1">
             <a:lnSpc>
               <a:spcPct val="90000"/>
             </a:lnSpc>
@@ -5812,6 +5609,7 @@
             <a:spcAft>
               <a:spcPct val="35000"/>
             </a:spcAft>
+            <a:buNone/>
           </a:pPr>
           <a:r>
             <a:rPr lang="ko-KR" altLang="en-US" sz="1100" b="1" kern="1200" dirty="0">
@@ -5859,7 +5657,7 @@
             <a:t> </a:t>
           </a:r>
           <a:r>
-            <a:rPr lang="en-US" altLang="ko-KR" sz="1100" b="0" kern="1200" dirty="0" smtClean="0">
+            <a:rPr lang="en-US" altLang="ko-KR" sz="1100" b="0" kern="1200" dirty="0">
               <a:solidFill>
                 <a:schemeClr val="tx1">
                   <a:lumMod val="75000"/>
@@ -5871,7 +5669,7 @@
             <a:t>: </a:t>
           </a:r>
           <a:r>
-            <a:rPr lang="ko-KR" altLang="en-US" sz="1100" b="0" kern="1200" dirty="0" smtClean="0">
+            <a:rPr lang="ko-KR" altLang="en-US" sz="1100" b="0" kern="1200" dirty="0">
               <a:solidFill>
                 <a:schemeClr val="tx1">
                   <a:lumMod val="75000"/>
@@ -5883,7 +5681,7 @@
             <a:t>다이어트 도시락</a:t>
           </a:r>
           <a:r>
-            <a:rPr lang="en-US" altLang="ko-KR" sz="1100" b="0" kern="1200" dirty="0" smtClean="0">
+            <a:rPr lang="en-US" altLang="ko-KR" sz="1100" b="0" kern="1200" dirty="0">
               <a:solidFill>
                 <a:schemeClr val="tx1">
                   <a:lumMod val="75000"/>
@@ -5895,7 +5693,7 @@
             <a:t>, </a:t>
           </a:r>
           <a:r>
-            <a:rPr lang="ko-KR" altLang="en-US" sz="1100" b="0" kern="1200" dirty="0" err="1" smtClean="0">
+            <a:rPr lang="ko-KR" altLang="en-US" sz="1100" b="0" kern="1200" dirty="0" err="1">
               <a:solidFill>
                 <a:schemeClr val="tx1">
                   <a:lumMod val="75000"/>
@@ -5907,7 +5705,7 @@
             <a:t>혼밥족</a:t>
           </a:r>
           <a:r>
-            <a:rPr lang="en-US" altLang="ko-KR" sz="1100" b="0" kern="1200" dirty="0" smtClean="0">
+            <a:rPr lang="en-US" altLang="ko-KR" sz="1100" b="0" kern="1200" dirty="0">
               <a:solidFill>
                 <a:schemeClr val="tx1">
                   <a:lumMod val="75000"/>
@@ -5919,7 +5717,7 @@
             <a:t>, </a:t>
           </a:r>
           <a:r>
-            <a:rPr lang="ko-KR" altLang="en-US" sz="1100" b="0" kern="1200" dirty="0" smtClean="0">
+            <a:rPr lang="ko-KR" altLang="en-US" sz="1100" b="0" kern="1200" dirty="0">
               <a:solidFill>
                 <a:schemeClr val="tx1">
                   <a:lumMod val="75000"/>
@@ -5931,7 +5729,7 @@
             <a:t>운동식단</a:t>
           </a:r>
           <a:r>
-            <a:rPr lang="en-US" altLang="ko-KR" sz="1100" b="0" kern="1200" dirty="0" smtClean="0">
+            <a:rPr lang="en-US" altLang="ko-KR" sz="1100" b="0" kern="1200" dirty="0">
               <a:solidFill>
                 <a:schemeClr val="tx1">
                   <a:lumMod val="75000"/>
@@ -5943,7 +5741,7 @@
             <a:t>, </a:t>
           </a:r>
           <a:r>
-            <a:rPr lang="ko-KR" altLang="en-US" sz="1100" b="0" kern="1200" dirty="0" smtClean="0">
+            <a:rPr lang="ko-KR" altLang="en-US" sz="1100" b="0" kern="1200" dirty="0">
               <a:solidFill>
                 <a:schemeClr val="tx1">
                   <a:lumMod val="75000"/>
@@ -5954,15 +5752,6 @@
             </a:rPr>
             <a:t>다이어트</a:t>
           </a:r>
-          <a:endParaRPr lang="ko-KR" altLang="en-US" sz="1100" b="0" kern="1200" dirty="0">
-            <a:solidFill>
-              <a:schemeClr val="tx1">
-                <a:lumMod val="75000"/>
-                <a:lumOff val="25000"/>
-              </a:schemeClr>
-            </a:solidFill>
-            <a:latin typeface="+mn-lt"/>
-          </a:endParaRPr>
         </a:p>
       </dsp:txBody>
       <dsp:txXfrm>
@@ -9105,7 +8894,7 @@
           <a:p>
             <a:fld id="{E0F8E97E-C0EC-43F5-9977-4CEE87337E81}" type="datetimeFigureOut">
               <a:rPr lang="ko-KR" altLang="en-US" smtClean="0"/>
-              <a:t>2021-09-08</a:t>
+              <a:t>2021-09-13</a:t>
             </a:fld>
             <a:endParaRPr lang="ko-KR" altLang="en-US"/>
           </a:p>
@@ -9169,38 +8958,37 @@
           <a:p>
             <a:pPr lvl="0"/>
             <a:r>
-              <a:rPr lang="ko-KR" altLang="en-US" smtClean="0"/>
+              <a:rPr lang="ko-KR" altLang="en-US"/>
               <a:t>마스터 텍스트 스타일을 편집합니다</a:t>
             </a:r>
           </a:p>
           <a:p>
             <a:pPr lvl="1"/>
             <a:r>
-              <a:rPr lang="ko-KR" altLang="en-US" smtClean="0"/>
+              <a:rPr lang="ko-KR" altLang="en-US"/>
               <a:t>둘째 수준</a:t>
             </a:r>
           </a:p>
           <a:p>
             <a:pPr lvl="2"/>
             <a:r>
-              <a:rPr lang="ko-KR" altLang="en-US" smtClean="0"/>
+              <a:rPr lang="ko-KR" altLang="en-US"/>
               <a:t>셋째 수준</a:t>
             </a:r>
           </a:p>
           <a:p>
             <a:pPr lvl="3"/>
             <a:r>
-              <a:rPr lang="ko-KR" altLang="en-US" smtClean="0"/>
+              <a:rPr lang="ko-KR" altLang="en-US"/>
               <a:t>넷째 수준</a:t>
             </a:r>
           </a:p>
           <a:p>
             <a:pPr lvl="4"/>
             <a:r>
-              <a:rPr lang="ko-KR" altLang="en-US" smtClean="0"/>
+              <a:rPr lang="ko-KR" altLang="en-US"/>
               <a:t>다섯째 수준</a:t>
             </a:r>
-            <a:endParaRPr lang="ko-KR" altLang="en-US"/>
           </a:p>
         </p:txBody>
       </p:sp>
@@ -9487,7 +9275,7 @@
           <p:cNvPr id="2" name="제목 1">
             <a:extLst>
               <a:ext uri="{FF2B5EF4-FFF2-40B4-BE49-F238E27FC236}">
-                <a16:creationId xmlns="" xmlns:a16="http://schemas.microsoft.com/office/drawing/2014/main" id="{CC45B25F-0A55-49C8-958C-979339905A87}"/>
+                <a16:creationId xmlns:a16="http://schemas.microsoft.com/office/drawing/2014/main" id="{CC45B25F-0A55-49C8-958C-979339905A87}"/>
               </a:ext>
             </a:extLst>
           </p:cNvPr>
@@ -9531,7 +9319,7 @@
           <p:cNvPr id="3" name="텍스트 개체 틀 2">
             <a:extLst>
               <a:ext uri="{FF2B5EF4-FFF2-40B4-BE49-F238E27FC236}">
-                <a16:creationId xmlns="" xmlns:a16="http://schemas.microsoft.com/office/drawing/2014/main" id="{04776034-F239-4881-915E-B63E517AF46B}"/>
+                <a16:creationId xmlns:a16="http://schemas.microsoft.com/office/drawing/2014/main" id="{04776034-F239-4881-915E-B63E517AF46B}"/>
               </a:ext>
             </a:extLst>
           </p:cNvPr>
@@ -9660,7 +9448,7 @@
           <p:cNvPr id="7" name="텍스트 개체 틀 2">
             <a:extLst>
               <a:ext uri="{FF2B5EF4-FFF2-40B4-BE49-F238E27FC236}">
-                <a16:creationId xmlns="" xmlns:a16="http://schemas.microsoft.com/office/drawing/2014/main" id="{ED0C09B5-C63A-472D-981A-DCA69ABBA8B9}"/>
+                <a16:creationId xmlns:a16="http://schemas.microsoft.com/office/drawing/2014/main" id="{ED0C09B5-C63A-472D-981A-DCA69ABBA8B9}"/>
               </a:ext>
             </a:extLst>
           </p:cNvPr>
@@ -9786,7 +9574,7 @@
           <p:cNvPr id="8" name="날짜 개체 틀 3">
             <a:extLst>
               <a:ext uri="{FF2B5EF4-FFF2-40B4-BE49-F238E27FC236}">
-                <a16:creationId xmlns="" xmlns:a16="http://schemas.microsoft.com/office/drawing/2014/main" id="{9D27FFF6-99CA-4A78-BF80-5F96288CB21D}"/>
+                <a16:creationId xmlns:a16="http://schemas.microsoft.com/office/drawing/2014/main" id="{9D27FFF6-99CA-4A78-BF80-5F96288CB21D}"/>
               </a:ext>
             </a:extLst>
           </p:cNvPr>
@@ -9821,7 +9609,7 @@
             <a:fld id="{6921685B-8A46-4547-B47D-D09C9DEE3113}" type="datetimeFigureOut">
               <a:rPr lang="ko-KR" altLang="en-US" smtClean="0"/>
               <a:pPr/>
-              <a:t>2021-09-08</a:t>
+              <a:t>2021-09-13</a:t>
             </a:fld>
             <a:endParaRPr lang="ko-KR" altLang="en-US" dirty="0"/>
           </a:p>
@@ -9862,7 +9650,7 @@
           <p:cNvPr id="2" name="제목 1">
             <a:extLst>
               <a:ext uri="{FF2B5EF4-FFF2-40B4-BE49-F238E27FC236}">
-                <a16:creationId xmlns="" xmlns:a16="http://schemas.microsoft.com/office/drawing/2014/main" id="{376CD997-460D-40B0-9F9A-5D1FDBD20BFC}"/>
+                <a16:creationId xmlns:a16="http://schemas.microsoft.com/office/drawing/2014/main" id="{376CD997-460D-40B0-9F9A-5D1FDBD20BFC}"/>
               </a:ext>
             </a:extLst>
           </p:cNvPr>
@@ -9906,7 +9694,7 @@
           <p:cNvPr id="3" name="부제목 2">
             <a:extLst>
               <a:ext uri="{FF2B5EF4-FFF2-40B4-BE49-F238E27FC236}">
-                <a16:creationId xmlns="" xmlns:a16="http://schemas.microsoft.com/office/drawing/2014/main" id="{DDC86C57-2D9E-4BCE-81BB-1A6B7D8BB20A}"/>
+                <a16:creationId xmlns:a16="http://schemas.microsoft.com/office/drawing/2014/main" id="{DDC86C57-2D9E-4BCE-81BB-1A6B7D8BB20A}"/>
               </a:ext>
             </a:extLst>
           </p:cNvPr>
@@ -9983,7 +9771,7 @@
           <p:cNvPr id="8" name="텍스트 개체 틀 3">
             <a:extLst>
               <a:ext uri="{FF2B5EF4-FFF2-40B4-BE49-F238E27FC236}">
-                <a16:creationId xmlns="" xmlns:a16="http://schemas.microsoft.com/office/drawing/2014/main" id="{CA630441-6185-4926-8182-9AFA431B26AF}"/>
+                <a16:creationId xmlns:a16="http://schemas.microsoft.com/office/drawing/2014/main" id="{CA630441-6185-4926-8182-9AFA431B26AF}"/>
               </a:ext>
             </a:extLst>
           </p:cNvPr>
@@ -10066,7 +9854,7 @@
           <p:cNvPr id="13" name="슬라이드 번호 개체 틀 3">
             <a:extLst>
               <a:ext uri="{FF2B5EF4-FFF2-40B4-BE49-F238E27FC236}">
-                <a16:creationId xmlns="" xmlns:a16="http://schemas.microsoft.com/office/drawing/2014/main" id="{8D22A356-14D7-420A-AAA7-D6864A4FC982}"/>
+                <a16:creationId xmlns:a16="http://schemas.microsoft.com/office/drawing/2014/main" id="{8D22A356-14D7-420A-AAA7-D6864A4FC982}"/>
               </a:ext>
             </a:extLst>
           </p:cNvPr>
@@ -10144,7 +9932,7 @@
           <p:cNvPr id="2" name="제목 1">
             <a:extLst>
               <a:ext uri="{FF2B5EF4-FFF2-40B4-BE49-F238E27FC236}">
-                <a16:creationId xmlns="" xmlns:a16="http://schemas.microsoft.com/office/drawing/2014/main" id="{376CD997-460D-40B0-9F9A-5D1FDBD20BFC}"/>
+                <a16:creationId xmlns:a16="http://schemas.microsoft.com/office/drawing/2014/main" id="{376CD997-460D-40B0-9F9A-5D1FDBD20BFC}"/>
               </a:ext>
             </a:extLst>
           </p:cNvPr>
@@ -10188,7 +9976,7 @@
           <p:cNvPr id="3" name="부제목 2">
             <a:extLst>
               <a:ext uri="{FF2B5EF4-FFF2-40B4-BE49-F238E27FC236}">
-                <a16:creationId xmlns="" xmlns:a16="http://schemas.microsoft.com/office/drawing/2014/main" id="{DDC86C57-2D9E-4BCE-81BB-1A6B7D8BB20A}"/>
+                <a16:creationId xmlns:a16="http://schemas.microsoft.com/office/drawing/2014/main" id="{DDC86C57-2D9E-4BCE-81BB-1A6B7D8BB20A}"/>
               </a:ext>
             </a:extLst>
           </p:cNvPr>
@@ -10265,7 +10053,7 @@
           <p:cNvPr id="8" name="텍스트 개체 틀 3">
             <a:extLst>
               <a:ext uri="{FF2B5EF4-FFF2-40B4-BE49-F238E27FC236}">
-                <a16:creationId xmlns="" xmlns:a16="http://schemas.microsoft.com/office/drawing/2014/main" id="{CA630441-6185-4926-8182-9AFA431B26AF}"/>
+                <a16:creationId xmlns:a16="http://schemas.microsoft.com/office/drawing/2014/main" id="{CA630441-6185-4926-8182-9AFA431B26AF}"/>
               </a:ext>
             </a:extLst>
           </p:cNvPr>
@@ -10348,7 +10136,7 @@
           <p:cNvPr id="13" name="슬라이드 번호 개체 틀 3">
             <a:extLst>
               <a:ext uri="{FF2B5EF4-FFF2-40B4-BE49-F238E27FC236}">
-                <a16:creationId xmlns="" xmlns:a16="http://schemas.microsoft.com/office/drawing/2014/main" id="{8D22A356-14D7-420A-AAA7-D6864A4FC982}"/>
+                <a16:creationId xmlns:a16="http://schemas.microsoft.com/office/drawing/2014/main" id="{8D22A356-14D7-420A-AAA7-D6864A4FC982}"/>
               </a:ext>
             </a:extLst>
           </p:cNvPr>
@@ -10396,7 +10184,7 @@
           <p:cNvPr id="6" name="그룹 5">
             <a:extLst>
               <a:ext uri="{FF2B5EF4-FFF2-40B4-BE49-F238E27FC236}">
-                <a16:creationId xmlns="" xmlns:a16="http://schemas.microsoft.com/office/drawing/2014/main" id="{0CAE417F-F97E-4545-9BA1-3E281D7AFD30}"/>
+                <a16:creationId xmlns:a16="http://schemas.microsoft.com/office/drawing/2014/main" id="{0CAE417F-F97E-4545-9BA1-3E281D7AFD30}"/>
               </a:ext>
             </a:extLst>
           </p:cNvPr>
@@ -10416,7 +10204,7 @@
             <p:cNvPr id="7" name="그룹 6">
               <a:extLst>
                 <a:ext uri="{FF2B5EF4-FFF2-40B4-BE49-F238E27FC236}">
-                  <a16:creationId xmlns="" xmlns:a16="http://schemas.microsoft.com/office/drawing/2014/main" id="{39603DFB-7444-42F5-9AC3-0FBD106BB8A8}"/>
+                  <a16:creationId xmlns:a16="http://schemas.microsoft.com/office/drawing/2014/main" id="{39603DFB-7444-42F5-9AC3-0FBD106BB8A8}"/>
                 </a:ext>
               </a:extLst>
             </p:cNvPr>
@@ -10436,7 +10224,7 @@
               <p:cNvPr id="14" name="타원 13">
                 <a:extLst>
                   <a:ext uri="{FF2B5EF4-FFF2-40B4-BE49-F238E27FC236}">
-                    <a16:creationId xmlns="" xmlns:a16="http://schemas.microsoft.com/office/drawing/2014/main" id="{471F0AC5-9C1D-4E7C-9D95-FAFE3D81162F}"/>
+                    <a16:creationId xmlns:a16="http://schemas.microsoft.com/office/drawing/2014/main" id="{471F0AC5-9C1D-4E7C-9D95-FAFE3D81162F}"/>
                   </a:ext>
                 </a:extLst>
               </p:cNvPr>
@@ -10494,7 +10282,7 @@
               <p:cNvPr id="15" name="그룹 14">
                 <a:extLst>
                   <a:ext uri="{FF2B5EF4-FFF2-40B4-BE49-F238E27FC236}">
-                    <a16:creationId xmlns="" xmlns:a16="http://schemas.microsoft.com/office/drawing/2014/main" id="{C84089C6-F423-4118-B768-50ACD4D8E6D7}"/>
+                    <a16:creationId xmlns:a16="http://schemas.microsoft.com/office/drawing/2014/main" id="{C84089C6-F423-4118-B768-50ACD4D8E6D7}"/>
                   </a:ext>
                 </a:extLst>
               </p:cNvPr>
@@ -10514,7 +10302,7 @@
                 <p:cNvPr id="16" name="직선 연결선 15">
                   <a:extLst>
                     <a:ext uri="{FF2B5EF4-FFF2-40B4-BE49-F238E27FC236}">
-                      <a16:creationId xmlns="" xmlns:a16="http://schemas.microsoft.com/office/drawing/2014/main" id="{35772B0E-6452-4726-A079-9847FF06B123}"/>
+                      <a16:creationId xmlns:a16="http://schemas.microsoft.com/office/drawing/2014/main" id="{35772B0E-6452-4726-A079-9847FF06B123}"/>
                     </a:ext>
                   </a:extLst>
                 </p:cNvPr>
@@ -10553,7 +10341,7 @@
                 <p:cNvPr id="17" name="직선 연결선 16">
                   <a:extLst>
                     <a:ext uri="{FF2B5EF4-FFF2-40B4-BE49-F238E27FC236}">
-                      <a16:creationId xmlns="" xmlns:a16="http://schemas.microsoft.com/office/drawing/2014/main" id="{D8EF2972-4F59-4175-9A43-E0BE480EEE56}"/>
+                      <a16:creationId xmlns:a16="http://schemas.microsoft.com/office/drawing/2014/main" id="{D8EF2972-4F59-4175-9A43-E0BE480EEE56}"/>
                     </a:ext>
                   </a:extLst>
                 </p:cNvPr>
@@ -10594,7 +10382,7 @@
             <p:cNvPr id="9" name="TextBox 8">
               <a:extLst>
                 <a:ext uri="{FF2B5EF4-FFF2-40B4-BE49-F238E27FC236}">
-                  <a16:creationId xmlns="" xmlns:a16="http://schemas.microsoft.com/office/drawing/2014/main" id="{687B31C5-AB68-48D9-AEB3-B0F2BC16A36B}"/>
+                  <a16:creationId xmlns:a16="http://schemas.microsoft.com/office/drawing/2014/main" id="{687B31C5-AB68-48D9-AEB3-B0F2BC16A36B}"/>
                 </a:ext>
               </a:extLst>
             </p:cNvPr>
@@ -10632,7 +10420,7 @@
             <p:cNvPr id="10" name="TextBox 9">
               <a:extLst>
                 <a:ext uri="{FF2B5EF4-FFF2-40B4-BE49-F238E27FC236}">
-                  <a16:creationId xmlns="" xmlns:a16="http://schemas.microsoft.com/office/drawing/2014/main" id="{D5CCB987-E69D-410D-BBA7-4061399F9E79}"/>
+                  <a16:creationId xmlns:a16="http://schemas.microsoft.com/office/drawing/2014/main" id="{D5CCB987-E69D-410D-BBA7-4061399F9E79}"/>
                 </a:ext>
               </a:extLst>
             </p:cNvPr>
@@ -10670,7 +10458,7 @@
             <p:cNvPr id="11" name="TextBox 10">
               <a:extLst>
                 <a:ext uri="{FF2B5EF4-FFF2-40B4-BE49-F238E27FC236}">
-                  <a16:creationId xmlns="" xmlns:a16="http://schemas.microsoft.com/office/drawing/2014/main" id="{DD72EEE2-FE33-429D-A088-78C54D5EE367}"/>
+                  <a16:creationId xmlns:a16="http://schemas.microsoft.com/office/drawing/2014/main" id="{DD72EEE2-FE33-429D-A088-78C54D5EE367}"/>
                 </a:ext>
               </a:extLst>
             </p:cNvPr>
@@ -10708,7 +10496,7 @@
             <p:cNvPr id="12" name="TextBox 11">
               <a:extLst>
                 <a:ext uri="{FF2B5EF4-FFF2-40B4-BE49-F238E27FC236}">
-                  <a16:creationId xmlns="" xmlns:a16="http://schemas.microsoft.com/office/drawing/2014/main" id="{3BF414E3-A18E-4A63-8833-CFC54E66AEB1}"/>
+                  <a16:creationId xmlns:a16="http://schemas.microsoft.com/office/drawing/2014/main" id="{3BF414E3-A18E-4A63-8833-CFC54E66AEB1}"/>
                 </a:ext>
               </a:extLst>
             </p:cNvPr>
@@ -10777,7 +10565,7 @@
           <p:cNvPr id="2" name="제목 1">
             <a:extLst>
               <a:ext uri="{FF2B5EF4-FFF2-40B4-BE49-F238E27FC236}">
-                <a16:creationId xmlns="" xmlns:a16="http://schemas.microsoft.com/office/drawing/2014/main" id="{376CD997-460D-40B0-9F9A-5D1FDBD20BFC}"/>
+                <a16:creationId xmlns:a16="http://schemas.microsoft.com/office/drawing/2014/main" id="{376CD997-460D-40B0-9F9A-5D1FDBD20BFC}"/>
               </a:ext>
             </a:extLst>
           </p:cNvPr>
@@ -10821,7 +10609,7 @@
           <p:cNvPr id="3" name="부제목 2">
             <a:extLst>
               <a:ext uri="{FF2B5EF4-FFF2-40B4-BE49-F238E27FC236}">
-                <a16:creationId xmlns="" xmlns:a16="http://schemas.microsoft.com/office/drawing/2014/main" id="{DDC86C57-2D9E-4BCE-81BB-1A6B7D8BB20A}"/>
+                <a16:creationId xmlns:a16="http://schemas.microsoft.com/office/drawing/2014/main" id="{DDC86C57-2D9E-4BCE-81BB-1A6B7D8BB20A}"/>
               </a:ext>
             </a:extLst>
           </p:cNvPr>
@@ -10898,7 +10686,7 @@
           <p:cNvPr id="8" name="텍스트 개체 틀 3">
             <a:extLst>
               <a:ext uri="{FF2B5EF4-FFF2-40B4-BE49-F238E27FC236}">
-                <a16:creationId xmlns="" xmlns:a16="http://schemas.microsoft.com/office/drawing/2014/main" id="{CA630441-6185-4926-8182-9AFA431B26AF}"/>
+                <a16:creationId xmlns:a16="http://schemas.microsoft.com/office/drawing/2014/main" id="{CA630441-6185-4926-8182-9AFA431B26AF}"/>
               </a:ext>
             </a:extLst>
           </p:cNvPr>
@@ -10981,7 +10769,7 @@
           <p:cNvPr id="13" name="슬라이드 번호 개체 틀 3">
             <a:extLst>
               <a:ext uri="{FF2B5EF4-FFF2-40B4-BE49-F238E27FC236}">
-                <a16:creationId xmlns="" xmlns:a16="http://schemas.microsoft.com/office/drawing/2014/main" id="{8D22A356-14D7-420A-AAA7-D6864A4FC982}"/>
+                <a16:creationId xmlns:a16="http://schemas.microsoft.com/office/drawing/2014/main" id="{8D22A356-14D7-420A-AAA7-D6864A4FC982}"/>
               </a:ext>
             </a:extLst>
           </p:cNvPr>
@@ -11029,7 +10817,7 @@
           <p:cNvPr id="18" name="그룹 17">
             <a:extLst>
               <a:ext uri="{FF2B5EF4-FFF2-40B4-BE49-F238E27FC236}">
-                <a16:creationId xmlns="" xmlns:a16="http://schemas.microsoft.com/office/drawing/2014/main" id="{E7517EF4-E8B7-4196-BBAA-82D32E6BE258}"/>
+                <a16:creationId xmlns:a16="http://schemas.microsoft.com/office/drawing/2014/main" id="{E7517EF4-E8B7-4196-BBAA-82D32E6BE258}"/>
               </a:ext>
             </a:extLst>
           </p:cNvPr>
@@ -11049,7 +10837,7 @@
             <p:cNvPr id="19" name="Picture 3">
               <a:extLst>
                 <a:ext uri="{FF2B5EF4-FFF2-40B4-BE49-F238E27FC236}">
-                  <a16:creationId xmlns="" xmlns:a16="http://schemas.microsoft.com/office/drawing/2014/main" id="{044C83A3-843C-49B4-B481-C5DE7273BBA2}"/>
+                  <a16:creationId xmlns:a16="http://schemas.microsoft.com/office/drawing/2014/main" id="{044C83A3-843C-49B4-B481-C5DE7273BBA2}"/>
                 </a:ext>
               </a:extLst>
             </p:cNvPr>
@@ -11085,7 +10873,7 @@
             <p:cNvPr id="20" name="TextBox 19">
               <a:extLst>
                 <a:ext uri="{FF2B5EF4-FFF2-40B4-BE49-F238E27FC236}">
-                  <a16:creationId xmlns="" xmlns:a16="http://schemas.microsoft.com/office/drawing/2014/main" id="{C22435EA-BADB-4DF4-8A6F-51C4D8074E30}"/>
+                  <a16:creationId xmlns:a16="http://schemas.microsoft.com/office/drawing/2014/main" id="{C22435EA-BADB-4DF4-8A6F-51C4D8074E30}"/>
                 </a:ext>
               </a:extLst>
             </p:cNvPr>
@@ -11123,7 +10911,7 @@
             <p:cNvPr id="21" name="TextBox 20">
               <a:extLst>
                 <a:ext uri="{FF2B5EF4-FFF2-40B4-BE49-F238E27FC236}">
-                  <a16:creationId xmlns="" xmlns:a16="http://schemas.microsoft.com/office/drawing/2014/main" id="{1DEFD803-5D87-4927-B580-3E8134FC07E9}"/>
+                  <a16:creationId xmlns:a16="http://schemas.microsoft.com/office/drawing/2014/main" id="{1DEFD803-5D87-4927-B580-3E8134FC07E9}"/>
                 </a:ext>
               </a:extLst>
             </p:cNvPr>
@@ -11161,7 +10949,7 @@
             <p:cNvPr id="22" name="TextBox 21">
               <a:extLst>
                 <a:ext uri="{FF2B5EF4-FFF2-40B4-BE49-F238E27FC236}">
-                  <a16:creationId xmlns="" xmlns:a16="http://schemas.microsoft.com/office/drawing/2014/main" id="{4ED8DD0B-47F9-48C2-B940-FF83B75D6CC9}"/>
+                  <a16:creationId xmlns:a16="http://schemas.microsoft.com/office/drawing/2014/main" id="{4ED8DD0B-47F9-48C2-B940-FF83B75D6CC9}"/>
                 </a:ext>
               </a:extLst>
             </p:cNvPr>
@@ -11199,7 +10987,7 @@
             <p:cNvPr id="23" name="TextBox 22">
               <a:extLst>
                 <a:ext uri="{FF2B5EF4-FFF2-40B4-BE49-F238E27FC236}">
-                  <a16:creationId xmlns="" xmlns:a16="http://schemas.microsoft.com/office/drawing/2014/main" id="{B7B6E133-D856-4F28-9FFE-452E50C6A237}"/>
+                  <a16:creationId xmlns:a16="http://schemas.microsoft.com/office/drawing/2014/main" id="{B7B6E133-D856-4F28-9FFE-452E50C6A237}"/>
                 </a:ext>
               </a:extLst>
             </p:cNvPr>
@@ -11238,7 +11026,7 @@
           <p:cNvPr id="24" name="그룹 23">
             <a:extLst>
               <a:ext uri="{FF2B5EF4-FFF2-40B4-BE49-F238E27FC236}">
-                <a16:creationId xmlns="" xmlns:a16="http://schemas.microsoft.com/office/drawing/2014/main" id="{1B485374-8B26-481F-AD0A-610023F3A015}"/>
+                <a16:creationId xmlns:a16="http://schemas.microsoft.com/office/drawing/2014/main" id="{1B485374-8B26-481F-AD0A-610023F3A015}"/>
               </a:ext>
             </a:extLst>
           </p:cNvPr>
@@ -11258,7 +11046,7 @@
             <p:cNvPr id="25" name="Picture 1">
               <a:extLst>
                 <a:ext uri="{FF2B5EF4-FFF2-40B4-BE49-F238E27FC236}">
-                  <a16:creationId xmlns="" xmlns:a16="http://schemas.microsoft.com/office/drawing/2014/main" id="{BE371883-DB03-4829-A206-C7D18459F6A9}"/>
+                  <a16:creationId xmlns:a16="http://schemas.microsoft.com/office/drawing/2014/main" id="{BE371883-DB03-4829-A206-C7D18459F6A9}"/>
                 </a:ext>
               </a:extLst>
             </p:cNvPr>
@@ -11292,7 +11080,7 @@
             <p:cNvPr id="26" name="TextBox 25">
               <a:extLst>
                 <a:ext uri="{FF2B5EF4-FFF2-40B4-BE49-F238E27FC236}">
-                  <a16:creationId xmlns="" xmlns:a16="http://schemas.microsoft.com/office/drawing/2014/main" id="{67FBAC61-3D68-4D63-8BB9-F9C8B7F6C2B3}"/>
+                  <a16:creationId xmlns:a16="http://schemas.microsoft.com/office/drawing/2014/main" id="{67FBAC61-3D68-4D63-8BB9-F9C8B7F6C2B3}"/>
                 </a:ext>
               </a:extLst>
             </p:cNvPr>
@@ -11330,7 +11118,7 @@
             <p:cNvPr id="27" name="TextBox 26">
               <a:extLst>
                 <a:ext uri="{FF2B5EF4-FFF2-40B4-BE49-F238E27FC236}">
-                  <a16:creationId xmlns="" xmlns:a16="http://schemas.microsoft.com/office/drawing/2014/main" id="{0401C4F7-6F81-4D52-A787-2AD792534453}"/>
+                  <a16:creationId xmlns:a16="http://schemas.microsoft.com/office/drawing/2014/main" id="{0401C4F7-6F81-4D52-A787-2AD792534453}"/>
                 </a:ext>
               </a:extLst>
             </p:cNvPr>
@@ -11368,7 +11156,7 @@
             <p:cNvPr id="28" name="TextBox 27">
               <a:extLst>
                 <a:ext uri="{FF2B5EF4-FFF2-40B4-BE49-F238E27FC236}">
-                  <a16:creationId xmlns="" xmlns:a16="http://schemas.microsoft.com/office/drawing/2014/main" id="{2A9CB45F-F6FC-437C-8396-B71D950A317F}"/>
+                  <a16:creationId xmlns:a16="http://schemas.microsoft.com/office/drawing/2014/main" id="{2A9CB45F-F6FC-437C-8396-B71D950A317F}"/>
                 </a:ext>
               </a:extLst>
             </p:cNvPr>
@@ -11406,7 +11194,7 @@
             <p:cNvPr id="29" name="TextBox 28">
               <a:extLst>
                 <a:ext uri="{FF2B5EF4-FFF2-40B4-BE49-F238E27FC236}">
-                  <a16:creationId xmlns="" xmlns:a16="http://schemas.microsoft.com/office/drawing/2014/main" id="{74968F01-B5BC-462B-83CA-A4B6AA17DD77}"/>
+                  <a16:creationId xmlns:a16="http://schemas.microsoft.com/office/drawing/2014/main" id="{74968F01-B5BC-462B-83CA-A4B6AA17DD77}"/>
                 </a:ext>
               </a:extLst>
             </p:cNvPr>
@@ -11444,7 +11232,7 @@
             <p:cNvPr id="30" name="직사각형 29">
               <a:extLst>
                 <a:ext uri="{FF2B5EF4-FFF2-40B4-BE49-F238E27FC236}">
-                  <a16:creationId xmlns="" xmlns:a16="http://schemas.microsoft.com/office/drawing/2014/main" id="{7B76C2A9-7CD3-4AC2-9D09-EECBB9F911DB}"/>
+                  <a16:creationId xmlns:a16="http://schemas.microsoft.com/office/drawing/2014/main" id="{7B76C2A9-7CD3-4AC2-9D09-EECBB9F911DB}"/>
                 </a:ext>
               </a:extLst>
             </p:cNvPr>
@@ -11527,7 +11315,7 @@
           <p:cNvPr id="2" name="제목 1">
             <a:extLst>
               <a:ext uri="{FF2B5EF4-FFF2-40B4-BE49-F238E27FC236}">
-                <a16:creationId xmlns="" xmlns:a16="http://schemas.microsoft.com/office/drawing/2014/main" id="{376CD997-460D-40B0-9F9A-5D1FDBD20BFC}"/>
+                <a16:creationId xmlns:a16="http://schemas.microsoft.com/office/drawing/2014/main" id="{376CD997-460D-40B0-9F9A-5D1FDBD20BFC}"/>
               </a:ext>
             </a:extLst>
           </p:cNvPr>
@@ -11571,7 +11359,7 @@
           <p:cNvPr id="3" name="부제목 2">
             <a:extLst>
               <a:ext uri="{FF2B5EF4-FFF2-40B4-BE49-F238E27FC236}">
-                <a16:creationId xmlns="" xmlns:a16="http://schemas.microsoft.com/office/drawing/2014/main" id="{DDC86C57-2D9E-4BCE-81BB-1A6B7D8BB20A}"/>
+                <a16:creationId xmlns:a16="http://schemas.microsoft.com/office/drawing/2014/main" id="{DDC86C57-2D9E-4BCE-81BB-1A6B7D8BB20A}"/>
               </a:ext>
             </a:extLst>
           </p:cNvPr>
@@ -11648,7 +11436,7 @@
           <p:cNvPr id="8" name="텍스트 개체 틀 3">
             <a:extLst>
               <a:ext uri="{FF2B5EF4-FFF2-40B4-BE49-F238E27FC236}">
-                <a16:creationId xmlns="" xmlns:a16="http://schemas.microsoft.com/office/drawing/2014/main" id="{CA630441-6185-4926-8182-9AFA431B26AF}"/>
+                <a16:creationId xmlns:a16="http://schemas.microsoft.com/office/drawing/2014/main" id="{CA630441-6185-4926-8182-9AFA431B26AF}"/>
               </a:ext>
             </a:extLst>
           </p:cNvPr>
@@ -11731,7 +11519,7 @@
           <p:cNvPr id="13" name="슬라이드 번호 개체 틀 3">
             <a:extLst>
               <a:ext uri="{FF2B5EF4-FFF2-40B4-BE49-F238E27FC236}">
-                <a16:creationId xmlns="" xmlns:a16="http://schemas.microsoft.com/office/drawing/2014/main" id="{8D22A356-14D7-420A-AAA7-D6864A4FC982}"/>
+                <a16:creationId xmlns:a16="http://schemas.microsoft.com/office/drawing/2014/main" id="{8D22A356-14D7-420A-AAA7-D6864A4FC982}"/>
               </a:ext>
             </a:extLst>
           </p:cNvPr>
@@ -11779,7 +11567,7 @@
           <p:cNvPr id="31" name="그룹 30">
             <a:extLst>
               <a:ext uri="{FF2B5EF4-FFF2-40B4-BE49-F238E27FC236}">
-                <a16:creationId xmlns="" xmlns:a16="http://schemas.microsoft.com/office/drawing/2014/main" id="{181A0134-41CB-4737-B695-8C588E5222BF}"/>
+                <a16:creationId xmlns:a16="http://schemas.microsoft.com/office/drawing/2014/main" id="{181A0134-41CB-4737-B695-8C588E5222BF}"/>
               </a:ext>
             </a:extLst>
           </p:cNvPr>
@@ -11799,7 +11587,7 @@
             <p:cNvPr id="32" name="Picture 5">
               <a:extLst>
                 <a:ext uri="{FF2B5EF4-FFF2-40B4-BE49-F238E27FC236}">
-                  <a16:creationId xmlns="" xmlns:a16="http://schemas.microsoft.com/office/drawing/2014/main" id="{D11A4795-E4F6-4987-B4CC-39C027E2DEC6}"/>
+                  <a16:creationId xmlns:a16="http://schemas.microsoft.com/office/drawing/2014/main" id="{D11A4795-E4F6-4987-B4CC-39C027E2DEC6}"/>
                 </a:ext>
               </a:extLst>
             </p:cNvPr>
@@ -11835,7 +11623,7 @@
             <p:cNvPr id="33" name="TextBox 32">
               <a:extLst>
                 <a:ext uri="{FF2B5EF4-FFF2-40B4-BE49-F238E27FC236}">
-                  <a16:creationId xmlns="" xmlns:a16="http://schemas.microsoft.com/office/drawing/2014/main" id="{502DD60D-0969-442B-ACBC-F67E42B2DC3D}"/>
+                  <a16:creationId xmlns:a16="http://schemas.microsoft.com/office/drawing/2014/main" id="{502DD60D-0969-442B-ACBC-F67E42B2DC3D}"/>
                 </a:ext>
               </a:extLst>
             </p:cNvPr>
@@ -11873,7 +11661,7 @@
             <p:cNvPr id="34" name="TextBox 33">
               <a:extLst>
                 <a:ext uri="{FF2B5EF4-FFF2-40B4-BE49-F238E27FC236}">
-                  <a16:creationId xmlns="" xmlns:a16="http://schemas.microsoft.com/office/drawing/2014/main" id="{F3D56DA5-262F-45A5-864D-D55E4B163B67}"/>
+                  <a16:creationId xmlns:a16="http://schemas.microsoft.com/office/drawing/2014/main" id="{F3D56DA5-262F-45A5-864D-D55E4B163B67}"/>
                 </a:ext>
               </a:extLst>
             </p:cNvPr>
@@ -11911,7 +11699,7 @@
             <p:cNvPr id="35" name="TextBox 34">
               <a:extLst>
                 <a:ext uri="{FF2B5EF4-FFF2-40B4-BE49-F238E27FC236}">
-                  <a16:creationId xmlns="" xmlns:a16="http://schemas.microsoft.com/office/drawing/2014/main" id="{D0B5D1BF-63AB-4462-A2FC-3BA3D20D1149}"/>
+                  <a16:creationId xmlns:a16="http://schemas.microsoft.com/office/drawing/2014/main" id="{D0B5D1BF-63AB-4462-A2FC-3BA3D20D1149}"/>
                 </a:ext>
               </a:extLst>
             </p:cNvPr>
@@ -11949,7 +11737,7 @@
             <p:cNvPr id="36" name="TextBox 35">
               <a:extLst>
                 <a:ext uri="{FF2B5EF4-FFF2-40B4-BE49-F238E27FC236}">
-                  <a16:creationId xmlns="" xmlns:a16="http://schemas.microsoft.com/office/drawing/2014/main" id="{EB646BA7-5C9D-4035-B102-716E355BE030}"/>
+                  <a16:creationId xmlns:a16="http://schemas.microsoft.com/office/drawing/2014/main" id="{EB646BA7-5C9D-4035-B102-716E355BE030}"/>
                 </a:ext>
               </a:extLst>
             </p:cNvPr>
@@ -12018,7 +11806,7 @@
           <p:cNvPr id="2" name="제목 1">
             <a:extLst>
               <a:ext uri="{FF2B5EF4-FFF2-40B4-BE49-F238E27FC236}">
-                <a16:creationId xmlns="" xmlns:a16="http://schemas.microsoft.com/office/drawing/2014/main" id="{376CD997-460D-40B0-9F9A-5D1FDBD20BFC}"/>
+                <a16:creationId xmlns:a16="http://schemas.microsoft.com/office/drawing/2014/main" id="{376CD997-460D-40B0-9F9A-5D1FDBD20BFC}"/>
               </a:ext>
             </a:extLst>
           </p:cNvPr>
@@ -12062,7 +11850,7 @@
           <p:cNvPr id="3" name="부제목 2">
             <a:extLst>
               <a:ext uri="{FF2B5EF4-FFF2-40B4-BE49-F238E27FC236}">
-                <a16:creationId xmlns="" xmlns:a16="http://schemas.microsoft.com/office/drawing/2014/main" id="{DDC86C57-2D9E-4BCE-81BB-1A6B7D8BB20A}"/>
+                <a16:creationId xmlns:a16="http://schemas.microsoft.com/office/drawing/2014/main" id="{DDC86C57-2D9E-4BCE-81BB-1A6B7D8BB20A}"/>
               </a:ext>
             </a:extLst>
           </p:cNvPr>
@@ -12139,7 +11927,7 @@
           <p:cNvPr id="4" name="슬라이드 번호 개체 틀 3">
             <a:extLst>
               <a:ext uri="{FF2B5EF4-FFF2-40B4-BE49-F238E27FC236}">
-                <a16:creationId xmlns="" xmlns:a16="http://schemas.microsoft.com/office/drawing/2014/main" id="{5B5E22C7-4143-4C04-8B2A-47152036B194}"/>
+                <a16:creationId xmlns:a16="http://schemas.microsoft.com/office/drawing/2014/main" id="{5B5E22C7-4143-4C04-8B2A-47152036B194}"/>
               </a:ext>
             </a:extLst>
           </p:cNvPr>
@@ -12217,7 +12005,7 @@
           <p:cNvPr id="2" name="제목 1">
             <a:extLst>
               <a:ext uri="{FF2B5EF4-FFF2-40B4-BE49-F238E27FC236}">
-                <a16:creationId xmlns="" xmlns:a16="http://schemas.microsoft.com/office/drawing/2014/main" id="{376CD997-460D-40B0-9F9A-5D1FDBD20BFC}"/>
+                <a16:creationId xmlns:a16="http://schemas.microsoft.com/office/drawing/2014/main" id="{376CD997-460D-40B0-9F9A-5D1FDBD20BFC}"/>
               </a:ext>
             </a:extLst>
           </p:cNvPr>
@@ -12261,7 +12049,7 @@
           <p:cNvPr id="8" name="텍스트 개체 틀 3">
             <a:extLst>
               <a:ext uri="{FF2B5EF4-FFF2-40B4-BE49-F238E27FC236}">
-                <a16:creationId xmlns="" xmlns:a16="http://schemas.microsoft.com/office/drawing/2014/main" id="{CA630441-6185-4926-8182-9AFA431B26AF}"/>
+                <a16:creationId xmlns:a16="http://schemas.microsoft.com/office/drawing/2014/main" id="{CA630441-6185-4926-8182-9AFA431B26AF}"/>
               </a:ext>
             </a:extLst>
           </p:cNvPr>
@@ -12344,7 +12132,7 @@
           <p:cNvPr id="4" name="슬라이드 번호 개체 틀 3">
             <a:extLst>
               <a:ext uri="{FF2B5EF4-FFF2-40B4-BE49-F238E27FC236}">
-                <a16:creationId xmlns="" xmlns:a16="http://schemas.microsoft.com/office/drawing/2014/main" id="{ADC59579-A63F-4FC3-95B7-DFC1B7F7E3D4}"/>
+                <a16:creationId xmlns:a16="http://schemas.microsoft.com/office/drawing/2014/main" id="{ADC59579-A63F-4FC3-95B7-DFC1B7F7E3D4}"/>
               </a:ext>
             </a:extLst>
           </p:cNvPr>
@@ -12422,7 +12210,7 @@
           <p:cNvPr id="3" name="내용 개체 틀 2">
             <a:extLst>
               <a:ext uri="{FF2B5EF4-FFF2-40B4-BE49-F238E27FC236}">
-                <a16:creationId xmlns="" xmlns:a16="http://schemas.microsoft.com/office/drawing/2014/main" id="{7ED99633-2171-421A-A1F6-DACBFC577DFB}"/>
+                <a16:creationId xmlns:a16="http://schemas.microsoft.com/office/drawing/2014/main" id="{7ED99633-2171-421A-A1F6-DACBFC577DFB}"/>
               </a:ext>
             </a:extLst>
           </p:cNvPr>
@@ -12487,7 +12275,7 @@
           <p:cNvPr id="7" name="제목 1">
             <a:extLst>
               <a:ext uri="{FF2B5EF4-FFF2-40B4-BE49-F238E27FC236}">
-                <a16:creationId xmlns="" xmlns:a16="http://schemas.microsoft.com/office/drawing/2014/main" id="{1F44423B-ACF6-4907-81C7-044644E9398A}"/>
+                <a16:creationId xmlns:a16="http://schemas.microsoft.com/office/drawing/2014/main" id="{1F44423B-ACF6-4907-81C7-044644E9398A}"/>
               </a:ext>
             </a:extLst>
           </p:cNvPr>
@@ -12561,7 +12349,7 @@
           <p:cNvPr id="2" name="날짜 개체 틀 1">
             <a:extLst>
               <a:ext uri="{FF2B5EF4-FFF2-40B4-BE49-F238E27FC236}">
-                <a16:creationId xmlns="" xmlns:a16="http://schemas.microsoft.com/office/drawing/2014/main" id="{8478B75B-C8ED-4E3F-9C76-99C2B52AAFCE}"/>
+                <a16:creationId xmlns:a16="http://schemas.microsoft.com/office/drawing/2014/main" id="{8478B75B-C8ED-4E3F-9C76-99C2B52AAFCE}"/>
               </a:ext>
             </a:extLst>
           </p:cNvPr>
@@ -12587,7 +12375,7 @@
           <a:p>
             <a:fld id="{305352ED-F847-431A-9C4E-9984B483267A}" type="datetimeFigureOut">
               <a:rPr lang="ko-KR" altLang="en-US" smtClean="0"/>
-              <a:t>2021-09-08</a:t>
+              <a:t>2021-09-13</a:t>
             </a:fld>
             <a:endParaRPr lang="ko-KR" altLang="en-US"/>
           </a:p>
@@ -12598,7 +12386,7 @@
           <p:cNvPr id="3" name="바닥글 개체 틀 2">
             <a:extLst>
               <a:ext uri="{FF2B5EF4-FFF2-40B4-BE49-F238E27FC236}">
-                <a16:creationId xmlns="" xmlns:a16="http://schemas.microsoft.com/office/drawing/2014/main" id="{EEC99171-0125-4E79-9D07-71189E3D8513}"/>
+                <a16:creationId xmlns:a16="http://schemas.microsoft.com/office/drawing/2014/main" id="{EEC99171-0125-4E79-9D07-71189E3D8513}"/>
               </a:ext>
             </a:extLst>
           </p:cNvPr>
@@ -12631,7 +12419,7 @@
           <p:cNvPr id="4" name="슬라이드 번호 개체 틀 3">
             <a:extLst>
               <a:ext uri="{FF2B5EF4-FFF2-40B4-BE49-F238E27FC236}">
-                <a16:creationId xmlns="" xmlns:a16="http://schemas.microsoft.com/office/drawing/2014/main" id="{11350EC5-6757-4F9F-B155-19E66553B8AC}"/>
+                <a16:creationId xmlns:a16="http://schemas.microsoft.com/office/drawing/2014/main" id="{11350EC5-6757-4F9F-B155-19E66553B8AC}"/>
               </a:ext>
             </a:extLst>
           </p:cNvPr>
@@ -12703,7 +12491,7 @@
           <p:cNvPr id="9" name="직선 연결선[R] 16">
             <a:extLst>
               <a:ext uri="{FF2B5EF4-FFF2-40B4-BE49-F238E27FC236}">
-                <a16:creationId xmlns="" xmlns:a16="http://schemas.microsoft.com/office/drawing/2014/main" id="{121CA73E-3DD8-493C-B604-CCDEC28DAFCD}"/>
+                <a16:creationId xmlns:a16="http://schemas.microsoft.com/office/drawing/2014/main" id="{121CA73E-3DD8-493C-B604-CCDEC28DAFCD}"/>
               </a:ext>
             </a:extLst>
           </p:cNvPr>
@@ -12746,7 +12534,7 @@
           <p:cNvPr id="18" name="직선 연결선[R] 16">
             <a:extLst>
               <a:ext uri="{FF2B5EF4-FFF2-40B4-BE49-F238E27FC236}">
-                <a16:creationId xmlns="" xmlns:a16="http://schemas.microsoft.com/office/drawing/2014/main" id="{3DA1F00C-18A3-498A-A19F-C5AB53833F39}"/>
+                <a16:creationId xmlns:a16="http://schemas.microsoft.com/office/drawing/2014/main" id="{3DA1F00C-18A3-498A-A19F-C5AB53833F39}"/>
               </a:ext>
             </a:extLst>
           </p:cNvPr>
@@ -12791,7 +12579,7 @@
           <p:cNvPr id="5" name="슬라이드 번호 개체 틀 3">
             <a:extLst>
               <a:ext uri="{FF2B5EF4-FFF2-40B4-BE49-F238E27FC236}">
-                <a16:creationId xmlns="" xmlns:a16="http://schemas.microsoft.com/office/drawing/2014/main" id="{EED16F3C-6F78-4610-9EB8-F7C237C9B9EF}"/>
+                <a16:creationId xmlns:a16="http://schemas.microsoft.com/office/drawing/2014/main" id="{EED16F3C-6F78-4610-9EB8-F7C237C9B9EF}"/>
               </a:ext>
             </a:extLst>
           </p:cNvPr>
@@ -13158,7 +12946,7 @@
           <p:cNvPr id="2" name="제목 1">
             <a:extLst>
               <a:ext uri="{FF2B5EF4-FFF2-40B4-BE49-F238E27FC236}">
-                <a16:creationId xmlns="" xmlns:a16="http://schemas.microsoft.com/office/drawing/2014/main" id="{4CDA353E-EBB6-4EE9-9240-FA1051B4632C}"/>
+                <a16:creationId xmlns:a16="http://schemas.microsoft.com/office/drawing/2014/main" id="{4CDA353E-EBB6-4EE9-9240-FA1051B4632C}"/>
               </a:ext>
             </a:extLst>
           </p:cNvPr>
@@ -13175,20 +12963,12 @@
           <a:lstStyle/>
           <a:p>
             <a:r>
-              <a:rPr lang="ko-KR" altLang="en-US" sz="4800" dirty="0" err="1" smtClean="0"/>
-              <a:t>포르</a:t>
-            </a:r>
-            <a:r>
               <a:rPr lang="ko-KR" altLang="en-US" sz="4800" dirty="0" err="1"/>
-              <a:t>미</a:t>
-            </a:r>
-            <a:r>
-              <a:rPr lang="ko-KR" altLang="en-US" sz="4800" dirty="0" smtClean="0"/>
-              <a:t> </a:t>
+              <a:t>포르미</a:t>
             </a:r>
             <a:r>
               <a:rPr lang="ko-KR" altLang="en-US" sz="4800" dirty="0"/>
-              <a:t>사이트 제작</a:t>
+              <a:t> 사이트 제작</a:t>
             </a:r>
           </a:p>
         </p:txBody>
@@ -13198,7 +12978,7 @@
           <p:cNvPr id="3" name="텍스트 개체 틀 2">
             <a:extLst>
               <a:ext uri="{FF2B5EF4-FFF2-40B4-BE49-F238E27FC236}">
-                <a16:creationId xmlns="" xmlns:a16="http://schemas.microsoft.com/office/drawing/2014/main" id="{C0B1D1E2-920F-43AA-9F5C-B58565A71BC4}"/>
+                <a16:creationId xmlns:a16="http://schemas.microsoft.com/office/drawing/2014/main" id="{C0B1D1E2-920F-43AA-9F5C-B58565A71BC4}"/>
               </a:ext>
             </a:extLst>
           </p:cNvPr>
@@ -13221,20 +13001,12 @@
           </a:p>
           <a:p>
             <a:r>
-              <a:rPr lang="ko-KR" altLang="en-US" dirty="0" err="1" smtClean="0"/>
-              <a:t>포르</a:t>
-            </a:r>
-            <a:r>
               <a:rPr lang="ko-KR" altLang="en-US" dirty="0" err="1"/>
-              <a:t>미</a:t>
-            </a:r>
-            <a:r>
-              <a:rPr lang="ko-KR" altLang="en-US" dirty="0" smtClean="0"/>
-              <a:t> </a:t>
+              <a:t>포르미</a:t>
             </a:r>
             <a:r>
               <a:rPr lang="ko-KR" altLang="en-US" dirty="0"/>
-              <a:t>웹사이트 조사 </a:t>
+              <a:t> 웹사이트 조사 </a:t>
             </a:r>
             <a:r>
               <a:rPr lang="en-US" altLang="ko-KR" dirty="0"/>
@@ -13252,7 +13024,7 @@
           <p:cNvPr id="4" name="텍스트 개체 틀 3">
             <a:extLst>
               <a:ext uri="{FF2B5EF4-FFF2-40B4-BE49-F238E27FC236}">
-                <a16:creationId xmlns="" xmlns:a16="http://schemas.microsoft.com/office/drawing/2014/main" id="{BBB40ABF-ED09-4050-8943-34500D98E369}"/>
+                <a16:creationId xmlns:a16="http://schemas.microsoft.com/office/drawing/2014/main" id="{BBB40ABF-ED09-4050-8943-34500D98E369}"/>
               </a:ext>
             </a:extLst>
           </p:cNvPr>
@@ -13286,16 +13058,12 @@
               <a:t> </a:t>
             </a:r>
             <a:r>
-              <a:rPr lang="en-US" altLang="ko-KR" sz="1800" dirty="0" smtClean="0"/>
+              <a:rPr lang="en-US" altLang="ko-KR" sz="1800" dirty="0"/>
               <a:t>: </a:t>
             </a:r>
             <a:r>
-              <a:rPr lang="ko-KR" altLang="en-US" sz="1800" dirty="0" err="1" smtClean="0"/>
-              <a:t>포르</a:t>
-            </a:r>
-            <a:r>
               <a:rPr lang="ko-KR" altLang="en-US" sz="1800" dirty="0" err="1"/>
-              <a:t>미</a:t>
+              <a:t>포르미</a:t>
             </a:r>
             <a:endParaRPr lang="en-US" altLang="ko-KR" sz="1800" dirty="0"/>
           </a:p>
@@ -13310,13 +13078,8 @@
             </a:r>
             <a:r>
               <a:rPr lang="en-US" altLang="ko-KR" sz="1800" dirty="0"/>
-              <a:t>: https://</a:t>
+              <a:t>: https://formefood.com</a:t>
             </a:r>
-            <a:r>
-              <a:rPr lang="en-US" altLang="ko-KR" sz="1800" dirty="0" smtClean="0"/>
-              <a:t>formefood.com</a:t>
-            </a:r>
-            <a:endParaRPr lang="en-US" altLang="ko-KR" sz="1800" dirty="0"/>
           </a:p>
           <a:p>
             <a:pPr marL="342891" indent="-342891">
@@ -13344,34 +13107,33 @@
               <a:t> </a:t>
             </a:r>
             <a:r>
-              <a:rPr lang="en-US" altLang="ko-KR" sz="1800" dirty="0" smtClean="0"/>
+              <a:rPr lang="en-US" altLang="ko-KR" sz="1800" dirty="0"/>
               <a:t>: 2021</a:t>
             </a:r>
             <a:r>
-              <a:rPr lang="ko-KR" altLang="en-US" sz="1800" dirty="0" smtClean="0"/>
+              <a:rPr lang="ko-KR" altLang="en-US" sz="1800" dirty="0"/>
               <a:t>년 </a:t>
             </a:r>
             <a:r>
-              <a:rPr lang="en-US" altLang="ko-KR" sz="1800" dirty="0" smtClean="0"/>
+              <a:rPr lang="en-US" altLang="ko-KR" sz="1800" dirty="0"/>
               <a:t>09</a:t>
             </a:r>
             <a:r>
-              <a:rPr lang="ko-KR" altLang="en-US" sz="1800" dirty="0" smtClean="0"/>
+              <a:rPr lang="ko-KR" altLang="en-US" sz="1800" dirty="0"/>
               <a:t>월 </a:t>
             </a:r>
             <a:r>
-              <a:rPr lang="en-US" altLang="ko-KR" sz="1800" dirty="0" smtClean="0"/>
+              <a:rPr lang="en-US" altLang="ko-KR" sz="1800" dirty="0"/>
               <a:t>05</a:t>
             </a:r>
             <a:r>
-              <a:rPr lang="ko-KR" altLang="en-US" sz="1800" dirty="0" smtClean="0"/>
+              <a:rPr lang="ko-KR" altLang="en-US" sz="1800" dirty="0"/>
               <a:t>일</a:t>
             </a:r>
             <a:r>
-              <a:rPr lang="en-US" altLang="ko-KR" sz="1800" dirty="0" smtClean="0"/>
+              <a:rPr lang="en-US" altLang="ko-KR" sz="1800" dirty="0"/>
               <a:t> </a:t>
             </a:r>
-            <a:endParaRPr lang="en-US" altLang="ko-KR" sz="1800" dirty="0"/>
           </a:p>
           <a:p>
             <a:pPr marL="342891" indent="-342891">
@@ -13391,16 +13153,12 @@
               <a:t> </a:t>
             </a:r>
             <a:r>
-              <a:rPr lang="en-US" altLang="ko-KR" sz="1800" dirty="0" smtClean="0"/>
+              <a:rPr lang="en-US" altLang="ko-KR" sz="1800" dirty="0"/>
               <a:t>: </a:t>
             </a:r>
             <a:r>
-              <a:rPr lang="ko-KR" altLang="en-US" sz="1800" dirty="0" smtClean="0"/>
-              <a:t>최연</a:t>
-            </a:r>
-            <a:r>
               <a:rPr lang="ko-KR" altLang="en-US" sz="1800" dirty="0"/>
-              <a:t>우</a:t>
+              <a:t>최연우</a:t>
             </a:r>
           </a:p>
         </p:txBody>
@@ -13440,7 +13198,7 @@
           <p:cNvPr id="2" name="제목 1">
             <a:extLst>
               <a:ext uri="{FF2B5EF4-FFF2-40B4-BE49-F238E27FC236}">
-                <a16:creationId xmlns="" xmlns:a16="http://schemas.microsoft.com/office/drawing/2014/main" id="{4E1E60AE-5AB9-4B0F-A0D8-2339BA34DD09}"/>
+                <a16:creationId xmlns:a16="http://schemas.microsoft.com/office/drawing/2014/main" id="{4E1E60AE-5AB9-4B0F-A0D8-2339BA34DD09}"/>
               </a:ext>
             </a:extLst>
           </p:cNvPr>
@@ -13485,7 +13243,7 @@
           <p:cNvPr id="12" name="부제목 3">
             <a:extLst>
               <a:ext uri="{FF2B5EF4-FFF2-40B4-BE49-F238E27FC236}">
-                <a16:creationId xmlns="" xmlns:a16="http://schemas.microsoft.com/office/drawing/2014/main" id="{9BDE5150-D116-4748-8159-831FAA8ABF6E}"/>
+                <a16:creationId xmlns:a16="http://schemas.microsoft.com/office/drawing/2014/main" id="{9BDE5150-D116-4748-8159-831FAA8ABF6E}"/>
               </a:ext>
             </a:extLst>
           </p:cNvPr>
@@ -13517,7 +13275,7 @@
           <p:cNvPr id="13" name="텍스트 개체 틀 11">
             <a:extLst>
               <a:ext uri="{FF2B5EF4-FFF2-40B4-BE49-F238E27FC236}">
-                <a16:creationId xmlns="" xmlns:a16="http://schemas.microsoft.com/office/drawing/2014/main" id="{77A760DD-A22E-4893-8886-C3EF30F0E801}"/>
+                <a16:creationId xmlns:a16="http://schemas.microsoft.com/office/drawing/2014/main" id="{77A760DD-A22E-4893-8886-C3EF30F0E801}"/>
               </a:ext>
             </a:extLst>
           </p:cNvPr>
@@ -13555,7 +13313,7 @@
           <p:cNvPr id="20" name="직사각형 19">
             <a:extLst>
               <a:ext uri="{FF2B5EF4-FFF2-40B4-BE49-F238E27FC236}">
-                <a16:creationId xmlns="" xmlns:a16="http://schemas.microsoft.com/office/drawing/2014/main" id="{E3EF3568-F942-C94E-926B-6416379CD47C}"/>
+                <a16:creationId xmlns:a16="http://schemas.microsoft.com/office/drawing/2014/main" id="{E3EF3568-F942-C94E-926B-6416379CD47C}"/>
               </a:ext>
             </a:extLst>
           </p:cNvPr>
@@ -13605,7 +13363,7 @@
           <p:cNvPr id="9" name="표 8">
             <a:extLst>
               <a:ext uri="{FF2B5EF4-FFF2-40B4-BE49-F238E27FC236}">
-                <a16:creationId xmlns="" xmlns:a16="http://schemas.microsoft.com/office/drawing/2014/main" id="{CAA12A27-DF1A-434C-99F6-A077860D06EF}"/>
+                <a16:creationId xmlns:a16="http://schemas.microsoft.com/office/drawing/2014/main" id="{CAA12A27-DF1A-434C-99F6-A077860D06EF}"/>
               </a:ext>
             </a:extLst>
           </p:cNvPr>
@@ -13632,7 +13390,7 @@
                 <a:gridCol w="9491991">
                   <a:extLst>
                     <a:ext uri="{9D8B030D-6E8A-4147-A177-3AD203B41FA5}">
-                      <a16:colId xmlns="" xmlns:a16="http://schemas.microsoft.com/office/drawing/2014/main" val="2825577889"/>
+                      <a16:colId xmlns:a16="http://schemas.microsoft.com/office/drawing/2014/main" val="2825577889"/>
                     </a:ext>
                   </a:extLst>
                 </a:gridCol>
@@ -13690,7 +13448,7 @@
                         </a:spcAft>
                       </a:pPr>
                       <a:r>
-                        <a:rPr lang="ko-KR" altLang="en-US" sz="1600" b="0" kern="0" spc="0" dirty="0" smtClean="0">
+                        <a:rPr lang="ko-KR" altLang="en-US" sz="1600" b="0" kern="0" spc="0" dirty="0">
                           <a:solidFill>
                             <a:srgbClr val="191919"/>
                           </a:solidFill>
@@ -13701,7 +13459,7 @@
                         <a:t>식단관리 초보</a:t>
                       </a:r>
                       <a:r>
-                        <a:rPr lang="ko-KR" altLang="en-US" sz="1600" b="0" kern="0" spc="0" dirty="0" smtClean="0">
+                        <a:rPr lang="ko-KR" altLang="en-US" sz="1600" b="0" kern="0" spc="0" dirty="0">
                           <a:solidFill>
                             <a:srgbClr val="191919"/>
                           </a:solidFill>
@@ -13711,7 +13469,7 @@
                         <a:t>자도 </a:t>
                       </a:r>
                       <a:r>
-                        <a:rPr lang="ko-KR" altLang="en-US" sz="1600" kern="0" spc="0" dirty="0" smtClean="0">
+                        <a:rPr lang="ko-KR" altLang="en-US" sz="1600" kern="0" spc="0" dirty="0">
                           <a:solidFill>
                             <a:srgbClr val="191919"/>
                           </a:solidFill>
@@ -13721,7 +13479,7 @@
                         <a:t>쉽게 접근할 수 있도록 직관적이면서 정확한 도시락 종류 구분과 맛을 참고 할 </a:t>
                       </a:r>
                       <a:r>
-                        <a:rPr lang="ko-KR" altLang="en-US" sz="1600" kern="0" spc="0" dirty="0" err="1" smtClean="0">
+                        <a:rPr lang="ko-KR" altLang="en-US" sz="1600" kern="0" spc="0" dirty="0" err="1">
                           <a:solidFill>
                             <a:srgbClr val="191919"/>
                           </a:solidFill>
@@ -13731,7 +13489,7 @@
                         <a:t>수있는</a:t>
                       </a:r>
                       <a:r>
-                        <a:rPr lang="ko-KR" altLang="en-US" sz="1600" kern="0" spc="0" dirty="0" smtClean="0">
+                        <a:rPr lang="ko-KR" altLang="en-US" sz="1600" kern="0" spc="0" dirty="0">
                           <a:solidFill>
                             <a:srgbClr val="191919"/>
                           </a:solidFill>
@@ -13741,7 +13499,7 @@
                         <a:t> 체계적인 맛 리뷰와 </a:t>
                       </a:r>
                       <a:r>
-                        <a:rPr lang="ko-KR" altLang="en-US" sz="1600" kern="0" spc="0" dirty="0" err="1" smtClean="0">
+                        <a:rPr lang="ko-KR" altLang="en-US" sz="1600" kern="0" spc="0" dirty="0" err="1">
                           <a:solidFill>
                             <a:srgbClr val="191919"/>
                           </a:solidFill>
@@ -13751,7 +13509,7 @@
                         <a:t>포르미</a:t>
                       </a:r>
                       <a:r>
-                        <a:rPr lang="ko-KR" altLang="en-US" sz="1600" kern="0" spc="0" baseline="0" dirty="0" smtClean="0">
+                        <a:rPr lang="ko-KR" altLang="en-US" sz="1600" kern="0" spc="0" baseline="0" dirty="0">
                           <a:solidFill>
                             <a:srgbClr val="191919"/>
                           </a:solidFill>
@@ -13761,7 +13519,7 @@
                         <a:t> </a:t>
                       </a:r>
                       <a:r>
-                        <a:rPr lang="ko-KR" altLang="en-US" sz="1600" kern="0" spc="0" dirty="0" smtClean="0">
+                        <a:rPr lang="ko-KR" altLang="en-US" sz="1600" kern="0" spc="0" dirty="0">
                           <a:solidFill>
                             <a:srgbClr val="191919"/>
                           </a:solidFill>
@@ -13771,7 +13529,7 @@
                         <a:t>브랜드만이 가지고 있는 </a:t>
                       </a:r>
                       <a:r>
-                        <a:rPr lang="en-US" altLang="ko-KR" sz="1600" kern="0" spc="0" dirty="0" smtClean="0">
+                        <a:rPr lang="en-US" altLang="ko-KR" sz="1600" kern="0" spc="0" dirty="0">
                           <a:solidFill>
                             <a:srgbClr val="191919"/>
                           </a:solidFill>
@@ -13781,7 +13539,7 @@
                         <a:t>‘ </a:t>
                       </a:r>
                       <a:r>
-                        <a:rPr lang="ko-KR" altLang="en-US" sz="1600" kern="0" spc="0" dirty="0" smtClean="0">
+                        <a:rPr lang="ko-KR" altLang="en-US" sz="1600" kern="0" spc="0" dirty="0">
                           <a:solidFill>
                             <a:srgbClr val="191919"/>
                           </a:solidFill>
@@ -13791,7 +13549,7 @@
                         <a:t>건강한 도시락 </a:t>
                       </a:r>
                       <a:r>
-                        <a:rPr lang="en-US" altLang="ko-KR" sz="1600" kern="0" spc="0" dirty="0" smtClean="0">
+                        <a:rPr lang="en-US" altLang="ko-KR" sz="1600" kern="0" spc="0" dirty="0">
                           <a:solidFill>
                             <a:srgbClr val="191919"/>
                           </a:solidFill>
@@ -13801,7 +13559,7 @@
                         <a:t>‘ </a:t>
                       </a:r>
                       <a:r>
-                        <a:rPr lang="ko-KR" altLang="en-US" sz="1600" kern="0" spc="0" dirty="0" smtClean="0">
+                        <a:rPr lang="ko-KR" altLang="en-US" sz="1600" kern="0" spc="0" dirty="0">
                           <a:solidFill>
                             <a:srgbClr val="191919"/>
                           </a:solidFill>
@@ -13811,7 +13569,7 @@
                         <a:t>건강한 밥</a:t>
                       </a:r>
                       <a:r>
-                        <a:rPr lang="en-US" altLang="ko-KR" sz="1600" kern="0" spc="0" dirty="0" smtClean="0">
+                        <a:rPr lang="en-US" altLang="ko-KR" sz="1600" kern="0" spc="0" dirty="0">
                           <a:solidFill>
                             <a:srgbClr val="191919"/>
                           </a:solidFill>
@@ -13821,7 +13579,7 @@
                         <a:t>’ </a:t>
                       </a:r>
                       <a:r>
-                        <a:rPr lang="ko-KR" altLang="en-US" sz="1600" kern="0" spc="0" dirty="0" smtClean="0">
+                        <a:rPr lang="ko-KR" altLang="en-US" sz="1600" kern="0" spc="0" dirty="0">
                           <a:solidFill>
                             <a:srgbClr val="191919"/>
                           </a:solidFill>
@@ -13831,7 +13589,7 @@
                         <a:t>장점을 내세울 수 있는 시각적인 </a:t>
                       </a:r>
                       <a:r>
-                        <a:rPr lang="ko-KR" altLang="en-US" sz="1600" kern="0" spc="0" dirty="0" err="1" smtClean="0">
+                        <a:rPr lang="ko-KR" altLang="en-US" sz="1600" kern="0" spc="0" dirty="0" err="1">
                           <a:solidFill>
                             <a:srgbClr val="191919"/>
                           </a:solidFill>
@@ -13841,7 +13599,7 @@
                         <a:t>집중도를</a:t>
                       </a:r>
                       <a:r>
-                        <a:rPr lang="ko-KR" altLang="en-US" sz="1600" kern="0" spc="0" dirty="0" smtClean="0">
+                        <a:rPr lang="ko-KR" altLang="en-US" sz="1600" kern="0" spc="0" dirty="0">
                           <a:solidFill>
                             <a:srgbClr val="191919"/>
                           </a:solidFill>
@@ -13851,7 +13609,7 @@
                         <a:t> 높여 고객이 일반 냉동 도시락이라고 하면 떠올리는 일반적인</a:t>
                       </a:r>
                       <a:r>
-                        <a:rPr lang="ko-KR" altLang="en-US" sz="1600" kern="0" spc="0" baseline="0" dirty="0" smtClean="0">
+                        <a:rPr lang="ko-KR" altLang="en-US" sz="1600" kern="0" spc="0" baseline="0" dirty="0">
                           <a:solidFill>
                             <a:srgbClr val="191919"/>
                           </a:solidFill>
@@ -13860,7 +13618,7 @@
                         </a:rPr>
                         <a:t> 느낌 보다는</a:t>
                       </a:r>
-                      <a:endParaRPr lang="en-US" altLang="ko-KR" sz="1600" kern="0" spc="0" baseline="0" dirty="0" smtClean="0">
+                      <a:endParaRPr lang="en-US" altLang="ko-KR" sz="1600" kern="0" spc="0" baseline="0" dirty="0">
                         <a:solidFill>
                           <a:srgbClr val="191919"/>
                         </a:solidFill>
@@ -13881,7 +13639,7 @@
                         </a:spcAft>
                       </a:pPr>
                       <a:r>
-                        <a:rPr lang="ko-KR" altLang="en-US" sz="1600" kern="0" spc="0" baseline="0" dirty="0" smtClean="0">
+                        <a:rPr lang="ko-KR" altLang="en-US" sz="1600" kern="0" spc="0" baseline="0" dirty="0">
                           <a:solidFill>
                             <a:srgbClr val="191919"/>
                           </a:solidFill>
@@ -13891,7 +13649,7 @@
                         <a:t>냉동 도시락도 </a:t>
                       </a:r>
                       <a:r>
-                        <a:rPr lang="ko-KR" altLang="en-US" sz="1600" kern="0" spc="0" baseline="0" dirty="0" err="1" smtClean="0">
+                        <a:rPr lang="ko-KR" altLang="en-US" sz="1600" kern="0" spc="0" baseline="0" dirty="0" err="1">
                           <a:solidFill>
                             <a:srgbClr val="191919"/>
                           </a:solidFill>
@@ -13901,7 +13659,7 @@
                         <a:t>포르미만의</a:t>
                       </a:r>
                       <a:r>
-                        <a:rPr lang="ko-KR" altLang="en-US" sz="1600" kern="0" spc="0" baseline="0" dirty="0" smtClean="0">
+                        <a:rPr lang="ko-KR" altLang="en-US" sz="1600" kern="0" spc="0" baseline="0" dirty="0">
                           <a:solidFill>
                             <a:srgbClr val="191919"/>
                           </a:solidFill>
@@ -13911,7 +13669,7 @@
                         <a:t> 공법으로 밥도 자연 그대로 맛있게 만들었음을 인지할 수 있도록 만들어야 한다</a:t>
                       </a:r>
                       <a:r>
-                        <a:rPr lang="en-US" altLang="ko-KR" sz="1600" kern="0" spc="0" baseline="0" dirty="0" smtClean="0">
+                        <a:rPr lang="en-US" altLang="ko-KR" sz="1600" kern="0" spc="0" baseline="0" dirty="0">
                           <a:solidFill>
                             <a:srgbClr val="191919"/>
                           </a:solidFill>
@@ -13920,7 +13678,7 @@
                         </a:rPr>
                         <a:t>.</a:t>
                       </a:r>
-                      <a:endParaRPr lang="en-US" altLang="ko-KR" sz="1600" kern="0" spc="0" dirty="0" smtClean="0">
+                      <a:endParaRPr lang="en-US" altLang="ko-KR" sz="1600" kern="0" spc="0" dirty="0">
                         <a:solidFill>
                           <a:srgbClr val="191919"/>
                         </a:solidFill>
@@ -13990,7 +13748,7 @@
                 </a:tc>
                 <a:extLst>
                   <a:ext uri="{0D108BD9-81ED-4DB2-BD59-A6C34878D82A}">
-                    <a16:rowId xmlns="" xmlns:a16="http://schemas.microsoft.com/office/drawing/2014/main" val="3340433091"/>
+                    <a16:rowId xmlns:a16="http://schemas.microsoft.com/office/drawing/2014/main" val="3340433091"/>
                   </a:ext>
                 </a:extLst>
               </a:tr>
@@ -14003,7 +13761,7 @@
           <p:cNvPr id="10" name="슬라이드 번호 개체 틀 3">
             <a:extLst>
               <a:ext uri="{FF2B5EF4-FFF2-40B4-BE49-F238E27FC236}">
-                <a16:creationId xmlns="" xmlns:a16="http://schemas.microsoft.com/office/drawing/2014/main" id="{03E00695-FAE9-4E49-83BC-32E7FEFC916F}"/>
+                <a16:creationId xmlns:a16="http://schemas.microsoft.com/office/drawing/2014/main" id="{03E00695-FAE9-4E49-83BC-32E7FEFC916F}"/>
               </a:ext>
             </a:extLst>
           </p:cNvPr>
@@ -14081,7 +13839,7 @@
           <p:cNvPr id="2" name="제목 1">
             <a:extLst>
               <a:ext uri="{FF2B5EF4-FFF2-40B4-BE49-F238E27FC236}">
-                <a16:creationId xmlns="" xmlns:a16="http://schemas.microsoft.com/office/drawing/2014/main" id="{4E1E60AE-5AB9-4B0F-A0D8-2339BA34DD09}"/>
+                <a16:creationId xmlns:a16="http://schemas.microsoft.com/office/drawing/2014/main" id="{4E1E60AE-5AB9-4B0F-A0D8-2339BA34DD09}"/>
               </a:ext>
             </a:extLst>
           </p:cNvPr>
@@ -14126,7 +13884,7 @@
           <p:cNvPr id="12" name="부제목 3">
             <a:extLst>
               <a:ext uri="{FF2B5EF4-FFF2-40B4-BE49-F238E27FC236}">
-                <a16:creationId xmlns="" xmlns:a16="http://schemas.microsoft.com/office/drawing/2014/main" id="{9BDE5150-D116-4748-8159-831FAA8ABF6E}"/>
+                <a16:creationId xmlns:a16="http://schemas.microsoft.com/office/drawing/2014/main" id="{9BDE5150-D116-4748-8159-831FAA8ABF6E}"/>
               </a:ext>
             </a:extLst>
           </p:cNvPr>
@@ -14158,7 +13916,7 @@
           <p:cNvPr id="13" name="텍스트 개체 틀 11">
             <a:extLst>
               <a:ext uri="{FF2B5EF4-FFF2-40B4-BE49-F238E27FC236}">
-                <a16:creationId xmlns="" xmlns:a16="http://schemas.microsoft.com/office/drawing/2014/main" id="{77A760DD-A22E-4893-8886-C3EF30F0E801}"/>
+                <a16:creationId xmlns:a16="http://schemas.microsoft.com/office/drawing/2014/main" id="{77A760DD-A22E-4893-8886-C3EF30F0E801}"/>
               </a:ext>
             </a:extLst>
           </p:cNvPr>
@@ -14240,7 +13998,7 @@
           <p:cNvPr id="34" name="슬라이드 번호 개체 틀 3">
             <a:extLst>
               <a:ext uri="{FF2B5EF4-FFF2-40B4-BE49-F238E27FC236}">
-                <a16:creationId xmlns="" xmlns:a16="http://schemas.microsoft.com/office/drawing/2014/main" id="{4896126C-B563-497E-973D-5811A7DDA34F}"/>
+                <a16:creationId xmlns:a16="http://schemas.microsoft.com/office/drawing/2014/main" id="{4896126C-B563-497E-973D-5811A7DDA34F}"/>
               </a:ext>
             </a:extLst>
           </p:cNvPr>
@@ -14284,7 +14042,7 @@
           <p:cNvPr id="20" name="직사각형 19">
             <a:extLst>
               <a:ext uri="{FF2B5EF4-FFF2-40B4-BE49-F238E27FC236}">
-                <a16:creationId xmlns="" xmlns:a16="http://schemas.microsoft.com/office/drawing/2014/main" id="{E3EF3568-F942-C94E-926B-6416379CD47C}"/>
+                <a16:creationId xmlns:a16="http://schemas.microsoft.com/office/drawing/2014/main" id="{E3EF3568-F942-C94E-926B-6416379CD47C}"/>
               </a:ext>
             </a:extLst>
           </p:cNvPr>
@@ -14334,7 +14092,7 @@
           <p:cNvPr id="9" name="표 8">
             <a:extLst>
               <a:ext uri="{FF2B5EF4-FFF2-40B4-BE49-F238E27FC236}">
-                <a16:creationId xmlns="" xmlns:a16="http://schemas.microsoft.com/office/drawing/2014/main" id="{CAA12A27-DF1A-434C-99F6-A077860D06EF}"/>
+                <a16:creationId xmlns:a16="http://schemas.microsoft.com/office/drawing/2014/main" id="{CAA12A27-DF1A-434C-99F6-A077860D06EF}"/>
               </a:ext>
             </a:extLst>
           </p:cNvPr>
@@ -14361,7 +14119,7 @@
                 <a:gridCol w="3114837">
                   <a:extLst>
                     <a:ext uri="{9D8B030D-6E8A-4147-A177-3AD203B41FA5}">
-                      <a16:colId xmlns="" xmlns:a16="http://schemas.microsoft.com/office/drawing/2014/main" val="2825577889"/>
+                      <a16:colId xmlns:a16="http://schemas.microsoft.com/office/drawing/2014/main" val="2825577889"/>
                     </a:ext>
                   </a:extLst>
                 </a:gridCol>
@@ -14450,7 +14208,7 @@
                 </a:tc>
                 <a:extLst>
                   <a:ext uri="{0D108BD9-81ED-4DB2-BD59-A6C34878D82A}">
-                    <a16:rowId xmlns="" xmlns:a16="http://schemas.microsoft.com/office/drawing/2014/main" val="3340433091"/>
+                    <a16:rowId xmlns:a16="http://schemas.microsoft.com/office/drawing/2014/main" val="3340433091"/>
                   </a:ext>
                 </a:extLst>
               </a:tr>
@@ -14529,7 +14287,7 @@
                 </a:tc>
                 <a:extLst>
                   <a:ext uri="{0D108BD9-81ED-4DB2-BD59-A6C34878D82A}">
-                    <a16:rowId xmlns="" xmlns:a16="http://schemas.microsoft.com/office/drawing/2014/main" val="1977821960"/>
+                    <a16:rowId xmlns:a16="http://schemas.microsoft.com/office/drawing/2014/main" val="1977821960"/>
                   </a:ext>
                 </a:extLst>
               </a:tr>
@@ -14542,7 +14300,7 @@
           <p:cNvPr id="33" name="TextBox 32">
             <a:extLst>
               <a:ext uri="{FF2B5EF4-FFF2-40B4-BE49-F238E27FC236}">
-                <a16:creationId xmlns="" xmlns:a16="http://schemas.microsoft.com/office/drawing/2014/main" id="{D734594A-DB45-4DF0-86BB-C645904EA9E2}"/>
+                <a16:creationId xmlns:a16="http://schemas.microsoft.com/office/drawing/2014/main" id="{D734594A-DB45-4DF0-86BB-C645904EA9E2}"/>
               </a:ext>
             </a:extLst>
           </p:cNvPr>
@@ -14585,7 +14343,7 @@
           <p:cNvPr id="10" name="TextBox 9">
             <a:extLst>
               <a:ext uri="{FF2B5EF4-FFF2-40B4-BE49-F238E27FC236}">
-                <a16:creationId xmlns="" xmlns:a16="http://schemas.microsoft.com/office/drawing/2014/main" id="{D734594A-DB45-4DF0-86BB-C645904EA9E2}"/>
+                <a16:creationId xmlns:a16="http://schemas.microsoft.com/office/drawing/2014/main" id="{D734594A-DB45-4DF0-86BB-C645904EA9E2}"/>
               </a:ext>
             </a:extLst>
           </p:cNvPr>
@@ -14610,16 +14368,6 @@
           <a:p>
             <a:pPr algn="ctr"/>
             <a:r>
-              <a:rPr lang="ko-KR" altLang="en-US" sz="1200" kern="0" dirty="0" smtClean="0">
-                <a:solidFill>
-                  <a:srgbClr val="C75252"/>
-                </a:solidFill>
-                <a:latin typeface="맑은 고딕" panose="020B0503020000020004" pitchFamily="50" charset="-127"/>
-                <a:ea typeface="맑은 고딕" panose="020B0503020000020004" pitchFamily="50" charset="-127"/>
-              </a:rPr>
-              <a:t>도시</a:t>
-            </a:r>
-            <a:r>
               <a:rPr lang="ko-KR" altLang="en-US" sz="1200" kern="0" dirty="0">
                 <a:solidFill>
                   <a:srgbClr val="C75252"/>
@@ -14627,7 +14375,7 @@
                 <a:latin typeface="맑은 고딕" panose="020B0503020000020004" pitchFamily="50" charset="-127"/>
                 <a:ea typeface="맑은 고딕" panose="020B0503020000020004" pitchFamily="50" charset="-127"/>
               </a:rPr>
-              <a:t>락</a:t>
+              <a:t>도시락</a:t>
             </a:r>
             <a:endParaRPr lang="ko-KR" altLang="en-US" sz="1200" dirty="0"/>
           </a:p>
@@ -14638,7 +14386,7 @@
           <p:cNvPr id="11" name="TextBox 10">
             <a:extLst>
               <a:ext uri="{FF2B5EF4-FFF2-40B4-BE49-F238E27FC236}">
-                <a16:creationId xmlns="" xmlns:a16="http://schemas.microsoft.com/office/drawing/2014/main" id="{D734594A-DB45-4DF0-86BB-C645904EA9E2}"/>
+                <a16:creationId xmlns:a16="http://schemas.microsoft.com/office/drawing/2014/main" id="{D734594A-DB45-4DF0-86BB-C645904EA9E2}"/>
               </a:ext>
             </a:extLst>
           </p:cNvPr>
@@ -14663,16 +14411,6 @@
           <a:p>
             <a:pPr algn="ctr"/>
             <a:r>
-              <a:rPr lang="ko-KR" altLang="en-US" sz="1200" kern="0" dirty="0" err="1" smtClean="0">
-                <a:solidFill>
-                  <a:srgbClr val="C75252"/>
-                </a:solidFill>
-                <a:latin typeface="맑은 고딕" panose="020B0503020000020004" pitchFamily="50" charset="-127"/>
-                <a:ea typeface="맑은 고딕" panose="020B0503020000020004" pitchFamily="50" charset="-127"/>
-              </a:rPr>
-              <a:t>간편</a:t>
-            </a:r>
-            <a:r>
               <a:rPr lang="ko-KR" altLang="en-US" sz="1200" kern="0" dirty="0" err="1">
                 <a:solidFill>
                   <a:srgbClr val="C75252"/>
@@ -14680,7 +14418,7 @@
                 <a:latin typeface="맑은 고딕" panose="020B0503020000020004" pitchFamily="50" charset="-127"/>
                 <a:ea typeface="맑은 고딕" panose="020B0503020000020004" pitchFamily="50" charset="-127"/>
               </a:rPr>
-              <a:t>식</a:t>
+              <a:t>간편식</a:t>
             </a:r>
             <a:endParaRPr lang="ko-KR" altLang="en-US" sz="1200" dirty="0"/>
           </a:p>
@@ -14691,7 +14429,7 @@
           <p:cNvPr id="14" name="TextBox 13">
             <a:extLst>
               <a:ext uri="{FF2B5EF4-FFF2-40B4-BE49-F238E27FC236}">
-                <a16:creationId xmlns="" xmlns:a16="http://schemas.microsoft.com/office/drawing/2014/main" id="{D734594A-DB45-4DF0-86BB-C645904EA9E2}"/>
+                <a16:creationId xmlns:a16="http://schemas.microsoft.com/office/drawing/2014/main" id="{D734594A-DB45-4DF0-86BB-C645904EA9E2}"/>
               </a:ext>
             </a:extLst>
           </p:cNvPr>
@@ -14716,16 +14454,6 @@
           <a:p>
             <a:pPr algn="ctr"/>
             <a:r>
-              <a:rPr lang="ko-KR" altLang="en-US" sz="1200" kern="0" dirty="0" smtClean="0">
-                <a:solidFill>
-                  <a:srgbClr val="C75252"/>
-                </a:solidFill>
-                <a:latin typeface="맑은 고딕" panose="020B0503020000020004" pitchFamily="50" charset="-127"/>
-                <a:ea typeface="맑은 고딕" panose="020B0503020000020004" pitchFamily="50" charset="-127"/>
-              </a:rPr>
-              <a:t>수</a:t>
-            </a:r>
-            <a:r>
               <a:rPr lang="ko-KR" altLang="en-US" sz="1200" kern="0" dirty="0">
                 <a:solidFill>
                   <a:srgbClr val="C75252"/>
@@ -14733,7 +14461,7 @@
                 <a:latin typeface="맑은 고딕" panose="020B0503020000020004" pitchFamily="50" charset="-127"/>
                 <a:ea typeface="맑은 고딕" panose="020B0503020000020004" pitchFamily="50" charset="-127"/>
               </a:rPr>
-              <a:t>제</a:t>
+              <a:t>수제</a:t>
             </a:r>
             <a:endParaRPr lang="ko-KR" altLang="en-US" sz="1200" dirty="0"/>
           </a:p>
@@ -14744,7 +14472,7 @@
           <p:cNvPr id="15" name="TextBox 14">
             <a:extLst>
               <a:ext uri="{FF2B5EF4-FFF2-40B4-BE49-F238E27FC236}">
-                <a16:creationId xmlns="" xmlns:a16="http://schemas.microsoft.com/office/drawing/2014/main" id="{D734594A-DB45-4DF0-86BB-C645904EA9E2}"/>
+                <a16:creationId xmlns:a16="http://schemas.microsoft.com/office/drawing/2014/main" id="{D734594A-DB45-4DF0-86BB-C645904EA9E2}"/>
               </a:ext>
             </a:extLst>
           </p:cNvPr>
@@ -14769,10 +14497,9 @@
           <a:p>
             <a:pPr algn="ctr"/>
             <a:r>
-              <a:rPr lang="ko-KR" altLang="en-US" sz="1200" dirty="0" smtClean="0"/>
+              <a:rPr lang="ko-KR" altLang="en-US" sz="1200" dirty="0"/>
               <a:t>건강식</a:t>
             </a:r>
-            <a:endParaRPr lang="ko-KR" altLang="en-US" sz="1200" dirty="0"/>
           </a:p>
         </p:txBody>
       </p:sp>
@@ -14781,7 +14508,7 @@
           <p:cNvPr id="16" name="TextBox 15">
             <a:extLst>
               <a:ext uri="{FF2B5EF4-FFF2-40B4-BE49-F238E27FC236}">
-                <a16:creationId xmlns="" xmlns:a16="http://schemas.microsoft.com/office/drawing/2014/main" id="{D734594A-DB45-4DF0-86BB-C645904EA9E2}"/>
+                <a16:creationId xmlns:a16="http://schemas.microsoft.com/office/drawing/2014/main" id="{D734594A-DB45-4DF0-86BB-C645904EA9E2}"/>
               </a:ext>
             </a:extLst>
           </p:cNvPr>
@@ -14806,16 +14533,6 @@
           <a:p>
             <a:pPr algn="ctr"/>
             <a:r>
-              <a:rPr lang="ko-KR" altLang="en-US" sz="1200" kern="0" dirty="0" smtClean="0">
-                <a:solidFill>
-                  <a:srgbClr val="C75252"/>
-                </a:solidFill>
-                <a:latin typeface="맑은 고딕" panose="020B0503020000020004" pitchFamily="50" charset="-127"/>
-                <a:ea typeface="맑은 고딕" panose="020B0503020000020004" pitchFamily="50" charset="-127"/>
-              </a:rPr>
-              <a:t>잡곡</a:t>
-            </a:r>
-            <a:r>
               <a:rPr lang="ko-KR" altLang="en-US" sz="1200" kern="0" dirty="0">
                 <a:solidFill>
                   <a:srgbClr val="C75252"/>
@@ -14823,7 +14540,7 @@
                 <a:latin typeface="맑은 고딕" panose="020B0503020000020004" pitchFamily="50" charset="-127"/>
                 <a:ea typeface="맑은 고딕" panose="020B0503020000020004" pitchFamily="50" charset="-127"/>
               </a:rPr>
-              <a:t>밥</a:t>
+              <a:t>잡곡밥</a:t>
             </a:r>
             <a:endParaRPr lang="ko-KR" altLang="en-US" sz="1200" dirty="0"/>
           </a:p>
@@ -14834,7 +14551,7 @@
           <p:cNvPr id="18" name="TextBox 17">
             <a:extLst>
               <a:ext uri="{FF2B5EF4-FFF2-40B4-BE49-F238E27FC236}">
-                <a16:creationId xmlns="" xmlns:a16="http://schemas.microsoft.com/office/drawing/2014/main" id="{D734594A-DB45-4DF0-86BB-C645904EA9E2}"/>
+                <a16:creationId xmlns:a16="http://schemas.microsoft.com/office/drawing/2014/main" id="{D734594A-DB45-4DF0-86BB-C645904EA9E2}"/>
               </a:ext>
             </a:extLst>
           </p:cNvPr>
@@ -14859,10 +14576,9 @@
           <a:p>
             <a:pPr algn="ctr"/>
             <a:r>
-              <a:rPr lang="ko-KR" altLang="en-US" sz="1200" dirty="0" smtClean="0"/>
+              <a:rPr lang="ko-KR" altLang="en-US" sz="1200" dirty="0"/>
               <a:t>깨끗함</a:t>
             </a:r>
-            <a:endParaRPr lang="ko-KR" altLang="en-US" sz="1200" dirty="0"/>
           </a:p>
         </p:txBody>
       </p:sp>
@@ -14871,7 +14587,7 @@
           <p:cNvPr id="19" name="TextBox 18">
             <a:extLst>
               <a:ext uri="{FF2B5EF4-FFF2-40B4-BE49-F238E27FC236}">
-                <a16:creationId xmlns="" xmlns:a16="http://schemas.microsoft.com/office/drawing/2014/main" id="{D734594A-DB45-4DF0-86BB-C645904EA9E2}"/>
+                <a16:creationId xmlns:a16="http://schemas.microsoft.com/office/drawing/2014/main" id="{D734594A-DB45-4DF0-86BB-C645904EA9E2}"/>
               </a:ext>
             </a:extLst>
           </p:cNvPr>
@@ -14896,10 +14612,9 @@
           <a:p>
             <a:pPr algn="ctr"/>
             <a:r>
-              <a:rPr lang="ko-KR" altLang="en-US" sz="1200" dirty="0" smtClean="0"/>
+              <a:rPr lang="ko-KR" altLang="en-US" sz="1200" dirty="0"/>
               <a:t>안전함</a:t>
             </a:r>
-            <a:endParaRPr lang="ko-KR" altLang="en-US" sz="1200" dirty="0"/>
           </a:p>
         </p:txBody>
       </p:sp>
@@ -14908,7 +14623,7 @@
           <p:cNvPr id="21" name="TextBox 20">
             <a:extLst>
               <a:ext uri="{FF2B5EF4-FFF2-40B4-BE49-F238E27FC236}">
-                <a16:creationId xmlns="" xmlns:a16="http://schemas.microsoft.com/office/drawing/2014/main" id="{D734594A-DB45-4DF0-86BB-C645904EA9E2}"/>
+                <a16:creationId xmlns:a16="http://schemas.microsoft.com/office/drawing/2014/main" id="{D734594A-DB45-4DF0-86BB-C645904EA9E2}"/>
               </a:ext>
             </a:extLst>
           </p:cNvPr>
@@ -14933,10 +14648,9 @@
           <a:p>
             <a:pPr algn="ctr"/>
             <a:r>
-              <a:rPr lang="ko-KR" altLang="en-US" sz="1200" dirty="0" smtClean="0"/>
+              <a:rPr lang="ko-KR" altLang="en-US" sz="1200" dirty="0"/>
               <a:t>가벼움</a:t>
             </a:r>
-            <a:endParaRPr lang="ko-KR" altLang="en-US" sz="1200" dirty="0"/>
           </a:p>
         </p:txBody>
       </p:sp>
@@ -14945,7 +14659,7 @@
           <p:cNvPr id="22" name="TextBox 21">
             <a:extLst>
               <a:ext uri="{FF2B5EF4-FFF2-40B4-BE49-F238E27FC236}">
-                <a16:creationId xmlns="" xmlns:a16="http://schemas.microsoft.com/office/drawing/2014/main" id="{D734594A-DB45-4DF0-86BB-C645904EA9E2}"/>
+                <a16:creationId xmlns:a16="http://schemas.microsoft.com/office/drawing/2014/main" id="{D734594A-DB45-4DF0-86BB-C645904EA9E2}"/>
               </a:ext>
             </a:extLst>
           </p:cNvPr>
@@ -14970,10 +14684,9 @@
           <a:p>
             <a:pPr algn="ctr"/>
             <a:r>
-              <a:rPr lang="ko-KR" altLang="en-US" sz="1200" dirty="0" smtClean="0"/>
+              <a:rPr lang="ko-KR" altLang="en-US" sz="1200" dirty="0"/>
               <a:t>식단관리</a:t>
             </a:r>
-            <a:endParaRPr lang="ko-KR" altLang="en-US" sz="1200" dirty="0"/>
           </a:p>
         </p:txBody>
       </p:sp>
@@ -14982,7 +14695,7 @@
           <p:cNvPr id="23" name="TextBox 22">
             <a:extLst>
               <a:ext uri="{FF2B5EF4-FFF2-40B4-BE49-F238E27FC236}">
-                <a16:creationId xmlns="" xmlns:a16="http://schemas.microsoft.com/office/drawing/2014/main" id="{D734594A-DB45-4DF0-86BB-C645904EA9E2}"/>
+                <a16:creationId xmlns:a16="http://schemas.microsoft.com/office/drawing/2014/main" id="{D734594A-DB45-4DF0-86BB-C645904EA9E2}"/>
               </a:ext>
             </a:extLst>
           </p:cNvPr>
@@ -15007,10 +14720,9 @@
           <a:p>
             <a:pPr algn="ctr"/>
             <a:r>
-              <a:rPr lang="ko-KR" altLang="en-US" sz="1200" dirty="0" smtClean="0"/>
+              <a:rPr lang="ko-KR" altLang="en-US" sz="1200" dirty="0"/>
               <a:t>미니사이즈</a:t>
             </a:r>
-            <a:endParaRPr lang="ko-KR" altLang="en-US" sz="1200" dirty="0"/>
           </a:p>
         </p:txBody>
       </p:sp>
@@ -15019,7 +14731,7 @@
           <p:cNvPr id="24" name="TextBox 23">
             <a:extLst>
               <a:ext uri="{FF2B5EF4-FFF2-40B4-BE49-F238E27FC236}">
-                <a16:creationId xmlns="" xmlns:a16="http://schemas.microsoft.com/office/drawing/2014/main" id="{D734594A-DB45-4DF0-86BB-C645904EA9E2}"/>
+                <a16:creationId xmlns:a16="http://schemas.microsoft.com/office/drawing/2014/main" id="{D734594A-DB45-4DF0-86BB-C645904EA9E2}"/>
               </a:ext>
             </a:extLst>
           </p:cNvPr>
@@ -15044,10 +14756,9 @@
           <a:p>
             <a:pPr algn="ctr"/>
             <a:r>
-              <a:rPr lang="ko-KR" altLang="en-US" sz="1200" dirty="0" smtClean="0"/>
+              <a:rPr lang="ko-KR" altLang="en-US" sz="1200" dirty="0"/>
               <a:t>스피드</a:t>
             </a:r>
-            <a:endParaRPr lang="ko-KR" altLang="en-US" sz="1200" dirty="0"/>
           </a:p>
         </p:txBody>
       </p:sp>
@@ -15056,7 +14767,7 @@
           <p:cNvPr id="26" name="TextBox 25">
             <a:extLst>
               <a:ext uri="{FF2B5EF4-FFF2-40B4-BE49-F238E27FC236}">
-                <a16:creationId xmlns="" xmlns:a16="http://schemas.microsoft.com/office/drawing/2014/main" id="{D734594A-DB45-4DF0-86BB-C645904EA9E2}"/>
+                <a16:creationId xmlns:a16="http://schemas.microsoft.com/office/drawing/2014/main" id="{D734594A-DB45-4DF0-86BB-C645904EA9E2}"/>
               </a:ext>
             </a:extLst>
           </p:cNvPr>
@@ -15081,16 +14792,6 @@
           <a:p>
             <a:pPr algn="ctr"/>
             <a:r>
-              <a:rPr lang="ko-KR" altLang="en-US" sz="1200" kern="0" dirty="0" smtClean="0">
-                <a:solidFill>
-                  <a:srgbClr val="C75252"/>
-                </a:solidFill>
-                <a:latin typeface="맑은 고딕" panose="020B0503020000020004" pitchFamily="50" charset="-127"/>
-                <a:ea typeface="맑은 고딕" panose="020B0503020000020004" pitchFamily="50" charset="-127"/>
-              </a:rPr>
-              <a:t>운동식</a:t>
-            </a:r>
-            <a:r>
               <a:rPr lang="ko-KR" altLang="en-US" sz="1200" kern="0" dirty="0">
                 <a:solidFill>
                   <a:srgbClr val="C75252"/>
@@ -15098,7 +14799,7 @@
                 <a:latin typeface="맑은 고딕" panose="020B0503020000020004" pitchFamily="50" charset="-127"/>
                 <a:ea typeface="맑은 고딕" panose="020B0503020000020004" pitchFamily="50" charset="-127"/>
               </a:rPr>
-              <a:t>단</a:t>
+              <a:t>운동식단</a:t>
             </a:r>
             <a:endParaRPr lang="ko-KR" altLang="en-US" sz="1200" dirty="0"/>
           </a:p>
@@ -15109,7 +14810,7 @@
           <p:cNvPr id="27" name="TextBox 26">
             <a:extLst>
               <a:ext uri="{FF2B5EF4-FFF2-40B4-BE49-F238E27FC236}">
-                <a16:creationId xmlns="" xmlns:a16="http://schemas.microsoft.com/office/drawing/2014/main" id="{D734594A-DB45-4DF0-86BB-C645904EA9E2}"/>
+                <a16:creationId xmlns:a16="http://schemas.microsoft.com/office/drawing/2014/main" id="{D734594A-DB45-4DF0-86BB-C645904EA9E2}"/>
               </a:ext>
             </a:extLst>
           </p:cNvPr>
@@ -15134,10 +14835,9 @@
           <a:p>
             <a:pPr algn="ctr"/>
             <a:r>
-              <a:rPr lang="ko-KR" altLang="en-US" sz="1200" dirty="0" smtClean="0"/>
+              <a:rPr lang="ko-KR" altLang="en-US" sz="1200" dirty="0"/>
               <a:t>칼로리</a:t>
             </a:r>
-            <a:endParaRPr lang="ko-KR" altLang="en-US" sz="1200" dirty="0"/>
           </a:p>
         </p:txBody>
       </p:sp>
@@ -15146,7 +14846,7 @@
           <p:cNvPr id="28" name="TextBox 27">
             <a:extLst>
               <a:ext uri="{FF2B5EF4-FFF2-40B4-BE49-F238E27FC236}">
-                <a16:creationId xmlns="" xmlns:a16="http://schemas.microsoft.com/office/drawing/2014/main" id="{D734594A-DB45-4DF0-86BB-C645904EA9E2}"/>
+                <a16:creationId xmlns:a16="http://schemas.microsoft.com/office/drawing/2014/main" id="{D734594A-DB45-4DF0-86BB-C645904EA9E2}"/>
               </a:ext>
             </a:extLst>
           </p:cNvPr>
@@ -15171,16 +14871,6 @@
           <a:p>
             <a:pPr algn="ctr"/>
             <a:r>
-              <a:rPr lang="ko-KR" altLang="en-US" sz="1200" kern="0" dirty="0" smtClean="0">
-                <a:solidFill>
-                  <a:srgbClr val="C75252"/>
-                </a:solidFill>
-                <a:latin typeface="맑은 고딕" panose="020B0503020000020004" pitchFamily="50" charset="-127"/>
-                <a:ea typeface="맑은 고딕" panose="020B0503020000020004" pitchFamily="50" charset="-127"/>
-              </a:rPr>
-              <a:t>맞춤</a:t>
-            </a:r>
-            <a:r>
               <a:rPr lang="ko-KR" altLang="en-US" sz="1200" kern="0" dirty="0">
                 <a:solidFill>
                   <a:srgbClr val="C75252"/>
@@ -15188,7 +14878,7 @@
                 <a:latin typeface="맑은 고딕" panose="020B0503020000020004" pitchFamily="50" charset="-127"/>
                 <a:ea typeface="맑은 고딕" panose="020B0503020000020004" pitchFamily="50" charset="-127"/>
               </a:rPr>
-              <a:t>형</a:t>
+              <a:t>맞춤형</a:t>
             </a:r>
             <a:endParaRPr lang="ko-KR" altLang="en-US" sz="1200" dirty="0"/>
           </a:p>
@@ -15199,7 +14889,7 @@
           <p:cNvPr id="31" name="TextBox 30">
             <a:extLst>
               <a:ext uri="{FF2B5EF4-FFF2-40B4-BE49-F238E27FC236}">
-                <a16:creationId xmlns="" xmlns:a16="http://schemas.microsoft.com/office/drawing/2014/main" id="{D734594A-DB45-4DF0-86BB-C645904EA9E2}"/>
+                <a16:creationId xmlns:a16="http://schemas.microsoft.com/office/drawing/2014/main" id="{D734594A-DB45-4DF0-86BB-C645904EA9E2}"/>
               </a:ext>
             </a:extLst>
           </p:cNvPr>
@@ -15224,10 +14914,9 @@
           <a:p>
             <a:pPr algn="ctr"/>
             <a:r>
-              <a:rPr lang="ko-KR" altLang="en-US" sz="1200" dirty="0" smtClean="0"/>
+              <a:rPr lang="ko-KR" altLang="en-US" sz="1200" dirty="0"/>
               <a:t>다이어트</a:t>
             </a:r>
-            <a:endParaRPr lang="ko-KR" altLang="en-US" sz="1200" dirty="0"/>
           </a:p>
         </p:txBody>
       </p:sp>
@@ -15236,7 +14925,7 @@
           <p:cNvPr id="35" name="TextBox 34">
             <a:extLst>
               <a:ext uri="{FF2B5EF4-FFF2-40B4-BE49-F238E27FC236}">
-                <a16:creationId xmlns="" xmlns:a16="http://schemas.microsoft.com/office/drawing/2014/main" id="{D734594A-DB45-4DF0-86BB-C645904EA9E2}"/>
+                <a16:creationId xmlns:a16="http://schemas.microsoft.com/office/drawing/2014/main" id="{D734594A-DB45-4DF0-86BB-C645904EA9E2}"/>
               </a:ext>
             </a:extLst>
           </p:cNvPr>
@@ -15261,12 +14950,8 @@
           <a:p>
             <a:pPr algn="ctr"/>
             <a:r>
-              <a:rPr lang="ko-KR" altLang="en-US" sz="1200" dirty="0" err="1" smtClean="0"/>
-              <a:t>저염</a:t>
-            </a:r>
-            <a:r>
               <a:rPr lang="ko-KR" altLang="en-US" sz="1200" dirty="0" err="1"/>
-              <a:t>식</a:t>
+              <a:t>저염식</a:t>
             </a:r>
             <a:endParaRPr lang="ko-KR" altLang="en-US" sz="1200" dirty="0"/>
           </a:p>
@@ -15277,7 +14962,7 @@
           <p:cNvPr id="36" name="TextBox 35">
             <a:extLst>
               <a:ext uri="{FF2B5EF4-FFF2-40B4-BE49-F238E27FC236}">
-                <a16:creationId xmlns="" xmlns:a16="http://schemas.microsoft.com/office/drawing/2014/main" id="{D734594A-DB45-4DF0-86BB-C645904EA9E2}"/>
+                <a16:creationId xmlns:a16="http://schemas.microsoft.com/office/drawing/2014/main" id="{D734594A-DB45-4DF0-86BB-C645904EA9E2}"/>
               </a:ext>
             </a:extLst>
           </p:cNvPr>
@@ -15302,7 +14987,7 @@
           <a:p>
             <a:pPr algn="ctr"/>
             <a:r>
-              <a:rPr lang="ko-KR" altLang="en-US" sz="1200" dirty="0" err="1" smtClean="0"/>
+              <a:rPr lang="ko-KR" altLang="en-US" sz="1200" dirty="0" err="1"/>
               <a:t>속편함</a:t>
             </a:r>
             <a:endParaRPr lang="ko-KR" altLang="en-US" sz="1200" dirty="0"/>
@@ -15314,7 +14999,7 @@
           <p:cNvPr id="37" name="TextBox 36">
             <a:extLst>
               <a:ext uri="{FF2B5EF4-FFF2-40B4-BE49-F238E27FC236}">
-                <a16:creationId xmlns="" xmlns:a16="http://schemas.microsoft.com/office/drawing/2014/main" id="{D734594A-DB45-4DF0-86BB-C645904EA9E2}"/>
+                <a16:creationId xmlns:a16="http://schemas.microsoft.com/office/drawing/2014/main" id="{D734594A-DB45-4DF0-86BB-C645904EA9E2}"/>
               </a:ext>
             </a:extLst>
           </p:cNvPr>
@@ -15339,7 +15024,7 @@
           <a:p>
             <a:pPr algn="ctr"/>
             <a:r>
-              <a:rPr lang="ko-KR" altLang="en-US" sz="1200" dirty="0" err="1" smtClean="0"/>
+              <a:rPr lang="ko-KR" altLang="en-US" sz="1200" dirty="0" err="1"/>
               <a:t>홈트족</a:t>
             </a:r>
             <a:endParaRPr lang="ko-KR" altLang="en-US" sz="1200" dirty="0"/>
@@ -15351,7 +15036,7 @@
           <p:cNvPr id="38" name="TextBox 37">
             <a:extLst>
               <a:ext uri="{FF2B5EF4-FFF2-40B4-BE49-F238E27FC236}">
-                <a16:creationId xmlns="" xmlns:a16="http://schemas.microsoft.com/office/drawing/2014/main" id="{D734594A-DB45-4DF0-86BB-C645904EA9E2}"/>
+                <a16:creationId xmlns:a16="http://schemas.microsoft.com/office/drawing/2014/main" id="{D734594A-DB45-4DF0-86BB-C645904EA9E2}"/>
               </a:ext>
             </a:extLst>
           </p:cNvPr>
@@ -15376,10 +15061,9 @@
           <a:p>
             <a:pPr algn="ctr"/>
             <a:r>
-              <a:rPr lang="ko-KR" altLang="en-US" sz="1200" dirty="0" smtClean="0"/>
+              <a:rPr lang="ko-KR" altLang="en-US" sz="1200" dirty="0"/>
               <a:t>단백질</a:t>
             </a:r>
-            <a:endParaRPr lang="ko-KR" altLang="en-US" sz="1200" dirty="0"/>
           </a:p>
         </p:txBody>
       </p:sp>
@@ -15388,7 +15072,7 @@
           <p:cNvPr id="40" name="TextBox 39">
             <a:extLst>
               <a:ext uri="{FF2B5EF4-FFF2-40B4-BE49-F238E27FC236}">
-                <a16:creationId xmlns="" xmlns:a16="http://schemas.microsoft.com/office/drawing/2014/main" id="{D734594A-DB45-4DF0-86BB-C645904EA9E2}"/>
+                <a16:creationId xmlns:a16="http://schemas.microsoft.com/office/drawing/2014/main" id="{D734594A-DB45-4DF0-86BB-C645904EA9E2}"/>
               </a:ext>
             </a:extLst>
           </p:cNvPr>
@@ -15413,7 +15097,7 @@
           <a:p>
             <a:pPr algn="ctr"/>
             <a:r>
-              <a:rPr lang="ko-KR" altLang="en-US" sz="1200" dirty="0" err="1" smtClean="0"/>
+              <a:rPr lang="ko-KR" altLang="en-US" sz="1200" dirty="0" err="1"/>
               <a:t>닭가슴살</a:t>
             </a:r>
             <a:endParaRPr lang="ko-KR" altLang="en-US" sz="1200" dirty="0"/>
@@ -15425,7 +15109,7 @@
           <p:cNvPr id="41" name="TextBox 40">
             <a:extLst>
               <a:ext uri="{FF2B5EF4-FFF2-40B4-BE49-F238E27FC236}">
-                <a16:creationId xmlns="" xmlns:a16="http://schemas.microsoft.com/office/drawing/2014/main" id="{D734594A-DB45-4DF0-86BB-C645904EA9E2}"/>
+                <a16:creationId xmlns:a16="http://schemas.microsoft.com/office/drawing/2014/main" id="{D734594A-DB45-4DF0-86BB-C645904EA9E2}"/>
               </a:ext>
             </a:extLst>
           </p:cNvPr>
@@ -15450,7 +15134,7 @@
           <a:p>
             <a:pPr algn="ctr"/>
             <a:r>
-              <a:rPr lang="en-US" altLang="ko-KR" sz="1200" dirty="0" smtClean="0"/>
+              <a:rPr lang="en-US" altLang="ko-KR" sz="1200" dirty="0"/>
               <a:t>SNS</a:t>
             </a:r>
             <a:endParaRPr lang="ko-KR" altLang="en-US" sz="1200" dirty="0"/>
@@ -15462,7 +15146,7 @@
           <p:cNvPr id="42" name="TextBox 41">
             <a:extLst>
               <a:ext uri="{FF2B5EF4-FFF2-40B4-BE49-F238E27FC236}">
-                <a16:creationId xmlns="" xmlns:a16="http://schemas.microsoft.com/office/drawing/2014/main" id="{D734594A-DB45-4DF0-86BB-C645904EA9E2}"/>
+                <a16:creationId xmlns:a16="http://schemas.microsoft.com/office/drawing/2014/main" id="{D734594A-DB45-4DF0-86BB-C645904EA9E2}"/>
               </a:ext>
             </a:extLst>
           </p:cNvPr>
@@ -15487,10 +15171,9 @@
           <a:p>
             <a:pPr algn="ctr"/>
             <a:r>
-              <a:rPr lang="ko-KR" altLang="en-US" sz="1200" dirty="0" smtClean="0"/>
+              <a:rPr lang="ko-KR" altLang="en-US" sz="1200" dirty="0"/>
               <a:t>정직함</a:t>
             </a:r>
-            <a:endParaRPr lang="ko-KR" altLang="en-US" sz="1200" dirty="0"/>
           </a:p>
         </p:txBody>
       </p:sp>
@@ -15499,7 +15182,7 @@
           <p:cNvPr id="43" name="TextBox 42">
             <a:extLst>
               <a:ext uri="{FF2B5EF4-FFF2-40B4-BE49-F238E27FC236}">
-                <a16:creationId xmlns="" xmlns:a16="http://schemas.microsoft.com/office/drawing/2014/main" id="{D734594A-DB45-4DF0-86BB-C645904EA9E2}"/>
+                <a16:creationId xmlns:a16="http://schemas.microsoft.com/office/drawing/2014/main" id="{D734594A-DB45-4DF0-86BB-C645904EA9E2}"/>
               </a:ext>
             </a:extLst>
           </p:cNvPr>
@@ -15524,7 +15207,7 @@
           <a:p>
             <a:pPr algn="ctr"/>
             <a:r>
-              <a:rPr lang="ko-KR" altLang="en-US" sz="1200" dirty="0" err="1" smtClean="0"/>
+              <a:rPr lang="ko-KR" altLang="en-US" sz="1200" dirty="0" err="1"/>
               <a:t>집밥</a:t>
             </a:r>
             <a:endParaRPr lang="ko-KR" altLang="en-US" sz="1200" dirty="0"/>
@@ -15536,7 +15219,7 @@
           <p:cNvPr id="44" name="TextBox 43">
             <a:extLst>
               <a:ext uri="{FF2B5EF4-FFF2-40B4-BE49-F238E27FC236}">
-                <a16:creationId xmlns="" xmlns:a16="http://schemas.microsoft.com/office/drawing/2014/main" id="{D734594A-DB45-4DF0-86BB-C645904EA9E2}"/>
+                <a16:creationId xmlns:a16="http://schemas.microsoft.com/office/drawing/2014/main" id="{D734594A-DB45-4DF0-86BB-C645904EA9E2}"/>
               </a:ext>
             </a:extLst>
           </p:cNvPr>
@@ -15561,10 +15244,9 @@
           <a:p>
             <a:pPr algn="ctr"/>
             <a:r>
-              <a:rPr lang="ko-KR" altLang="en-US" sz="1200" dirty="0" smtClean="0"/>
+              <a:rPr lang="ko-KR" altLang="en-US" sz="1200" dirty="0"/>
               <a:t>영양식</a:t>
             </a:r>
-            <a:endParaRPr lang="ko-KR" altLang="en-US" sz="1200" dirty="0"/>
           </a:p>
         </p:txBody>
       </p:sp>
@@ -15573,7 +15255,7 @@
           <p:cNvPr id="45" name="TextBox 44">
             <a:extLst>
               <a:ext uri="{FF2B5EF4-FFF2-40B4-BE49-F238E27FC236}">
-                <a16:creationId xmlns="" xmlns:a16="http://schemas.microsoft.com/office/drawing/2014/main" id="{D734594A-DB45-4DF0-86BB-C645904EA9E2}"/>
+                <a16:creationId xmlns:a16="http://schemas.microsoft.com/office/drawing/2014/main" id="{D734594A-DB45-4DF0-86BB-C645904EA9E2}"/>
               </a:ext>
             </a:extLst>
           </p:cNvPr>
@@ -15598,12 +15280,8 @@
           <a:p>
             <a:pPr algn="ctr"/>
             <a:r>
-              <a:rPr lang="ko-KR" altLang="en-US" sz="1200" dirty="0" err="1" smtClean="0"/>
-              <a:t>유지어</a:t>
-            </a:r>
-            <a:r>
               <a:rPr lang="ko-KR" altLang="en-US" sz="1200" dirty="0" err="1"/>
-              <a:t>터</a:t>
+              <a:t>유지어터</a:t>
             </a:r>
             <a:endParaRPr lang="ko-KR" altLang="en-US" sz="1200" dirty="0"/>
           </a:p>
@@ -15614,7 +15292,7 @@
           <p:cNvPr id="46" name="TextBox 45">
             <a:extLst>
               <a:ext uri="{FF2B5EF4-FFF2-40B4-BE49-F238E27FC236}">
-                <a16:creationId xmlns="" xmlns:a16="http://schemas.microsoft.com/office/drawing/2014/main" id="{D734594A-DB45-4DF0-86BB-C645904EA9E2}"/>
+                <a16:creationId xmlns:a16="http://schemas.microsoft.com/office/drawing/2014/main" id="{D734594A-DB45-4DF0-86BB-C645904EA9E2}"/>
               </a:ext>
             </a:extLst>
           </p:cNvPr>
@@ -15639,10 +15317,9 @@
           <a:p>
             <a:pPr algn="ctr"/>
             <a:r>
-              <a:rPr lang="ko-KR" altLang="en-US" sz="1200" dirty="0" smtClean="0"/>
+              <a:rPr lang="ko-KR" altLang="en-US" sz="1200" dirty="0"/>
               <a:t>프리미엄</a:t>
             </a:r>
-            <a:endParaRPr lang="ko-KR" altLang="en-US" sz="1200" dirty="0"/>
           </a:p>
         </p:txBody>
       </p:sp>
@@ -15651,7 +15328,7 @@
           <p:cNvPr id="47" name="TextBox 46">
             <a:extLst>
               <a:ext uri="{FF2B5EF4-FFF2-40B4-BE49-F238E27FC236}">
-                <a16:creationId xmlns="" xmlns:a16="http://schemas.microsoft.com/office/drawing/2014/main" id="{D734594A-DB45-4DF0-86BB-C645904EA9E2}"/>
+                <a16:creationId xmlns:a16="http://schemas.microsoft.com/office/drawing/2014/main" id="{D734594A-DB45-4DF0-86BB-C645904EA9E2}"/>
               </a:ext>
             </a:extLst>
           </p:cNvPr>
@@ -15676,10 +15353,9 @@
           <a:p>
             <a:pPr algn="ctr"/>
             <a:r>
-              <a:rPr lang="ko-KR" altLang="en-US" sz="1200" dirty="0" smtClean="0"/>
+              <a:rPr lang="ko-KR" altLang="en-US" sz="1200" dirty="0"/>
               <a:t>신선함</a:t>
             </a:r>
-            <a:endParaRPr lang="ko-KR" altLang="en-US" sz="1200" dirty="0"/>
           </a:p>
         </p:txBody>
       </p:sp>
@@ -15688,7 +15364,7 @@
           <p:cNvPr id="48" name="TextBox 47">
             <a:extLst>
               <a:ext uri="{FF2B5EF4-FFF2-40B4-BE49-F238E27FC236}">
-                <a16:creationId xmlns="" xmlns:a16="http://schemas.microsoft.com/office/drawing/2014/main" id="{D734594A-DB45-4DF0-86BB-C645904EA9E2}"/>
+                <a16:creationId xmlns:a16="http://schemas.microsoft.com/office/drawing/2014/main" id="{D734594A-DB45-4DF0-86BB-C645904EA9E2}"/>
               </a:ext>
             </a:extLst>
           </p:cNvPr>
@@ -15713,7 +15389,7 @@
           <a:p>
             <a:pPr algn="ctr"/>
             <a:r>
-              <a:rPr lang="ko-KR" altLang="en-US" sz="1200" dirty="0" err="1" smtClean="0"/>
+              <a:rPr lang="ko-KR" altLang="en-US" sz="1200" dirty="0" err="1"/>
               <a:t>균형잡힘</a:t>
             </a:r>
             <a:endParaRPr lang="ko-KR" altLang="en-US" sz="1200" dirty="0"/>
@@ -15725,7 +15401,7 @@
           <p:cNvPr id="49" name="TextBox 48">
             <a:extLst>
               <a:ext uri="{FF2B5EF4-FFF2-40B4-BE49-F238E27FC236}">
-                <a16:creationId xmlns="" xmlns:a16="http://schemas.microsoft.com/office/drawing/2014/main" id="{D734594A-DB45-4DF0-86BB-C645904EA9E2}"/>
+                <a16:creationId xmlns:a16="http://schemas.microsoft.com/office/drawing/2014/main" id="{D734594A-DB45-4DF0-86BB-C645904EA9E2}"/>
               </a:ext>
             </a:extLst>
           </p:cNvPr>
@@ -15750,10 +15426,9 @@
           <a:p>
             <a:pPr algn="ctr"/>
             <a:r>
-              <a:rPr lang="ko-KR" altLang="en-US" sz="1200" dirty="0" smtClean="0"/>
+              <a:rPr lang="ko-KR" altLang="en-US" sz="1200" dirty="0"/>
               <a:t>맛있다</a:t>
             </a:r>
-            <a:endParaRPr lang="ko-KR" altLang="en-US" sz="1200" dirty="0"/>
           </a:p>
         </p:txBody>
       </p:sp>
@@ -15762,7 +15437,7 @@
           <p:cNvPr id="50" name="TextBox 49">
             <a:extLst>
               <a:ext uri="{FF2B5EF4-FFF2-40B4-BE49-F238E27FC236}">
-                <a16:creationId xmlns="" xmlns:a16="http://schemas.microsoft.com/office/drawing/2014/main" id="{D734594A-DB45-4DF0-86BB-C645904EA9E2}"/>
+                <a16:creationId xmlns:a16="http://schemas.microsoft.com/office/drawing/2014/main" id="{D734594A-DB45-4DF0-86BB-C645904EA9E2}"/>
               </a:ext>
             </a:extLst>
           </p:cNvPr>
@@ -15787,16 +15462,6 @@
           <a:p>
             <a:pPr algn="ctr"/>
             <a:r>
-              <a:rPr lang="ko-KR" altLang="en-US" sz="1200" kern="0" dirty="0" smtClean="0">
-                <a:solidFill>
-                  <a:srgbClr val="C75252"/>
-                </a:solidFill>
-                <a:latin typeface="맑은 고딕" panose="020B0503020000020004" pitchFamily="50" charset="-127"/>
-                <a:ea typeface="맑은 고딕" panose="020B0503020000020004" pitchFamily="50" charset="-127"/>
-              </a:rPr>
-              <a:t>도시</a:t>
-            </a:r>
-            <a:r>
               <a:rPr lang="ko-KR" altLang="en-US" sz="1200" kern="0" dirty="0">
                 <a:solidFill>
                   <a:srgbClr val="C75252"/>
@@ -15804,7 +15469,7 @@
                 <a:latin typeface="맑은 고딕" panose="020B0503020000020004" pitchFamily="50" charset="-127"/>
                 <a:ea typeface="맑은 고딕" panose="020B0503020000020004" pitchFamily="50" charset="-127"/>
               </a:rPr>
-              <a:t>락</a:t>
+              <a:t>도시락</a:t>
             </a:r>
             <a:endParaRPr lang="ko-KR" altLang="en-US" sz="1200" dirty="0"/>
           </a:p>
@@ -15815,7 +15480,7 @@
           <p:cNvPr id="51" name="TextBox 50">
             <a:extLst>
               <a:ext uri="{FF2B5EF4-FFF2-40B4-BE49-F238E27FC236}">
-                <a16:creationId xmlns="" xmlns:a16="http://schemas.microsoft.com/office/drawing/2014/main" id="{D734594A-DB45-4DF0-86BB-C645904EA9E2}"/>
+                <a16:creationId xmlns:a16="http://schemas.microsoft.com/office/drawing/2014/main" id="{D734594A-DB45-4DF0-86BB-C645904EA9E2}"/>
               </a:ext>
             </a:extLst>
           </p:cNvPr>
@@ -15840,16 +15505,6 @@
           <a:p>
             <a:pPr algn="ctr"/>
             <a:r>
-              <a:rPr lang="ko-KR" altLang="en-US" sz="1200" kern="0" dirty="0" err="1" smtClean="0">
-                <a:solidFill>
-                  <a:srgbClr val="C75252"/>
-                </a:solidFill>
-                <a:latin typeface="맑은 고딕" panose="020B0503020000020004" pitchFamily="50" charset="-127"/>
-                <a:ea typeface="맑은 고딕" panose="020B0503020000020004" pitchFamily="50" charset="-127"/>
-              </a:rPr>
-              <a:t>간편</a:t>
-            </a:r>
-            <a:r>
               <a:rPr lang="ko-KR" altLang="en-US" sz="1200" kern="0" dirty="0" err="1">
                 <a:solidFill>
                   <a:srgbClr val="C75252"/>
@@ -15857,7 +15512,7 @@
                 <a:latin typeface="맑은 고딕" panose="020B0503020000020004" pitchFamily="50" charset="-127"/>
                 <a:ea typeface="맑은 고딕" panose="020B0503020000020004" pitchFamily="50" charset="-127"/>
               </a:rPr>
-              <a:t>식</a:t>
+              <a:t>간편식</a:t>
             </a:r>
             <a:endParaRPr lang="ko-KR" altLang="en-US" sz="1200" dirty="0"/>
           </a:p>
@@ -15868,7 +15523,7 @@
           <p:cNvPr id="52" name="TextBox 51">
             <a:extLst>
               <a:ext uri="{FF2B5EF4-FFF2-40B4-BE49-F238E27FC236}">
-                <a16:creationId xmlns="" xmlns:a16="http://schemas.microsoft.com/office/drawing/2014/main" id="{D734594A-DB45-4DF0-86BB-C645904EA9E2}"/>
+                <a16:creationId xmlns:a16="http://schemas.microsoft.com/office/drawing/2014/main" id="{D734594A-DB45-4DF0-86BB-C645904EA9E2}"/>
               </a:ext>
             </a:extLst>
           </p:cNvPr>
@@ -15893,16 +15548,6 @@
           <a:p>
             <a:pPr algn="ctr"/>
             <a:r>
-              <a:rPr lang="ko-KR" altLang="en-US" sz="1200" kern="0" dirty="0" smtClean="0">
-                <a:solidFill>
-                  <a:srgbClr val="C75252"/>
-                </a:solidFill>
-                <a:latin typeface="맑은 고딕" panose="020B0503020000020004" pitchFamily="50" charset="-127"/>
-                <a:ea typeface="맑은 고딕" panose="020B0503020000020004" pitchFamily="50" charset="-127"/>
-              </a:rPr>
-              <a:t>수</a:t>
-            </a:r>
-            <a:r>
               <a:rPr lang="ko-KR" altLang="en-US" sz="1200" kern="0" dirty="0">
                 <a:solidFill>
                   <a:srgbClr val="C75252"/>
@@ -15910,7 +15555,7 @@
                 <a:latin typeface="맑은 고딕" panose="020B0503020000020004" pitchFamily="50" charset="-127"/>
                 <a:ea typeface="맑은 고딕" panose="020B0503020000020004" pitchFamily="50" charset="-127"/>
               </a:rPr>
-              <a:t>제</a:t>
+              <a:t>수제</a:t>
             </a:r>
             <a:endParaRPr lang="ko-KR" altLang="en-US" sz="1200" dirty="0"/>
           </a:p>
@@ -15921,7 +15566,7 @@
           <p:cNvPr id="53" name="TextBox 52">
             <a:extLst>
               <a:ext uri="{FF2B5EF4-FFF2-40B4-BE49-F238E27FC236}">
-                <a16:creationId xmlns="" xmlns:a16="http://schemas.microsoft.com/office/drawing/2014/main" id="{D734594A-DB45-4DF0-86BB-C645904EA9E2}"/>
+                <a16:creationId xmlns:a16="http://schemas.microsoft.com/office/drawing/2014/main" id="{D734594A-DB45-4DF0-86BB-C645904EA9E2}"/>
               </a:ext>
             </a:extLst>
           </p:cNvPr>
@@ -15946,10 +15591,9 @@
           <a:p>
             <a:pPr algn="ctr"/>
             <a:r>
-              <a:rPr lang="ko-KR" altLang="en-US" sz="1200" dirty="0" smtClean="0"/>
+              <a:rPr lang="ko-KR" altLang="en-US" sz="1200" dirty="0"/>
               <a:t>건강식</a:t>
             </a:r>
-            <a:endParaRPr lang="ko-KR" altLang="en-US" sz="1200" dirty="0"/>
           </a:p>
         </p:txBody>
       </p:sp>
@@ -15958,7 +15602,7 @@
           <p:cNvPr id="54" name="TextBox 53">
             <a:extLst>
               <a:ext uri="{FF2B5EF4-FFF2-40B4-BE49-F238E27FC236}">
-                <a16:creationId xmlns="" xmlns:a16="http://schemas.microsoft.com/office/drawing/2014/main" id="{D734594A-DB45-4DF0-86BB-C645904EA9E2}"/>
+                <a16:creationId xmlns:a16="http://schemas.microsoft.com/office/drawing/2014/main" id="{D734594A-DB45-4DF0-86BB-C645904EA9E2}"/>
               </a:ext>
             </a:extLst>
           </p:cNvPr>
@@ -15983,16 +15627,6 @@
           <a:p>
             <a:pPr algn="ctr"/>
             <a:r>
-              <a:rPr lang="ko-KR" altLang="en-US" sz="1200" kern="0" dirty="0" smtClean="0">
-                <a:solidFill>
-                  <a:srgbClr val="C75252"/>
-                </a:solidFill>
-                <a:latin typeface="맑은 고딕" panose="020B0503020000020004" pitchFamily="50" charset="-127"/>
-                <a:ea typeface="맑은 고딕" panose="020B0503020000020004" pitchFamily="50" charset="-127"/>
-              </a:rPr>
-              <a:t>잡곡</a:t>
-            </a:r>
-            <a:r>
               <a:rPr lang="ko-KR" altLang="en-US" sz="1200" kern="0" dirty="0">
                 <a:solidFill>
                   <a:srgbClr val="C75252"/>
@@ -16000,7 +15634,7 @@
                 <a:latin typeface="맑은 고딕" panose="020B0503020000020004" pitchFamily="50" charset="-127"/>
                 <a:ea typeface="맑은 고딕" panose="020B0503020000020004" pitchFamily="50" charset="-127"/>
               </a:rPr>
-              <a:t>밥</a:t>
+              <a:t>잡곡밥</a:t>
             </a:r>
             <a:endParaRPr lang="ko-KR" altLang="en-US" sz="1200" dirty="0"/>
           </a:p>
@@ -16011,7 +15645,7 @@
           <p:cNvPr id="55" name="TextBox 54">
             <a:extLst>
               <a:ext uri="{FF2B5EF4-FFF2-40B4-BE49-F238E27FC236}">
-                <a16:creationId xmlns="" xmlns:a16="http://schemas.microsoft.com/office/drawing/2014/main" id="{D734594A-DB45-4DF0-86BB-C645904EA9E2}"/>
+                <a16:creationId xmlns:a16="http://schemas.microsoft.com/office/drawing/2014/main" id="{D734594A-DB45-4DF0-86BB-C645904EA9E2}"/>
               </a:ext>
             </a:extLst>
           </p:cNvPr>
@@ -16036,10 +15670,9 @@
           <a:p>
             <a:pPr algn="ctr"/>
             <a:r>
-              <a:rPr lang="ko-KR" altLang="en-US" sz="1200" dirty="0" smtClean="0"/>
+              <a:rPr lang="ko-KR" altLang="en-US" sz="1200" dirty="0"/>
               <a:t>깨끗함</a:t>
             </a:r>
-            <a:endParaRPr lang="ko-KR" altLang="en-US" sz="1200" dirty="0"/>
           </a:p>
         </p:txBody>
       </p:sp>
@@ -16048,7 +15681,7 @@
           <p:cNvPr id="56" name="TextBox 55">
             <a:extLst>
               <a:ext uri="{FF2B5EF4-FFF2-40B4-BE49-F238E27FC236}">
-                <a16:creationId xmlns="" xmlns:a16="http://schemas.microsoft.com/office/drawing/2014/main" id="{D734594A-DB45-4DF0-86BB-C645904EA9E2}"/>
+                <a16:creationId xmlns:a16="http://schemas.microsoft.com/office/drawing/2014/main" id="{D734594A-DB45-4DF0-86BB-C645904EA9E2}"/>
               </a:ext>
             </a:extLst>
           </p:cNvPr>
@@ -16073,10 +15706,9 @@
           <a:p>
             <a:pPr algn="ctr"/>
             <a:r>
-              <a:rPr lang="ko-KR" altLang="en-US" sz="1200" dirty="0" smtClean="0"/>
+              <a:rPr lang="ko-KR" altLang="en-US" sz="1200" dirty="0"/>
               <a:t>안전함</a:t>
             </a:r>
-            <a:endParaRPr lang="ko-KR" altLang="en-US" sz="1200" dirty="0"/>
           </a:p>
         </p:txBody>
       </p:sp>
@@ -16085,7 +15717,7 @@
           <p:cNvPr id="57" name="TextBox 56">
             <a:extLst>
               <a:ext uri="{FF2B5EF4-FFF2-40B4-BE49-F238E27FC236}">
-                <a16:creationId xmlns="" xmlns:a16="http://schemas.microsoft.com/office/drawing/2014/main" id="{D734594A-DB45-4DF0-86BB-C645904EA9E2}"/>
+                <a16:creationId xmlns:a16="http://schemas.microsoft.com/office/drawing/2014/main" id="{D734594A-DB45-4DF0-86BB-C645904EA9E2}"/>
               </a:ext>
             </a:extLst>
           </p:cNvPr>
@@ -16110,10 +15742,9 @@
           <a:p>
             <a:pPr algn="ctr"/>
             <a:r>
-              <a:rPr lang="ko-KR" altLang="en-US" sz="1200" dirty="0" smtClean="0"/>
+              <a:rPr lang="ko-KR" altLang="en-US" sz="1200" dirty="0"/>
               <a:t>가벼움</a:t>
             </a:r>
-            <a:endParaRPr lang="ko-KR" altLang="en-US" sz="1200" dirty="0"/>
           </a:p>
         </p:txBody>
       </p:sp>
@@ -16122,7 +15753,7 @@
           <p:cNvPr id="58" name="TextBox 57">
             <a:extLst>
               <a:ext uri="{FF2B5EF4-FFF2-40B4-BE49-F238E27FC236}">
-                <a16:creationId xmlns="" xmlns:a16="http://schemas.microsoft.com/office/drawing/2014/main" id="{D734594A-DB45-4DF0-86BB-C645904EA9E2}"/>
+                <a16:creationId xmlns:a16="http://schemas.microsoft.com/office/drawing/2014/main" id="{D734594A-DB45-4DF0-86BB-C645904EA9E2}"/>
               </a:ext>
             </a:extLst>
           </p:cNvPr>
@@ -16147,10 +15778,9 @@
           <a:p>
             <a:pPr algn="ctr"/>
             <a:r>
-              <a:rPr lang="ko-KR" altLang="en-US" sz="1200" dirty="0" smtClean="0"/>
+              <a:rPr lang="ko-KR" altLang="en-US" sz="1200" dirty="0"/>
               <a:t>미니사이즈</a:t>
             </a:r>
-            <a:endParaRPr lang="ko-KR" altLang="en-US" sz="1200" dirty="0"/>
           </a:p>
         </p:txBody>
       </p:sp>
@@ -16159,7 +15789,7 @@
           <p:cNvPr id="59" name="TextBox 58">
             <a:extLst>
               <a:ext uri="{FF2B5EF4-FFF2-40B4-BE49-F238E27FC236}">
-                <a16:creationId xmlns="" xmlns:a16="http://schemas.microsoft.com/office/drawing/2014/main" id="{D734594A-DB45-4DF0-86BB-C645904EA9E2}"/>
+                <a16:creationId xmlns:a16="http://schemas.microsoft.com/office/drawing/2014/main" id="{D734594A-DB45-4DF0-86BB-C645904EA9E2}"/>
               </a:ext>
             </a:extLst>
           </p:cNvPr>
@@ -16184,10 +15814,9 @@
           <a:p>
             <a:pPr algn="ctr"/>
             <a:r>
-              <a:rPr lang="ko-KR" altLang="en-US" sz="1200" dirty="0" smtClean="0"/>
+              <a:rPr lang="ko-KR" altLang="en-US" sz="1200" dirty="0"/>
               <a:t>스피드</a:t>
             </a:r>
-            <a:endParaRPr lang="ko-KR" altLang="en-US" sz="1200" dirty="0"/>
           </a:p>
         </p:txBody>
       </p:sp>
@@ -16196,7 +15825,7 @@
           <p:cNvPr id="60" name="TextBox 59">
             <a:extLst>
               <a:ext uri="{FF2B5EF4-FFF2-40B4-BE49-F238E27FC236}">
-                <a16:creationId xmlns="" xmlns:a16="http://schemas.microsoft.com/office/drawing/2014/main" id="{D734594A-DB45-4DF0-86BB-C645904EA9E2}"/>
+                <a16:creationId xmlns:a16="http://schemas.microsoft.com/office/drawing/2014/main" id="{D734594A-DB45-4DF0-86BB-C645904EA9E2}"/>
               </a:ext>
             </a:extLst>
           </p:cNvPr>
@@ -16221,16 +15850,6 @@
           <a:p>
             <a:pPr algn="ctr"/>
             <a:r>
-              <a:rPr lang="ko-KR" altLang="en-US" sz="1200" kern="0" dirty="0" smtClean="0">
-                <a:solidFill>
-                  <a:srgbClr val="C75252"/>
-                </a:solidFill>
-                <a:latin typeface="맑은 고딕" panose="020B0503020000020004" pitchFamily="50" charset="-127"/>
-                <a:ea typeface="맑은 고딕" panose="020B0503020000020004" pitchFamily="50" charset="-127"/>
-              </a:rPr>
-              <a:t>운동식</a:t>
-            </a:r>
-            <a:r>
               <a:rPr lang="ko-KR" altLang="en-US" sz="1200" kern="0" dirty="0">
                 <a:solidFill>
                   <a:srgbClr val="C75252"/>
@@ -16238,7 +15857,7 @@
                 <a:latin typeface="맑은 고딕" panose="020B0503020000020004" pitchFamily="50" charset="-127"/>
                 <a:ea typeface="맑은 고딕" panose="020B0503020000020004" pitchFamily="50" charset="-127"/>
               </a:rPr>
-              <a:t>단</a:t>
+              <a:t>운동식단</a:t>
             </a:r>
             <a:endParaRPr lang="ko-KR" altLang="en-US" sz="1200" dirty="0"/>
           </a:p>
@@ -16249,7 +15868,7 @@
           <p:cNvPr id="61" name="TextBox 60">
             <a:extLst>
               <a:ext uri="{FF2B5EF4-FFF2-40B4-BE49-F238E27FC236}">
-                <a16:creationId xmlns="" xmlns:a16="http://schemas.microsoft.com/office/drawing/2014/main" id="{D734594A-DB45-4DF0-86BB-C645904EA9E2}"/>
+                <a16:creationId xmlns:a16="http://schemas.microsoft.com/office/drawing/2014/main" id="{D734594A-DB45-4DF0-86BB-C645904EA9E2}"/>
               </a:ext>
             </a:extLst>
           </p:cNvPr>
@@ -16274,16 +15893,6 @@
           <a:p>
             <a:pPr algn="ctr"/>
             <a:r>
-              <a:rPr lang="ko-KR" altLang="en-US" sz="1200" kern="0" dirty="0" smtClean="0">
-                <a:solidFill>
-                  <a:srgbClr val="C75252"/>
-                </a:solidFill>
-                <a:latin typeface="맑은 고딕" panose="020B0503020000020004" pitchFamily="50" charset="-127"/>
-                <a:ea typeface="맑은 고딕" panose="020B0503020000020004" pitchFamily="50" charset="-127"/>
-              </a:rPr>
-              <a:t>맞춤</a:t>
-            </a:r>
-            <a:r>
               <a:rPr lang="ko-KR" altLang="en-US" sz="1200" kern="0" dirty="0">
                 <a:solidFill>
                   <a:srgbClr val="C75252"/>
@@ -16291,7 +15900,7 @@
                 <a:latin typeface="맑은 고딕" panose="020B0503020000020004" pitchFamily="50" charset="-127"/>
                 <a:ea typeface="맑은 고딕" panose="020B0503020000020004" pitchFamily="50" charset="-127"/>
               </a:rPr>
-              <a:t>형</a:t>
+              <a:t>맞춤형</a:t>
             </a:r>
             <a:endParaRPr lang="ko-KR" altLang="en-US" sz="1200" dirty="0"/>
           </a:p>
@@ -16302,7 +15911,7 @@
           <p:cNvPr id="62" name="TextBox 61">
             <a:extLst>
               <a:ext uri="{FF2B5EF4-FFF2-40B4-BE49-F238E27FC236}">
-                <a16:creationId xmlns="" xmlns:a16="http://schemas.microsoft.com/office/drawing/2014/main" id="{D734594A-DB45-4DF0-86BB-C645904EA9E2}"/>
+                <a16:creationId xmlns:a16="http://schemas.microsoft.com/office/drawing/2014/main" id="{D734594A-DB45-4DF0-86BB-C645904EA9E2}"/>
               </a:ext>
             </a:extLst>
           </p:cNvPr>
@@ -16327,10 +15936,9 @@
           <a:p>
             <a:pPr algn="ctr"/>
             <a:r>
-              <a:rPr lang="ko-KR" altLang="en-US" sz="1200" dirty="0" smtClean="0"/>
+              <a:rPr lang="ko-KR" altLang="en-US" sz="1200" dirty="0"/>
               <a:t>다이어트</a:t>
             </a:r>
-            <a:endParaRPr lang="ko-KR" altLang="en-US" sz="1200" dirty="0"/>
           </a:p>
         </p:txBody>
       </p:sp>
@@ -16339,7 +15947,7 @@
           <p:cNvPr id="63" name="TextBox 62">
             <a:extLst>
               <a:ext uri="{FF2B5EF4-FFF2-40B4-BE49-F238E27FC236}">
-                <a16:creationId xmlns="" xmlns:a16="http://schemas.microsoft.com/office/drawing/2014/main" id="{D734594A-DB45-4DF0-86BB-C645904EA9E2}"/>
+                <a16:creationId xmlns:a16="http://schemas.microsoft.com/office/drawing/2014/main" id="{D734594A-DB45-4DF0-86BB-C645904EA9E2}"/>
               </a:ext>
             </a:extLst>
           </p:cNvPr>
@@ -16364,12 +15972,8 @@
           <a:p>
             <a:pPr algn="ctr"/>
             <a:r>
-              <a:rPr lang="ko-KR" altLang="en-US" sz="1200" dirty="0" err="1" smtClean="0"/>
-              <a:t>저염</a:t>
-            </a:r>
-            <a:r>
               <a:rPr lang="ko-KR" altLang="en-US" sz="1200" dirty="0" err="1"/>
-              <a:t>식</a:t>
+              <a:t>저염식</a:t>
             </a:r>
             <a:endParaRPr lang="ko-KR" altLang="en-US" sz="1200" dirty="0"/>
           </a:p>
@@ -16380,7 +15984,7 @@
           <p:cNvPr id="64" name="TextBox 63">
             <a:extLst>
               <a:ext uri="{FF2B5EF4-FFF2-40B4-BE49-F238E27FC236}">
-                <a16:creationId xmlns="" xmlns:a16="http://schemas.microsoft.com/office/drawing/2014/main" id="{D734594A-DB45-4DF0-86BB-C645904EA9E2}"/>
+                <a16:creationId xmlns:a16="http://schemas.microsoft.com/office/drawing/2014/main" id="{D734594A-DB45-4DF0-86BB-C645904EA9E2}"/>
               </a:ext>
             </a:extLst>
           </p:cNvPr>
@@ -16405,7 +16009,7 @@
           <a:p>
             <a:pPr algn="ctr"/>
             <a:r>
-              <a:rPr lang="ko-KR" altLang="en-US" sz="1200" dirty="0" err="1" smtClean="0"/>
+              <a:rPr lang="ko-KR" altLang="en-US" sz="1200" dirty="0" err="1"/>
               <a:t>속편함</a:t>
             </a:r>
             <a:endParaRPr lang="ko-KR" altLang="en-US" sz="1200" dirty="0"/>
@@ -16417,7 +16021,7 @@
           <p:cNvPr id="65" name="TextBox 64">
             <a:extLst>
               <a:ext uri="{FF2B5EF4-FFF2-40B4-BE49-F238E27FC236}">
-                <a16:creationId xmlns="" xmlns:a16="http://schemas.microsoft.com/office/drawing/2014/main" id="{D734594A-DB45-4DF0-86BB-C645904EA9E2}"/>
+                <a16:creationId xmlns:a16="http://schemas.microsoft.com/office/drawing/2014/main" id="{D734594A-DB45-4DF0-86BB-C645904EA9E2}"/>
               </a:ext>
             </a:extLst>
           </p:cNvPr>
@@ -16442,7 +16046,7 @@
           <a:p>
             <a:pPr algn="ctr"/>
             <a:r>
-              <a:rPr lang="ko-KR" altLang="en-US" sz="1200" dirty="0" err="1" smtClean="0"/>
+              <a:rPr lang="ko-KR" altLang="en-US" sz="1200" dirty="0" err="1"/>
               <a:t>홈트족</a:t>
             </a:r>
             <a:endParaRPr lang="ko-KR" altLang="en-US" sz="1200" dirty="0"/>
@@ -16454,7 +16058,7 @@
           <p:cNvPr id="66" name="TextBox 65">
             <a:extLst>
               <a:ext uri="{FF2B5EF4-FFF2-40B4-BE49-F238E27FC236}">
-                <a16:creationId xmlns="" xmlns:a16="http://schemas.microsoft.com/office/drawing/2014/main" id="{D734594A-DB45-4DF0-86BB-C645904EA9E2}"/>
+                <a16:creationId xmlns:a16="http://schemas.microsoft.com/office/drawing/2014/main" id="{D734594A-DB45-4DF0-86BB-C645904EA9E2}"/>
               </a:ext>
             </a:extLst>
           </p:cNvPr>
@@ -16479,10 +16083,9 @@
           <a:p>
             <a:pPr algn="ctr"/>
             <a:r>
-              <a:rPr lang="ko-KR" altLang="en-US" sz="1200" dirty="0" smtClean="0"/>
+              <a:rPr lang="ko-KR" altLang="en-US" sz="1200" dirty="0"/>
               <a:t>단백질</a:t>
             </a:r>
-            <a:endParaRPr lang="ko-KR" altLang="en-US" sz="1200" dirty="0"/>
           </a:p>
         </p:txBody>
       </p:sp>
@@ -16491,7 +16094,7 @@
           <p:cNvPr id="67" name="TextBox 66">
             <a:extLst>
               <a:ext uri="{FF2B5EF4-FFF2-40B4-BE49-F238E27FC236}">
-                <a16:creationId xmlns="" xmlns:a16="http://schemas.microsoft.com/office/drawing/2014/main" id="{D734594A-DB45-4DF0-86BB-C645904EA9E2}"/>
+                <a16:creationId xmlns:a16="http://schemas.microsoft.com/office/drawing/2014/main" id="{D734594A-DB45-4DF0-86BB-C645904EA9E2}"/>
               </a:ext>
             </a:extLst>
           </p:cNvPr>
@@ -16516,7 +16119,7 @@
           <a:p>
             <a:pPr algn="ctr"/>
             <a:r>
-              <a:rPr lang="ko-KR" altLang="en-US" sz="1200" dirty="0" err="1" smtClean="0"/>
+              <a:rPr lang="ko-KR" altLang="en-US" sz="1200" dirty="0" err="1"/>
               <a:t>닭가슴살</a:t>
             </a:r>
             <a:endParaRPr lang="ko-KR" altLang="en-US" sz="1200" dirty="0"/>
@@ -16528,7 +16131,7 @@
           <p:cNvPr id="68" name="TextBox 67">
             <a:extLst>
               <a:ext uri="{FF2B5EF4-FFF2-40B4-BE49-F238E27FC236}">
-                <a16:creationId xmlns="" xmlns:a16="http://schemas.microsoft.com/office/drawing/2014/main" id="{D734594A-DB45-4DF0-86BB-C645904EA9E2}"/>
+                <a16:creationId xmlns:a16="http://schemas.microsoft.com/office/drawing/2014/main" id="{D734594A-DB45-4DF0-86BB-C645904EA9E2}"/>
               </a:ext>
             </a:extLst>
           </p:cNvPr>
@@ -16553,7 +16156,7 @@
           <a:p>
             <a:pPr algn="ctr"/>
             <a:r>
-              <a:rPr lang="en-US" altLang="ko-KR" sz="1200" dirty="0" smtClean="0"/>
+              <a:rPr lang="en-US" altLang="ko-KR" sz="1200" dirty="0"/>
               <a:t>SNS</a:t>
             </a:r>
             <a:endParaRPr lang="ko-KR" altLang="en-US" sz="1200" dirty="0"/>
@@ -16565,7 +16168,7 @@
           <p:cNvPr id="69" name="TextBox 68">
             <a:extLst>
               <a:ext uri="{FF2B5EF4-FFF2-40B4-BE49-F238E27FC236}">
-                <a16:creationId xmlns="" xmlns:a16="http://schemas.microsoft.com/office/drawing/2014/main" id="{D734594A-DB45-4DF0-86BB-C645904EA9E2}"/>
+                <a16:creationId xmlns:a16="http://schemas.microsoft.com/office/drawing/2014/main" id="{D734594A-DB45-4DF0-86BB-C645904EA9E2}"/>
               </a:ext>
             </a:extLst>
           </p:cNvPr>
@@ -16590,10 +16193,9 @@
           <a:p>
             <a:pPr algn="ctr"/>
             <a:r>
-              <a:rPr lang="ko-KR" altLang="en-US" sz="1200" dirty="0" smtClean="0"/>
+              <a:rPr lang="ko-KR" altLang="en-US" sz="1200" dirty="0"/>
               <a:t>정직함</a:t>
             </a:r>
-            <a:endParaRPr lang="ko-KR" altLang="en-US" sz="1200" dirty="0"/>
           </a:p>
         </p:txBody>
       </p:sp>
@@ -16602,7 +16204,7 @@
           <p:cNvPr id="70" name="TextBox 69">
             <a:extLst>
               <a:ext uri="{FF2B5EF4-FFF2-40B4-BE49-F238E27FC236}">
-                <a16:creationId xmlns="" xmlns:a16="http://schemas.microsoft.com/office/drawing/2014/main" id="{D734594A-DB45-4DF0-86BB-C645904EA9E2}"/>
+                <a16:creationId xmlns:a16="http://schemas.microsoft.com/office/drawing/2014/main" id="{D734594A-DB45-4DF0-86BB-C645904EA9E2}"/>
               </a:ext>
             </a:extLst>
           </p:cNvPr>
@@ -16627,7 +16229,7 @@
           <a:p>
             <a:pPr algn="ctr"/>
             <a:r>
-              <a:rPr lang="ko-KR" altLang="en-US" sz="1200" dirty="0" err="1" smtClean="0"/>
+              <a:rPr lang="ko-KR" altLang="en-US" sz="1200" dirty="0" err="1"/>
               <a:t>집밥</a:t>
             </a:r>
             <a:endParaRPr lang="ko-KR" altLang="en-US" sz="1200" dirty="0"/>
@@ -16639,7 +16241,7 @@
           <p:cNvPr id="71" name="TextBox 70">
             <a:extLst>
               <a:ext uri="{FF2B5EF4-FFF2-40B4-BE49-F238E27FC236}">
-                <a16:creationId xmlns="" xmlns:a16="http://schemas.microsoft.com/office/drawing/2014/main" id="{D734594A-DB45-4DF0-86BB-C645904EA9E2}"/>
+                <a16:creationId xmlns:a16="http://schemas.microsoft.com/office/drawing/2014/main" id="{D734594A-DB45-4DF0-86BB-C645904EA9E2}"/>
               </a:ext>
             </a:extLst>
           </p:cNvPr>
@@ -16664,10 +16266,9 @@
           <a:p>
             <a:pPr algn="ctr"/>
             <a:r>
-              <a:rPr lang="ko-KR" altLang="en-US" sz="1200" dirty="0" smtClean="0"/>
+              <a:rPr lang="ko-KR" altLang="en-US" sz="1200" dirty="0"/>
               <a:t>영양식</a:t>
             </a:r>
-            <a:endParaRPr lang="ko-KR" altLang="en-US" sz="1200" dirty="0"/>
           </a:p>
         </p:txBody>
       </p:sp>
@@ -16676,7 +16277,7 @@
           <p:cNvPr id="72" name="TextBox 71">
             <a:extLst>
               <a:ext uri="{FF2B5EF4-FFF2-40B4-BE49-F238E27FC236}">
-                <a16:creationId xmlns="" xmlns:a16="http://schemas.microsoft.com/office/drawing/2014/main" id="{D734594A-DB45-4DF0-86BB-C645904EA9E2}"/>
+                <a16:creationId xmlns:a16="http://schemas.microsoft.com/office/drawing/2014/main" id="{D734594A-DB45-4DF0-86BB-C645904EA9E2}"/>
               </a:ext>
             </a:extLst>
           </p:cNvPr>
@@ -16701,12 +16302,8 @@
           <a:p>
             <a:pPr algn="ctr"/>
             <a:r>
-              <a:rPr lang="ko-KR" altLang="en-US" sz="1200" dirty="0" err="1" smtClean="0"/>
-              <a:t>유지어</a:t>
-            </a:r>
-            <a:r>
               <a:rPr lang="ko-KR" altLang="en-US" sz="1200" dirty="0" err="1"/>
-              <a:t>터</a:t>
+              <a:t>유지어터</a:t>
             </a:r>
             <a:endParaRPr lang="ko-KR" altLang="en-US" sz="1200" dirty="0"/>
           </a:p>
@@ -16717,7 +16314,7 @@
           <p:cNvPr id="73" name="TextBox 72">
             <a:extLst>
               <a:ext uri="{FF2B5EF4-FFF2-40B4-BE49-F238E27FC236}">
-                <a16:creationId xmlns="" xmlns:a16="http://schemas.microsoft.com/office/drawing/2014/main" id="{D734594A-DB45-4DF0-86BB-C645904EA9E2}"/>
+                <a16:creationId xmlns:a16="http://schemas.microsoft.com/office/drawing/2014/main" id="{D734594A-DB45-4DF0-86BB-C645904EA9E2}"/>
               </a:ext>
             </a:extLst>
           </p:cNvPr>
@@ -16742,10 +16339,9 @@
           <a:p>
             <a:pPr algn="ctr"/>
             <a:r>
-              <a:rPr lang="ko-KR" altLang="en-US" sz="1200" dirty="0" smtClean="0"/>
+              <a:rPr lang="ko-KR" altLang="en-US" sz="1200" dirty="0"/>
               <a:t>프리미엄</a:t>
             </a:r>
-            <a:endParaRPr lang="ko-KR" altLang="en-US" sz="1200" dirty="0"/>
           </a:p>
         </p:txBody>
       </p:sp>
@@ -16754,7 +16350,7 @@
           <p:cNvPr id="74" name="TextBox 73">
             <a:extLst>
               <a:ext uri="{FF2B5EF4-FFF2-40B4-BE49-F238E27FC236}">
-                <a16:creationId xmlns="" xmlns:a16="http://schemas.microsoft.com/office/drawing/2014/main" id="{D734594A-DB45-4DF0-86BB-C645904EA9E2}"/>
+                <a16:creationId xmlns:a16="http://schemas.microsoft.com/office/drawing/2014/main" id="{D734594A-DB45-4DF0-86BB-C645904EA9E2}"/>
               </a:ext>
             </a:extLst>
           </p:cNvPr>
@@ -16779,10 +16375,9 @@
           <a:p>
             <a:pPr algn="ctr"/>
             <a:r>
-              <a:rPr lang="ko-KR" altLang="en-US" sz="1200" dirty="0" smtClean="0"/>
+              <a:rPr lang="ko-KR" altLang="en-US" sz="1200" dirty="0"/>
               <a:t>신선함</a:t>
             </a:r>
-            <a:endParaRPr lang="ko-KR" altLang="en-US" sz="1200" dirty="0"/>
           </a:p>
         </p:txBody>
       </p:sp>
@@ -16791,7 +16386,7 @@
           <p:cNvPr id="75" name="TextBox 74">
             <a:extLst>
               <a:ext uri="{FF2B5EF4-FFF2-40B4-BE49-F238E27FC236}">
-                <a16:creationId xmlns="" xmlns:a16="http://schemas.microsoft.com/office/drawing/2014/main" id="{D734594A-DB45-4DF0-86BB-C645904EA9E2}"/>
+                <a16:creationId xmlns:a16="http://schemas.microsoft.com/office/drawing/2014/main" id="{D734594A-DB45-4DF0-86BB-C645904EA9E2}"/>
               </a:ext>
             </a:extLst>
           </p:cNvPr>
@@ -16816,7 +16411,7 @@
           <a:p>
             <a:pPr algn="ctr"/>
             <a:r>
-              <a:rPr lang="ko-KR" altLang="en-US" sz="1200" dirty="0" err="1" smtClean="0"/>
+              <a:rPr lang="ko-KR" altLang="en-US" sz="1200" dirty="0" err="1"/>
               <a:t>균형잡힘</a:t>
             </a:r>
             <a:endParaRPr lang="ko-KR" altLang="en-US" sz="1200" dirty="0"/>
@@ -16828,7 +16423,7 @@
           <p:cNvPr id="76" name="TextBox 75">
             <a:extLst>
               <a:ext uri="{FF2B5EF4-FFF2-40B4-BE49-F238E27FC236}">
-                <a16:creationId xmlns="" xmlns:a16="http://schemas.microsoft.com/office/drawing/2014/main" id="{D734594A-DB45-4DF0-86BB-C645904EA9E2}"/>
+                <a16:creationId xmlns:a16="http://schemas.microsoft.com/office/drawing/2014/main" id="{D734594A-DB45-4DF0-86BB-C645904EA9E2}"/>
               </a:ext>
             </a:extLst>
           </p:cNvPr>
@@ -16853,10 +16448,9 @@
           <a:p>
             <a:pPr algn="ctr"/>
             <a:r>
-              <a:rPr lang="ko-KR" altLang="en-US" sz="1200" dirty="0" smtClean="0"/>
+              <a:rPr lang="ko-KR" altLang="en-US" sz="1200" dirty="0"/>
               <a:t>맛있다</a:t>
             </a:r>
-            <a:endParaRPr lang="ko-KR" altLang="en-US" sz="1200" dirty="0"/>
           </a:p>
         </p:txBody>
       </p:sp>
@@ -16865,7 +16459,7 @@
           <p:cNvPr id="77" name="TextBox 76">
             <a:extLst>
               <a:ext uri="{FF2B5EF4-FFF2-40B4-BE49-F238E27FC236}">
-                <a16:creationId xmlns="" xmlns:a16="http://schemas.microsoft.com/office/drawing/2014/main" id="{D734594A-DB45-4DF0-86BB-C645904EA9E2}"/>
+                <a16:creationId xmlns:a16="http://schemas.microsoft.com/office/drawing/2014/main" id="{D734594A-DB45-4DF0-86BB-C645904EA9E2}"/>
               </a:ext>
             </a:extLst>
           </p:cNvPr>
@@ -16890,10 +16484,9 @@
           <a:p>
             <a:pPr algn="ctr"/>
             <a:r>
-              <a:rPr lang="ko-KR" altLang="en-US" sz="1200" dirty="0" smtClean="0"/>
+              <a:rPr lang="ko-KR" altLang="en-US" sz="1200" dirty="0"/>
               <a:t>자체생산시설</a:t>
             </a:r>
-            <a:endParaRPr lang="ko-KR" altLang="en-US" sz="1200" dirty="0"/>
           </a:p>
         </p:txBody>
       </p:sp>
@@ -16902,7 +16495,7 @@
           <p:cNvPr id="78" name="TextBox 77">
             <a:extLst>
               <a:ext uri="{FF2B5EF4-FFF2-40B4-BE49-F238E27FC236}">
-                <a16:creationId xmlns="" xmlns:a16="http://schemas.microsoft.com/office/drawing/2014/main" id="{D734594A-DB45-4DF0-86BB-C645904EA9E2}"/>
+                <a16:creationId xmlns:a16="http://schemas.microsoft.com/office/drawing/2014/main" id="{D734594A-DB45-4DF0-86BB-C645904EA9E2}"/>
               </a:ext>
             </a:extLst>
           </p:cNvPr>
@@ -16927,10 +16520,9 @@
           <a:p>
             <a:pPr algn="ctr"/>
             <a:r>
-              <a:rPr lang="ko-KR" altLang="en-US" sz="1200" dirty="0" smtClean="0"/>
+              <a:rPr lang="ko-KR" altLang="en-US" sz="1200" dirty="0"/>
               <a:t>자체생산시설</a:t>
             </a:r>
-            <a:endParaRPr lang="ko-KR" altLang="en-US" sz="1200" dirty="0"/>
           </a:p>
         </p:txBody>
       </p:sp>
@@ -16953,7 +16545,7 @@
             <p:cNvPr id="80" name="타원 79">
               <a:extLst>
                 <a:ext uri="{FF2B5EF4-FFF2-40B4-BE49-F238E27FC236}">
-                  <a16:creationId xmlns:a16="http://schemas.microsoft.com/office/drawing/2014/main" xmlns="" id="{E500FF92-38C4-49B2-9639-B61E3CDAC7AF}"/>
+                  <a16:creationId xmlns:a16="http://schemas.microsoft.com/office/drawing/2014/main" id="{E500FF92-38C4-49B2-9639-B61E3CDAC7AF}"/>
                 </a:ext>
               </a:extLst>
             </p:cNvPr>
@@ -17000,7 +16592,7 @@
             <p:cNvPr id="81" name="타원 80">
               <a:extLst>
                 <a:ext uri="{FF2B5EF4-FFF2-40B4-BE49-F238E27FC236}">
-                  <a16:creationId xmlns:a16="http://schemas.microsoft.com/office/drawing/2014/main" xmlns="" id="{6328779D-3954-4E9E-8D38-6E3198F91BBB}"/>
+                  <a16:creationId xmlns:a16="http://schemas.microsoft.com/office/drawing/2014/main" id="{6328779D-3954-4E9E-8D38-6E3198F91BBB}"/>
                 </a:ext>
               </a:extLst>
             </p:cNvPr>
@@ -17052,7 +16644,7 @@
             <p:cNvPr id="82" name="화살표: 아래쪽 3">
               <a:extLst>
                 <a:ext uri="{FF2B5EF4-FFF2-40B4-BE49-F238E27FC236}">
-                  <a16:creationId xmlns:a16="http://schemas.microsoft.com/office/drawing/2014/main" xmlns="" id="{E3C20521-03E0-4D9F-A587-D41D7C34A6A9}"/>
+                  <a16:creationId xmlns:a16="http://schemas.microsoft.com/office/drawing/2014/main" id="{E3C20521-03E0-4D9F-A587-D41D7C34A6A9}"/>
                 </a:ext>
               </a:extLst>
             </p:cNvPr>
@@ -17135,7 +16727,7 @@
           <p:cNvPr id="2" name="제목 1">
             <a:extLst>
               <a:ext uri="{FF2B5EF4-FFF2-40B4-BE49-F238E27FC236}">
-                <a16:creationId xmlns="" xmlns:a16="http://schemas.microsoft.com/office/drawing/2014/main" id="{4E1E60AE-5AB9-4B0F-A0D8-2339BA34DD09}"/>
+                <a16:creationId xmlns:a16="http://schemas.microsoft.com/office/drawing/2014/main" id="{4E1E60AE-5AB9-4B0F-A0D8-2339BA34DD09}"/>
               </a:ext>
             </a:extLst>
           </p:cNvPr>
@@ -17180,7 +16772,7 @@
           <p:cNvPr id="12" name="부제목 3">
             <a:extLst>
               <a:ext uri="{FF2B5EF4-FFF2-40B4-BE49-F238E27FC236}">
-                <a16:creationId xmlns="" xmlns:a16="http://schemas.microsoft.com/office/drawing/2014/main" id="{9BDE5150-D116-4748-8159-831FAA8ABF6E}"/>
+                <a16:creationId xmlns:a16="http://schemas.microsoft.com/office/drawing/2014/main" id="{9BDE5150-D116-4748-8159-831FAA8ABF6E}"/>
               </a:ext>
             </a:extLst>
           </p:cNvPr>
@@ -17212,7 +16804,7 @@
           <p:cNvPr id="13" name="텍스트 개체 틀 11">
             <a:extLst>
               <a:ext uri="{FF2B5EF4-FFF2-40B4-BE49-F238E27FC236}">
-                <a16:creationId xmlns="" xmlns:a16="http://schemas.microsoft.com/office/drawing/2014/main" id="{77A760DD-A22E-4893-8886-C3EF30F0E801}"/>
+                <a16:creationId xmlns:a16="http://schemas.microsoft.com/office/drawing/2014/main" id="{77A760DD-A22E-4893-8886-C3EF30F0E801}"/>
               </a:ext>
             </a:extLst>
           </p:cNvPr>
@@ -17315,7 +16907,7 @@
           <p:cNvPr id="46" name="슬라이드 번호 개체 틀 3">
             <a:extLst>
               <a:ext uri="{FF2B5EF4-FFF2-40B4-BE49-F238E27FC236}">
-                <a16:creationId xmlns="" xmlns:a16="http://schemas.microsoft.com/office/drawing/2014/main" id="{4F793C00-2068-4D36-AADC-AEE61AC15995}"/>
+                <a16:creationId xmlns:a16="http://schemas.microsoft.com/office/drawing/2014/main" id="{4F793C00-2068-4D36-AADC-AEE61AC15995}"/>
               </a:ext>
             </a:extLst>
           </p:cNvPr>
@@ -17359,7 +16951,7 @@
           <p:cNvPr id="20" name="직사각형 19">
             <a:extLst>
               <a:ext uri="{FF2B5EF4-FFF2-40B4-BE49-F238E27FC236}">
-                <a16:creationId xmlns="" xmlns:a16="http://schemas.microsoft.com/office/drawing/2014/main" id="{E3EF3568-F942-C94E-926B-6416379CD47C}"/>
+                <a16:creationId xmlns:a16="http://schemas.microsoft.com/office/drawing/2014/main" id="{E3EF3568-F942-C94E-926B-6416379CD47C}"/>
               </a:ext>
             </a:extLst>
           </p:cNvPr>
@@ -17409,7 +17001,7 @@
           <p:cNvPr id="44" name="텍스트 개체 틀 11">
             <a:extLst>
               <a:ext uri="{FF2B5EF4-FFF2-40B4-BE49-F238E27FC236}">
-                <a16:creationId xmlns="" xmlns:a16="http://schemas.microsoft.com/office/drawing/2014/main" id="{9F3ABBDE-16C5-461C-91BD-29F6FF836A0E}"/>
+                <a16:creationId xmlns:a16="http://schemas.microsoft.com/office/drawing/2014/main" id="{9F3ABBDE-16C5-461C-91BD-29F6FF836A0E}"/>
               </a:ext>
             </a:extLst>
           </p:cNvPr>
@@ -17699,7 +17291,7 @@
             <p:cNvPr id="15" name="타원 14">
               <a:extLst>
                 <a:ext uri="{FF2B5EF4-FFF2-40B4-BE49-F238E27FC236}">
-                  <a16:creationId xmlns:a16="http://schemas.microsoft.com/office/drawing/2014/main" xmlns="" id="{E500FF92-38C4-49B2-9639-B61E3CDAC7AF}"/>
+                  <a16:creationId xmlns:a16="http://schemas.microsoft.com/office/drawing/2014/main" id="{E500FF92-38C4-49B2-9639-B61E3CDAC7AF}"/>
                 </a:ext>
               </a:extLst>
             </p:cNvPr>
@@ -17746,7 +17338,7 @@
             <p:cNvPr id="16" name="타원 15">
               <a:extLst>
                 <a:ext uri="{FF2B5EF4-FFF2-40B4-BE49-F238E27FC236}">
-                  <a16:creationId xmlns:a16="http://schemas.microsoft.com/office/drawing/2014/main" xmlns="" id="{6328779D-3954-4E9E-8D38-6E3198F91BBB}"/>
+                  <a16:creationId xmlns:a16="http://schemas.microsoft.com/office/drawing/2014/main" id="{6328779D-3954-4E9E-8D38-6E3198F91BBB}"/>
                 </a:ext>
               </a:extLst>
             </p:cNvPr>
@@ -17798,7 +17390,7 @@
             <p:cNvPr id="17" name="화살표: 아래쪽 3">
               <a:extLst>
                 <a:ext uri="{FF2B5EF4-FFF2-40B4-BE49-F238E27FC236}">
-                  <a16:creationId xmlns:a16="http://schemas.microsoft.com/office/drawing/2014/main" xmlns="" id="{E3C20521-03E0-4D9F-A587-D41D7C34A6A9}"/>
+                  <a16:creationId xmlns:a16="http://schemas.microsoft.com/office/drawing/2014/main" id="{E3C20521-03E0-4D9F-A587-D41D7C34A6A9}"/>
                 </a:ext>
               </a:extLst>
             </p:cNvPr>
@@ -17865,7 +17457,7 @@
             <p:cNvPr id="19" name="타원 18">
               <a:extLst>
                 <a:ext uri="{FF2B5EF4-FFF2-40B4-BE49-F238E27FC236}">
-                  <a16:creationId xmlns:a16="http://schemas.microsoft.com/office/drawing/2014/main" xmlns="" id="{E500FF92-38C4-49B2-9639-B61E3CDAC7AF}"/>
+                  <a16:creationId xmlns:a16="http://schemas.microsoft.com/office/drawing/2014/main" id="{E500FF92-38C4-49B2-9639-B61E3CDAC7AF}"/>
                 </a:ext>
               </a:extLst>
             </p:cNvPr>
@@ -17912,7 +17504,7 @@
             <p:cNvPr id="21" name="타원 20">
               <a:extLst>
                 <a:ext uri="{FF2B5EF4-FFF2-40B4-BE49-F238E27FC236}">
-                  <a16:creationId xmlns:a16="http://schemas.microsoft.com/office/drawing/2014/main" xmlns="" id="{6328779D-3954-4E9E-8D38-6E3198F91BBB}"/>
+                  <a16:creationId xmlns:a16="http://schemas.microsoft.com/office/drawing/2014/main" id="{6328779D-3954-4E9E-8D38-6E3198F91BBB}"/>
                 </a:ext>
               </a:extLst>
             </p:cNvPr>
@@ -17964,7 +17556,7 @@
             <p:cNvPr id="22" name="화살표: 아래쪽 3">
               <a:extLst>
                 <a:ext uri="{FF2B5EF4-FFF2-40B4-BE49-F238E27FC236}">
-                  <a16:creationId xmlns:a16="http://schemas.microsoft.com/office/drawing/2014/main" xmlns="" id="{E3C20521-03E0-4D9F-A587-D41D7C34A6A9}"/>
+                  <a16:creationId xmlns:a16="http://schemas.microsoft.com/office/drawing/2014/main" id="{E3C20521-03E0-4D9F-A587-D41D7C34A6A9}"/>
                 </a:ext>
               </a:extLst>
             </p:cNvPr>
@@ -18047,7 +17639,7 @@
           <p:cNvPr id="2" name="제목 1">
             <a:extLst>
               <a:ext uri="{FF2B5EF4-FFF2-40B4-BE49-F238E27FC236}">
-                <a16:creationId xmlns="" xmlns:a16="http://schemas.microsoft.com/office/drawing/2014/main" id="{4E1E60AE-5AB9-4B0F-A0D8-2339BA34DD09}"/>
+                <a16:creationId xmlns:a16="http://schemas.microsoft.com/office/drawing/2014/main" id="{4E1E60AE-5AB9-4B0F-A0D8-2339BA34DD09}"/>
               </a:ext>
             </a:extLst>
           </p:cNvPr>
@@ -18092,7 +17684,7 @@
           <p:cNvPr id="12" name="부제목 3">
             <a:extLst>
               <a:ext uri="{FF2B5EF4-FFF2-40B4-BE49-F238E27FC236}">
-                <a16:creationId xmlns="" xmlns:a16="http://schemas.microsoft.com/office/drawing/2014/main" id="{9BDE5150-D116-4748-8159-831FAA8ABF6E}"/>
+                <a16:creationId xmlns:a16="http://schemas.microsoft.com/office/drawing/2014/main" id="{9BDE5150-D116-4748-8159-831FAA8ABF6E}"/>
               </a:ext>
             </a:extLst>
           </p:cNvPr>
@@ -18124,7 +17716,7 @@
           <p:cNvPr id="13" name="텍스트 개체 틀 11">
             <a:extLst>
               <a:ext uri="{FF2B5EF4-FFF2-40B4-BE49-F238E27FC236}">
-                <a16:creationId xmlns="" xmlns:a16="http://schemas.microsoft.com/office/drawing/2014/main" id="{77A760DD-A22E-4893-8886-C3EF30F0E801}"/>
+                <a16:creationId xmlns:a16="http://schemas.microsoft.com/office/drawing/2014/main" id="{77A760DD-A22E-4893-8886-C3EF30F0E801}"/>
               </a:ext>
             </a:extLst>
           </p:cNvPr>
@@ -18188,7 +17780,7 @@
           <p:cNvPr id="29" name="슬라이드 번호 개체 틀 3">
             <a:extLst>
               <a:ext uri="{FF2B5EF4-FFF2-40B4-BE49-F238E27FC236}">
-                <a16:creationId xmlns="" xmlns:a16="http://schemas.microsoft.com/office/drawing/2014/main" id="{E4CB0677-BCFD-4F92-96C5-62D4B81C7EAC}"/>
+                <a16:creationId xmlns:a16="http://schemas.microsoft.com/office/drawing/2014/main" id="{E4CB0677-BCFD-4F92-96C5-62D4B81C7EAC}"/>
               </a:ext>
             </a:extLst>
           </p:cNvPr>
@@ -18232,7 +17824,7 @@
           <p:cNvPr id="20" name="직사각형 19">
             <a:extLst>
               <a:ext uri="{FF2B5EF4-FFF2-40B4-BE49-F238E27FC236}">
-                <a16:creationId xmlns="" xmlns:a16="http://schemas.microsoft.com/office/drawing/2014/main" id="{E3EF3568-F942-C94E-926B-6416379CD47C}"/>
+                <a16:creationId xmlns:a16="http://schemas.microsoft.com/office/drawing/2014/main" id="{E3EF3568-F942-C94E-926B-6416379CD47C}"/>
               </a:ext>
             </a:extLst>
           </p:cNvPr>
@@ -18282,7 +17874,7 @@
           <p:cNvPr id="25" name="표 24">
             <a:extLst>
               <a:ext uri="{FF2B5EF4-FFF2-40B4-BE49-F238E27FC236}">
-                <a16:creationId xmlns="" xmlns:a16="http://schemas.microsoft.com/office/drawing/2014/main" id="{05BF43C7-0925-41BA-AAD5-19A0804B82CF}"/>
+                <a16:creationId xmlns:a16="http://schemas.microsoft.com/office/drawing/2014/main" id="{05BF43C7-0925-41BA-AAD5-19A0804B82CF}"/>
               </a:ext>
             </a:extLst>
           </p:cNvPr>
@@ -18309,7 +17901,7 @@
                 <a:gridCol w="5089064">
                   <a:extLst>
                     <a:ext uri="{9D8B030D-6E8A-4147-A177-3AD203B41FA5}">
-                      <a16:colId xmlns="" xmlns:a16="http://schemas.microsoft.com/office/drawing/2014/main" val="2825577889"/>
+                      <a16:colId xmlns:a16="http://schemas.microsoft.com/office/drawing/2014/main" val="2825577889"/>
                     </a:ext>
                   </a:extLst>
                 </a:gridCol>
@@ -18398,7 +17990,7 @@
                 </a:tc>
                 <a:extLst>
                   <a:ext uri="{0D108BD9-81ED-4DB2-BD59-A6C34878D82A}">
-                    <a16:rowId xmlns="" xmlns:a16="http://schemas.microsoft.com/office/drawing/2014/main" val="3340433091"/>
+                    <a16:rowId xmlns:a16="http://schemas.microsoft.com/office/drawing/2014/main" val="3340433091"/>
                   </a:ext>
                 </a:extLst>
               </a:tr>
@@ -18426,7 +18018,7 @@
                         <a:defRPr/>
                       </a:pPr>
                       <a:r>
-                        <a:rPr lang="ko-KR" altLang="en-US" sz="1500" b="1" kern="0" spc="0" dirty="0" smtClean="0">
+                        <a:rPr lang="ko-KR" altLang="en-US" sz="1500" b="1" kern="0" spc="0" dirty="0">
                           <a:solidFill>
                             <a:schemeClr val="tx1">
                               <a:lumMod val="85000"/>
@@ -18439,7 +18031,7 @@
                         <a:t>주요 핵심 키워드 방향은 대부분 정적이고 다소 평이하고  전형적인 부분이 많았으나 새로운 제품의 홍보 및</a:t>
                       </a:r>
                       <a:r>
-                        <a:rPr lang="en-US" altLang="ko-KR" sz="1500" b="1" kern="0" spc="0" dirty="0" smtClean="0">
+                        <a:rPr lang="en-US" altLang="ko-KR" sz="1500" b="1" kern="0" spc="0" dirty="0">
                           <a:solidFill>
                             <a:schemeClr val="tx1">
                               <a:lumMod val="85000"/>
@@ -18452,7 +18044,7 @@
                         <a:t> </a:t>
                       </a:r>
                       <a:r>
-                        <a:rPr lang="ko-KR" altLang="en-US" sz="1500" b="1" kern="0" spc="0" dirty="0" err="1" smtClean="0">
+                        <a:rPr lang="ko-KR" altLang="en-US" sz="1500" b="1" kern="0" spc="0" dirty="0" err="1">
                           <a:solidFill>
                             <a:schemeClr val="tx1">
                               <a:lumMod val="85000"/>
@@ -18465,7 +18057,7 @@
                         <a:t>포르미만의</a:t>
                       </a:r>
                       <a:r>
-                        <a:rPr lang="ko-KR" altLang="en-US" sz="1500" b="1" kern="0" spc="0" dirty="0" smtClean="0">
+                        <a:rPr lang="ko-KR" altLang="en-US" sz="1500" b="1" kern="0" spc="0" dirty="0">
                           <a:solidFill>
                             <a:schemeClr val="tx1">
                               <a:lumMod val="85000"/>
@@ -18478,7 +18070,7 @@
                         <a:t> </a:t>
                       </a:r>
                       <a:r>
-                        <a:rPr lang="ko-KR" altLang="en-US" sz="1500" b="1" kern="0" spc="0" dirty="0" err="1" smtClean="0">
+                        <a:rPr lang="ko-KR" altLang="en-US" sz="1500" b="1" kern="0" spc="0" dirty="0" err="1">
                           <a:solidFill>
                             <a:schemeClr val="tx1">
                               <a:lumMod val="85000"/>
@@ -18491,7 +18083,7 @@
                         <a:t>아이덴티티를</a:t>
                       </a:r>
                       <a:r>
-                        <a:rPr lang="ko-KR" altLang="en-US" sz="1500" b="1" kern="0" spc="0" dirty="0" smtClean="0">
+                        <a:rPr lang="ko-KR" altLang="en-US" sz="1500" b="1" kern="0" spc="0" dirty="0">
                           <a:solidFill>
                             <a:schemeClr val="tx1">
                               <a:lumMod val="85000"/>
@@ -18504,7 +18096,7 @@
                         <a:t> 더 부각시키는</a:t>
                       </a:r>
                       <a:r>
-                        <a:rPr lang="ko-KR" altLang="en-US" sz="1500" b="1" kern="0" spc="0" baseline="0" dirty="0" smtClean="0">
+                        <a:rPr lang="ko-KR" altLang="en-US" sz="1500" b="1" kern="0" spc="0" baseline="0" dirty="0">
                           <a:solidFill>
                             <a:schemeClr val="tx1">
                               <a:lumMod val="85000"/>
@@ -18517,7 +18109,7 @@
                         <a:t> </a:t>
                       </a:r>
                       <a:r>
-                        <a:rPr lang="ko-KR" altLang="en-US" sz="1500" b="1" kern="0" spc="0" dirty="0" err="1" smtClean="0">
+                        <a:rPr lang="ko-KR" altLang="en-US" sz="1500" b="1" kern="0" spc="0" dirty="0" err="1">
                           <a:solidFill>
                             <a:schemeClr val="tx1">
                               <a:lumMod val="85000"/>
@@ -18530,7 +18122,7 @@
                         <a:t>웹페이지로</a:t>
                       </a:r>
                       <a:r>
-                        <a:rPr lang="ko-KR" altLang="en-US" sz="1500" b="1" kern="0" spc="0" dirty="0" smtClean="0">
+                        <a:rPr lang="ko-KR" altLang="en-US" sz="1500" b="1" kern="0" spc="0" dirty="0">
                           <a:solidFill>
                             <a:schemeClr val="tx1">
                               <a:lumMod val="85000"/>
@@ -18543,7 +18135,7 @@
                         <a:t> 재구성하기 위하여</a:t>
                       </a:r>
                       <a:r>
-                        <a:rPr lang="ko-KR" altLang="en-US" sz="1500" b="1" kern="0" spc="0" baseline="0" dirty="0" smtClean="0">
+                        <a:rPr lang="ko-KR" altLang="en-US" sz="1500" b="1" kern="0" spc="0" baseline="0" dirty="0">
                           <a:solidFill>
                             <a:schemeClr val="tx1">
                               <a:lumMod val="85000"/>
@@ -18556,7 +18148,7 @@
                         <a:t> 고객 입장에서 처음 보여주는 느낌이 더 상쾌하면서 신선하고 맑은</a:t>
                       </a:r>
                       <a:r>
-                        <a:rPr lang="en-US" altLang="ko-KR" sz="1500" b="1" kern="0" spc="0" baseline="0" dirty="0" smtClean="0">
+                        <a:rPr lang="en-US" altLang="ko-KR" sz="1500" b="1" kern="0" spc="0" baseline="0" dirty="0">
                           <a:solidFill>
                             <a:schemeClr val="tx1">
                               <a:lumMod val="85000"/>
@@ -18569,7 +18161,7 @@
                         <a:t> </a:t>
                       </a:r>
                       <a:r>
-                        <a:rPr lang="ko-KR" altLang="en-US" sz="1500" b="1" kern="0" spc="0" baseline="0" dirty="0" smtClean="0">
+                        <a:rPr lang="ko-KR" altLang="en-US" sz="1500" b="1" kern="0" spc="0" baseline="0" dirty="0">
                           <a:solidFill>
                             <a:schemeClr val="tx1">
                               <a:lumMod val="85000"/>
@@ -18582,7 +18174,7 @@
                         <a:t>자연 친화적인 </a:t>
                       </a:r>
                       <a:r>
-                        <a:rPr lang="ko-KR" altLang="en-US" sz="1500" b="1" kern="0" spc="0" baseline="0" dirty="0" err="1" smtClean="0">
+                        <a:rPr lang="ko-KR" altLang="en-US" sz="1500" b="1" kern="0" spc="0" baseline="0" dirty="0" err="1">
                           <a:solidFill>
                             <a:schemeClr val="tx1">
                               <a:lumMod val="85000"/>
@@ -18595,7 +18187,7 @@
                         <a:t>컨셉을</a:t>
                       </a:r>
                       <a:r>
-                        <a:rPr lang="ko-KR" altLang="en-US" sz="1500" b="1" kern="0" spc="0" baseline="0" dirty="0" smtClean="0">
+                        <a:rPr lang="ko-KR" altLang="en-US" sz="1500" b="1" kern="0" spc="0" baseline="0" dirty="0">
                           <a:solidFill>
                             <a:schemeClr val="tx1">
                               <a:lumMod val="85000"/>
@@ -18608,7 +18200,7 @@
                         <a:t> 기존 페이지에서 한층 더 업그레이드 시키면서</a:t>
                       </a:r>
                       <a:r>
-                        <a:rPr lang="en-US" altLang="ko-KR" sz="1500" b="1" kern="0" spc="0" dirty="0" smtClean="0">
+                        <a:rPr lang="en-US" altLang="ko-KR" sz="1500" b="1" kern="0" spc="0" dirty="0">
                           <a:solidFill>
                             <a:schemeClr val="tx1">
                               <a:lumMod val="85000"/>
@@ -18621,7 +18213,7 @@
                         <a:t> </a:t>
                       </a:r>
                       <a:r>
-                        <a:rPr lang="ko-KR" altLang="en-US" sz="1500" b="1" kern="0" spc="0" dirty="0" smtClean="0">
+                        <a:rPr lang="ko-KR" altLang="en-US" sz="1500" b="1" kern="0" spc="0" dirty="0">
                           <a:solidFill>
                             <a:schemeClr val="tx1">
                               <a:lumMod val="85000"/>
@@ -18634,7 +18226,7 @@
                         <a:t>새로운</a:t>
                       </a:r>
                       <a:r>
-                        <a:rPr lang="ko-KR" altLang="en-US" sz="1500" b="1" kern="0" spc="0" baseline="0" dirty="0" smtClean="0">
+                        <a:rPr lang="ko-KR" altLang="en-US" sz="1500" b="1" kern="0" spc="0" baseline="0" dirty="0">
                           <a:solidFill>
                             <a:schemeClr val="tx1">
                               <a:lumMod val="85000"/>
@@ -18647,7 +18239,7 @@
                         <a:t> 느낌을 드러낼 수 </a:t>
                       </a:r>
                       <a:r>
-                        <a:rPr lang="ko-KR" altLang="en-US" sz="1500" b="1" kern="0" spc="0" baseline="0" dirty="0" err="1" smtClean="0">
+                        <a:rPr lang="ko-KR" altLang="en-US" sz="1500" b="1" kern="0" spc="0" baseline="0" dirty="0" err="1">
                           <a:solidFill>
                             <a:schemeClr val="tx1">
                               <a:lumMod val="85000"/>
@@ -18660,7 +18252,7 @@
                         <a:t>있도록한다</a:t>
                       </a:r>
                       <a:r>
-                        <a:rPr lang="en-US" altLang="ko-KR" sz="1500" b="1" kern="0" spc="0" baseline="0" dirty="0" smtClean="0">
+                        <a:rPr lang="en-US" altLang="ko-KR" sz="1500" b="1" kern="0" spc="0" baseline="0" dirty="0">
                           <a:solidFill>
                             <a:schemeClr val="tx1">
                               <a:lumMod val="85000"/>
@@ -18673,7 +18265,7 @@
                         <a:t>. </a:t>
                       </a:r>
                       <a:r>
-                        <a:rPr lang="ko-KR" altLang="en-US" sz="1500" b="1" kern="0" spc="0" baseline="0" dirty="0" smtClean="0">
+                        <a:rPr lang="ko-KR" altLang="en-US" sz="1500" b="1" kern="0" spc="0" baseline="0" dirty="0">
                           <a:solidFill>
                             <a:schemeClr val="tx1">
                               <a:lumMod val="85000"/>
@@ -18686,7 +18278,7 @@
                         <a:t>주요 </a:t>
                       </a:r>
                       <a:r>
-                        <a:rPr lang="ko-KR" altLang="en-US" sz="1500" b="1" kern="0" spc="0" dirty="0" smtClean="0">
+                        <a:rPr lang="ko-KR" altLang="en-US" sz="1500" b="1" kern="0" spc="0" dirty="0">
                           <a:solidFill>
                             <a:schemeClr val="tx1">
                               <a:lumMod val="85000"/>
@@ -18699,7 +18291,7 @@
                         <a:t>컬러는 기업의 주 컬러인 그린과 함께 노랑</a:t>
                       </a:r>
                       <a:r>
-                        <a:rPr lang="en-US" altLang="ko-KR" sz="1500" b="1" kern="0" spc="0" dirty="0" smtClean="0">
+                        <a:rPr lang="en-US" altLang="ko-KR" sz="1500" b="1" kern="0" spc="0" dirty="0">
                           <a:solidFill>
                             <a:schemeClr val="tx1">
                               <a:lumMod val="85000"/>
@@ -18712,7 +18304,7 @@
                         <a:t>,</a:t>
                       </a:r>
                       <a:r>
-                        <a:rPr lang="ko-KR" altLang="en-US" sz="1500" b="1" kern="0" spc="0" dirty="0" smtClean="0">
+                        <a:rPr lang="ko-KR" altLang="en-US" sz="1500" b="1" kern="0" spc="0" dirty="0">
                           <a:solidFill>
                             <a:schemeClr val="tx1">
                               <a:lumMod val="85000"/>
@@ -18725,7 +18317,7 @@
                         <a:t>오렌지 색상을 사용하여</a:t>
                       </a:r>
                       <a:r>
-                        <a:rPr lang="en-US" altLang="ko-KR" sz="1500" b="1" kern="0" spc="0" dirty="0" smtClean="0">
+                        <a:rPr lang="en-US" altLang="ko-KR" sz="1500" b="1" kern="0" spc="0" dirty="0">
                           <a:solidFill>
                             <a:schemeClr val="tx1">
                               <a:lumMod val="85000"/>
@@ -18738,7 +18330,7 @@
                         <a:t>, </a:t>
                       </a:r>
                       <a:r>
-                        <a:rPr lang="ko-KR" altLang="en-US" sz="1500" b="1" kern="0" spc="0" dirty="0" smtClean="0">
+                        <a:rPr lang="ko-KR" altLang="en-US" sz="1500" b="1" kern="0" spc="0" dirty="0">
                           <a:solidFill>
                             <a:schemeClr val="tx1">
                               <a:lumMod val="85000"/>
@@ -18751,7 +18343,7 @@
                         <a:t>전반의 분위기를 싱싱하고 맑고 신선함 위주의 방향을 잡으며 그에 따른 배색은</a:t>
                       </a:r>
                       <a:r>
-                        <a:rPr lang="ko-KR" altLang="en-US" sz="1500" b="1" kern="0" spc="0" baseline="0" dirty="0" smtClean="0">
+                        <a:rPr lang="ko-KR" altLang="en-US" sz="1500" b="1" kern="0" spc="0" baseline="0" dirty="0">
                           <a:solidFill>
                             <a:schemeClr val="tx1">
                               <a:lumMod val="85000"/>
@@ -18764,7 +18356,7 @@
                         <a:t> 자연친화적인 느낌을 나타낼 </a:t>
                       </a:r>
                       <a:r>
-                        <a:rPr lang="ko-KR" altLang="en-US" sz="1500" b="1" kern="0" spc="0" baseline="0" dirty="0" err="1" smtClean="0">
+                        <a:rPr lang="ko-KR" altLang="en-US" sz="1500" b="1" kern="0" spc="0" baseline="0" dirty="0" err="1">
                           <a:solidFill>
                             <a:schemeClr val="tx1">
                               <a:lumMod val="85000"/>
@@ -18777,7 +18369,7 @@
                         <a:t>수있는</a:t>
                       </a:r>
                       <a:r>
-                        <a:rPr lang="ko-KR" altLang="en-US" sz="1500" b="1" kern="0" spc="0" dirty="0" smtClean="0">
+                        <a:rPr lang="ko-KR" altLang="en-US" sz="1500" b="1" kern="0" spc="0" dirty="0">
                           <a:solidFill>
                             <a:schemeClr val="tx1">
                               <a:lumMod val="85000"/>
@@ -18790,7 +18382,7 @@
                         <a:t> 짙은 녹색</a:t>
                       </a:r>
                       <a:r>
-                        <a:rPr lang="en-US" altLang="ko-KR" sz="1500" b="1" kern="0" spc="0" dirty="0" smtClean="0">
+                        <a:rPr lang="en-US" altLang="ko-KR" sz="1500" b="1" kern="0" spc="0" dirty="0">
                           <a:solidFill>
                             <a:schemeClr val="tx1">
                               <a:lumMod val="85000"/>
@@ -18803,7 +18395,7 @@
                         <a:t>, </a:t>
                       </a:r>
                       <a:r>
-                        <a:rPr lang="ko-KR" altLang="en-US" sz="1500" b="1" kern="0" spc="0" dirty="0" smtClean="0">
+                        <a:rPr lang="ko-KR" altLang="en-US" sz="1500" b="1" kern="0" spc="0" dirty="0">
                           <a:solidFill>
                             <a:schemeClr val="tx1">
                               <a:lumMod val="85000"/>
@@ -18816,7 +18408,7 @@
                         <a:t>고동색 등을 색상을 사용하기로 함</a:t>
                       </a:r>
                       <a:r>
-                        <a:rPr lang="en-US" altLang="ko-KR" sz="1500" b="1" kern="0" spc="0" dirty="0" smtClean="0">
+                        <a:rPr lang="en-US" altLang="ko-KR" sz="1500" b="1" kern="0" spc="0" dirty="0">
                           <a:solidFill>
                             <a:schemeClr val="tx1">
                               <a:lumMod val="85000"/>
@@ -18828,7 +18420,7 @@
                         </a:rPr>
                         <a:t>.</a:t>
                       </a:r>
-                      <a:endParaRPr lang="ko-KR" altLang="en-US" sz="1500" b="1" kern="0" spc="0" dirty="0" smtClean="0">
+                      <a:endParaRPr lang="ko-KR" altLang="en-US" sz="1500" b="1" kern="0" spc="0" dirty="0">
                         <a:solidFill>
                           <a:schemeClr val="tx1">
                             <a:lumMod val="85000"/>
@@ -18911,7 +18503,7 @@
                 </a:tc>
                 <a:extLst>
                   <a:ext uri="{0D108BD9-81ED-4DB2-BD59-A6C34878D82A}">
-                    <a16:rowId xmlns="" xmlns:a16="http://schemas.microsoft.com/office/drawing/2014/main" val="1977821960"/>
+                    <a16:rowId xmlns:a16="http://schemas.microsoft.com/office/drawing/2014/main" val="1977821960"/>
                   </a:ext>
                 </a:extLst>
               </a:tr>
@@ -18938,7 +18530,7 @@
             <p:cNvPr id="9" name="타원 8">
               <a:extLst>
                 <a:ext uri="{FF2B5EF4-FFF2-40B4-BE49-F238E27FC236}">
-                  <a16:creationId xmlns:a16="http://schemas.microsoft.com/office/drawing/2014/main" xmlns="" id="{E500FF92-38C4-49B2-9639-B61E3CDAC7AF}"/>
+                  <a16:creationId xmlns:a16="http://schemas.microsoft.com/office/drawing/2014/main" id="{E500FF92-38C4-49B2-9639-B61E3CDAC7AF}"/>
                 </a:ext>
               </a:extLst>
             </p:cNvPr>
@@ -18985,7 +18577,7 @@
             <p:cNvPr id="10" name="타원 9">
               <a:extLst>
                 <a:ext uri="{FF2B5EF4-FFF2-40B4-BE49-F238E27FC236}">
-                  <a16:creationId xmlns:a16="http://schemas.microsoft.com/office/drawing/2014/main" xmlns="" id="{6328779D-3954-4E9E-8D38-6E3198F91BBB}"/>
+                  <a16:creationId xmlns:a16="http://schemas.microsoft.com/office/drawing/2014/main" id="{6328779D-3954-4E9E-8D38-6E3198F91BBB}"/>
                 </a:ext>
               </a:extLst>
             </p:cNvPr>
@@ -19037,7 +18629,7 @@
             <p:cNvPr id="11" name="화살표: 아래쪽 3">
               <a:extLst>
                 <a:ext uri="{FF2B5EF4-FFF2-40B4-BE49-F238E27FC236}">
-                  <a16:creationId xmlns:a16="http://schemas.microsoft.com/office/drawing/2014/main" xmlns="" id="{E3C20521-03E0-4D9F-A587-D41D7C34A6A9}"/>
+                  <a16:creationId xmlns:a16="http://schemas.microsoft.com/office/drawing/2014/main" id="{E3C20521-03E0-4D9F-A587-D41D7C34A6A9}"/>
                 </a:ext>
               </a:extLst>
             </p:cNvPr>
@@ -19120,7 +18712,7 @@
           <p:cNvPr id="2" name="제목 1">
             <a:extLst>
               <a:ext uri="{FF2B5EF4-FFF2-40B4-BE49-F238E27FC236}">
-                <a16:creationId xmlns="" xmlns:a16="http://schemas.microsoft.com/office/drawing/2014/main" id="{4E1E60AE-5AB9-4B0F-A0D8-2339BA34DD09}"/>
+                <a16:creationId xmlns:a16="http://schemas.microsoft.com/office/drawing/2014/main" id="{4E1E60AE-5AB9-4B0F-A0D8-2339BA34DD09}"/>
               </a:ext>
             </a:extLst>
           </p:cNvPr>
@@ -19165,7 +18757,7 @@
           <p:cNvPr id="13" name="텍스트 개체 틀 11">
             <a:extLst>
               <a:ext uri="{FF2B5EF4-FFF2-40B4-BE49-F238E27FC236}">
-                <a16:creationId xmlns="" xmlns:a16="http://schemas.microsoft.com/office/drawing/2014/main" id="{77A760DD-A22E-4893-8886-C3EF30F0E801}"/>
+                <a16:creationId xmlns:a16="http://schemas.microsoft.com/office/drawing/2014/main" id="{77A760DD-A22E-4893-8886-C3EF30F0E801}"/>
               </a:ext>
             </a:extLst>
           </p:cNvPr>
@@ -19233,7 +18825,7 @@
           <p:cNvPr id="20" name="직사각형 19">
             <a:extLst>
               <a:ext uri="{FF2B5EF4-FFF2-40B4-BE49-F238E27FC236}">
-                <a16:creationId xmlns="" xmlns:a16="http://schemas.microsoft.com/office/drawing/2014/main" id="{E3EF3568-F942-C94E-926B-6416379CD47C}"/>
+                <a16:creationId xmlns:a16="http://schemas.microsoft.com/office/drawing/2014/main" id="{E3EF3568-F942-C94E-926B-6416379CD47C}"/>
               </a:ext>
             </a:extLst>
           </p:cNvPr>
@@ -19283,7 +18875,7 @@
           <p:cNvPr id="25" name="표 24">
             <a:extLst>
               <a:ext uri="{FF2B5EF4-FFF2-40B4-BE49-F238E27FC236}">
-                <a16:creationId xmlns="" xmlns:a16="http://schemas.microsoft.com/office/drawing/2014/main" id="{05BF43C7-0925-41BA-AAD5-19A0804B82CF}"/>
+                <a16:creationId xmlns:a16="http://schemas.microsoft.com/office/drawing/2014/main" id="{05BF43C7-0925-41BA-AAD5-19A0804B82CF}"/>
               </a:ext>
             </a:extLst>
           </p:cNvPr>
@@ -19310,7 +18902,7 @@
                 <a:gridCol w="9144000">
                   <a:extLst>
                     <a:ext uri="{9D8B030D-6E8A-4147-A177-3AD203B41FA5}">
-                      <a16:colId xmlns="" xmlns:a16="http://schemas.microsoft.com/office/drawing/2014/main" val="2825577889"/>
+                      <a16:colId xmlns:a16="http://schemas.microsoft.com/office/drawing/2014/main" val="2825577889"/>
                     </a:ext>
                   </a:extLst>
                 </a:gridCol>
@@ -19399,7 +18991,7 @@
                 </a:tc>
                 <a:extLst>
                   <a:ext uri="{0D108BD9-81ED-4DB2-BD59-A6C34878D82A}">
-                    <a16:rowId xmlns="" xmlns:a16="http://schemas.microsoft.com/office/drawing/2014/main" val="3340433091"/>
+                    <a16:rowId xmlns:a16="http://schemas.microsoft.com/office/drawing/2014/main" val="3340433091"/>
                   </a:ext>
                 </a:extLst>
               </a:tr>
@@ -19423,7 +19015,7 @@
                         <a:buNone/>
                       </a:pPr>
                       <a:r>
-                        <a:rPr lang="ko-KR" altLang="en-US" sz="1800" b="1" kern="0" spc="0" dirty="0" smtClean="0">
+                        <a:rPr lang="ko-KR" altLang="en-US" sz="1800" b="1" kern="0" spc="0" dirty="0">
                           <a:solidFill>
                             <a:schemeClr val="tx2">
                               <a:lumMod val="75000"/>
@@ -19434,7 +19026,7 @@
                         </a:rPr>
                         <a:t>제작 핵심</a:t>
                       </a:r>
-                      <a:endParaRPr lang="en-US" altLang="ko-KR" sz="1800" b="1" kern="0" spc="0" dirty="0" smtClean="0">
+                      <a:endParaRPr lang="en-US" altLang="ko-KR" sz="1800" b="1" kern="0" spc="0" dirty="0">
                         <a:solidFill>
                           <a:schemeClr val="tx2">
                             <a:lumMod val="75000"/>
@@ -19459,7 +19051,7 @@
                         <a:buChar char="•"/>
                       </a:pPr>
                       <a:r>
-                        <a:rPr lang="ko-KR" altLang="en-US" sz="1200" b="0" kern="0" spc="0" dirty="0" smtClean="0">
+                        <a:rPr lang="ko-KR" altLang="en-US" sz="1200" b="0" kern="0" spc="0" dirty="0">
                           <a:solidFill>
                             <a:schemeClr val="bg1">
                               <a:lumMod val="50000"/>
@@ -19470,7 +19062,7 @@
                         </a:rPr>
                         <a:t>식단관리 초보자도 쉽게 접근할 수 있도록 직관적이고 정돈된 페이지</a:t>
                       </a:r>
-                      <a:endParaRPr lang="en-US" altLang="ko-KR" sz="1200" b="0" kern="0" spc="0" dirty="0" smtClean="0">
+                      <a:endParaRPr lang="en-US" altLang="ko-KR" sz="1200" b="0" kern="0" spc="0" dirty="0">
                         <a:solidFill>
                           <a:schemeClr val="bg1">
                             <a:lumMod val="50000"/>
@@ -19495,7 +19087,7 @@
                         <a:buChar char="•"/>
                       </a:pPr>
                       <a:r>
-                        <a:rPr lang="ko-KR" altLang="en-US" sz="1200" b="0" kern="0" spc="0" dirty="0" smtClean="0">
+                        <a:rPr lang="ko-KR" altLang="en-US" sz="1200" b="0" kern="0" spc="0" dirty="0">
                           <a:solidFill>
                             <a:schemeClr val="bg1">
                               <a:lumMod val="50000"/>
@@ -19507,7 +19099,7 @@
                         <a:t>구매자에게 맞추어 많은 도시락</a:t>
                       </a:r>
                       <a:r>
-                        <a:rPr lang="ko-KR" altLang="en-US" sz="1200" b="0" kern="0" spc="0" baseline="0" dirty="0" smtClean="0">
+                        <a:rPr lang="ko-KR" altLang="en-US" sz="1200" b="0" kern="0" spc="0" baseline="0" dirty="0">
                           <a:solidFill>
                             <a:schemeClr val="bg1">
                               <a:lumMod val="50000"/>
@@ -19519,7 +19111,7 @@
                         <a:t> 종류 구분과 맛을</a:t>
                       </a:r>
                       <a:r>
-                        <a:rPr lang="ko-KR" altLang="en-US" sz="1200" b="0" kern="0" spc="0" dirty="0" smtClean="0">
+                        <a:rPr lang="ko-KR" altLang="en-US" sz="1200" b="0" kern="0" spc="0" dirty="0">
                           <a:solidFill>
                             <a:schemeClr val="bg1">
                               <a:lumMod val="50000"/>
@@ -19530,7 +19122,7 @@
                         </a:rPr>
                         <a:t> 검색하기 용이하게 처리</a:t>
                       </a:r>
-                      <a:endParaRPr lang="en-US" altLang="ko-KR" sz="1200" b="0" kern="0" spc="0" dirty="0" smtClean="0">
+                      <a:endParaRPr lang="en-US" altLang="ko-KR" sz="1200" b="0" kern="0" spc="0" dirty="0">
                         <a:solidFill>
                           <a:schemeClr val="bg1">
                             <a:lumMod val="50000"/>
@@ -19555,7 +19147,7 @@
                         <a:buChar char="•"/>
                       </a:pPr>
                       <a:r>
-                        <a:rPr lang="ko-KR" altLang="en-US" sz="1200" b="0" kern="0" spc="0" dirty="0" err="1" smtClean="0">
+                        <a:rPr lang="ko-KR" altLang="en-US" sz="1200" b="0" kern="0" spc="0" dirty="0" err="1">
                           <a:solidFill>
                             <a:schemeClr val="bg1">
                               <a:lumMod val="50000"/>
@@ -19567,7 +19159,7 @@
                         <a:t>포르미</a:t>
                       </a:r>
                       <a:r>
-                        <a:rPr lang="ko-KR" altLang="en-US" sz="1200" b="0" kern="0" spc="0" dirty="0" smtClean="0">
+                        <a:rPr lang="ko-KR" altLang="en-US" sz="1200" b="0" kern="0" spc="0" dirty="0">
                           <a:solidFill>
                             <a:schemeClr val="bg1">
                               <a:lumMod val="50000"/>
@@ -19579,7 +19171,7 @@
                         <a:t> 브랜드만이 가지고 있는 </a:t>
                       </a:r>
                       <a:r>
-                        <a:rPr lang="en-US" altLang="ko-KR" sz="1200" b="0" kern="0" spc="0" dirty="0" smtClean="0">
+                        <a:rPr lang="en-US" altLang="ko-KR" sz="1200" b="0" kern="0" spc="0" dirty="0">
                           <a:solidFill>
                             <a:schemeClr val="bg1">
                               <a:lumMod val="50000"/>
@@ -19591,7 +19183,7 @@
                         <a:t>‘</a:t>
                       </a:r>
                       <a:r>
-                        <a:rPr lang="ko-KR" altLang="en-US" sz="1200" b="0" kern="0" spc="0" dirty="0" smtClean="0">
+                        <a:rPr lang="ko-KR" altLang="en-US" sz="1200" b="0" kern="0" spc="0" dirty="0">
                           <a:solidFill>
                             <a:schemeClr val="bg1">
                               <a:lumMod val="50000"/>
@@ -19603,7 +19195,7 @@
                         <a:t>건강한 도시락</a:t>
                       </a:r>
                       <a:r>
-                        <a:rPr lang="en-US" altLang="ko-KR" sz="1200" b="0" kern="0" spc="0" dirty="0" smtClean="0">
+                        <a:rPr lang="en-US" altLang="ko-KR" sz="1200" b="0" kern="0" spc="0" dirty="0">
                           <a:solidFill>
                             <a:schemeClr val="bg1">
                               <a:lumMod val="50000"/>
@@ -19615,7 +19207,7 @@
                         <a:t>’ </a:t>
                       </a:r>
                       <a:r>
-                        <a:rPr lang="ko-KR" altLang="en-US" sz="1200" b="0" kern="0" spc="0" dirty="0" smtClean="0">
+                        <a:rPr lang="ko-KR" altLang="en-US" sz="1200" b="0" kern="0" spc="0" dirty="0">
                           <a:solidFill>
                             <a:schemeClr val="bg1">
                               <a:lumMod val="50000"/>
@@ -19627,7 +19219,7 @@
                         <a:t>건강한 밥</a:t>
                       </a:r>
                       <a:r>
-                        <a:rPr lang="en-US" altLang="ko-KR" sz="1200" b="0" kern="0" spc="0" dirty="0" smtClean="0">
+                        <a:rPr lang="en-US" altLang="ko-KR" sz="1200" b="0" kern="0" spc="0" dirty="0">
                           <a:solidFill>
                             <a:schemeClr val="bg1">
                               <a:lumMod val="50000"/>
@@ -19639,7 +19231,7 @@
                         <a:t>’ </a:t>
                       </a:r>
                       <a:r>
-                        <a:rPr lang="ko-KR" altLang="en-US" sz="1200" b="0" kern="0" spc="0" dirty="0" smtClean="0">
+                        <a:rPr lang="ko-KR" altLang="en-US" sz="1200" b="0" kern="0" spc="0" dirty="0">
                           <a:solidFill>
                             <a:schemeClr val="bg1">
                               <a:lumMod val="50000"/>
@@ -19651,7 +19243,7 @@
                         <a:t>장점을 내세울 수 있는 시각적인 </a:t>
                       </a:r>
                       <a:r>
-                        <a:rPr lang="ko-KR" altLang="en-US" sz="1200" b="0" kern="0" spc="0" dirty="0" err="1" smtClean="0">
+                        <a:rPr lang="ko-KR" altLang="en-US" sz="1200" b="0" kern="0" spc="0" dirty="0" err="1">
                           <a:solidFill>
                             <a:schemeClr val="bg1">
                               <a:lumMod val="50000"/>
@@ -19663,7 +19255,7 @@
                         <a:t>집중도를</a:t>
                       </a:r>
                       <a:r>
-                        <a:rPr lang="ko-KR" altLang="en-US" sz="1200" b="0" kern="0" spc="0" dirty="0" smtClean="0">
+                        <a:rPr lang="ko-KR" altLang="en-US" sz="1200" b="0" kern="0" spc="0" dirty="0">
                           <a:solidFill>
                             <a:schemeClr val="bg1">
                               <a:lumMod val="50000"/>
@@ -19674,7 +19266,7 @@
                         </a:rPr>
                         <a:t> 높인 페이지</a:t>
                       </a:r>
-                      <a:endParaRPr lang="en-US" altLang="ko-KR" sz="1200" b="0" kern="0" spc="0" dirty="0" smtClean="0">
+                      <a:endParaRPr lang="en-US" altLang="ko-KR" sz="1200" b="0" kern="0" spc="0" dirty="0">
                         <a:solidFill>
                           <a:schemeClr val="bg1">
                             <a:lumMod val="50000"/>
@@ -19699,7 +19291,7 @@
                         <a:buNone/>
                       </a:pPr>
                       <a:r>
-                        <a:rPr lang="ko-KR" altLang="en-US" sz="1800" b="1" kern="0" spc="0" dirty="0" smtClean="0">
+                        <a:rPr lang="ko-KR" altLang="en-US" sz="1800" b="1" kern="0" spc="0" dirty="0">
                           <a:solidFill>
                             <a:schemeClr val="tx2">
                               <a:lumMod val="75000"/>
@@ -19710,7 +19302,7 @@
                         </a:rPr>
                         <a:t>제작 방향</a:t>
                       </a:r>
-                      <a:endParaRPr lang="en-US" altLang="ko-KR" sz="1800" b="1" kern="0" spc="0" dirty="0" smtClean="0">
+                      <a:endParaRPr lang="en-US" altLang="ko-KR" sz="1800" b="1" kern="0" spc="0" dirty="0">
                         <a:solidFill>
                           <a:schemeClr val="tx2">
                             <a:lumMod val="75000"/>
@@ -19735,7 +19327,7 @@
                         <a:buChar char="•"/>
                       </a:pPr>
                       <a:r>
-                        <a:rPr lang="ko-KR" altLang="en-US" sz="1200" b="0" kern="0" spc="0" dirty="0" smtClean="0">
+                        <a:rPr lang="ko-KR" altLang="en-US" sz="1200" b="0" kern="0" spc="0" dirty="0">
                           <a:solidFill>
                             <a:schemeClr val="bg1">
                               <a:lumMod val="50000"/>
@@ -19747,7 +19339,7 @@
                         <a:t>다소 특색이 부족한 기존 페이지를 </a:t>
                       </a:r>
                       <a:r>
-                        <a:rPr lang="ko-KR" altLang="en-US" sz="1200" b="0" kern="0" spc="0" dirty="0" err="1" smtClean="0">
+                        <a:rPr lang="ko-KR" altLang="en-US" sz="1200" b="0" kern="0" spc="0" dirty="0" err="1">
                           <a:solidFill>
                             <a:schemeClr val="bg1">
                               <a:lumMod val="50000"/>
@@ -19759,7 +19351,7 @@
                         <a:t>포르미의</a:t>
                       </a:r>
                       <a:r>
-                        <a:rPr lang="ko-KR" altLang="en-US" sz="1200" b="0" kern="0" spc="0" dirty="0" smtClean="0">
+                        <a:rPr lang="ko-KR" altLang="en-US" sz="1200" b="0" kern="0" spc="0" dirty="0">
                           <a:solidFill>
                             <a:schemeClr val="bg1">
                               <a:lumMod val="50000"/>
@@ -19771,7 +19363,7 @@
                         <a:t> </a:t>
                       </a:r>
                       <a:r>
-                        <a:rPr lang="ko-KR" altLang="en-US" sz="1200" b="0" kern="0" spc="0" dirty="0" err="1" smtClean="0">
+                        <a:rPr lang="ko-KR" altLang="en-US" sz="1200" b="0" kern="0" spc="0" dirty="0" err="1">
                           <a:solidFill>
                             <a:schemeClr val="bg1">
                               <a:lumMod val="50000"/>
@@ -19783,7 +19375,7 @@
                         <a:t>아이덴티티가</a:t>
                       </a:r>
                       <a:r>
-                        <a:rPr lang="ko-KR" altLang="en-US" sz="1200" b="0" kern="0" spc="0" dirty="0" smtClean="0">
+                        <a:rPr lang="ko-KR" altLang="en-US" sz="1200" b="0" kern="0" spc="0" dirty="0">
                           <a:solidFill>
                             <a:schemeClr val="bg1">
                               <a:lumMod val="50000"/>
@@ -19795,7 +19387,7 @@
                         <a:t> 보일 수 있도록 강조</a:t>
                       </a:r>
                       <a:r>
-                        <a:rPr lang="ko-KR" altLang="en-US" sz="1200" b="0" kern="0" spc="0" baseline="0" dirty="0" smtClean="0">
+                        <a:rPr lang="ko-KR" altLang="en-US" sz="1200" b="0" kern="0" spc="0" baseline="0" dirty="0">
                           <a:solidFill>
                             <a:schemeClr val="bg1">
                               <a:lumMod val="50000"/>
@@ -19806,7 +19398,7 @@
                         </a:rPr>
                         <a:t> 및 직관적인 페이지로 구성</a:t>
                       </a:r>
-                      <a:endParaRPr lang="en-US" altLang="ko-KR" sz="1200" b="0" kern="0" spc="0" dirty="0" smtClean="0">
+                      <a:endParaRPr lang="en-US" altLang="ko-KR" sz="1200" b="0" kern="0" spc="0" dirty="0">
                         <a:solidFill>
                           <a:schemeClr val="bg1">
                             <a:lumMod val="50000"/>
@@ -19831,7 +19423,7 @@
                         <a:buChar char="•"/>
                       </a:pPr>
                       <a:r>
-                        <a:rPr lang="ko-KR" altLang="en-US" sz="1200" b="0" kern="0" spc="0" dirty="0" err="1" smtClean="0">
+                        <a:rPr lang="ko-KR" altLang="en-US" sz="1200" b="0" kern="0" spc="0" dirty="0" err="1">
                           <a:solidFill>
                             <a:schemeClr val="bg1">
                               <a:lumMod val="50000"/>
@@ -19843,7 +19435,7 @@
                         <a:t>주요컨셉</a:t>
                       </a:r>
                       <a:r>
-                        <a:rPr lang="ko-KR" altLang="en-US" sz="1200" b="0" kern="0" spc="0" dirty="0" smtClean="0">
+                        <a:rPr lang="ko-KR" altLang="en-US" sz="1200" b="0" kern="0" spc="0" dirty="0">
                           <a:solidFill>
                             <a:schemeClr val="bg1">
                               <a:lumMod val="50000"/>
@@ -19855,7 +19447,7 @@
                         <a:t> </a:t>
                       </a:r>
                       <a:r>
-                        <a:rPr lang="en-US" altLang="ko-KR" sz="1200" b="0" kern="0" spc="0" dirty="0" smtClean="0">
+                        <a:rPr lang="en-US" altLang="ko-KR" sz="1200" b="0" kern="0" spc="0" dirty="0">
                           <a:solidFill>
                             <a:schemeClr val="bg1">
                               <a:lumMod val="50000"/>
@@ -19867,7 +19459,7 @@
                         <a:t>: </a:t>
                       </a:r>
                       <a:r>
-                        <a:rPr lang="ko-KR" altLang="en-US" sz="1200" b="0" kern="0" spc="0" dirty="0" err="1" smtClean="0">
+                        <a:rPr lang="ko-KR" altLang="en-US" sz="1200" b="0" kern="0" spc="0" dirty="0" err="1">
                           <a:solidFill>
                             <a:schemeClr val="bg1">
                               <a:lumMod val="50000"/>
@@ -19879,7 +19471,7 @@
                         <a:t>포르미라는</a:t>
                       </a:r>
                       <a:r>
-                        <a:rPr lang="ko-KR" altLang="en-US" sz="1200" b="0" kern="0" spc="0" dirty="0" smtClean="0">
+                        <a:rPr lang="ko-KR" altLang="en-US" sz="1200" b="0" kern="0" spc="0" dirty="0">
                           <a:solidFill>
                             <a:schemeClr val="bg1">
                               <a:lumMod val="50000"/>
@@ -19891,7 +19483,7 @@
                         <a:t> 브랜드 특색을 살린 자연 친화적이면서 전반의 분위기를 싱싱하고 맑고 신선함 위주의 </a:t>
                       </a:r>
                       <a:r>
-                        <a:rPr lang="ko-KR" altLang="en-US" sz="1200" b="0" kern="0" spc="0" dirty="0" err="1" smtClean="0">
+                        <a:rPr lang="ko-KR" altLang="en-US" sz="1200" b="0" kern="0" spc="0" dirty="0" err="1">
                           <a:solidFill>
                             <a:schemeClr val="bg1">
                               <a:lumMod val="50000"/>
@@ -19902,7 +19494,7 @@
                         </a:rPr>
                         <a:t>컨셉</a:t>
                       </a:r>
-                      <a:endParaRPr lang="en-US" altLang="ko-KR" sz="1200" b="0" kern="0" spc="0" dirty="0" smtClean="0">
+                      <a:endParaRPr lang="en-US" altLang="ko-KR" sz="1200" b="0" kern="0" spc="0" dirty="0">
                         <a:solidFill>
                           <a:schemeClr val="bg1">
                             <a:lumMod val="50000"/>
@@ -19927,7 +19519,7 @@
                         <a:buNone/>
                       </a:pPr>
                       <a:r>
-                        <a:rPr lang="ko-KR" altLang="en-US" sz="1800" b="1" kern="0" spc="0" dirty="0" smtClean="0">
+                        <a:rPr lang="ko-KR" altLang="en-US" sz="1800" b="1" kern="0" spc="0" dirty="0">
                           <a:solidFill>
                             <a:schemeClr val="tx2">
                               <a:lumMod val="75000"/>
@@ -19938,7 +19530,7 @@
                         </a:rPr>
                         <a:t>제작 컬러</a:t>
                       </a:r>
-                      <a:endParaRPr lang="en-US" altLang="ko-KR" sz="1800" b="1" kern="0" spc="0" dirty="0" smtClean="0">
+                      <a:endParaRPr lang="en-US" altLang="ko-KR" sz="1800" b="1" kern="0" spc="0" dirty="0">
                         <a:solidFill>
                           <a:schemeClr val="tx2">
                             <a:lumMod val="75000"/>
@@ -19963,7 +19555,7 @@
                         <a:buChar char="•"/>
                       </a:pPr>
                       <a:r>
-                        <a:rPr lang="ko-KR" altLang="en-US" sz="1200" b="0" kern="0" spc="0" dirty="0" smtClean="0">
+                        <a:rPr lang="ko-KR" altLang="en-US" sz="1200" b="0" kern="0" spc="0" dirty="0">
                           <a:solidFill>
                             <a:schemeClr val="bg1">
                               <a:lumMod val="50000"/>
@@ -19975,7 +19567,7 @@
                         <a:t>주요컬러</a:t>
                       </a:r>
                       <a:r>
-                        <a:rPr lang="en-US" altLang="ko-KR" sz="1200" b="0" kern="0" spc="0" dirty="0" smtClean="0">
+                        <a:rPr lang="en-US" altLang="ko-KR" sz="1200" b="0" kern="0" spc="0" dirty="0">
                           <a:solidFill>
                             <a:schemeClr val="bg1">
                               <a:lumMod val="50000"/>
@@ -19987,7 +19579,7 @@
                         <a:t>: </a:t>
                       </a:r>
                       <a:r>
-                        <a:rPr lang="ko-KR" altLang="en-US" sz="1200" b="0" kern="0" spc="0" dirty="0" smtClean="0">
+                        <a:rPr lang="ko-KR" altLang="en-US" sz="1200" b="0" kern="0" spc="0" dirty="0">
                           <a:solidFill>
                             <a:schemeClr val="bg1">
                               <a:lumMod val="50000"/>
@@ -19999,7 +19591,7 @@
                         <a:t>그린</a:t>
                       </a:r>
                       <a:r>
-                        <a:rPr lang="en-US" altLang="ko-KR" sz="1200" b="0" kern="0" spc="0" dirty="0" smtClean="0">
+                        <a:rPr lang="en-US" altLang="ko-KR" sz="1200" b="0" kern="0" spc="0" dirty="0">
                           <a:solidFill>
                             <a:schemeClr val="bg1">
                               <a:lumMod val="50000"/>
@@ -20011,7 +19603,7 @@
                         <a:t>, </a:t>
                       </a:r>
                       <a:r>
-                        <a:rPr lang="ko-KR" altLang="en-US" sz="1200" b="0" kern="0" spc="0" dirty="0" smtClean="0">
+                        <a:rPr lang="ko-KR" altLang="en-US" sz="1200" b="0" kern="0" spc="0" dirty="0">
                           <a:solidFill>
                             <a:schemeClr val="bg1">
                               <a:lumMod val="50000"/>
@@ -20023,7 +19615,7 @@
                         <a:t>오렌지</a:t>
                       </a:r>
                       <a:r>
-                        <a:rPr lang="en-US" altLang="ko-KR" sz="1200" b="0" kern="0" spc="0" dirty="0" smtClean="0">
+                        <a:rPr lang="en-US" altLang="ko-KR" sz="1200" b="0" kern="0" spc="0" dirty="0">
                           <a:solidFill>
                             <a:schemeClr val="bg1">
                               <a:lumMod val="50000"/>
@@ -20035,7 +19627,7 @@
                         <a:t>, </a:t>
                       </a:r>
                       <a:r>
-                        <a:rPr lang="ko-KR" altLang="en-US" sz="1200" b="0" kern="0" spc="0" dirty="0" smtClean="0">
+                        <a:rPr lang="ko-KR" altLang="en-US" sz="1200" b="0" kern="0" spc="0" dirty="0">
                           <a:solidFill>
                             <a:schemeClr val="bg1">
                               <a:lumMod val="50000"/>
@@ -20046,7 +19638,7 @@
                         </a:rPr>
                         <a:t>노랑</a:t>
                       </a:r>
-                      <a:endParaRPr lang="en-US" altLang="ko-KR" sz="1200" b="0" kern="0" spc="0" dirty="0" smtClean="0">
+                      <a:endParaRPr lang="en-US" altLang="ko-KR" sz="1200" b="0" kern="0" spc="0" dirty="0">
                         <a:solidFill>
                           <a:schemeClr val="bg1">
                             <a:lumMod val="50000"/>
@@ -20071,7 +19663,7 @@
                         <a:buChar char="•"/>
                       </a:pPr>
                       <a:r>
-                        <a:rPr lang="ko-KR" altLang="en-US" sz="1200" b="0" kern="0" spc="0" dirty="0" smtClean="0">
+                        <a:rPr lang="ko-KR" altLang="en-US" sz="1200" b="0" kern="0" spc="0" dirty="0">
                           <a:solidFill>
                             <a:schemeClr val="bg1">
                               <a:lumMod val="50000"/>
@@ -20083,7 +19675,7 @@
                         <a:t>배색</a:t>
                       </a:r>
                       <a:r>
-                        <a:rPr lang="en-US" altLang="ko-KR" sz="1200" b="0" kern="0" spc="0" dirty="0" smtClean="0">
+                        <a:rPr lang="en-US" altLang="ko-KR" sz="1200" b="0" kern="0" spc="0" dirty="0">
                           <a:solidFill>
                             <a:schemeClr val="bg1">
                               <a:lumMod val="50000"/>
@@ -20095,7 +19687,7 @@
                         <a:t>: </a:t>
                       </a:r>
                       <a:r>
-                        <a:rPr lang="ko-KR" altLang="en-US" sz="1200" b="0" kern="0" spc="0" dirty="0" smtClean="0">
+                        <a:rPr lang="ko-KR" altLang="en-US" sz="1200" b="0" kern="0" spc="0" dirty="0">
                           <a:solidFill>
                             <a:schemeClr val="bg1">
                               <a:lumMod val="50000"/>
@@ -20107,7 +19699,7 @@
                         <a:t>자연친화적인 느낌을 나타낼 수 있는 짙은 녹색</a:t>
                       </a:r>
                       <a:r>
-                        <a:rPr lang="en-US" altLang="ko-KR" sz="1200" b="0" kern="0" spc="0" dirty="0" smtClean="0">
+                        <a:rPr lang="en-US" altLang="ko-KR" sz="1200" b="0" kern="0" spc="0" dirty="0">
                           <a:solidFill>
                             <a:schemeClr val="bg1">
                               <a:lumMod val="50000"/>
@@ -20119,7 +19711,7 @@
                         <a:t>, </a:t>
                       </a:r>
                       <a:r>
-                        <a:rPr lang="ko-KR" altLang="en-US" sz="1200" b="0" kern="0" spc="0" dirty="0" smtClean="0">
+                        <a:rPr lang="ko-KR" altLang="en-US" sz="1200" b="0" kern="0" spc="0" dirty="0">
                           <a:solidFill>
                             <a:schemeClr val="bg1">
                               <a:lumMod val="50000"/>
@@ -20130,7 +19722,7 @@
                         </a:rPr>
                         <a:t>고동색</a:t>
                       </a:r>
-                      <a:endParaRPr lang="en-US" altLang="ko-KR" sz="1200" b="0" kern="0" spc="0" dirty="0" smtClean="0">
+                      <a:endParaRPr lang="en-US" altLang="ko-KR" sz="1200" b="0" kern="0" spc="0" dirty="0">
                         <a:solidFill>
                           <a:schemeClr val="bg1">
                             <a:lumMod val="50000"/>
@@ -20190,7 +19782,7 @@
                 </a:tc>
                 <a:extLst>
                   <a:ext uri="{0D108BD9-81ED-4DB2-BD59-A6C34878D82A}">
-                    <a16:rowId xmlns="" xmlns:a16="http://schemas.microsoft.com/office/drawing/2014/main" val="1977821960"/>
+                    <a16:rowId xmlns:a16="http://schemas.microsoft.com/office/drawing/2014/main" val="1977821960"/>
                   </a:ext>
                 </a:extLst>
               </a:tr>
@@ -20203,7 +19795,7 @@
           <p:cNvPr id="29" name="슬라이드 번호 개체 틀 3">
             <a:extLst>
               <a:ext uri="{FF2B5EF4-FFF2-40B4-BE49-F238E27FC236}">
-                <a16:creationId xmlns="" xmlns:a16="http://schemas.microsoft.com/office/drawing/2014/main" id="{E4CB0677-BCFD-4F92-96C5-62D4B81C7EAC}"/>
+                <a16:creationId xmlns:a16="http://schemas.microsoft.com/office/drawing/2014/main" id="{E4CB0677-BCFD-4F92-96C5-62D4B81C7EAC}"/>
               </a:ext>
             </a:extLst>
           </p:cNvPr>
@@ -20251,7 +19843,7 @@
           <p:cNvPr id="5" name="부제목 4">
             <a:extLst>
               <a:ext uri="{FF2B5EF4-FFF2-40B4-BE49-F238E27FC236}">
-                <a16:creationId xmlns="" xmlns:a16="http://schemas.microsoft.com/office/drawing/2014/main" id="{29DB42F8-4170-460B-B3C1-34507037918D}"/>
+                <a16:creationId xmlns:a16="http://schemas.microsoft.com/office/drawing/2014/main" id="{29DB42F8-4170-460B-B3C1-34507037918D}"/>
               </a:ext>
             </a:extLst>
           </p:cNvPr>
@@ -20313,7 +19905,7 @@
           <p:cNvPr id="2" name="제목 1">
             <a:extLst>
               <a:ext uri="{FF2B5EF4-FFF2-40B4-BE49-F238E27FC236}">
-                <a16:creationId xmlns="" xmlns:a16="http://schemas.microsoft.com/office/drawing/2014/main" id="{1772E769-8912-421D-8154-14DF4C253CCD}"/>
+                <a16:creationId xmlns:a16="http://schemas.microsoft.com/office/drawing/2014/main" id="{1772E769-8912-421D-8154-14DF4C253CCD}"/>
               </a:ext>
             </a:extLst>
           </p:cNvPr>
@@ -20397,7 +19989,7 @@
           <p:cNvPr id="4" name="부제목 3">
             <a:extLst>
               <a:ext uri="{FF2B5EF4-FFF2-40B4-BE49-F238E27FC236}">
-                <a16:creationId xmlns="" xmlns:a16="http://schemas.microsoft.com/office/drawing/2014/main" id="{F8129F98-56B5-4E0B-A242-C6F75CE43D38}"/>
+                <a16:creationId xmlns:a16="http://schemas.microsoft.com/office/drawing/2014/main" id="{F8129F98-56B5-4E0B-A242-C6F75CE43D38}"/>
               </a:ext>
             </a:extLst>
           </p:cNvPr>
@@ -20505,7 +20097,7 @@
           <p:cNvPr id="8" name="텍스트 개체 틀 7">
             <a:extLst>
               <a:ext uri="{FF2B5EF4-FFF2-40B4-BE49-F238E27FC236}">
-                <a16:creationId xmlns="" xmlns:a16="http://schemas.microsoft.com/office/drawing/2014/main" id="{2E208BD1-DA3A-440C-BAA8-8A3A24DA24F6}"/>
+                <a16:creationId xmlns:a16="http://schemas.microsoft.com/office/drawing/2014/main" id="{2E208BD1-DA3A-440C-BAA8-8A3A24DA24F6}"/>
               </a:ext>
             </a:extLst>
           </p:cNvPr>
@@ -20546,7 +20138,7 @@
           <p:cNvPr id="13" name="텍스트 개체 틀 7">
             <a:extLst>
               <a:ext uri="{FF2B5EF4-FFF2-40B4-BE49-F238E27FC236}">
-                <a16:creationId xmlns="" xmlns:a16="http://schemas.microsoft.com/office/drawing/2014/main" id="{E4712E7B-275C-4E91-B4F6-F77FF3DFC65F}"/>
+                <a16:creationId xmlns:a16="http://schemas.microsoft.com/office/drawing/2014/main" id="{E4712E7B-275C-4E91-B4F6-F77FF3DFC65F}"/>
               </a:ext>
             </a:extLst>
           </p:cNvPr>
@@ -20751,7 +20343,7 @@
           <p:cNvPr id="15" name="슬라이드 번호 개체 틀 3">
             <a:extLst>
               <a:ext uri="{FF2B5EF4-FFF2-40B4-BE49-F238E27FC236}">
-                <a16:creationId xmlns="" xmlns:a16="http://schemas.microsoft.com/office/drawing/2014/main" id="{4413EFBF-3FCD-4D75-807F-6527E708E6C2}"/>
+                <a16:creationId xmlns:a16="http://schemas.microsoft.com/office/drawing/2014/main" id="{4413EFBF-3FCD-4D75-807F-6527E708E6C2}"/>
               </a:ext>
             </a:extLst>
           </p:cNvPr>
@@ -20853,7 +20445,7 @@
           <p:cNvPr id="6" name="화살표: 오른쪽 5">
             <a:extLst>
               <a:ext uri="{FF2B5EF4-FFF2-40B4-BE49-F238E27FC236}">
-                <a16:creationId xmlns="" xmlns:a16="http://schemas.microsoft.com/office/drawing/2014/main" id="{241A1FB8-D088-44CD-A7D9-8462B466DB42}"/>
+                <a16:creationId xmlns:a16="http://schemas.microsoft.com/office/drawing/2014/main" id="{241A1FB8-D088-44CD-A7D9-8462B466DB42}"/>
               </a:ext>
             </a:extLst>
           </p:cNvPr>
@@ -20929,7 +20521,7 @@
           <p:cNvPr id="2" name="제목 1">
             <a:extLst>
               <a:ext uri="{FF2B5EF4-FFF2-40B4-BE49-F238E27FC236}">
-                <a16:creationId xmlns="" xmlns:a16="http://schemas.microsoft.com/office/drawing/2014/main" id="{1772E769-8912-421D-8154-14DF4C253CCD}"/>
+                <a16:creationId xmlns:a16="http://schemas.microsoft.com/office/drawing/2014/main" id="{1772E769-8912-421D-8154-14DF4C253CCD}"/>
               </a:ext>
             </a:extLst>
           </p:cNvPr>
@@ -21013,7 +20605,7 @@
           <p:cNvPr id="4" name="부제목 3">
             <a:extLst>
               <a:ext uri="{FF2B5EF4-FFF2-40B4-BE49-F238E27FC236}">
-                <a16:creationId xmlns="" xmlns:a16="http://schemas.microsoft.com/office/drawing/2014/main" id="{F8129F98-56B5-4E0B-A242-C6F75CE43D38}"/>
+                <a16:creationId xmlns:a16="http://schemas.microsoft.com/office/drawing/2014/main" id="{F8129F98-56B5-4E0B-A242-C6F75CE43D38}"/>
               </a:ext>
             </a:extLst>
           </p:cNvPr>
@@ -21121,7 +20713,7 @@
           <p:cNvPr id="8" name="텍스트 개체 틀 7">
             <a:extLst>
               <a:ext uri="{FF2B5EF4-FFF2-40B4-BE49-F238E27FC236}">
-                <a16:creationId xmlns="" xmlns:a16="http://schemas.microsoft.com/office/drawing/2014/main" id="{2E208BD1-DA3A-440C-BAA8-8A3A24DA24F6}"/>
+                <a16:creationId xmlns:a16="http://schemas.microsoft.com/office/drawing/2014/main" id="{2E208BD1-DA3A-440C-BAA8-8A3A24DA24F6}"/>
               </a:ext>
             </a:extLst>
           </p:cNvPr>
@@ -21162,7 +20754,7 @@
           <p:cNvPr id="13" name="텍스트 개체 틀 7">
             <a:extLst>
               <a:ext uri="{FF2B5EF4-FFF2-40B4-BE49-F238E27FC236}">
-                <a16:creationId xmlns="" xmlns:a16="http://schemas.microsoft.com/office/drawing/2014/main" id="{E4712E7B-275C-4E91-B4F6-F77FF3DFC65F}"/>
+                <a16:creationId xmlns:a16="http://schemas.microsoft.com/office/drawing/2014/main" id="{E4712E7B-275C-4E91-B4F6-F77FF3DFC65F}"/>
               </a:ext>
             </a:extLst>
           </p:cNvPr>
@@ -21367,7 +20959,7 @@
           <p:cNvPr id="15" name="슬라이드 번호 개체 틀 3">
             <a:extLst>
               <a:ext uri="{FF2B5EF4-FFF2-40B4-BE49-F238E27FC236}">
-                <a16:creationId xmlns="" xmlns:a16="http://schemas.microsoft.com/office/drawing/2014/main" id="{4413EFBF-3FCD-4D75-807F-6527E708E6C2}"/>
+                <a16:creationId xmlns:a16="http://schemas.microsoft.com/office/drawing/2014/main" id="{4413EFBF-3FCD-4D75-807F-6527E708E6C2}"/>
               </a:ext>
             </a:extLst>
           </p:cNvPr>
@@ -21499,7 +21091,7 @@
           <p:cNvPr id="2" name="제목 1">
             <a:extLst>
               <a:ext uri="{FF2B5EF4-FFF2-40B4-BE49-F238E27FC236}">
-                <a16:creationId xmlns="" xmlns:a16="http://schemas.microsoft.com/office/drawing/2014/main" id="{1772E769-8912-421D-8154-14DF4C253CCD}"/>
+                <a16:creationId xmlns:a16="http://schemas.microsoft.com/office/drawing/2014/main" id="{1772E769-8912-421D-8154-14DF4C253CCD}"/>
               </a:ext>
             </a:extLst>
           </p:cNvPr>
@@ -21590,7 +21182,7 @@
           <p:cNvPr id="4" name="부제목 3">
             <a:extLst>
               <a:ext uri="{FF2B5EF4-FFF2-40B4-BE49-F238E27FC236}">
-                <a16:creationId xmlns="" xmlns:a16="http://schemas.microsoft.com/office/drawing/2014/main" id="{F8129F98-56B5-4E0B-A242-C6F75CE43D38}"/>
+                <a16:creationId xmlns:a16="http://schemas.microsoft.com/office/drawing/2014/main" id="{F8129F98-56B5-4E0B-A242-C6F75CE43D38}"/>
               </a:ext>
             </a:extLst>
           </p:cNvPr>
@@ -21701,7 +21293,7 @@
           <p:cNvPr id="8" name="텍스트 개체 틀 7">
             <a:extLst>
               <a:ext uri="{FF2B5EF4-FFF2-40B4-BE49-F238E27FC236}">
-                <a16:creationId xmlns="" xmlns:a16="http://schemas.microsoft.com/office/drawing/2014/main" id="{2E208BD1-DA3A-440C-BAA8-8A3A24DA24F6}"/>
+                <a16:creationId xmlns:a16="http://schemas.microsoft.com/office/drawing/2014/main" id="{2E208BD1-DA3A-440C-BAA8-8A3A24DA24F6}"/>
               </a:ext>
             </a:extLst>
           </p:cNvPr>
@@ -21729,7 +21321,7 @@
           <p:cNvPr id="13" name="텍스트 개체 틀 7">
             <a:extLst>
               <a:ext uri="{FF2B5EF4-FFF2-40B4-BE49-F238E27FC236}">
-                <a16:creationId xmlns="" xmlns:a16="http://schemas.microsoft.com/office/drawing/2014/main" id="{E4712E7B-275C-4E91-B4F6-F77FF3DFC65F}"/>
+                <a16:creationId xmlns:a16="http://schemas.microsoft.com/office/drawing/2014/main" id="{E4712E7B-275C-4E91-B4F6-F77FF3DFC65F}"/>
               </a:ext>
             </a:extLst>
           </p:cNvPr>
@@ -21934,7 +21526,7 @@
           <p:cNvPr id="9" name="텍스트 개체 틀 7">
             <a:extLst>
               <a:ext uri="{FF2B5EF4-FFF2-40B4-BE49-F238E27FC236}">
-                <a16:creationId xmlns="" xmlns:a16="http://schemas.microsoft.com/office/drawing/2014/main" id="{7F75F380-C0E6-45A1-A0BB-0FFFC339A5F2}"/>
+                <a16:creationId xmlns:a16="http://schemas.microsoft.com/office/drawing/2014/main" id="{7F75F380-C0E6-45A1-A0BB-0FFFC339A5F2}"/>
               </a:ext>
             </a:extLst>
           </p:cNvPr>
@@ -22144,7 +21736,7 @@
           <p:cNvPr id="10" name="슬라이드 번호 개체 틀 3">
             <a:extLst>
               <a:ext uri="{FF2B5EF4-FFF2-40B4-BE49-F238E27FC236}">
-                <a16:creationId xmlns="" xmlns:a16="http://schemas.microsoft.com/office/drawing/2014/main" id="{F2D5D29C-6727-4527-AADA-B59895CE75E3}"/>
+                <a16:creationId xmlns:a16="http://schemas.microsoft.com/office/drawing/2014/main" id="{F2D5D29C-6727-4527-AADA-B59895CE75E3}"/>
               </a:ext>
             </a:extLst>
           </p:cNvPr>
@@ -22276,7 +21868,7 @@
           <p:cNvPr id="2" name="제목 1">
             <a:extLst>
               <a:ext uri="{FF2B5EF4-FFF2-40B4-BE49-F238E27FC236}">
-                <a16:creationId xmlns="" xmlns:a16="http://schemas.microsoft.com/office/drawing/2014/main" id="{1772E769-8912-421D-8154-14DF4C253CCD}"/>
+                <a16:creationId xmlns:a16="http://schemas.microsoft.com/office/drawing/2014/main" id="{1772E769-8912-421D-8154-14DF4C253CCD}"/>
               </a:ext>
             </a:extLst>
           </p:cNvPr>
@@ -22316,7 +21908,7 @@
               <a:t> 웹페이지 구조 </a:t>
             </a:r>
             <a:r>
-              <a:rPr lang="en-US" altLang="ko-KR" b="1" dirty="0" smtClean="0">
+              <a:rPr lang="en-US" altLang="ko-KR" b="1" dirty="0">
                 <a:solidFill>
                   <a:srgbClr val="2AB9C7"/>
                 </a:solidFill>
@@ -22326,28 +21918,11 @@
               <a:t>(</a:t>
             </a:r>
             <a:r>
-              <a:rPr lang="ko-KR" altLang="en-US" dirty="0" smtClean="0">
-                <a:latin typeface="맑은 고딕" panose="020B0503020000020004" pitchFamily="50" charset="-127"/>
-                <a:ea typeface="맑은 고딕" panose="020B0503020000020004" pitchFamily="50" charset="-127"/>
-              </a:rPr>
-              <a:t>메</a:t>
-            </a:r>
-            <a:r>
               <a:rPr lang="ko-KR" altLang="en-US" dirty="0">
                 <a:latin typeface="맑은 고딕" panose="020B0503020000020004" pitchFamily="50" charset="-127"/>
                 <a:ea typeface="맑은 고딕" panose="020B0503020000020004" pitchFamily="50" charset="-127"/>
               </a:rPr>
-              <a:t>인</a:t>
-            </a:r>
-            <a:r>
-              <a:rPr lang="ko-KR" altLang="en-US" b="1" dirty="0" smtClean="0">
-                <a:solidFill>
-                  <a:srgbClr val="2AB9C7"/>
-                </a:solidFill>
-                <a:latin typeface="맑은 고딕" panose="020B0503020000020004" pitchFamily="50" charset="-127"/>
-                <a:ea typeface="맑은 고딕" panose="020B0503020000020004" pitchFamily="50" charset="-127"/>
-              </a:rPr>
-              <a:t> </a:t>
+              <a:t>메인</a:t>
             </a:r>
             <a:r>
               <a:rPr lang="ko-KR" altLang="en-US" b="1" dirty="0">
@@ -22357,10 +21932,10 @@
                 <a:latin typeface="맑은 고딕" panose="020B0503020000020004" pitchFamily="50" charset="-127"/>
                 <a:ea typeface="맑은 고딕" panose="020B0503020000020004" pitchFamily="50" charset="-127"/>
               </a:rPr>
-              <a:t>페이지 구성</a:t>
+              <a:t> 페이지 구성</a:t>
             </a:r>
             <a:r>
-              <a:rPr lang="en-US" altLang="ko-KR" b="1" dirty="0" smtClean="0">
+              <a:rPr lang="en-US" altLang="ko-KR" b="1" dirty="0">
                 <a:solidFill>
                   <a:srgbClr val="2AB9C7"/>
                 </a:solidFill>
@@ -22384,7 +21959,7 @@
           <p:cNvPr id="4" name="부제목 3">
             <a:extLst>
               <a:ext uri="{FF2B5EF4-FFF2-40B4-BE49-F238E27FC236}">
-                <a16:creationId xmlns="" xmlns:a16="http://schemas.microsoft.com/office/drawing/2014/main" id="{F8129F98-56B5-4E0B-A242-C6F75CE43D38}"/>
+                <a16:creationId xmlns:a16="http://schemas.microsoft.com/office/drawing/2014/main" id="{F8129F98-56B5-4E0B-A242-C6F75CE43D38}"/>
               </a:ext>
             </a:extLst>
           </p:cNvPr>
@@ -22495,7 +22070,7 @@
           <p:cNvPr id="8" name="텍스트 개체 틀 7">
             <a:extLst>
               <a:ext uri="{FF2B5EF4-FFF2-40B4-BE49-F238E27FC236}">
-                <a16:creationId xmlns="" xmlns:a16="http://schemas.microsoft.com/office/drawing/2014/main" id="{2E208BD1-DA3A-440C-BAA8-8A3A24DA24F6}"/>
+                <a16:creationId xmlns:a16="http://schemas.microsoft.com/office/drawing/2014/main" id="{2E208BD1-DA3A-440C-BAA8-8A3A24DA24F6}"/>
               </a:ext>
             </a:extLst>
           </p:cNvPr>
@@ -22528,7 +22103,7 @@
           <p:cNvPr id="13" name="텍스트 개체 틀 7">
             <a:extLst>
               <a:ext uri="{FF2B5EF4-FFF2-40B4-BE49-F238E27FC236}">
-                <a16:creationId xmlns="" xmlns:a16="http://schemas.microsoft.com/office/drawing/2014/main" id="{E4712E7B-275C-4E91-B4F6-F77FF3DFC65F}"/>
+                <a16:creationId xmlns:a16="http://schemas.microsoft.com/office/drawing/2014/main" id="{E4712E7B-275C-4E91-B4F6-F77FF3DFC65F}"/>
               </a:ext>
             </a:extLst>
           </p:cNvPr>
@@ -22733,7 +22308,7 @@
           <p:cNvPr id="7" name="텍스트 개체 틀 7">
             <a:extLst>
               <a:ext uri="{FF2B5EF4-FFF2-40B4-BE49-F238E27FC236}">
-                <a16:creationId xmlns="" xmlns:a16="http://schemas.microsoft.com/office/drawing/2014/main" id="{74386ABC-1706-44B6-A06D-8CAEF21B52F4}"/>
+                <a16:creationId xmlns:a16="http://schemas.microsoft.com/office/drawing/2014/main" id="{74386ABC-1706-44B6-A06D-8CAEF21B52F4}"/>
               </a:ext>
             </a:extLst>
           </p:cNvPr>
@@ -22939,7 +22514,7 @@
           <p:cNvPr id="9" name="슬라이드 번호 개체 틀 3">
             <a:extLst>
               <a:ext uri="{FF2B5EF4-FFF2-40B4-BE49-F238E27FC236}">
-                <a16:creationId xmlns="" xmlns:a16="http://schemas.microsoft.com/office/drawing/2014/main" id="{C5CA1C03-473D-4DA8-B38E-D3428CEBE2D9}"/>
+                <a16:creationId xmlns:a16="http://schemas.microsoft.com/office/drawing/2014/main" id="{C5CA1C03-473D-4DA8-B38E-D3428CEBE2D9}"/>
               </a:ext>
             </a:extLst>
           </p:cNvPr>
@@ -23071,7 +22646,7 @@
           <p:cNvPr id="8" name="제목 7">
             <a:extLst>
               <a:ext uri="{FF2B5EF4-FFF2-40B4-BE49-F238E27FC236}">
-                <a16:creationId xmlns="" xmlns:a16="http://schemas.microsoft.com/office/drawing/2014/main" id="{6A45E90B-5A18-434F-A29D-960246C96273}"/>
+                <a16:creationId xmlns:a16="http://schemas.microsoft.com/office/drawing/2014/main" id="{6A45E90B-5A18-434F-A29D-960246C96273}"/>
               </a:ext>
             </a:extLst>
           </p:cNvPr>
@@ -23128,16 +22703,6 @@
               </a:rPr>
             </a:br>
             <a:r>
-              <a:rPr lang="ko-KR" altLang="en-US" b="1" dirty="0" err="1" smtClean="0">
-                <a:solidFill>
-                  <a:srgbClr val="2AB9C7"/>
-                </a:solidFill>
-                <a:latin typeface="맑은 고딕" panose="020B0503020000020004" pitchFamily="50" charset="-127"/>
-                <a:ea typeface="맑은 고딕" panose="020B0503020000020004" pitchFamily="50" charset="-127"/>
-              </a:rPr>
-              <a:t>포르</a:t>
-            </a:r>
-            <a:r>
               <a:rPr lang="ko-KR" altLang="en-US" b="1" dirty="0" err="1">
                 <a:solidFill>
                   <a:srgbClr val="2AB9C7"/>
@@ -23145,10 +22710,10 @@
                 <a:latin typeface="맑은 고딕" panose="020B0503020000020004" pitchFamily="50" charset="-127"/>
                 <a:ea typeface="맑은 고딕" panose="020B0503020000020004" pitchFamily="50" charset="-127"/>
               </a:rPr>
-              <a:t>미</a:t>
+              <a:t>포르미</a:t>
             </a:r>
             <a:r>
-              <a:rPr lang="en-US" altLang="ko-KR" b="1" dirty="0" smtClean="0">
+              <a:rPr lang="en-US" altLang="ko-KR" b="1" dirty="0">
                 <a:solidFill>
                   <a:srgbClr val="2AB9C7"/>
                 </a:solidFill>
@@ -23175,7 +22740,7 @@
           <p:cNvPr id="9" name="부제목 8">
             <a:extLst>
               <a:ext uri="{FF2B5EF4-FFF2-40B4-BE49-F238E27FC236}">
-                <a16:creationId xmlns="" xmlns:a16="http://schemas.microsoft.com/office/drawing/2014/main" id="{826E8117-68C5-48E7-8065-0F8F53C07A80}"/>
+                <a16:creationId xmlns:a16="http://schemas.microsoft.com/office/drawing/2014/main" id="{826E8117-68C5-48E7-8065-0F8F53C07A80}"/>
               </a:ext>
             </a:extLst>
           </p:cNvPr>
@@ -23291,18 +22856,6 @@
               <a:t>: </a:t>
             </a:r>
             <a:r>
-              <a:rPr lang="ko-KR" altLang="en-US" sz="1800" dirty="0" smtClean="0">
-                <a:solidFill>
-                  <a:prstClr val="white">
-                    <a:lumMod val="50000"/>
-                  </a:prstClr>
-                </a:solidFill>
-                <a:latin typeface="맑은 고딕" panose="020B0503020000020004" pitchFamily="50" charset="-127"/>
-                <a:ea typeface="맑은 고딕" panose="020B0503020000020004" pitchFamily="50" charset="-127"/>
-              </a:rPr>
-              <a:t>최연</a:t>
-            </a:r>
-            <a:r>
               <a:rPr lang="ko-KR" altLang="en-US" sz="1800" dirty="0">
                 <a:solidFill>
                   <a:prstClr val="white">
@@ -23312,10 +22865,10 @@
                 <a:latin typeface="맑은 고딕" panose="020B0503020000020004" pitchFamily="50" charset="-127"/>
                 <a:ea typeface="맑은 고딕" panose="020B0503020000020004" pitchFamily="50" charset="-127"/>
               </a:rPr>
-              <a:t>우</a:t>
+              <a:t>최연우</a:t>
             </a:r>
             <a:r>
-              <a:rPr lang="en-US" altLang="ko-KR" sz="1800" dirty="0" smtClean="0">
+              <a:rPr lang="en-US" altLang="ko-KR" sz="1800" dirty="0">
                 <a:solidFill>
                   <a:prstClr val="white">
                     <a:lumMod val="50000"/>
@@ -23373,7 +22926,7 @@
           <p:cNvPr id="10" name="제목 9">
             <a:extLst>
               <a:ext uri="{FF2B5EF4-FFF2-40B4-BE49-F238E27FC236}">
-                <a16:creationId xmlns="" xmlns:a16="http://schemas.microsoft.com/office/drawing/2014/main" id="{00114E22-05B0-4F11-9165-EF5370DAA49E}"/>
+                <a16:creationId xmlns:a16="http://schemas.microsoft.com/office/drawing/2014/main" id="{00114E22-05B0-4F11-9165-EF5370DAA49E}"/>
               </a:ext>
             </a:extLst>
           </p:cNvPr>
@@ -23430,7 +22983,7 @@
           <p:cNvPr id="11" name="부제목 10">
             <a:extLst>
               <a:ext uri="{FF2B5EF4-FFF2-40B4-BE49-F238E27FC236}">
-                <a16:creationId xmlns="" xmlns:a16="http://schemas.microsoft.com/office/drawing/2014/main" id="{5FE216CF-07F7-4B7E-AC30-B0D3F14EC160}"/>
+                <a16:creationId xmlns:a16="http://schemas.microsoft.com/office/drawing/2014/main" id="{5FE216CF-07F7-4B7E-AC30-B0D3F14EC160}"/>
               </a:ext>
             </a:extLst>
           </p:cNvPr>
@@ -23478,7 +23031,7 @@
           <p:cNvPr id="12" name="텍스트 개체 틀 11">
             <a:extLst>
               <a:ext uri="{FF2B5EF4-FFF2-40B4-BE49-F238E27FC236}">
-                <a16:creationId xmlns="" xmlns:a16="http://schemas.microsoft.com/office/drawing/2014/main" id="{590E3906-C977-4C9A-BD0A-220D7B76FBED}"/>
+                <a16:creationId xmlns:a16="http://schemas.microsoft.com/office/drawing/2014/main" id="{590E3906-C977-4C9A-BD0A-220D7B76FBED}"/>
               </a:ext>
             </a:extLst>
           </p:cNvPr>
@@ -23521,18 +23074,6 @@
               <a:t>: </a:t>
             </a:r>
             <a:r>
-              <a:rPr lang="ko-KR" altLang="en-US" dirty="0" smtClean="0">
-                <a:solidFill>
-                  <a:schemeClr val="tx2">
-                    <a:lumMod val="75000"/>
-                  </a:schemeClr>
-                </a:solidFill>
-                <a:latin typeface="맑은 고딕" panose="020B0503020000020004" pitchFamily="50" charset="-127"/>
-                <a:ea typeface="맑은 고딕" panose="020B0503020000020004" pitchFamily="50" charset="-127"/>
-              </a:rPr>
-              <a:t>최연</a:t>
-            </a:r>
-            <a:r>
               <a:rPr lang="ko-KR" altLang="en-US" dirty="0">
                 <a:solidFill>
                   <a:schemeClr val="tx2">
@@ -23542,7 +23083,7 @@
                 <a:latin typeface="맑은 고딕" panose="020B0503020000020004" pitchFamily="50" charset="-127"/>
                 <a:ea typeface="맑은 고딕" panose="020B0503020000020004" pitchFamily="50" charset="-127"/>
               </a:rPr>
-              <a:t>우</a:t>
+              <a:t>최연우</a:t>
             </a:r>
             <a:endParaRPr lang="en-US" altLang="ko-KR" dirty="0">
               <a:solidFill>
@@ -23602,7 +23143,7 @@
           <p:cNvPr id="5" name="다이어그램 4">
             <a:extLst>
               <a:ext uri="{FF2B5EF4-FFF2-40B4-BE49-F238E27FC236}">
-                <a16:creationId xmlns="" xmlns:a16="http://schemas.microsoft.com/office/drawing/2014/main" id="{9975EFEE-8E82-4F16-91E4-FFAF9E185D13}"/>
+                <a16:creationId xmlns:a16="http://schemas.microsoft.com/office/drawing/2014/main" id="{9975EFEE-8E82-4F16-91E4-FFAF9E185D13}"/>
               </a:ext>
             </a:extLst>
           </p:cNvPr>
@@ -23630,7 +23171,7 @@
           <p:cNvPr id="28" name="슬라이드 번호 개체 틀 3">
             <a:extLst>
               <a:ext uri="{FF2B5EF4-FFF2-40B4-BE49-F238E27FC236}">
-                <a16:creationId xmlns="" xmlns:a16="http://schemas.microsoft.com/office/drawing/2014/main" id="{2F95D403-F75F-495B-A2AA-653BD5570B39}"/>
+                <a16:creationId xmlns:a16="http://schemas.microsoft.com/office/drawing/2014/main" id="{2F95D403-F75F-495B-A2AA-653BD5570B39}"/>
               </a:ext>
             </a:extLst>
           </p:cNvPr>
@@ -23708,7 +23249,7 @@
           <p:cNvPr id="10" name="제목 9">
             <a:extLst>
               <a:ext uri="{FF2B5EF4-FFF2-40B4-BE49-F238E27FC236}">
-                <a16:creationId xmlns="" xmlns:a16="http://schemas.microsoft.com/office/drawing/2014/main" id="{00114E22-05B0-4F11-9165-EF5370DAA49E}"/>
+                <a16:creationId xmlns:a16="http://schemas.microsoft.com/office/drawing/2014/main" id="{00114E22-05B0-4F11-9165-EF5370DAA49E}"/>
               </a:ext>
             </a:extLst>
           </p:cNvPr>
@@ -23765,7 +23306,7 @@
           <p:cNvPr id="13" name="부제목 10">
             <a:extLst>
               <a:ext uri="{FF2B5EF4-FFF2-40B4-BE49-F238E27FC236}">
-                <a16:creationId xmlns="" xmlns:a16="http://schemas.microsoft.com/office/drawing/2014/main" id="{31AF4B42-67FD-497A-8B69-2D617C48B5A0}"/>
+                <a16:creationId xmlns:a16="http://schemas.microsoft.com/office/drawing/2014/main" id="{31AF4B42-67FD-497A-8B69-2D617C48B5A0}"/>
               </a:ext>
             </a:extLst>
           </p:cNvPr>
@@ -23813,7 +23354,7 @@
           <p:cNvPr id="15" name="텍스트 개체 틀 11">
             <a:extLst>
               <a:ext uri="{FF2B5EF4-FFF2-40B4-BE49-F238E27FC236}">
-                <a16:creationId xmlns="" xmlns:a16="http://schemas.microsoft.com/office/drawing/2014/main" id="{ACAA3CF1-0A72-4BD4-BE85-4576D696073F}"/>
+                <a16:creationId xmlns:a16="http://schemas.microsoft.com/office/drawing/2014/main" id="{ACAA3CF1-0A72-4BD4-BE85-4576D696073F}"/>
               </a:ext>
             </a:extLst>
           </p:cNvPr>
@@ -23876,7 +23417,7 @@
           <p:cNvPr id="5" name="다이어그램 4">
             <a:extLst>
               <a:ext uri="{FF2B5EF4-FFF2-40B4-BE49-F238E27FC236}">
-                <a16:creationId xmlns="" xmlns:a16="http://schemas.microsoft.com/office/drawing/2014/main" id="{9975EFEE-8E82-4F16-91E4-FFAF9E185D13}"/>
+                <a16:creationId xmlns:a16="http://schemas.microsoft.com/office/drawing/2014/main" id="{9975EFEE-8E82-4F16-91E4-FFAF9E185D13}"/>
               </a:ext>
             </a:extLst>
           </p:cNvPr>
@@ -23884,7 +23425,7 @@
           <p:nvPr>
             <p:extLst>
               <p:ext uri="{D42A27DB-BD31-4B8C-83A1-F6EECF244321}">
-                <p14:modId xmlns:p14="http://schemas.microsoft.com/office/powerpoint/2010/main" val="3068297160"/>
+                <p14:modId xmlns:p14="http://schemas.microsoft.com/office/powerpoint/2010/main" val="150596151"/>
               </p:ext>
             </p:extLst>
           </p:nvPr>
@@ -23904,7 +23445,7 @@
           <p:cNvPr id="18" name="슬라이드 번호 개체 틀 3">
             <a:extLst>
               <a:ext uri="{FF2B5EF4-FFF2-40B4-BE49-F238E27FC236}">
-                <a16:creationId xmlns="" xmlns:a16="http://schemas.microsoft.com/office/drawing/2014/main" id="{DA1CF686-3156-48C9-8A00-A7C4152717C0}"/>
+                <a16:creationId xmlns:a16="http://schemas.microsoft.com/office/drawing/2014/main" id="{DA1CF686-3156-48C9-8A00-A7C4152717C0}"/>
               </a:ext>
             </a:extLst>
           </p:cNvPr>
@@ -23982,7 +23523,7 @@
           <p:cNvPr id="10" name="제목 9">
             <a:extLst>
               <a:ext uri="{FF2B5EF4-FFF2-40B4-BE49-F238E27FC236}">
-                <a16:creationId xmlns="" xmlns:a16="http://schemas.microsoft.com/office/drawing/2014/main" id="{00114E22-05B0-4F11-9165-EF5370DAA49E}"/>
+                <a16:creationId xmlns:a16="http://schemas.microsoft.com/office/drawing/2014/main" id="{00114E22-05B0-4F11-9165-EF5370DAA49E}"/>
               </a:ext>
             </a:extLst>
           </p:cNvPr>
@@ -24029,7 +23570,7 @@
           <p:cNvPr id="11" name="부제목 10">
             <a:extLst>
               <a:ext uri="{FF2B5EF4-FFF2-40B4-BE49-F238E27FC236}">
-                <a16:creationId xmlns="" xmlns:a16="http://schemas.microsoft.com/office/drawing/2014/main" id="{5FE216CF-07F7-4B7E-AC30-B0D3F14EC160}"/>
+                <a16:creationId xmlns:a16="http://schemas.microsoft.com/office/drawing/2014/main" id="{5FE216CF-07F7-4B7E-AC30-B0D3F14EC160}"/>
               </a:ext>
             </a:extLst>
           </p:cNvPr>
@@ -24061,7 +23602,7 @@
           <p:cNvPr id="12" name="텍스트 개체 틀 11">
             <a:extLst>
               <a:ext uri="{FF2B5EF4-FFF2-40B4-BE49-F238E27FC236}">
-                <a16:creationId xmlns="" xmlns:a16="http://schemas.microsoft.com/office/drawing/2014/main" id="{590E3906-C977-4C9A-BD0A-220D7B76FBED}"/>
+                <a16:creationId xmlns:a16="http://schemas.microsoft.com/office/drawing/2014/main" id="{590E3906-C977-4C9A-BD0A-220D7B76FBED}"/>
               </a:ext>
             </a:extLst>
           </p:cNvPr>
@@ -24243,7 +23784,7 @@
           <p:cNvPr id="2" name="표 3">
             <a:extLst>
               <a:ext uri="{FF2B5EF4-FFF2-40B4-BE49-F238E27FC236}">
-                <a16:creationId xmlns="" xmlns:a16="http://schemas.microsoft.com/office/drawing/2014/main" id="{27173BAA-C01C-4232-8275-5B4A43CAFB74}"/>
+                <a16:creationId xmlns:a16="http://schemas.microsoft.com/office/drawing/2014/main" id="{27173BAA-C01C-4232-8275-5B4A43CAFB74}"/>
               </a:ext>
             </a:extLst>
           </p:cNvPr>
@@ -24270,21 +23811,21 @@
                 <a:gridCol w="550780">
                   <a:extLst>
                     <a:ext uri="{9D8B030D-6E8A-4147-A177-3AD203B41FA5}">
-                      <a16:colId xmlns="" xmlns:a16="http://schemas.microsoft.com/office/drawing/2014/main" val="1239036185"/>
+                      <a16:colId xmlns:a16="http://schemas.microsoft.com/office/drawing/2014/main" val="1239036185"/>
                     </a:ext>
                   </a:extLst>
                 </a:gridCol>
                 <a:gridCol w="4320071">
                   <a:extLst>
                     <a:ext uri="{9D8B030D-6E8A-4147-A177-3AD203B41FA5}">
-                      <a16:colId xmlns="" xmlns:a16="http://schemas.microsoft.com/office/drawing/2014/main" val="1467418087"/>
+                      <a16:colId xmlns:a16="http://schemas.microsoft.com/office/drawing/2014/main" val="1467418087"/>
                     </a:ext>
                   </a:extLst>
                 </a:gridCol>
                 <a:gridCol w="4320071">
                   <a:extLst>
                     <a:ext uri="{9D8B030D-6E8A-4147-A177-3AD203B41FA5}">
-                      <a16:colId xmlns="" xmlns:a16="http://schemas.microsoft.com/office/drawing/2014/main" val="2305120630"/>
+                      <a16:colId xmlns:a16="http://schemas.microsoft.com/office/drawing/2014/main" val="2305120630"/>
                     </a:ext>
                   </a:extLst>
                 </a:gridCol>
@@ -24496,7 +24037,7 @@
                 </a:tc>
                 <a:extLst>
                   <a:ext uri="{0D108BD9-81ED-4DB2-BD59-A6C34878D82A}">
-                    <a16:rowId xmlns="" xmlns:a16="http://schemas.microsoft.com/office/drawing/2014/main" val="673338101"/>
+                    <a16:rowId xmlns:a16="http://schemas.microsoft.com/office/drawing/2014/main" val="673338101"/>
                   </a:ext>
                 </a:extLst>
               </a:tr>
@@ -24577,7 +24118,7 @@
                     <a:p>
                       <a:pPr latinLnBrk="1"/>
                       <a:r>
-                        <a:rPr lang="ko-KR" altLang="en-US" sz="1200" b="1" dirty="0" smtClean="0">
+                        <a:rPr lang="ko-KR" altLang="en-US" sz="1200" b="1" dirty="0">
                           <a:solidFill>
                             <a:schemeClr val="tx1">
                               <a:lumMod val="75000"/>
@@ -24587,7 +24128,7 @@
                         </a:rPr>
                         <a:t>강점</a:t>
                       </a:r>
-                      <a:endParaRPr lang="en-US" altLang="ko-KR" sz="1200" b="1" dirty="0" smtClean="0">
+                      <a:endParaRPr lang="en-US" altLang="ko-KR" sz="1200" b="1" dirty="0">
                         <a:solidFill>
                           <a:schemeClr val="tx1">
                             <a:lumMod val="75000"/>
@@ -24598,7 +24139,7 @@
                     </a:p>
                     <a:p>
                       <a:pPr latinLnBrk="1"/>
-                      <a:endParaRPr lang="en-US" altLang="ko-KR" sz="1200" b="1" dirty="0" smtClean="0">
+                      <a:endParaRPr lang="en-US" altLang="ko-KR" sz="1200" b="1" dirty="0">
                         <a:solidFill>
                           <a:schemeClr val="tx1">
                             <a:lumMod val="75000"/>
@@ -24610,7 +24151,7 @@
                     <a:p>
                       <a:pPr latinLnBrk="1"/>
                       <a:r>
-                        <a:rPr lang="en-US" altLang="ko-KR" sz="1200" dirty="0" smtClean="0">
+                        <a:rPr lang="en-US" altLang="ko-KR" sz="1200" dirty="0">
                           <a:solidFill>
                             <a:schemeClr val="tx1">
                               <a:lumMod val="75000"/>
@@ -24621,7 +24162,7 @@
                         <a:t>-</a:t>
                       </a:r>
                       <a:r>
-                        <a:rPr lang="ko-KR" altLang="en-US" sz="1200" dirty="0" smtClean="0">
+                        <a:rPr lang="ko-KR" altLang="en-US" sz="1200" dirty="0">
                           <a:solidFill>
                             <a:schemeClr val="tx1">
                               <a:lumMod val="75000"/>
@@ -24632,7 +24173,7 @@
                         <a:t>간단히 먹을 수 있어 바쁜 현대사회인들에게 </a:t>
                       </a:r>
                       <a:r>
-                        <a:rPr lang="ko-KR" altLang="en-US" sz="1200" baseline="0" dirty="0" err="1" smtClean="0">
+                        <a:rPr lang="ko-KR" altLang="en-US" sz="1200" baseline="0" dirty="0" err="1">
                           <a:solidFill>
                             <a:schemeClr val="tx1">
                               <a:lumMod val="75000"/>
@@ -24643,7 +24184,7 @@
                         <a:t>접근성</a:t>
                       </a:r>
                       <a:r>
-                        <a:rPr lang="ko-KR" altLang="en-US" sz="1200" baseline="0" dirty="0" smtClean="0">
+                        <a:rPr lang="ko-KR" altLang="en-US" sz="1200" baseline="0" dirty="0">
                           <a:solidFill>
                             <a:schemeClr val="tx1">
                               <a:lumMod val="75000"/>
@@ -24654,7 +24195,7 @@
                         <a:t> 좋음</a:t>
                       </a:r>
                       <a:r>
-                        <a:rPr lang="en-US" altLang="ko-KR" sz="1200" baseline="0" dirty="0" smtClean="0">
+                        <a:rPr lang="en-US" altLang="ko-KR" sz="1200" baseline="0" dirty="0">
                           <a:solidFill>
                             <a:schemeClr val="tx1">
                               <a:lumMod val="75000"/>
@@ -24664,7 +24205,7 @@
                         </a:rPr>
                         <a:t>.</a:t>
                       </a:r>
-                      <a:endParaRPr lang="en-US" altLang="ko-KR" sz="1200" dirty="0" smtClean="0">
+                      <a:endParaRPr lang="en-US" altLang="ko-KR" sz="1200" dirty="0">
                         <a:solidFill>
                           <a:schemeClr val="tx1">
                             <a:lumMod val="75000"/>
@@ -24676,7 +24217,7 @@
                     <a:p>
                       <a:pPr latinLnBrk="1"/>
                       <a:r>
-                        <a:rPr lang="en-US" altLang="ko-KR" sz="1200" dirty="0" smtClean="0">
+                        <a:rPr lang="en-US" altLang="ko-KR" sz="1200" dirty="0">
                           <a:solidFill>
                             <a:schemeClr val="tx1">
                               <a:lumMod val="75000"/>
@@ -24687,7 +24228,7 @@
                         <a:t>-</a:t>
                       </a:r>
                       <a:r>
-                        <a:rPr lang="ko-KR" altLang="en-US" sz="1200" dirty="0" smtClean="0">
+                        <a:rPr lang="ko-KR" altLang="en-US" sz="1200" dirty="0">
                           <a:solidFill>
                             <a:schemeClr val="tx1">
                               <a:lumMod val="75000"/>
@@ -24698,7 +24239,7 @@
                         <a:t>칼로리부터 양까지</a:t>
                       </a:r>
                       <a:r>
-                        <a:rPr lang="en-US" altLang="ko-KR" sz="1200" baseline="0" dirty="0" smtClean="0">
+                        <a:rPr lang="en-US" altLang="ko-KR" sz="1200" baseline="0" dirty="0">
                           <a:solidFill>
                             <a:schemeClr val="tx1">
                               <a:lumMod val="75000"/>
@@ -24709,7 +24250,7 @@
                         <a:t> </a:t>
                       </a:r>
                       <a:r>
-                        <a:rPr lang="ko-KR" altLang="en-US" sz="1200" baseline="0" dirty="0" smtClean="0">
+                        <a:rPr lang="ko-KR" altLang="en-US" sz="1200" baseline="0" dirty="0">
                           <a:solidFill>
                             <a:schemeClr val="tx1">
                               <a:lumMod val="75000"/>
@@ -24719,7 +24260,7 @@
                         </a:rPr>
                         <a:t>맞춤형 식단관리 가능</a:t>
                       </a:r>
-                      <a:endParaRPr lang="en-US" altLang="ko-KR" sz="1200" baseline="0" dirty="0" smtClean="0">
+                      <a:endParaRPr lang="en-US" altLang="ko-KR" sz="1200" baseline="0" dirty="0">
                         <a:solidFill>
                           <a:schemeClr val="tx1">
                             <a:lumMod val="75000"/>
@@ -24731,7 +24272,7 @@
                     <a:p>
                       <a:pPr latinLnBrk="1"/>
                       <a:r>
-                        <a:rPr lang="en-US" altLang="ko-KR" sz="1200" baseline="0" dirty="0" smtClean="0">
+                        <a:rPr lang="en-US" altLang="ko-KR" sz="1200" baseline="0" dirty="0">
                           <a:solidFill>
                             <a:schemeClr val="tx1">
                               <a:lumMod val="75000"/>
@@ -24742,7 +24283,7 @@
                         <a:t>-</a:t>
                       </a:r>
                       <a:r>
-                        <a:rPr lang="ko-KR" altLang="en-US" sz="1200" baseline="0" dirty="0" smtClean="0">
+                        <a:rPr lang="ko-KR" altLang="en-US" sz="1200" baseline="0" dirty="0">
                           <a:solidFill>
                             <a:schemeClr val="tx1">
                               <a:lumMod val="75000"/>
@@ -24752,7 +24293,7 @@
                         </a:rPr>
                         <a:t>다양한 도시락 구성으로 목적과 목표에 맞게 </a:t>
                       </a:r>
-                      <a:endParaRPr lang="en-US" altLang="ko-KR" sz="1200" baseline="0" dirty="0" smtClean="0">
+                      <a:endParaRPr lang="en-US" altLang="ko-KR" sz="1200" baseline="0" dirty="0">
                         <a:solidFill>
                           <a:schemeClr val="tx1">
                             <a:lumMod val="75000"/>
@@ -24764,7 +24305,7 @@
                     <a:p>
                       <a:pPr latinLnBrk="1"/>
                       <a:r>
-                        <a:rPr lang="ko-KR" altLang="en-US" sz="1200" baseline="0" dirty="0" smtClean="0">
+                        <a:rPr lang="ko-KR" altLang="en-US" sz="1200" baseline="0" dirty="0">
                           <a:solidFill>
                             <a:schemeClr val="tx1">
                               <a:lumMod val="75000"/>
@@ -24774,7 +24315,7 @@
                         </a:rPr>
                         <a:t>선택 폭이 넓음</a:t>
                       </a:r>
-                      <a:endParaRPr lang="en-US" altLang="ko-KR" sz="1200" baseline="0" dirty="0" smtClean="0">
+                      <a:endParaRPr lang="en-US" altLang="ko-KR" sz="1200" baseline="0" dirty="0">
                         <a:solidFill>
                           <a:schemeClr val="tx1">
                             <a:lumMod val="75000"/>
@@ -24786,7 +24327,7 @@
                     <a:p>
                       <a:pPr latinLnBrk="1"/>
                       <a:r>
-                        <a:rPr lang="en-US" altLang="ko-KR" sz="1200" baseline="0" dirty="0" smtClean="0">
+                        <a:rPr lang="en-US" altLang="ko-KR" sz="1200" baseline="0" dirty="0">
                           <a:solidFill>
                             <a:schemeClr val="tx1">
                               <a:lumMod val="75000"/>
@@ -24797,7 +24338,7 @@
                         <a:t>-</a:t>
                       </a:r>
                       <a:r>
-                        <a:rPr lang="ko-KR" altLang="en-US" sz="1200" baseline="0" dirty="0" smtClean="0">
+                        <a:rPr lang="ko-KR" altLang="en-US" sz="1200" baseline="0" dirty="0">
                           <a:solidFill>
                             <a:schemeClr val="tx1">
                               <a:lumMod val="75000"/>
@@ -24808,7 +24349,7 @@
                         <a:t>식용유</a:t>
                       </a:r>
                       <a:r>
-                        <a:rPr lang="en-US" altLang="ko-KR" sz="1200" baseline="0" dirty="0" smtClean="0">
+                        <a:rPr lang="en-US" altLang="ko-KR" sz="1200" baseline="0" dirty="0">
                           <a:solidFill>
                             <a:schemeClr val="tx1">
                               <a:lumMod val="75000"/>
@@ -24819,7 +24360,7 @@
                         <a:t>, </a:t>
                       </a:r>
                       <a:r>
-                        <a:rPr lang="ko-KR" altLang="en-US" sz="1200" baseline="0" dirty="0" smtClean="0">
+                        <a:rPr lang="ko-KR" altLang="en-US" sz="1200" baseline="0" dirty="0">
                           <a:solidFill>
                             <a:schemeClr val="tx1">
                               <a:lumMod val="75000"/>
@@ -24830,7 +24371,7 @@
                         <a:t>첨가제 사용이 아닌 참기름으로 지어 특유 냉동 도시락이</a:t>
                       </a:r>
                       <a:r>
-                        <a:rPr lang="en-US" altLang="ko-KR" sz="1200" baseline="0" dirty="0" smtClean="0">
+                        <a:rPr lang="en-US" altLang="ko-KR" sz="1200" baseline="0" dirty="0">
                           <a:solidFill>
                             <a:schemeClr val="tx1">
                               <a:lumMod val="75000"/>
@@ -24841,7 +24382,7 @@
                         <a:t> </a:t>
                       </a:r>
                       <a:r>
-                        <a:rPr lang="ko-KR" altLang="en-US" sz="1200" baseline="0" dirty="0" smtClean="0">
+                        <a:rPr lang="ko-KR" altLang="en-US" sz="1200" baseline="0" dirty="0">
                           <a:solidFill>
                             <a:schemeClr val="tx1">
                               <a:lumMod val="75000"/>
@@ -24852,7 +24393,7 @@
                         <a:t>가지고 있는 단점을 개선</a:t>
                       </a:r>
                       <a:r>
-                        <a:rPr lang="en-US" altLang="ko-KR" sz="1200" baseline="0" dirty="0" smtClean="0">
+                        <a:rPr lang="en-US" altLang="ko-KR" sz="1200" baseline="0" dirty="0">
                           <a:solidFill>
                             <a:schemeClr val="tx1">
                               <a:lumMod val="75000"/>
@@ -24933,7 +24474,7 @@
                     <a:p>
                       <a:pPr latinLnBrk="1"/>
                       <a:r>
-                        <a:rPr lang="ko-KR" altLang="en-US" sz="1200" b="1" dirty="0" smtClean="0">
+                        <a:rPr lang="ko-KR" altLang="en-US" sz="1200" b="1" dirty="0">
                           <a:solidFill>
                             <a:schemeClr val="tx1">
                               <a:lumMod val="75000"/>
@@ -24943,7 +24484,7 @@
                         </a:rPr>
                         <a:t>약점</a:t>
                       </a:r>
-                      <a:endParaRPr lang="en-US" altLang="ko-KR" sz="1200" b="1" dirty="0" smtClean="0">
+                      <a:endParaRPr lang="en-US" altLang="ko-KR" sz="1200" b="1" dirty="0">
                         <a:solidFill>
                           <a:schemeClr val="tx1">
                             <a:lumMod val="75000"/>
@@ -24954,7 +24495,7 @@
                     </a:p>
                     <a:p>
                       <a:pPr latinLnBrk="1"/>
-                      <a:endParaRPr lang="en-US" altLang="ko-KR" sz="1200" dirty="0" smtClean="0">
+                      <a:endParaRPr lang="en-US" altLang="ko-KR" sz="1200" dirty="0">
                         <a:solidFill>
                           <a:schemeClr val="tx1">
                             <a:lumMod val="75000"/>
@@ -24966,7 +24507,7 @@
                     <a:p>
                       <a:pPr latinLnBrk="1"/>
                       <a:r>
-                        <a:rPr lang="en-US" altLang="ko-KR" sz="1200" dirty="0" smtClean="0">
+                        <a:rPr lang="en-US" altLang="ko-KR" sz="1200" dirty="0">
                           <a:solidFill>
                             <a:schemeClr val="tx1">
                               <a:lumMod val="75000"/>
@@ -24977,7 +24518,7 @@
                         <a:t>-</a:t>
                       </a:r>
                       <a:r>
-                        <a:rPr lang="ko-KR" altLang="en-US" sz="1200" dirty="0" smtClean="0">
+                        <a:rPr lang="ko-KR" altLang="en-US" sz="1200" dirty="0">
                           <a:solidFill>
                             <a:schemeClr val="tx1">
                               <a:lumMod val="75000"/>
@@ -24988,7 +24529,7 @@
                         <a:t>다이어트 도시락이라는 타이틀에 맞게 </a:t>
                       </a:r>
                       <a:r>
-                        <a:rPr lang="en-US" altLang="ko-KR" sz="1200" dirty="0" smtClean="0">
+                        <a:rPr lang="en-US" altLang="ko-KR" sz="1200" dirty="0">
                           <a:solidFill>
                             <a:schemeClr val="tx1">
                               <a:lumMod val="75000"/>
@@ -24999,7 +24540,7 @@
                         <a:t>‘</a:t>
                       </a:r>
                       <a:r>
-                        <a:rPr lang="ko-KR" altLang="en-US" sz="1200" dirty="0" err="1" smtClean="0">
+                        <a:rPr lang="ko-KR" altLang="en-US" sz="1200" dirty="0" err="1">
                           <a:solidFill>
                             <a:schemeClr val="tx1">
                               <a:lumMod val="75000"/>
@@ -25010,7 +24551,7 @@
                         <a:t>저염식</a:t>
                       </a:r>
                       <a:r>
-                        <a:rPr lang="en-US" altLang="ko-KR" sz="1200" dirty="0" smtClean="0">
+                        <a:rPr lang="en-US" altLang="ko-KR" sz="1200" dirty="0">
                           <a:solidFill>
                             <a:schemeClr val="tx1">
                               <a:lumMod val="75000"/>
@@ -25021,7 +24562,7 @@
                         <a:t>’ ‘</a:t>
                       </a:r>
                       <a:r>
-                        <a:rPr lang="ko-KR" altLang="en-US" sz="1200" dirty="0" smtClean="0">
+                        <a:rPr lang="ko-KR" altLang="en-US" sz="1200" dirty="0">
                           <a:solidFill>
                             <a:schemeClr val="tx1">
                               <a:lumMod val="75000"/>
@@ -25032,7 +24573,7 @@
                         <a:t>칼로리</a:t>
                       </a:r>
                       <a:r>
-                        <a:rPr lang="en-US" altLang="ko-KR" sz="1200" dirty="0" smtClean="0">
+                        <a:rPr lang="en-US" altLang="ko-KR" sz="1200" dirty="0">
                           <a:solidFill>
                             <a:schemeClr val="tx1">
                               <a:lumMod val="75000"/>
@@ -25043,7 +24584,7 @@
                         <a:t>’</a:t>
                       </a:r>
                       <a:r>
-                        <a:rPr lang="ko-KR" altLang="en-US" sz="1200" dirty="0" smtClean="0">
+                        <a:rPr lang="ko-KR" altLang="en-US" sz="1200" dirty="0">
                           <a:solidFill>
                             <a:schemeClr val="tx1">
                               <a:lumMod val="75000"/>
@@ -25053,7 +24594,7 @@
                         </a:rPr>
                         <a:t>를</a:t>
                       </a:r>
-                      <a:endParaRPr lang="en-US" altLang="ko-KR" sz="1200" dirty="0" smtClean="0">
+                      <a:endParaRPr lang="en-US" altLang="ko-KR" sz="1200" dirty="0">
                         <a:solidFill>
                           <a:schemeClr val="tx1">
                             <a:lumMod val="75000"/>
@@ -25065,7 +24606,7 @@
                     <a:p>
                       <a:pPr latinLnBrk="1"/>
                       <a:r>
-                        <a:rPr lang="ko-KR" altLang="en-US" sz="1200" dirty="0" smtClean="0">
+                        <a:rPr lang="ko-KR" altLang="en-US" sz="1200" dirty="0">
                           <a:solidFill>
                             <a:schemeClr val="tx1">
                               <a:lumMod val="75000"/>
@@ -25076,7 +24617,7 @@
                         <a:t>내세우지만 다소 맛이 부족하다는 평이 있음</a:t>
                       </a:r>
                       <a:r>
-                        <a:rPr lang="en-US" altLang="ko-KR" sz="1200" dirty="0" smtClean="0">
+                        <a:rPr lang="en-US" altLang="ko-KR" sz="1200" dirty="0">
                           <a:solidFill>
                             <a:schemeClr val="tx1">
                               <a:lumMod val="75000"/>
@@ -25090,7 +24631,7 @@
                     <a:p>
                       <a:pPr latinLnBrk="1"/>
                       <a:r>
-                        <a:rPr lang="en-US" altLang="ko-KR" sz="1200" dirty="0" smtClean="0">
+                        <a:rPr lang="en-US" altLang="ko-KR" sz="1200" dirty="0">
                           <a:solidFill>
                             <a:schemeClr val="tx1">
                               <a:lumMod val="75000"/>
@@ -25101,7 +24642,7 @@
                         <a:t>-</a:t>
                       </a:r>
                       <a:r>
-                        <a:rPr lang="ko-KR" altLang="en-US" sz="1200" dirty="0" smtClean="0">
+                        <a:rPr lang="ko-KR" altLang="en-US" sz="1200" dirty="0">
                           <a:solidFill>
                             <a:schemeClr val="tx1">
                               <a:lumMod val="75000"/>
@@ -25111,7 +24652,7 @@
                         </a:rPr>
                         <a:t>도시락 종류는 다양하지만 그 안에 구성이 비슷하다는</a:t>
                       </a:r>
-                      <a:endParaRPr lang="en-US" altLang="ko-KR" sz="1200" dirty="0" smtClean="0">
+                      <a:endParaRPr lang="en-US" altLang="ko-KR" sz="1200" dirty="0">
                         <a:solidFill>
                           <a:schemeClr val="tx1">
                             <a:lumMod val="75000"/>
@@ -25123,7 +24664,7 @@
                     <a:p>
                       <a:pPr latinLnBrk="1"/>
                       <a:r>
-                        <a:rPr lang="ko-KR" altLang="en-US" sz="1200" dirty="0" smtClean="0">
+                        <a:rPr lang="ko-KR" altLang="en-US" sz="1200" dirty="0">
                           <a:solidFill>
                             <a:schemeClr val="tx1">
                               <a:lumMod val="75000"/>
@@ -25134,7 +24675,7 @@
                         <a:t>평이 많음</a:t>
                       </a:r>
                       <a:r>
-                        <a:rPr lang="en-US" altLang="ko-KR" sz="1200" dirty="0" smtClean="0">
+                        <a:rPr lang="en-US" altLang="ko-KR" sz="1200" dirty="0">
                           <a:solidFill>
                             <a:schemeClr val="tx1">
                               <a:lumMod val="75000"/>
@@ -25145,7 +24686,7 @@
                         <a:t>.</a:t>
                       </a:r>
                       <a:r>
-                        <a:rPr lang="ko-KR" altLang="en-US" sz="1200" dirty="0" smtClean="0">
+                        <a:rPr lang="ko-KR" altLang="en-US" sz="1200" dirty="0">
                           <a:solidFill>
                             <a:schemeClr val="tx1">
                               <a:lumMod val="75000"/>
@@ -25155,7 +24696,7 @@
                         </a:rPr>
                         <a:t> </a:t>
                       </a:r>
-                      <a:endParaRPr lang="en-US" altLang="ko-KR" sz="1200" dirty="0" smtClean="0">
+                      <a:endParaRPr lang="en-US" altLang="ko-KR" sz="1200" dirty="0">
                         <a:solidFill>
                           <a:schemeClr val="tx1">
                             <a:lumMod val="75000"/>
@@ -25221,7 +24762,7 @@
                 </a:tc>
                 <a:extLst>
                   <a:ext uri="{0D108BD9-81ED-4DB2-BD59-A6C34878D82A}">
-                    <a16:rowId xmlns="" xmlns:a16="http://schemas.microsoft.com/office/drawing/2014/main" val="2551198109"/>
+                    <a16:rowId xmlns:a16="http://schemas.microsoft.com/office/drawing/2014/main" val="2551198109"/>
                   </a:ext>
                 </a:extLst>
               </a:tr>
@@ -25318,7 +24859,7 @@
                         <a:defRPr/>
                       </a:pPr>
                       <a:r>
-                        <a:rPr lang="ko-KR" altLang="en-US" sz="1200" b="1" dirty="0" smtClean="0">
+                        <a:rPr lang="ko-KR" altLang="en-US" sz="1200" b="1" dirty="0">
                           <a:solidFill>
                             <a:schemeClr val="tx1">
                               <a:lumMod val="75000"/>
@@ -25328,7 +24869,7 @@
                         </a:rPr>
                         <a:t>기회</a:t>
                       </a:r>
-                      <a:endParaRPr lang="en-US" altLang="ko-KR" sz="1200" b="1" dirty="0" smtClean="0">
+                      <a:endParaRPr lang="en-US" altLang="ko-KR" sz="1200" b="1" dirty="0">
                         <a:solidFill>
                           <a:schemeClr val="tx1">
                             <a:lumMod val="75000"/>
@@ -25383,7 +24924,7 @@
                         <a:defRPr/>
                       </a:pPr>
                       <a:r>
-                        <a:rPr lang="en-US" altLang="ko-KR" sz="1200" b="0" dirty="0" smtClean="0">
+                        <a:rPr lang="en-US" altLang="ko-KR" sz="1200" b="0" dirty="0">
                           <a:solidFill>
                             <a:schemeClr val="tx1">
                               <a:lumMod val="75000"/>
@@ -25394,7 +24935,7 @@
                         <a:t>-</a:t>
                       </a:r>
                       <a:r>
-                        <a:rPr lang="ko-KR" altLang="en-US" sz="1200" b="0" dirty="0" smtClean="0">
+                        <a:rPr lang="ko-KR" altLang="en-US" sz="1200" b="0" dirty="0">
                           <a:solidFill>
                             <a:schemeClr val="tx1">
                               <a:lumMod val="75000"/>
@@ -25405,7 +24946,7 @@
                         <a:t>코로나시대 비대면 </a:t>
                       </a:r>
                       <a:r>
-                        <a:rPr lang="ko-KR" altLang="en-US" sz="1200" b="0" dirty="0" err="1" smtClean="0">
+                        <a:rPr lang="ko-KR" altLang="en-US" sz="1200" b="0" dirty="0" err="1">
                           <a:solidFill>
                             <a:schemeClr val="tx1">
                               <a:lumMod val="75000"/>
@@ -25415,7 +24956,7 @@
                         </a:rPr>
                         <a:t>트렌드</a:t>
                       </a:r>
-                      <a:endParaRPr lang="en-US" altLang="ko-KR" sz="1200" b="0" dirty="0" smtClean="0">
+                      <a:endParaRPr lang="en-US" altLang="ko-KR" sz="1200" b="0" dirty="0">
                         <a:solidFill>
                           <a:schemeClr val="tx1">
                             <a:lumMod val="75000"/>
@@ -25443,7 +24984,7 @@
                         <a:defRPr/>
                       </a:pPr>
                       <a:r>
-                        <a:rPr lang="en-US" altLang="ko-KR" sz="1200" b="0" dirty="0" smtClean="0">
+                        <a:rPr lang="en-US" altLang="ko-KR" sz="1200" b="0" dirty="0">
                           <a:solidFill>
                             <a:schemeClr val="tx1">
                               <a:lumMod val="75000"/>
@@ -25454,7 +24995,7 @@
                         <a:t>-</a:t>
                       </a:r>
                       <a:r>
-                        <a:rPr lang="ko-KR" altLang="en-US" sz="1200" b="0" dirty="0" smtClean="0">
+                        <a:rPr lang="ko-KR" altLang="en-US" sz="1200" b="0" dirty="0">
                           <a:solidFill>
                             <a:schemeClr val="tx1">
                               <a:lumMod val="75000"/>
@@ -25465,7 +25006,7 @@
                         <a:t>간편 식품의 뚜렷한 성장세 및 다이어트 </a:t>
                       </a:r>
                       <a:r>
-                        <a:rPr lang="ko-KR" altLang="en-US" sz="1200" b="0" dirty="0" err="1" smtClean="0">
+                        <a:rPr lang="ko-KR" altLang="en-US" sz="1200" b="0" dirty="0" err="1">
                           <a:solidFill>
                             <a:schemeClr val="tx1">
                               <a:lumMod val="75000"/>
@@ -25476,7 +25017,7 @@
                         <a:t>푸드</a:t>
                       </a:r>
                       <a:r>
-                        <a:rPr lang="ko-KR" altLang="en-US" sz="1200" b="0" dirty="0" smtClean="0">
+                        <a:rPr lang="ko-KR" altLang="en-US" sz="1200" b="0" dirty="0">
                           <a:solidFill>
                             <a:schemeClr val="tx1">
                               <a:lumMod val="75000"/>
@@ -25487,7 +25028,7 @@
                         <a:t> </a:t>
                       </a:r>
                       <a:r>
-                        <a:rPr lang="ko-KR" altLang="en-US" sz="1200" b="0" dirty="0" err="1" smtClean="0">
+                        <a:rPr lang="ko-KR" altLang="en-US" sz="1200" b="0" dirty="0" err="1">
                           <a:solidFill>
                             <a:schemeClr val="tx1">
                               <a:lumMod val="75000"/>
@@ -25498,7 +25039,7 @@
                         <a:t>커머스</a:t>
                       </a:r>
                       <a:r>
-                        <a:rPr lang="ko-KR" altLang="en-US" sz="1200" b="0" dirty="0" smtClean="0">
+                        <a:rPr lang="ko-KR" altLang="en-US" sz="1200" b="0" dirty="0">
                           <a:solidFill>
                             <a:schemeClr val="tx1">
                               <a:lumMod val="75000"/>
@@ -25508,7 +25049,7 @@
                         </a:rPr>
                         <a:t> 시장에 확대</a:t>
                       </a:r>
-                      <a:endParaRPr lang="en-US" altLang="ko-KR" sz="1200" b="0" dirty="0" smtClean="0">
+                      <a:endParaRPr lang="en-US" altLang="ko-KR" sz="1200" b="0" dirty="0">
                         <a:solidFill>
                           <a:schemeClr val="tx1">
                             <a:lumMod val="75000"/>
@@ -25536,7 +25077,7 @@
                         <a:defRPr/>
                       </a:pPr>
                       <a:r>
-                        <a:rPr lang="en-US" altLang="ko-KR" sz="1200" b="0" dirty="0" smtClean="0">
+                        <a:rPr lang="en-US" altLang="ko-KR" sz="1200" b="0" dirty="0">
                           <a:solidFill>
                             <a:schemeClr val="tx1">
                               <a:lumMod val="75000"/>
@@ -25547,7 +25088,7 @@
                         <a:t>-1</a:t>
                       </a:r>
                       <a:r>
-                        <a:rPr lang="ko-KR" altLang="en-US" sz="1200" b="0" dirty="0" smtClean="0">
+                        <a:rPr lang="ko-KR" altLang="en-US" sz="1200" b="0" dirty="0">
                           <a:solidFill>
                             <a:schemeClr val="tx1">
                               <a:lumMod val="75000"/>
@@ -25557,7 +25098,7 @@
                         </a:rPr>
                         <a:t>인 가구 증가</a:t>
                       </a:r>
-                      <a:endParaRPr lang="en-US" altLang="ko-KR" sz="1200" b="0" dirty="0" smtClean="0">
+                      <a:endParaRPr lang="en-US" altLang="ko-KR" sz="1200" b="0" dirty="0">
                         <a:solidFill>
                           <a:schemeClr val="tx1">
                             <a:lumMod val="75000"/>
@@ -25644,7 +25185,7 @@
                         <a:defRPr/>
                       </a:pPr>
                       <a:r>
-                        <a:rPr lang="ko-KR" altLang="en-US" sz="1200" b="1" dirty="0" smtClean="0">
+                        <a:rPr lang="ko-KR" altLang="en-US" sz="1200" b="1" dirty="0">
                           <a:solidFill>
                             <a:schemeClr val="tx1">
                               <a:lumMod val="75000"/>
@@ -25654,7 +25195,7 @@
                         </a:rPr>
                         <a:t>위협</a:t>
                       </a:r>
-                      <a:endParaRPr lang="en-US" altLang="ko-KR" sz="1200" b="1" dirty="0" smtClean="0">
+                      <a:endParaRPr lang="en-US" altLang="ko-KR" sz="1200" b="1" dirty="0">
                         <a:solidFill>
                           <a:schemeClr val="tx1">
                             <a:lumMod val="75000"/>
@@ -25681,7 +25222,7 @@
                         <a:tabLst/>
                         <a:defRPr/>
                       </a:pPr>
-                      <a:endParaRPr lang="en-US" altLang="ko-KR" sz="1200" b="1" dirty="0" smtClean="0">
+                      <a:endParaRPr lang="en-US" altLang="ko-KR" sz="1200" b="1" dirty="0">
                         <a:solidFill>
                           <a:schemeClr val="tx1">
                             <a:lumMod val="75000"/>
@@ -25709,7 +25250,7 @@
                         <a:defRPr/>
                       </a:pPr>
                       <a:r>
-                        <a:rPr lang="en-US" altLang="ko-KR" sz="1200" b="0" dirty="0" smtClean="0">
+                        <a:rPr lang="en-US" altLang="ko-KR" sz="1200" b="0" dirty="0">
                           <a:solidFill>
                             <a:schemeClr val="tx1">
                               <a:lumMod val="75000"/>
@@ -25720,7 +25261,7 @@
                         <a:t>-</a:t>
                       </a:r>
                       <a:r>
-                        <a:rPr lang="ko-KR" altLang="en-US" sz="1200" b="0" dirty="0" smtClean="0">
+                        <a:rPr lang="ko-KR" altLang="en-US" sz="1200" b="0" dirty="0">
                           <a:solidFill>
                             <a:schemeClr val="tx1">
                               <a:lumMod val="75000"/>
@@ -25730,7 +25271,7 @@
                         </a:rPr>
                         <a:t>기존 외식업체들의 시장 참가</a:t>
                       </a:r>
-                      <a:endParaRPr lang="en-US" altLang="ko-KR" sz="1200" b="0" dirty="0" smtClean="0">
+                      <a:endParaRPr lang="en-US" altLang="ko-KR" sz="1200" b="0" dirty="0">
                         <a:solidFill>
                           <a:schemeClr val="tx1">
                             <a:lumMod val="75000"/>
@@ -25758,7 +25299,7 @@
                         <a:defRPr/>
                       </a:pPr>
                       <a:r>
-                        <a:rPr lang="en-US" altLang="ko-KR" sz="1200" b="0" dirty="0" smtClean="0">
+                        <a:rPr lang="en-US" altLang="ko-KR" sz="1200" b="0" dirty="0">
                           <a:solidFill>
                             <a:schemeClr val="tx1">
                               <a:lumMod val="75000"/>
@@ -25769,7 +25310,7 @@
                         <a:t>-</a:t>
                       </a:r>
                       <a:r>
-                        <a:rPr lang="ko-KR" altLang="en-US" sz="1200" b="0" dirty="0" smtClean="0">
+                        <a:rPr lang="ko-KR" altLang="en-US" sz="1200" b="0" dirty="0">
                           <a:solidFill>
                             <a:schemeClr val="tx1">
                               <a:lumMod val="75000"/>
@@ -25780,7 +25321,7 @@
                         <a:t>대기업의 다이어트 </a:t>
                       </a:r>
                       <a:r>
-                        <a:rPr lang="ko-KR" altLang="en-US" sz="1200" b="0" dirty="0" err="1" smtClean="0">
+                        <a:rPr lang="ko-KR" altLang="en-US" sz="1200" b="0" dirty="0" err="1">
                           <a:solidFill>
                             <a:schemeClr val="tx1">
                               <a:lumMod val="75000"/>
@@ -25791,7 +25332,7 @@
                         <a:t>푸드</a:t>
                       </a:r>
                       <a:r>
-                        <a:rPr lang="ko-KR" altLang="en-US" sz="1200" b="0" dirty="0" smtClean="0">
+                        <a:rPr lang="ko-KR" altLang="en-US" sz="1200" b="0" dirty="0">
                           <a:solidFill>
                             <a:schemeClr val="tx1">
                               <a:lumMod val="75000"/>
@@ -25801,7 +25342,7 @@
                         </a:rPr>
                         <a:t> 출시</a:t>
                       </a:r>
-                      <a:endParaRPr lang="en-US" altLang="ko-KR" sz="1200" b="0" dirty="0" smtClean="0">
+                      <a:endParaRPr lang="en-US" altLang="ko-KR" sz="1200" b="0" dirty="0">
                         <a:solidFill>
                           <a:schemeClr val="tx1">
                             <a:lumMod val="75000"/>
@@ -25829,7 +25370,7 @@
                         <a:defRPr/>
                       </a:pPr>
                       <a:r>
-                        <a:rPr lang="en-US" altLang="ko-KR" sz="1200" b="0" dirty="0" smtClean="0">
+                        <a:rPr lang="en-US" altLang="ko-KR" sz="1200" b="0" dirty="0">
                           <a:solidFill>
                             <a:schemeClr val="tx1">
                               <a:lumMod val="75000"/>
@@ -25840,7 +25381,7 @@
                         <a:t>-</a:t>
                       </a:r>
                       <a:r>
-                        <a:rPr lang="ko-KR" altLang="en-US" sz="1200" b="0" dirty="0" smtClean="0">
+                        <a:rPr lang="ko-KR" altLang="en-US" sz="1200" b="0" dirty="0">
                           <a:solidFill>
                             <a:schemeClr val="tx1">
                               <a:lumMod val="75000"/>
@@ -25851,7 +25392,7 @@
                         <a:t>많은</a:t>
                       </a:r>
                       <a:r>
-                        <a:rPr lang="ko-KR" altLang="en-US" sz="1200" b="0" baseline="0" dirty="0" smtClean="0">
+                        <a:rPr lang="ko-KR" altLang="en-US" sz="1200" b="0" baseline="0" dirty="0">
                           <a:solidFill>
                             <a:schemeClr val="tx1">
                               <a:lumMod val="75000"/>
@@ -25862,7 +25403,7 @@
                         <a:t> </a:t>
                       </a:r>
                       <a:r>
-                        <a:rPr lang="ko-KR" altLang="en-US" sz="1200" b="0" dirty="0" smtClean="0">
+                        <a:rPr lang="ko-KR" altLang="en-US" sz="1200" b="0" dirty="0">
                           <a:solidFill>
                             <a:schemeClr val="tx1">
                               <a:lumMod val="75000"/>
@@ -25873,7 +25414,7 @@
                         <a:t>다이어트 </a:t>
                       </a:r>
                       <a:r>
-                        <a:rPr lang="ko-KR" altLang="en-US" sz="1200" b="0" dirty="0" err="1" smtClean="0">
+                        <a:rPr lang="ko-KR" altLang="en-US" sz="1200" b="0" dirty="0" err="1">
                           <a:solidFill>
                             <a:schemeClr val="tx1">
                               <a:lumMod val="75000"/>
@@ -25884,7 +25425,7 @@
                         <a:t>푸드</a:t>
                       </a:r>
                       <a:r>
-                        <a:rPr lang="ko-KR" altLang="en-US" sz="1200" b="0" dirty="0" smtClean="0">
+                        <a:rPr lang="ko-KR" altLang="en-US" sz="1200" b="0" dirty="0">
                           <a:solidFill>
                             <a:schemeClr val="tx1">
                               <a:lumMod val="75000"/>
@@ -25895,7 +25436,7 @@
                         <a:t> 경쟁업체 중소상공인</a:t>
                       </a:r>
                       <a:r>
-                        <a:rPr lang="ko-KR" altLang="en-US" sz="1200" b="0" baseline="0" dirty="0" smtClean="0">
+                        <a:rPr lang="ko-KR" altLang="en-US" sz="1200" b="0" baseline="0" dirty="0">
                           <a:solidFill>
                             <a:schemeClr val="tx1">
                               <a:lumMod val="75000"/>
@@ -25906,7 +25447,7 @@
                         <a:t> </a:t>
                       </a:r>
                       <a:r>
-                        <a:rPr lang="ko-KR" altLang="en-US" sz="1200" b="0" dirty="0" smtClean="0">
+                        <a:rPr lang="ko-KR" altLang="en-US" sz="1200" b="0" dirty="0">
                           <a:solidFill>
                             <a:schemeClr val="tx1">
                               <a:lumMod val="75000"/>
@@ -25982,7 +25523,7 @@
                 </a:tc>
                 <a:extLst>
                   <a:ext uri="{0D108BD9-81ED-4DB2-BD59-A6C34878D82A}">
-                    <a16:rowId xmlns="" xmlns:a16="http://schemas.microsoft.com/office/drawing/2014/main" val="2508570939"/>
+                    <a16:rowId xmlns:a16="http://schemas.microsoft.com/office/drawing/2014/main" val="2508570939"/>
                   </a:ext>
                 </a:extLst>
               </a:tr>
@@ -25995,7 +25536,7 @@
           <p:cNvPr id="8" name="TextBox 7">
             <a:extLst>
               <a:ext uri="{FF2B5EF4-FFF2-40B4-BE49-F238E27FC236}">
-                <a16:creationId xmlns="" xmlns:a16="http://schemas.microsoft.com/office/drawing/2014/main" id="{528FD6D8-8980-4582-AD73-F3D6249E1238}"/>
+                <a16:creationId xmlns:a16="http://schemas.microsoft.com/office/drawing/2014/main" id="{528FD6D8-8980-4582-AD73-F3D6249E1238}"/>
               </a:ext>
             </a:extLst>
           </p:cNvPr>
@@ -26038,7 +25579,7 @@
               <a:t> </a:t>
             </a:r>
             <a:r>
-              <a:rPr lang="en-US" altLang="ko-KR" sz="1200" dirty="0" smtClean="0">
+              <a:rPr lang="en-US" altLang="ko-KR" sz="1200" dirty="0">
                 <a:solidFill>
                   <a:schemeClr val="tx1">
                     <a:lumMod val="65000"/>
@@ -26049,7 +25590,7 @@
               <a:t>: </a:t>
             </a:r>
             <a:r>
-              <a:rPr lang="ko-KR" altLang="en-US" sz="1200" dirty="0" smtClean="0">
+              <a:rPr lang="ko-KR" altLang="en-US" sz="1200" dirty="0">
                 <a:solidFill>
                   <a:schemeClr val="tx1">
                     <a:lumMod val="65000"/>
@@ -26060,7 +25601,7 @@
               <a:t>간편 식품 및 다이어트 </a:t>
             </a:r>
             <a:r>
-              <a:rPr lang="ko-KR" altLang="en-US" sz="1200" dirty="0" err="1" smtClean="0">
+              <a:rPr lang="ko-KR" altLang="en-US" sz="1200" dirty="0" err="1">
                 <a:solidFill>
                   <a:schemeClr val="tx1">
                     <a:lumMod val="65000"/>
@@ -26071,7 +25612,7 @@
               <a:t>푸드</a:t>
             </a:r>
             <a:r>
-              <a:rPr lang="ko-KR" altLang="en-US" sz="1200" dirty="0" smtClean="0">
+              <a:rPr lang="ko-KR" altLang="en-US" sz="1200" dirty="0">
                 <a:solidFill>
                   <a:schemeClr val="tx1">
                     <a:lumMod val="65000"/>
@@ -26082,7 +25623,7 @@
               <a:t> </a:t>
             </a:r>
             <a:r>
-              <a:rPr lang="ko-KR" altLang="en-US" sz="1200" dirty="0" err="1" smtClean="0">
+              <a:rPr lang="ko-KR" altLang="en-US" sz="1200" dirty="0" err="1">
                 <a:solidFill>
                   <a:schemeClr val="tx1">
                     <a:lumMod val="65000"/>
@@ -26093,7 +25634,7 @@
               <a:t>커머스</a:t>
             </a:r>
             <a:r>
-              <a:rPr lang="ko-KR" altLang="en-US" sz="1200" dirty="0" smtClean="0">
+              <a:rPr lang="ko-KR" altLang="en-US" sz="1200" dirty="0">
                 <a:solidFill>
                   <a:schemeClr val="tx1">
                     <a:lumMod val="65000"/>
@@ -26104,7 +25645,7 @@
               <a:t> 시장에 확대에 따른 대기업부터 많은 다이어트 </a:t>
             </a:r>
             <a:r>
-              <a:rPr lang="ko-KR" altLang="en-US" sz="1200" dirty="0" err="1" smtClean="0">
+              <a:rPr lang="ko-KR" altLang="en-US" sz="1200" dirty="0" err="1">
                 <a:solidFill>
                   <a:schemeClr val="tx1">
                     <a:lumMod val="65000"/>
@@ -26115,7 +25656,7 @@
               <a:t>푸드</a:t>
             </a:r>
             <a:r>
-              <a:rPr lang="ko-KR" altLang="en-US" sz="1200" dirty="0" smtClean="0">
+              <a:rPr lang="ko-KR" altLang="en-US" sz="1200" dirty="0">
                 <a:solidFill>
                   <a:schemeClr val="tx1">
                     <a:lumMod val="65000"/>
@@ -26126,7 +25667,7 @@
               <a:t> 경쟁업체 속에서 </a:t>
             </a:r>
             <a:r>
-              <a:rPr lang="ko-KR" altLang="en-US" sz="1200" dirty="0" err="1" smtClean="0">
+              <a:rPr lang="ko-KR" altLang="en-US" sz="1200" dirty="0" err="1">
                 <a:solidFill>
                   <a:schemeClr val="tx1">
                     <a:lumMod val="65000"/>
@@ -26145,21 +25686,10 @@
                   </a:schemeClr>
                 </a:solidFill>
               </a:rPr>
-              <a:t> </a:t>
+              <a:t> 브랜드만이 가지고 있는 강점을 돋보일 수 있도록 </a:t>
             </a:r>
             <a:r>
-              <a:rPr lang="ko-KR" altLang="en-US" sz="1200" dirty="0" smtClean="0">
-                <a:solidFill>
-                  <a:schemeClr val="tx1">
-                    <a:lumMod val="65000"/>
-                    <a:lumOff val="35000"/>
-                  </a:schemeClr>
-                </a:solidFill>
-              </a:rPr>
-              <a:t>브랜드만이 가지고 있는 강점을 돋보일 수 있도록 </a:t>
-            </a:r>
-            <a:r>
-              <a:rPr lang="ko-KR" altLang="en-US" sz="1200" dirty="0" err="1" smtClean="0">
+              <a:rPr lang="ko-KR" altLang="en-US" sz="1200" dirty="0" err="1">
                 <a:solidFill>
                   <a:schemeClr val="tx1">
                     <a:lumMod val="65000"/>
@@ -26170,7 +25700,7 @@
               <a:t>해야함</a:t>
             </a:r>
             <a:r>
-              <a:rPr lang="en-US" altLang="ko-KR" sz="1200" dirty="0" smtClean="0">
+              <a:rPr lang="en-US" altLang="ko-KR" sz="1200" dirty="0">
                 <a:solidFill>
                   <a:schemeClr val="tx1">
                     <a:lumMod val="65000"/>
@@ -26188,7 +25718,7 @@
           <p:cNvPr id="14" name="슬라이드 번호 개체 틀 3">
             <a:extLst>
               <a:ext uri="{FF2B5EF4-FFF2-40B4-BE49-F238E27FC236}">
-                <a16:creationId xmlns="" xmlns:a16="http://schemas.microsoft.com/office/drawing/2014/main" id="{79E72574-0DC5-44FF-AFA3-09189DFD8E36}"/>
+                <a16:creationId xmlns:a16="http://schemas.microsoft.com/office/drawing/2014/main" id="{79E72574-0DC5-44FF-AFA3-09189DFD8E36}"/>
               </a:ext>
             </a:extLst>
           </p:cNvPr>
@@ -26266,7 +25796,7 @@
           <p:cNvPr id="2" name="제목 1">
             <a:extLst>
               <a:ext uri="{FF2B5EF4-FFF2-40B4-BE49-F238E27FC236}">
-                <a16:creationId xmlns="" xmlns:a16="http://schemas.microsoft.com/office/drawing/2014/main" id="{349AFF92-30F9-4305-806C-D8161D4CA8B8}"/>
+                <a16:creationId xmlns:a16="http://schemas.microsoft.com/office/drawing/2014/main" id="{349AFF92-30F9-4305-806C-D8161D4CA8B8}"/>
               </a:ext>
             </a:extLst>
           </p:cNvPr>
@@ -26313,7 +25843,7 @@
           <p:cNvPr id="4" name="부제목 3">
             <a:extLst>
               <a:ext uri="{FF2B5EF4-FFF2-40B4-BE49-F238E27FC236}">
-                <a16:creationId xmlns="" xmlns:a16="http://schemas.microsoft.com/office/drawing/2014/main" id="{31033F9B-6DE0-419D-957C-ACA1878BE33D}"/>
+                <a16:creationId xmlns:a16="http://schemas.microsoft.com/office/drawing/2014/main" id="{31033F9B-6DE0-419D-957C-ACA1878BE33D}"/>
               </a:ext>
             </a:extLst>
           </p:cNvPr>
@@ -26345,7 +25875,7 @@
           <p:cNvPr id="8" name="텍스트 개체 틀 11">
             <a:extLst>
               <a:ext uri="{FF2B5EF4-FFF2-40B4-BE49-F238E27FC236}">
-                <a16:creationId xmlns="" xmlns:a16="http://schemas.microsoft.com/office/drawing/2014/main" id="{F44A71A9-DC97-4F9D-BBCA-79BE8F97FACB}"/>
+                <a16:creationId xmlns:a16="http://schemas.microsoft.com/office/drawing/2014/main" id="{F44A71A9-DC97-4F9D-BBCA-79BE8F97FACB}"/>
               </a:ext>
             </a:extLst>
           </p:cNvPr>
@@ -26440,7 +25970,7 @@
           <p:cNvPr id="20" name="직사각형 19">
             <a:extLst>
               <a:ext uri="{FF2B5EF4-FFF2-40B4-BE49-F238E27FC236}">
-                <a16:creationId xmlns="" xmlns:a16="http://schemas.microsoft.com/office/drawing/2014/main" id="{E3EF3568-F942-C94E-926B-6416379CD47C}"/>
+                <a16:creationId xmlns:a16="http://schemas.microsoft.com/office/drawing/2014/main" id="{E3EF3568-F942-C94E-926B-6416379CD47C}"/>
               </a:ext>
             </a:extLst>
           </p:cNvPr>
@@ -26490,7 +26020,7 @@
           <p:cNvPr id="9" name="표 3">
             <a:extLst>
               <a:ext uri="{FF2B5EF4-FFF2-40B4-BE49-F238E27FC236}">
-                <a16:creationId xmlns="" xmlns:a16="http://schemas.microsoft.com/office/drawing/2014/main" id="{0459C800-1F05-4BE2-B693-A60F050D7237}"/>
+                <a16:creationId xmlns:a16="http://schemas.microsoft.com/office/drawing/2014/main" id="{0459C800-1F05-4BE2-B693-A60F050D7237}"/>
               </a:ext>
             </a:extLst>
           </p:cNvPr>
@@ -26517,21 +26047,21 @@
                 <a:gridCol w="663527">
                   <a:extLst>
                     <a:ext uri="{9D8B030D-6E8A-4147-A177-3AD203B41FA5}">
-                      <a16:colId xmlns="" xmlns:a16="http://schemas.microsoft.com/office/drawing/2014/main" val="1239036185"/>
+                      <a16:colId xmlns:a16="http://schemas.microsoft.com/office/drawing/2014/main" val="1239036185"/>
                     </a:ext>
                   </a:extLst>
                 </a:gridCol>
                 <a:gridCol w="1362039">
                   <a:extLst>
                     <a:ext uri="{9D8B030D-6E8A-4147-A177-3AD203B41FA5}">
-                      <a16:colId xmlns="" xmlns:a16="http://schemas.microsoft.com/office/drawing/2014/main" val="1467418087"/>
+                      <a16:colId xmlns:a16="http://schemas.microsoft.com/office/drawing/2014/main" val="1467418087"/>
                     </a:ext>
                   </a:extLst>
                 </a:gridCol>
                 <a:gridCol w="7388461">
                   <a:extLst>
                     <a:ext uri="{9D8B030D-6E8A-4147-A177-3AD203B41FA5}">
-                      <a16:colId xmlns="" xmlns:a16="http://schemas.microsoft.com/office/drawing/2014/main" val="2305120630"/>
+                      <a16:colId xmlns:a16="http://schemas.microsoft.com/office/drawing/2014/main" val="2305120630"/>
                     </a:ext>
                   </a:extLst>
                 </a:gridCol>
@@ -26743,7 +26273,7 @@
                 </a:tc>
                 <a:extLst>
                   <a:ext uri="{0D108BD9-81ED-4DB2-BD59-A6C34878D82A}">
-                    <a16:rowId xmlns="" xmlns:a16="http://schemas.microsoft.com/office/drawing/2014/main" val="673338101"/>
+                    <a16:rowId xmlns:a16="http://schemas.microsoft.com/office/drawing/2014/main" val="673338101"/>
                   </a:ext>
                 </a:extLst>
               </a:tr>
@@ -26942,7 +26472,7 @@
                         <a:t>세분시장의 규모는 적절한가</a:t>
                       </a:r>
                       <a:r>
-                        <a:rPr lang="en-US" altLang="ko-KR" sz="1100" b="0" dirty="0" smtClean="0">
+                        <a:rPr lang="en-US" altLang="ko-KR" sz="1100" b="0" dirty="0">
                           <a:solidFill>
                             <a:schemeClr val="tx1">
                               <a:lumMod val="75000"/>
@@ -26956,7 +26486,7 @@
                     </a:p>
                     <a:p>
                       <a:pPr latinLnBrk="1"/>
-                      <a:endParaRPr lang="en-US" altLang="ko-KR" sz="1100" b="0" dirty="0" smtClean="0">
+                      <a:endParaRPr lang="en-US" altLang="ko-KR" sz="1100" b="0" dirty="0">
                         <a:solidFill>
                           <a:schemeClr val="tx1">
                             <a:lumMod val="75000"/>
@@ -26969,7 +26499,7 @@
                     <a:p>
                       <a:pPr latinLnBrk="1"/>
                       <a:r>
-                        <a:rPr lang="ko-KR" altLang="en-US" sz="1100" b="0" dirty="0" smtClean="0">
+                        <a:rPr lang="ko-KR" altLang="en-US" sz="1100" b="0" dirty="0">
                           <a:solidFill>
                             <a:schemeClr val="tx1">
                               <a:lumMod val="75000"/>
@@ -26981,7 +26511,7 @@
                         <a:t>적절하다</a:t>
                       </a:r>
                       <a:r>
-                        <a:rPr lang="en-US" altLang="ko-KR" sz="1100" b="0" dirty="0" smtClean="0">
+                        <a:rPr lang="en-US" altLang="ko-KR" sz="1100" b="0" dirty="0">
                           <a:solidFill>
                             <a:schemeClr val="tx1">
                               <a:lumMod val="75000"/>
@@ -26993,7 +26523,7 @@
                         <a:t>. </a:t>
                       </a:r>
                       <a:r>
-                        <a:rPr lang="ko-KR" altLang="en-US" sz="1100" b="0" dirty="0" smtClean="0">
+                        <a:rPr lang="ko-KR" altLang="en-US" sz="1100" b="0" dirty="0">
                           <a:solidFill>
                             <a:schemeClr val="tx1">
                               <a:lumMod val="75000"/>
@@ -27002,22 +26532,10 @@
                           </a:solidFill>
                           <a:latin typeface="+mn-lt"/>
                         </a:rPr>
-                        <a:t>오프라인부터 </a:t>
+                        <a:t>오프라인부터 온라인 시장 두루 넓혀지고 있다</a:t>
                       </a:r>
                       <a:r>
-                        <a:rPr lang="ko-KR" altLang="en-US" sz="1100" b="0" dirty="0" smtClean="0">
-                          <a:solidFill>
-                            <a:schemeClr val="tx1">
-                              <a:lumMod val="75000"/>
-                              <a:lumOff val="25000"/>
-                            </a:schemeClr>
-                          </a:solidFill>
-                          <a:latin typeface="+mn-lt"/>
-                        </a:rPr>
-                        <a:t>온라인 시장 두루 넓혀지고 있다</a:t>
-                      </a:r>
-                      <a:r>
-                        <a:rPr lang="en-US" altLang="ko-KR" sz="1100" b="0" dirty="0" smtClean="0">
+                        <a:rPr lang="en-US" altLang="ko-KR" sz="1100" b="0" dirty="0">
                           <a:solidFill>
                             <a:schemeClr val="tx1">
                               <a:lumMod val="75000"/>
@@ -27029,7 +26547,7 @@
                         <a:t>. </a:t>
                       </a:r>
                       <a:r>
-                        <a:rPr lang="ko-KR" altLang="en-US" sz="1100" b="0" dirty="0" err="1" smtClean="0">
+                        <a:rPr lang="ko-KR" altLang="en-US" sz="1100" b="0" dirty="0" err="1">
                           <a:solidFill>
                             <a:schemeClr val="tx1">
                               <a:lumMod val="75000"/>
@@ -27041,7 +26559,7 @@
                         <a:t>파트너십</a:t>
                       </a:r>
                       <a:r>
-                        <a:rPr lang="ko-KR" altLang="en-US" sz="1100" b="0" dirty="0" smtClean="0">
+                        <a:rPr lang="ko-KR" altLang="en-US" sz="1100" b="0" dirty="0">
                           <a:solidFill>
                             <a:schemeClr val="tx1">
                               <a:lumMod val="75000"/>
@@ -27052,7 +26570,7 @@
                         </a:rPr>
                         <a:t> 개념으로 개인부터 시작해서</a:t>
                       </a:r>
-                      <a:endParaRPr lang="en-US" altLang="ko-KR" sz="1100" b="0" dirty="0" smtClean="0">
+                      <a:endParaRPr lang="en-US" altLang="ko-KR" sz="1100" b="0" dirty="0">
                         <a:solidFill>
                           <a:schemeClr val="tx1">
                             <a:lumMod val="75000"/>
@@ -27065,7 +26583,7 @@
                     <a:p>
                       <a:pPr latinLnBrk="1"/>
                       <a:r>
-                        <a:rPr lang="ko-KR" altLang="en-US" sz="1100" b="0" dirty="0" smtClean="0">
+                        <a:rPr lang="ko-KR" altLang="en-US" sz="1100" b="0" dirty="0">
                           <a:solidFill>
                             <a:schemeClr val="tx1">
                               <a:lumMod val="75000"/>
@@ -27077,7 +26595,7 @@
                         <a:t>사업자까지 두루 규모를 키워가고 있다</a:t>
                       </a:r>
                       <a:r>
-                        <a:rPr lang="en-US" altLang="ko-KR" sz="1100" b="0" dirty="0" smtClean="0">
+                        <a:rPr lang="en-US" altLang="ko-KR" sz="1100" b="0" dirty="0">
                           <a:solidFill>
                             <a:schemeClr val="tx1">
                               <a:lumMod val="75000"/>
@@ -27155,7 +26673,7 @@
                 </a:tc>
                 <a:extLst>
                   <a:ext uri="{0D108BD9-81ED-4DB2-BD59-A6C34878D82A}">
-                    <a16:rowId xmlns="" xmlns:a16="http://schemas.microsoft.com/office/drawing/2014/main" val="2551198109"/>
+                    <a16:rowId xmlns:a16="http://schemas.microsoft.com/office/drawing/2014/main" val="2551198109"/>
                   </a:ext>
                 </a:extLst>
               </a:tr>
@@ -27201,7 +26719,7 @@
                         <a:t>성장 가능성이 높은 시장인가</a:t>
                       </a:r>
                       <a:r>
-                        <a:rPr lang="en-US" altLang="ko-KR" sz="1100" b="0" dirty="0" smtClean="0">
+                        <a:rPr lang="en-US" altLang="ko-KR" sz="1100" b="0" dirty="0">
                           <a:solidFill>
                             <a:schemeClr val="tx1">
                               <a:lumMod val="75000"/>
@@ -27215,7 +26733,7 @@
                     </a:p>
                     <a:p>
                       <a:pPr latinLnBrk="1"/>
-                      <a:endParaRPr lang="en-US" altLang="ko-KR" sz="1100" b="0" dirty="0" smtClean="0">
+                      <a:endParaRPr lang="en-US" altLang="ko-KR" sz="1100" b="0" dirty="0">
                         <a:solidFill>
                           <a:schemeClr val="tx1">
                             <a:lumMod val="75000"/>
@@ -27228,7 +26746,7 @@
                     <a:p>
                       <a:pPr latinLnBrk="1"/>
                       <a:r>
-                        <a:rPr lang="ko-KR" altLang="en-US" sz="1100" b="0" dirty="0" smtClean="0">
+                        <a:rPr lang="ko-KR" altLang="en-US" sz="1100" b="0" dirty="0">
                           <a:solidFill>
                             <a:schemeClr val="tx1">
                               <a:lumMod val="75000"/>
@@ -27240,7 +26758,7 @@
                         <a:t>점점 </a:t>
                       </a:r>
                       <a:r>
-                        <a:rPr lang="en-US" altLang="ko-KR" sz="1100" b="0" dirty="0" smtClean="0">
+                        <a:rPr lang="en-US" altLang="ko-KR" sz="1100" b="0" dirty="0">
                           <a:solidFill>
                             <a:schemeClr val="tx1">
                               <a:lumMod val="75000"/>
@@ -27252,7 +26770,7 @@
                         <a:t>1</a:t>
                       </a:r>
                       <a:r>
-                        <a:rPr lang="ko-KR" altLang="en-US" sz="1100" b="0" dirty="0" smtClean="0">
+                        <a:rPr lang="ko-KR" altLang="en-US" sz="1100" b="0" dirty="0">
                           <a:solidFill>
                             <a:schemeClr val="tx1">
                               <a:lumMod val="75000"/>
@@ -27264,7 +26782,7 @@
                         <a:t>인 가구 및 다이어트 </a:t>
                       </a:r>
                       <a:r>
-                        <a:rPr lang="ko-KR" altLang="en-US" sz="1100" b="0" dirty="0" err="1" smtClean="0">
+                        <a:rPr lang="ko-KR" altLang="en-US" sz="1100" b="0" dirty="0" err="1">
                           <a:solidFill>
                             <a:schemeClr val="tx1">
                               <a:lumMod val="75000"/>
@@ -27276,7 +26794,7 @@
                         <a:t>푸드</a:t>
                       </a:r>
                       <a:r>
-                        <a:rPr lang="ko-KR" altLang="en-US" sz="1100" b="0" dirty="0" smtClean="0">
+                        <a:rPr lang="ko-KR" altLang="en-US" sz="1100" b="0" dirty="0">
                           <a:solidFill>
                             <a:schemeClr val="tx1">
                               <a:lumMod val="75000"/>
@@ -27288,7 +26806,7 @@
                         <a:t> </a:t>
                       </a:r>
                       <a:r>
-                        <a:rPr lang="ko-KR" altLang="en-US" sz="1100" b="0" dirty="0" err="1" smtClean="0">
+                        <a:rPr lang="ko-KR" altLang="en-US" sz="1100" b="0" dirty="0" err="1">
                           <a:solidFill>
                             <a:schemeClr val="tx1">
                               <a:lumMod val="75000"/>
@@ -27300,7 +26818,7 @@
                         <a:t>커머스</a:t>
                       </a:r>
                       <a:r>
-                        <a:rPr lang="ko-KR" altLang="en-US" sz="1100" b="0" dirty="0" smtClean="0">
+                        <a:rPr lang="ko-KR" altLang="en-US" sz="1100" b="0" dirty="0">
                           <a:solidFill>
                             <a:schemeClr val="tx1">
                               <a:lumMod val="75000"/>
@@ -27312,7 +26830,7 @@
                         <a:t> 시장이 넓어지고 있는 상황에서 성장 가능성이 있다</a:t>
                       </a:r>
                       <a:r>
-                        <a:rPr lang="en-US" altLang="ko-KR" sz="1100" b="0" dirty="0" smtClean="0">
+                        <a:rPr lang="en-US" altLang="ko-KR" sz="1100" b="0" dirty="0">
                           <a:solidFill>
                             <a:schemeClr val="tx1">
                               <a:lumMod val="75000"/>
@@ -27389,7 +26907,7 @@
                 </a:tc>
                 <a:extLst>
                   <a:ext uri="{0D108BD9-81ED-4DB2-BD59-A6C34878D82A}">
-                    <a16:rowId xmlns="" xmlns:a16="http://schemas.microsoft.com/office/drawing/2014/main" val="2485620196"/>
+                    <a16:rowId xmlns:a16="http://schemas.microsoft.com/office/drawing/2014/main" val="2485620196"/>
                   </a:ext>
                 </a:extLst>
               </a:tr>
@@ -27471,7 +26989,7 @@
                         <a:t>어느정도인가</a:t>
                       </a:r>
                       <a:r>
-                        <a:rPr lang="en-US" altLang="ko-KR" sz="1100" b="0" dirty="0" smtClean="0">
+                        <a:rPr lang="en-US" altLang="ko-KR" sz="1100" b="0" dirty="0">
                           <a:solidFill>
                             <a:schemeClr val="tx1">
                               <a:lumMod val="75000"/>
@@ -27485,7 +27003,7 @@
                     </a:p>
                     <a:p>
                       <a:pPr latinLnBrk="1"/>
-                      <a:endParaRPr lang="en-US" altLang="ko-KR" sz="1100" b="0" dirty="0" smtClean="0">
+                      <a:endParaRPr lang="en-US" altLang="ko-KR" sz="1100" b="0" dirty="0">
                         <a:solidFill>
                           <a:schemeClr val="tx1">
                             <a:lumMod val="75000"/>
@@ -27498,7 +27016,7 @@
                     <a:p>
                       <a:pPr latinLnBrk="1"/>
                       <a:r>
-                        <a:rPr lang="ko-KR" altLang="en-US" sz="1100" b="0" dirty="0" smtClean="0">
+                        <a:rPr lang="ko-KR" altLang="en-US" sz="1100" b="0" dirty="0">
                           <a:solidFill>
                             <a:schemeClr val="tx1">
                               <a:lumMod val="75000"/>
@@ -27510,7 +27028,7 @@
                         <a:t>건강 및 다이어트 식품의 열풍으로 잠재수요도</a:t>
                       </a:r>
                       <a:r>
-                        <a:rPr lang="ko-KR" altLang="en-US" sz="1100" b="0" baseline="0" dirty="0" smtClean="0">
+                        <a:rPr lang="ko-KR" altLang="en-US" sz="1100" b="0" baseline="0" dirty="0">
                           <a:solidFill>
                             <a:schemeClr val="tx1">
                               <a:lumMod val="75000"/>
@@ -27522,7 +27040,7 @@
                         <a:t> </a:t>
                       </a:r>
                       <a:r>
-                        <a:rPr lang="ko-KR" altLang="en-US" sz="1100" b="0" dirty="0" err="1" smtClean="0">
+                        <a:rPr lang="ko-KR" altLang="en-US" sz="1100" b="0" dirty="0" err="1">
                           <a:solidFill>
                             <a:schemeClr val="tx1">
                               <a:lumMod val="75000"/>
@@ -27534,7 +27052,7 @@
                         <a:t>높은편이다</a:t>
                       </a:r>
                       <a:r>
-                        <a:rPr lang="en-US" altLang="ko-KR" sz="1100" b="0" dirty="0" smtClean="0">
+                        <a:rPr lang="en-US" altLang="ko-KR" sz="1100" b="0" dirty="0">
                           <a:solidFill>
                             <a:schemeClr val="tx1">
                               <a:lumMod val="75000"/>
@@ -27611,7 +27129,7 @@
                 </a:tc>
                 <a:extLst>
                   <a:ext uri="{0D108BD9-81ED-4DB2-BD59-A6C34878D82A}">
-                    <a16:rowId xmlns="" xmlns:a16="http://schemas.microsoft.com/office/drawing/2014/main" val="2219283754"/>
+                    <a16:rowId xmlns:a16="http://schemas.microsoft.com/office/drawing/2014/main" val="2219283754"/>
                   </a:ext>
                 </a:extLst>
               </a:tr>
@@ -27624,7 +27142,7 @@
           <p:cNvPr id="11" name="슬라이드 번호 개체 틀 3">
             <a:extLst>
               <a:ext uri="{FF2B5EF4-FFF2-40B4-BE49-F238E27FC236}">
-                <a16:creationId xmlns="" xmlns:a16="http://schemas.microsoft.com/office/drawing/2014/main" id="{2A5C400D-53D9-4335-BB4E-2F4B478964A3}"/>
+                <a16:creationId xmlns:a16="http://schemas.microsoft.com/office/drawing/2014/main" id="{2A5C400D-53D9-4335-BB4E-2F4B478964A3}"/>
               </a:ext>
             </a:extLst>
           </p:cNvPr>
@@ -27702,7 +27220,7 @@
           <p:cNvPr id="2" name="제목 1">
             <a:extLst>
               <a:ext uri="{FF2B5EF4-FFF2-40B4-BE49-F238E27FC236}">
-                <a16:creationId xmlns="" xmlns:a16="http://schemas.microsoft.com/office/drawing/2014/main" id="{349AFF92-30F9-4305-806C-D8161D4CA8B8}"/>
+                <a16:creationId xmlns:a16="http://schemas.microsoft.com/office/drawing/2014/main" id="{349AFF92-30F9-4305-806C-D8161D4CA8B8}"/>
               </a:ext>
             </a:extLst>
           </p:cNvPr>
@@ -27749,7 +27267,7 @@
           <p:cNvPr id="4" name="부제목 3">
             <a:extLst>
               <a:ext uri="{FF2B5EF4-FFF2-40B4-BE49-F238E27FC236}">
-                <a16:creationId xmlns="" xmlns:a16="http://schemas.microsoft.com/office/drawing/2014/main" id="{31033F9B-6DE0-419D-957C-ACA1878BE33D}"/>
+                <a16:creationId xmlns:a16="http://schemas.microsoft.com/office/drawing/2014/main" id="{31033F9B-6DE0-419D-957C-ACA1878BE33D}"/>
               </a:ext>
             </a:extLst>
           </p:cNvPr>
@@ -27781,7 +27299,7 @@
           <p:cNvPr id="8" name="텍스트 개체 틀 11">
             <a:extLst>
               <a:ext uri="{FF2B5EF4-FFF2-40B4-BE49-F238E27FC236}">
-                <a16:creationId xmlns="" xmlns:a16="http://schemas.microsoft.com/office/drawing/2014/main" id="{F44A71A9-DC97-4F9D-BBCA-79BE8F97FACB}"/>
+                <a16:creationId xmlns:a16="http://schemas.microsoft.com/office/drawing/2014/main" id="{F44A71A9-DC97-4F9D-BBCA-79BE8F97FACB}"/>
               </a:ext>
             </a:extLst>
           </p:cNvPr>
@@ -27876,7 +27394,7 @@
           <p:cNvPr id="20" name="직사각형 19">
             <a:extLst>
               <a:ext uri="{FF2B5EF4-FFF2-40B4-BE49-F238E27FC236}">
-                <a16:creationId xmlns="" xmlns:a16="http://schemas.microsoft.com/office/drawing/2014/main" id="{E3EF3568-F942-C94E-926B-6416379CD47C}"/>
+                <a16:creationId xmlns:a16="http://schemas.microsoft.com/office/drawing/2014/main" id="{E3EF3568-F942-C94E-926B-6416379CD47C}"/>
               </a:ext>
             </a:extLst>
           </p:cNvPr>
@@ -27926,7 +27444,7 @@
           <p:cNvPr id="9" name="표 3">
             <a:extLst>
               <a:ext uri="{FF2B5EF4-FFF2-40B4-BE49-F238E27FC236}">
-                <a16:creationId xmlns="" xmlns:a16="http://schemas.microsoft.com/office/drawing/2014/main" id="{0459C800-1F05-4BE2-B693-A60F050D7237}"/>
+                <a16:creationId xmlns:a16="http://schemas.microsoft.com/office/drawing/2014/main" id="{0459C800-1F05-4BE2-B693-A60F050D7237}"/>
               </a:ext>
             </a:extLst>
           </p:cNvPr>
@@ -27953,21 +27471,21 @@
                 <a:gridCol w="663527">
                   <a:extLst>
                     <a:ext uri="{9D8B030D-6E8A-4147-A177-3AD203B41FA5}">
-                      <a16:colId xmlns="" xmlns:a16="http://schemas.microsoft.com/office/drawing/2014/main" val="1239036185"/>
+                      <a16:colId xmlns:a16="http://schemas.microsoft.com/office/drawing/2014/main" val="1239036185"/>
                     </a:ext>
                   </a:extLst>
                 </a:gridCol>
                 <a:gridCol w="1362039">
                   <a:extLst>
                     <a:ext uri="{9D8B030D-6E8A-4147-A177-3AD203B41FA5}">
-                      <a16:colId xmlns="" xmlns:a16="http://schemas.microsoft.com/office/drawing/2014/main" val="1467418087"/>
+                      <a16:colId xmlns:a16="http://schemas.microsoft.com/office/drawing/2014/main" val="1467418087"/>
                     </a:ext>
                   </a:extLst>
                 </a:gridCol>
                 <a:gridCol w="7388461">
                   <a:extLst>
                     <a:ext uri="{9D8B030D-6E8A-4147-A177-3AD203B41FA5}">
-                      <a16:colId xmlns="" xmlns:a16="http://schemas.microsoft.com/office/drawing/2014/main" val="2305120630"/>
+                      <a16:colId xmlns:a16="http://schemas.microsoft.com/office/drawing/2014/main" val="2305120630"/>
                     </a:ext>
                   </a:extLst>
                 </a:gridCol>
@@ -28179,7 +27697,7 @@
                 </a:tc>
                 <a:extLst>
                   <a:ext uri="{0D108BD9-81ED-4DB2-BD59-A6C34878D82A}">
-                    <a16:rowId xmlns="" xmlns:a16="http://schemas.microsoft.com/office/drawing/2014/main" val="673338101"/>
+                    <a16:rowId xmlns:a16="http://schemas.microsoft.com/office/drawing/2014/main" val="673338101"/>
                   </a:ext>
                 </a:extLst>
               </a:tr>
@@ -28427,7 +27945,7 @@
                         <a:t>현재의 경쟁사들이 공격적이고 강력한가</a:t>
                       </a:r>
                       <a:r>
-                        <a:rPr lang="en-US" altLang="ko-KR" sz="1100" b="0" dirty="0" smtClean="0">
+                        <a:rPr lang="en-US" altLang="ko-KR" sz="1100" b="0" dirty="0">
                           <a:solidFill>
                             <a:schemeClr val="tx1">
                               <a:lumMod val="75000"/>
@@ -28457,7 +27975,7 @@
                         <a:tabLst/>
                         <a:defRPr/>
                       </a:pPr>
-                      <a:endParaRPr lang="en-US" altLang="ko-KR" sz="1100" b="0" dirty="0" smtClean="0">
+                      <a:endParaRPr lang="en-US" altLang="ko-KR" sz="1100" b="0" dirty="0">
                         <a:solidFill>
                           <a:schemeClr val="tx1">
                             <a:lumMod val="75000"/>
@@ -28486,7 +28004,7 @@
                         <a:defRPr/>
                       </a:pPr>
                       <a:r>
-                        <a:rPr lang="ko-KR" altLang="en-US" sz="1100" b="0" dirty="0" smtClean="0">
+                        <a:rPr lang="ko-KR" altLang="en-US" sz="1100" b="0" dirty="0">
                           <a:solidFill>
                             <a:schemeClr val="tx1">
                               <a:lumMod val="75000"/>
@@ -28498,7 +28016,7 @@
                         <a:t>현재</a:t>
                       </a:r>
                       <a:r>
-                        <a:rPr lang="en-US" altLang="ko-KR" sz="1100" b="0" baseline="0" dirty="0" smtClean="0">
+                        <a:rPr lang="en-US" altLang="ko-KR" sz="1100" b="0" baseline="0" dirty="0">
                           <a:solidFill>
                             <a:schemeClr val="tx1">
                               <a:lumMod val="75000"/>
@@ -28510,7 +28028,7 @@
                         <a:t> </a:t>
                       </a:r>
                       <a:r>
-                        <a:rPr lang="ko-KR" altLang="en-US" sz="1100" b="0" dirty="0" smtClean="0">
+                        <a:rPr lang="ko-KR" altLang="en-US" sz="1100" b="0" dirty="0">
                           <a:solidFill>
                             <a:schemeClr val="tx1">
                               <a:lumMod val="75000"/>
@@ -28521,7 +28039,7 @@
                         <a:t>기존 외식업체들의 시장 참가와 대기업의 다이어트 </a:t>
                       </a:r>
                       <a:r>
-                        <a:rPr lang="ko-KR" altLang="en-US" sz="1100" b="0" dirty="0" err="1" smtClean="0">
+                        <a:rPr lang="ko-KR" altLang="en-US" sz="1100" b="0" dirty="0" err="1">
                           <a:solidFill>
                             <a:schemeClr val="tx1">
                               <a:lumMod val="75000"/>
@@ -28532,7 +28050,7 @@
                         <a:t>푸드</a:t>
                       </a:r>
                       <a:r>
-                        <a:rPr lang="ko-KR" altLang="en-US" sz="1100" b="0" dirty="0" smtClean="0">
+                        <a:rPr lang="ko-KR" altLang="en-US" sz="1100" b="0" dirty="0">
                           <a:solidFill>
                             <a:schemeClr val="tx1">
                               <a:lumMod val="75000"/>
@@ -28543,7 +28061,7 @@
                         <a:t> 출시로 인하여 점점 경쟁이 치열해지고 있다</a:t>
                       </a:r>
                       <a:r>
-                        <a:rPr lang="en-US" altLang="ko-KR" sz="1100" b="0" dirty="0" smtClean="0">
+                        <a:rPr lang="en-US" altLang="ko-KR" sz="1100" b="0" dirty="0">
                           <a:solidFill>
                             <a:schemeClr val="tx1">
                               <a:lumMod val="75000"/>
@@ -28572,7 +28090,7 @@
                         <a:tabLst/>
                         <a:defRPr/>
                       </a:pPr>
-                      <a:endParaRPr lang="en-US" altLang="ko-KR" sz="1100" b="0" dirty="0" smtClean="0">
+                      <a:endParaRPr lang="en-US" altLang="ko-KR" sz="1100" b="0" dirty="0">
                         <a:solidFill>
                           <a:schemeClr val="tx1">
                             <a:lumMod val="75000"/>
@@ -28667,7 +28185,7 @@
                 </a:tc>
                 <a:extLst>
                   <a:ext uri="{0D108BD9-81ED-4DB2-BD59-A6C34878D82A}">
-                    <a16:rowId xmlns="" xmlns:a16="http://schemas.microsoft.com/office/drawing/2014/main" val="2508570939"/>
+                    <a16:rowId xmlns:a16="http://schemas.microsoft.com/office/drawing/2014/main" val="2508570939"/>
                   </a:ext>
                 </a:extLst>
               </a:tr>
@@ -28729,7 +28247,7 @@
                         <a:t>새로운 경쟁사의 진입 가능성이 높은가</a:t>
                       </a:r>
                       <a:r>
-                        <a:rPr lang="en-US" altLang="ko-KR" sz="1100" b="0" dirty="0" smtClean="0">
+                        <a:rPr lang="en-US" altLang="ko-KR" sz="1100" b="0" dirty="0">
                           <a:solidFill>
                             <a:schemeClr val="tx1">
                               <a:lumMod val="75000"/>
@@ -28759,7 +28277,7 @@
                         <a:tabLst/>
                         <a:defRPr/>
                       </a:pPr>
-                      <a:endParaRPr lang="en-US" altLang="ko-KR" sz="1100" b="0" dirty="0" smtClean="0">
+                      <a:endParaRPr lang="en-US" altLang="ko-KR" sz="1100" b="0" dirty="0">
                         <a:solidFill>
                           <a:schemeClr val="tx1">
                             <a:lumMod val="75000"/>
@@ -28788,7 +28306,7 @@
                         <a:defRPr/>
                       </a:pPr>
                       <a:r>
-                        <a:rPr lang="ko-KR" altLang="en-US" sz="1100" b="0" dirty="0" smtClean="0">
+                        <a:rPr lang="ko-KR" altLang="en-US" sz="1100" b="0" dirty="0">
                           <a:solidFill>
                             <a:schemeClr val="tx1">
                               <a:lumMod val="75000"/>
@@ -28800,7 +28318,7 @@
                         <a:t>충분히 있다</a:t>
                       </a:r>
                       <a:r>
-                        <a:rPr lang="en-US" altLang="ko-KR" sz="1100" b="0" dirty="0" smtClean="0">
+                        <a:rPr lang="en-US" altLang="ko-KR" sz="1100" b="0" dirty="0">
                           <a:solidFill>
                             <a:schemeClr val="tx1">
                               <a:lumMod val="75000"/>
@@ -28812,7 +28330,7 @@
                         <a:t>. </a:t>
                       </a:r>
                       <a:r>
-                        <a:rPr lang="ko-KR" altLang="en-US" sz="1100" b="0" dirty="0" smtClean="0">
+                        <a:rPr lang="ko-KR" altLang="en-US" sz="1100" b="0" dirty="0">
                           <a:solidFill>
                             <a:schemeClr val="tx1">
                               <a:lumMod val="75000"/>
@@ -28824,7 +28342,7 @@
                         <a:t>비대면 </a:t>
                       </a:r>
                       <a:r>
-                        <a:rPr lang="ko-KR" altLang="en-US" sz="1100" b="0" dirty="0" err="1" smtClean="0">
+                        <a:rPr lang="ko-KR" altLang="en-US" sz="1100" b="0" dirty="0" err="1">
                           <a:solidFill>
                             <a:schemeClr val="tx1">
                               <a:lumMod val="75000"/>
@@ -28836,7 +28354,7 @@
                         <a:t>트렌드로</a:t>
                       </a:r>
                       <a:r>
-                        <a:rPr lang="ko-KR" altLang="en-US" sz="1100" b="0" dirty="0" smtClean="0">
+                        <a:rPr lang="ko-KR" altLang="en-US" sz="1100" b="0" dirty="0">
                           <a:solidFill>
                             <a:schemeClr val="tx1">
                               <a:lumMod val="75000"/>
@@ -28848,7 +28366,7 @@
                         <a:t> 인하여 </a:t>
                       </a:r>
                       <a:r>
-                        <a:rPr lang="ko-KR" altLang="en-US" sz="1100" b="0" dirty="0" err="1" smtClean="0">
+                        <a:rPr lang="ko-KR" altLang="en-US" sz="1100" b="0" dirty="0" err="1">
                           <a:solidFill>
                             <a:schemeClr val="tx1">
                               <a:lumMod val="75000"/>
@@ -28860,7 +28378,7 @@
                         <a:t>밀키트의</a:t>
                       </a:r>
                       <a:r>
-                        <a:rPr lang="ko-KR" altLang="en-US" sz="1100" b="0" dirty="0" smtClean="0">
+                        <a:rPr lang="ko-KR" altLang="en-US" sz="1100" b="0" dirty="0">
                           <a:solidFill>
                             <a:schemeClr val="tx1">
                               <a:lumMod val="75000"/>
@@ -28872,7 +28390,7 @@
                         <a:t> 수요가 높아진 만큼 다이어트 </a:t>
                       </a:r>
                       <a:r>
-                        <a:rPr lang="ko-KR" altLang="en-US" sz="1100" b="0" dirty="0" err="1" smtClean="0">
+                        <a:rPr lang="ko-KR" altLang="en-US" sz="1100" b="0" dirty="0" err="1">
                           <a:solidFill>
                             <a:schemeClr val="tx1">
                               <a:lumMod val="75000"/>
@@ -28884,7 +28402,7 @@
                         <a:t>간편식에</a:t>
                       </a:r>
                       <a:r>
-                        <a:rPr lang="ko-KR" altLang="en-US" sz="1100" b="0" dirty="0" smtClean="0">
+                        <a:rPr lang="ko-KR" altLang="en-US" sz="1100" b="0" dirty="0">
                           <a:solidFill>
                             <a:schemeClr val="tx1">
                               <a:lumMod val="75000"/>
@@ -28895,7 +28413,7 @@
                         </a:rPr>
                         <a:t> 대한 시장 참가도</a:t>
                       </a:r>
-                      <a:endParaRPr lang="en-US" altLang="ko-KR" sz="1100" b="0" dirty="0" smtClean="0">
+                      <a:endParaRPr lang="en-US" altLang="ko-KR" sz="1100" b="0" dirty="0">
                         <a:solidFill>
                           <a:schemeClr val="tx1">
                             <a:lumMod val="75000"/>
@@ -28924,7 +28442,7 @@
                         <a:defRPr/>
                       </a:pPr>
                       <a:r>
-                        <a:rPr lang="ko-KR" altLang="en-US" sz="1100" b="0" dirty="0" smtClean="0">
+                        <a:rPr lang="ko-KR" altLang="en-US" sz="1100" b="0" dirty="0">
                           <a:solidFill>
                             <a:schemeClr val="tx1">
                               <a:lumMod val="75000"/>
@@ -28936,7 +28454,7 @@
                         <a:t>많아진 편이다</a:t>
                       </a:r>
                       <a:r>
-                        <a:rPr lang="en-US" altLang="ko-KR" sz="1100" b="0" dirty="0" smtClean="0">
+                        <a:rPr lang="en-US" altLang="ko-KR" sz="1100" b="0" dirty="0">
                           <a:solidFill>
                             <a:schemeClr val="tx1">
                               <a:lumMod val="75000"/>
@@ -28947,7 +28465,7 @@
                         </a:rPr>
                         <a:t>.</a:t>
                       </a:r>
-                      <a:endParaRPr lang="en-US" altLang="ko-KR" sz="1100" b="0" dirty="0" smtClean="0">
+                      <a:endParaRPr lang="en-US" altLang="ko-KR" sz="1100" b="0" dirty="0">
                         <a:solidFill>
                           <a:schemeClr val="tx1">
                             <a:lumMod val="75000"/>
@@ -29014,7 +28532,7 @@
                 </a:tc>
                 <a:extLst>
                   <a:ext uri="{0D108BD9-81ED-4DB2-BD59-A6C34878D82A}">
-                    <a16:rowId xmlns="" xmlns:a16="http://schemas.microsoft.com/office/drawing/2014/main" val="221289134"/>
+                    <a16:rowId xmlns:a16="http://schemas.microsoft.com/office/drawing/2014/main" val="221289134"/>
                   </a:ext>
                 </a:extLst>
               </a:tr>
@@ -29027,7 +28545,7 @@
           <p:cNvPr id="11" name="슬라이드 번호 개체 틀 3">
             <a:extLst>
               <a:ext uri="{FF2B5EF4-FFF2-40B4-BE49-F238E27FC236}">
-                <a16:creationId xmlns="" xmlns:a16="http://schemas.microsoft.com/office/drawing/2014/main" id="{974A752B-A871-4E81-8C45-D0D7E35AC89E}"/>
+                <a16:creationId xmlns:a16="http://schemas.microsoft.com/office/drawing/2014/main" id="{974A752B-A871-4E81-8C45-D0D7E35AC89E}"/>
               </a:ext>
             </a:extLst>
           </p:cNvPr>
@@ -29105,7 +28623,7 @@
           <p:cNvPr id="2" name="제목 1">
             <a:extLst>
               <a:ext uri="{FF2B5EF4-FFF2-40B4-BE49-F238E27FC236}">
-                <a16:creationId xmlns="" xmlns:a16="http://schemas.microsoft.com/office/drawing/2014/main" id="{349AFF92-30F9-4305-806C-D8161D4CA8B8}"/>
+                <a16:creationId xmlns:a16="http://schemas.microsoft.com/office/drawing/2014/main" id="{349AFF92-30F9-4305-806C-D8161D4CA8B8}"/>
               </a:ext>
             </a:extLst>
           </p:cNvPr>
@@ -29152,7 +28670,7 @@
           <p:cNvPr id="4" name="부제목 3">
             <a:extLst>
               <a:ext uri="{FF2B5EF4-FFF2-40B4-BE49-F238E27FC236}">
-                <a16:creationId xmlns="" xmlns:a16="http://schemas.microsoft.com/office/drawing/2014/main" id="{31033F9B-6DE0-419D-957C-ACA1878BE33D}"/>
+                <a16:creationId xmlns:a16="http://schemas.microsoft.com/office/drawing/2014/main" id="{31033F9B-6DE0-419D-957C-ACA1878BE33D}"/>
               </a:ext>
             </a:extLst>
           </p:cNvPr>
@@ -29184,7 +28702,7 @@
           <p:cNvPr id="8" name="텍스트 개체 틀 11">
             <a:extLst>
               <a:ext uri="{FF2B5EF4-FFF2-40B4-BE49-F238E27FC236}">
-                <a16:creationId xmlns="" xmlns:a16="http://schemas.microsoft.com/office/drawing/2014/main" id="{F44A71A9-DC97-4F9D-BBCA-79BE8F97FACB}"/>
+                <a16:creationId xmlns:a16="http://schemas.microsoft.com/office/drawing/2014/main" id="{F44A71A9-DC97-4F9D-BBCA-79BE8F97FACB}"/>
               </a:ext>
             </a:extLst>
           </p:cNvPr>
@@ -29279,7 +28797,7 @@
           <p:cNvPr id="20" name="직사각형 19">
             <a:extLst>
               <a:ext uri="{FF2B5EF4-FFF2-40B4-BE49-F238E27FC236}">
-                <a16:creationId xmlns="" xmlns:a16="http://schemas.microsoft.com/office/drawing/2014/main" id="{E3EF3568-F942-C94E-926B-6416379CD47C}"/>
+                <a16:creationId xmlns:a16="http://schemas.microsoft.com/office/drawing/2014/main" id="{E3EF3568-F942-C94E-926B-6416379CD47C}"/>
               </a:ext>
             </a:extLst>
           </p:cNvPr>
@@ -29329,7 +28847,7 @@
           <p:cNvPr id="9" name="표 3">
             <a:extLst>
               <a:ext uri="{FF2B5EF4-FFF2-40B4-BE49-F238E27FC236}">
-                <a16:creationId xmlns="" xmlns:a16="http://schemas.microsoft.com/office/drawing/2014/main" id="{0459C800-1F05-4BE2-B693-A60F050D7237}"/>
+                <a16:creationId xmlns:a16="http://schemas.microsoft.com/office/drawing/2014/main" id="{0459C800-1F05-4BE2-B693-A60F050D7237}"/>
               </a:ext>
             </a:extLst>
           </p:cNvPr>
@@ -29356,21 +28874,21 @@
                 <a:gridCol w="663527">
                   <a:extLst>
                     <a:ext uri="{9D8B030D-6E8A-4147-A177-3AD203B41FA5}">
-                      <a16:colId xmlns="" xmlns:a16="http://schemas.microsoft.com/office/drawing/2014/main" val="1239036185"/>
+                      <a16:colId xmlns:a16="http://schemas.microsoft.com/office/drawing/2014/main" val="1239036185"/>
                     </a:ext>
                   </a:extLst>
                 </a:gridCol>
                 <a:gridCol w="1362039">
                   <a:extLst>
                     <a:ext uri="{9D8B030D-6E8A-4147-A177-3AD203B41FA5}">
-                      <a16:colId xmlns="" xmlns:a16="http://schemas.microsoft.com/office/drawing/2014/main" val="1467418087"/>
+                      <a16:colId xmlns:a16="http://schemas.microsoft.com/office/drawing/2014/main" val="1467418087"/>
                     </a:ext>
                   </a:extLst>
                 </a:gridCol>
                 <a:gridCol w="7388461">
                   <a:extLst>
                     <a:ext uri="{9D8B030D-6E8A-4147-A177-3AD203B41FA5}">
-                      <a16:colId xmlns="" xmlns:a16="http://schemas.microsoft.com/office/drawing/2014/main" val="2305120630"/>
+                      <a16:colId xmlns:a16="http://schemas.microsoft.com/office/drawing/2014/main" val="2305120630"/>
                     </a:ext>
                   </a:extLst>
                 </a:gridCol>
@@ -29582,7 +29100,7 @@
                 </a:tc>
                 <a:extLst>
                   <a:ext uri="{0D108BD9-81ED-4DB2-BD59-A6C34878D82A}">
-                    <a16:rowId xmlns="" xmlns:a16="http://schemas.microsoft.com/office/drawing/2014/main" val="673338101"/>
+                    <a16:rowId xmlns:a16="http://schemas.microsoft.com/office/drawing/2014/main" val="673338101"/>
                   </a:ext>
                 </a:extLst>
               </a:tr>
@@ -29830,7 +29348,7 @@
                         <a:t>기업의 목표와 일치 하는가</a:t>
                       </a:r>
                       <a:r>
-                        <a:rPr lang="en-US" altLang="ko-KR" sz="1100" b="0" dirty="0" smtClean="0">
+                        <a:rPr lang="en-US" altLang="ko-KR" sz="1100" b="0" dirty="0">
                           <a:solidFill>
                             <a:schemeClr val="tx1">
                               <a:lumMod val="75000"/>
@@ -29860,7 +29378,7 @@
                         <a:tabLst/>
                         <a:defRPr/>
                       </a:pPr>
-                      <a:endParaRPr lang="en-US" altLang="ko-KR" sz="1100" b="0" dirty="0" smtClean="0">
+                      <a:endParaRPr lang="en-US" altLang="ko-KR" sz="1100" b="0" dirty="0">
                         <a:solidFill>
                           <a:schemeClr val="tx1">
                             <a:lumMod val="75000"/>
@@ -29889,7 +29407,7 @@
                         <a:defRPr/>
                       </a:pPr>
                       <a:r>
-                        <a:rPr lang="ko-KR" altLang="en-US" sz="1100" b="0" dirty="0" err="1" smtClean="0">
+                        <a:rPr lang="ko-KR" altLang="en-US" sz="1100" b="0" dirty="0" err="1">
                           <a:solidFill>
                             <a:schemeClr val="tx1">
                               <a:lumMod val="75000"/>
@@ -29901,7 +29419,7 @@
                         <a:t>저염식</a:t>
                       </a:r>
                       <a:r>
-                        <a:rPr lang="ko-KR" altLang="en-US" sz="1100" b="0" dirty="0" smtClean="0">
+                        <a:rPr lang="ko-KR" altLang="en-US" sz="1100" b="0" dirty="0">
                           <a:solidFill>
                             <a:schemeClr val="tx1">
                               <a:lumMod val="75000"/>
@@ -29912,7 +29430,7 @@
                         </a:rPr>
                         <a:t> 반찬으로 매일매일 속 편한 한끼 식사를 약속을 모토로</a:t>
                       </a:r>
-                      <a:endParaRPr lang="en-US" altLang="ko-KR" sz="1100" b="0" dirty="0" smtClean="0">
+                      <a:endParaRPr lang="en-US" altLang="ko-KR" sz="1100" b="0" dirty="0">
                         <a:solidFill>
                           <a:schemeClr val="tx1">
                             <a:lumMod val="75000"/>
@@ -29941,7 +29459,7 @@
                         <a:defRPr/>
                       </a:pPr>
                       <a:r>
-                        <a:rPr lang="ko-KR" altLang="en-US" sz="1100" b="0" dirty="0" err="1" smtClean="0">
+                        <a:rPr lang="ko-KR" altLang="en-US" sz="1100" b="0" dirty="0" err="1">
                           <a:solidFill>
                             <a:schemeClr val="tx1">
                               <a:lumMod val="75000"/>
@@ -29953,7 +29471,7 @@
                         <a:t>포르미는</a:t>
                       </a:r>
                       <a:r>
-                        <a:rPr lang="ko-KR" altLang="en-US" sz="1100" b="0" dirty="0" smtClean="0">
+                        <a:rPr lang="ko-KR" altLang="en-US" sz="1100" b="0" dirty="0">
                           <a:solidFill>
                             <a:schemeClr val="tx1">
                               <a:lumMod val="75000"/>
@@ -29965,7 +29483,7 @@
                         <a:t> 정확한 중량의 식단과 식용유를 사용하지 않는 밥짓기 공법으로 여러 다이어트 도시락을 출시하고 있다</a:t>
                       </a:r>
                       <a:r>
-                        <a:rPr lang="en-US" altLang="ko-KR" sz="1100" b="0" dirty="0" smtClean="0">
+                        <a:rPr lang="en-US" altLang="ko-KR" sz="1100" b="0" dirty="0">
                           <a:solidFill>
                             <a:schemeClr val="tx1">
                               <a:lumMod val="75000"/>
@@ -29976,15 +29494,6 @@
                         </a:rPr>
                         <a:t>.</a:t>
                       </a:r>
-                      <a:endParaRPr lang="en-US" altLang="ko-KR" sz="1100" b="0" dirty="0">
-                        <a:solidFill>
-                          <a:schemeClr val="tx1">
-                            <a:lumMod val="75000"/>
-                            <a:lumOff val="25000"/>
-                          </a:schemeClr>
-                        </a:solidFill>
-                        <a:latin typeface="+mn-lt"/>
-                      </a:endParaRPr>
                     </a:p>
                   </a:txBody>
                   <a:tcPr>
@@ -30044,7 +29553,7 @@
                 </a:tc>
                 <a:extLst>
                   <a:ext uri="{0D108BD9-81ED-4DB2-BD59-A6C34878D82A}">
-                    <a16:rowId xmlns="" xmlns:a16="http://schemas.microsoft.com/office/drawing/2014/main" val="360690708"/>
+                    <a16:rowId xmlns:a16="http://schemas.microsoft.com/office/drawing/2014/main" val="360690708"/>
                   </a:ext>
                 </a:extLst>
               </a:tr>
@@ -30154,7 +29663,7 @@
                         <a:t>기술적 자원을 갖추고 있는가</a:t>
                       </a:r>
                       <a:r>
-                        <a:rPr lang="en-US" altLang="ko-KR" sz="1100" b="0" dirty="0" smtClean="0">
+                        <a:rPr lang="en-US" altLang="ko-KR" sz="1100" b="0" dirty="0">
                           <a:solidFill>
                             <a:schemeClr val="tx1">
                               <a:lumMod val="75000"/>
@@ -30184,7 +29693,7 @@
                         <a:tabLst/>
                         <a:defRPr/>
                       </a:pPr>
-                      <a:endParaRPr lang="en-US" altLang="ko-KR" sz="1100" b="0" dirty="0" smtClean="0">
+                      <a:endParaRPr lang="en-US" altLang="ko-KR" sz="1100" b="0" dirty="0">
                         <a:solidFill>
                           <a:schemeClr val="tx1">
                             <a:lumMod val="75000"/>
@@ -30213,7 +29722,7 @@
                         <a:defRPr/>
                       </a:pPr>
                       <a:r>
-                        <a:rPr lang="ko-KR" altLang="en-US" sz="1100" b="0" dirty="0" err="1" smtClean="0">
+                        <a:rPr lang="ko-KR" altLang="en-US" sz="1100" b="0" dirty="0" err="1">
                           <a:solidFill>
                             <a:schemeClr val="tx1">
                               <a:lumMod val="75000"/>
@@ -30225,7 +29734,7 @@
                         <a:t>포르미는</a:t>
                       </a:r>
                       <a:r>
-                        <a:rPr lang="ko-KR" altLang="en-US" sz="1100" b="0" dirty="0" smtClean="0">
+                        <a:rPr lang="ko-KR" altLang="en-US" sz="1100" b="0" dirty="0">
                           <a:solidFill>
                             <a:schemeClr val="tx1">
                               <a:lumMod val="75000"/>
@@ -30237,7 +29746,7 @@
                         <a:t> 온라인 유통전문업체 설립 및 자체 생산시설을 갖추고 있다</a:t>
                       </a:r>
                       <a:r>
-                        <a:rPr lang="en-US" altLang="ko-KR" sz="1100" b="0" dirty="0" smtClean="0">
+                        <a:rPr lang="en-US" altLang="ko-KR" sz="1100" b="0" dirty="0">
                           <a:solidFill>
                             <a:schemeClr val="tx1">
                               <a:lumMod val="75000"/>
@@ -30307,7 +29816,7 @@
                 </a:tc>
                 <a:extLst>
                   <a:ext uri="{0D108BD9-81ED-4DB2-BD59-A6C34878D82A}">
-                    <a16:rowId xmlns="" xmlns:a16="http://schemas.microsoft.com/office/drawing/2014/main" val="3897635325"/>
+                    <a16:rowId xmlns:a16="http://schemas.microsoft.com/office/drawing/2014/main" val="3897635325"/>
                   </a:ext>
                 </a:extLst>
               </a:tr>
@@ -30369,7 +29878,7 @@
                         <a:t>기존 서비스와 시너지 효과를 낼 수 있는가</a:t>
                       </a:r>
                       <a:r>
-                        <a:rPr lang="en-US" altLang="ko-KR" sz="1100" b="0" dirty="0" smtClean="0">
+                        <a:rPr lang="en-US" altLang="ko-KR" sz="1100" b="0" dirty="0">
                           <a:solidFill>
                             <a:schemeClr val="tx1">
                               <a:lumMod val="75000"/>
@@ -30428,7 +29937,7 @@
                         <a:defRPr/>
                       </a:pPr>
                       <a:r>
-                        <a:rPr lang="ko-KR" altLang="en-US" sz="1100" b="0" dirty="0" err="1" smtClean="0">
+                        <a:rPr lang="ko-KR" altLang="en-US" sz="1100" b="0" dirty="0" err="1">
                           <a:solidFill>
                             <a:schemeClr val="tx1">
                               <a:lumMod val="75000"/>
@@ -30440,7 +29949,7 @@
                         <a:t>포르미의</a:t>
                       </a:r>
                       <a:r>
-                        <a:rPr lang="ko-KR" altLang="en-US" sz="1100" b="0" dirty="0" smtClean="0">
+                        <a:rPr lang="ko-KR" altLang="en-US" sz="1100" b="0" dirty="0">
                           <a:solidFill>
                             <a:schemeClr val="tx1">
                               <a:lumMod val="75000"/>
@@ -30452,7 +29961,7 @@
                         <a:t> 건강 잡곡밥이라는 좋은 장점을 살려 시너지 효과를 낼 수 있다</a:t>
                       </a:r>
                       <a:r>
-                        <a:rPr lang="en-US" altLang="ko-KR" sz="1100" b="0" dirty="0" smtClean="0">
+                        <a:rPr lang="en-US" altLang="ko-KR" sz="1100" b="0" dirty="0">
                           <a:solidFill>
                             <a:schemeClr val="tx1">
                               <a:lumMod val="75000"/>
@@ -30522,7 +30031,7 @@
                 </a:tc>
                 <a:extLst>
                   <a:ext uri="{0D108BD9-81ED-4DB2-BD59-A6C34878D82A}">
-                    <a16:rowId xmlns="" xmlns:a16="http://schemas.microsoft.com/office/drawing/2014/main" val="2494259714"/>
+                    <a16:rowId xmlns:a16="http://schemas.microsoft.com/office/drawing/2014/main" val="2494259714"/>
                   </a:ext>
                 </a:extLst>
               </a:tr>
@@ -30535,7 +30044,7 @@
           <p:cNvPr id="11" name="슬라이드 번호 개체 틀 3">
             <a:extLst>
               <a:ext uri="{FF2B5EF4-FFF2-40B4-BE49-F238E27FC236}">
-                <a16:creationId xmlns="" xmlns:a16="http://schemas.microsoft.com/office/drawing/2014/main" id="{4A091A2D-E689-493E-AB16-D06362ABAC21}"/>
+                <a16:creationId xmlns:a16="http://schemas.microsoft.com/office/drawing/2014/main" id="{4A091A2D-E689-493E-AB16-D06362ABAC21}"/>
               </a:ext>
             </a:extLst>
           </p:cNvPr>
@@ -30613,7 +30122,7 @@
           <p:cNvPr id="2" name="제목 1">
             <a:extLst>
               <a:ext uri="{FF2B5EF4-FFF2-40B4-BE49-F238E27FC236}">
-                <a16:creationId xmlns="" xmlns:a16="http://schemas.microsoft.com/office/drawing/2014/main" id="{4E1E60AE-5AB9-4B0F-A0D8-2339BA34DD09}"/>
+                <a16:creationId xmlns:a16="http://schemas.microsoft.com/office/drawing/2014/main" id="{4E1E60AE-5AB9-4B0F-A0D8-2339BA34DD09}"/>
               </a:ext>
             </a:extLst>
           </p:cNvPr>
@@ -30658,7 +30167,7 @@
           <p:cNvPr id="12" name="부제목 3">
             <a:extLst>
               <a:ext uri="{FF2B5EF4-FFF2-40B4-BE49-F238E27FC236}">
-                <a16:creationId xmlns="" xmlns:a16="http://schemas.microsoft.com/office/drawing/2014/main" id="{9BDE5150-D116-4748-8159-831FAA8ABF6E}"/>
+                <a16:creationId xmlns:a16="http://schemas.microsoft.com/office/drawing/2014/main" id="{9BDE5150-D116-4748-8159-831FAA8ABF6E}"/>
               </a:ext>
             </a:extLst>
           </p:cNvPr>
@@ -30690,7 +30199,7 @@
           <p:cNvPr id="13" name="텍스트 개체 틀 11">
             <a:extLst>
               <a:ext uri="{FF2B5EF4-FFF2-40B4-BE49-F238E27FC236}">
-                <a16:creationId xmlns="" xmlns:a16="http://schemas.microsoft.com/office/drawing/2014/main" id="{77A760DD-A22E-4893-8886-C3EF30F0E801}"/>
+                <a16:creationId xmlns:a16="http://schemas.microsoft.com/office/drawing/2014/main" id="{77A760DD-A22E-4893-8886-C3EF30F0E801}"/>
               </a:ext>
             </a:extLst>
           </p:cNvPr>
@@ -30780,7 +30289,7 @@
           <p:cNvPr id="20" name="직사각형 19">
             <a:extLst>
               <a:ext uri="{FF2B5EF4-FFF2-40B4-BE49-F238E27FC236}">
-                <a16:creationId xmlns="" xmlns:a16="http://schemas.microsoft.com/office/drawing/2014/main" id="{E3EF3568-F942-C94E-926B-6416379CD47C}"/>
+                <a16:creationId xmlns:a16="http://schemas.microsoft.com/office/drawing/2014/main" id="{E3EF3568-F942-C94E-926B-6416379CD47C}"/>
               </a:ext>
             </a:extLst>
           </p:cNvPr>
@@ -30830,7 +30339,7 @@
           <p:cNvPr id="9" name="표 8">
             <a:extLst>
               <a:ext uri="{FF2B5EF4-FFF2-40B4-BE49-F238E27FC236}">
-                <a16:creationId xmlns="" xmlns:a16="http://schemas.microsoft.com/office/drawing/2014/main" id="{CAA12A27-DF1A-434C-99F6-A077860D06EF}"/>
+                <a16:creationId xmlns:a16="http://schemas.microsoft.com/office/drawing/2014/main" id="{CAA12A27-DF1A-434C-99F6-A077860D06EF}"/>
               </a:ext>
             </a:extLst>
           </p:cNvPr>
@@ -30857,84 +30366,84 @@
                 <a:gridCol w="590747">
                   <a:extLst>
                     <a:ext uri="{9D8B030D-6E8A-4147-A177-3AD203B41FA5}">
-                      <a16:colId xmlns="" xmlns:a16="http://schemas.microsoft.com/office/drawing/2014/main" val="2825577889"/>
+                      <a16:colId xmlns:a16="http://schemas.microsoft.com/office/drawing/2014/main" val="2825577889"/>
                     </a:ext>
                   </a:extLst>
                 </a:gridCol>
                 <a:gridCol w="271773">
                   <a:extLst>
                     <a:ext uri="{9D8B030D-6E8A-4147-A177-3AD203B41FA5}">
-                      <a16:colId xmlns="" xmlns:a16="http://schemas.microsoft.com/office/drawing/2014/main" val="2575371145"/>
+                      <a16:colId xmlns:a16="http://schemas.microsoft.com/office/drawing/2014/main" val="2575371145"/>
                     </a:ext>
                   </a:extLst>
                 </a:gridCol>
                 <a:gridCol w="271773">
                   <a:extLst>
                     <a:ext uri="{9D8B030D-6E8A-4147-A177-3AD203B41FA5}">
-                      <a16:colId xmlns="" xmlns:a16="http://schemas.microsoft.com/office/drawing/2014/main" val="2460392279"/>
+                      <a16:colId xmlns:a16="http://schemas.microsoft.com/office/drawing/2014/main" val="2460392279"/>
                     </a:ext>
                   </a:extLst>
                 </a:gridCol>
                 <a:gridCol w="1168621">
                   <a:extLst>
                     <a:ext uri="{9D8B030D-6E8A-4147-A177-3AD203B41FA5}">
-                      <a16:colId xmlns="" xmlns:a16="http://schemas.microsoft.com/office/drawing/2014/main" val="2618226828"/>
+                      <a16:colId xmlns:a16="http://schemas.microsoft.com/office/drawing/2014/main" val="2618226828"/>
                     </a:ext>
                   </a:extLst>
                 </a:gridCol>
                 <a:gridCol w="559676">
                   <a:extLst>
                     <a:ext uri="{9D8B030D-6E8A-4147-A177-3AD203B41FA5}">
-                      <a16:colId xmlns="" xmlns:a16="http://schemas.microsoft.com/office/drawing/2014/main" val="1969063327"/>
+                      <a16:colId xmlns:a16="http://schemas.microsoft.com/office/drawing/2014/main" val="1969063327"/>
                     </a:ext>
                   </a:extLst>
                 </a:gridCol>
                 <a:gridCol w="851339">
                   <a:extLst>
                     <a:ext uri="{9D8B030D-6E8A-4147-A177-3AD203B41FA5}">
-                      <a16:colId xmlns="" xmlns:a16="http://schemas.microsoft.com/office/drawing/2014/main" val="3189108789"/>
+                      <a16:colId xmlns:a16="http://schemas.microsoft.com/office/drawing/2014/main" val="3189108789"/>
                     </a:ext>
                   </a:extLst>
                 </a:gridCol>
                 <a:gridCol w="614855">
                   <a:extLst>
                     <a:ext uri="{9D8B030D-6E8A-4147-A177-3AD203B41FA5}">
-                      <a16:colId xmlns="" xmlns:a16="http://schemas.microsoft.com/office/drawing/2014/main" val="2696593972"/>
+                      <a16:colId xmlns:a16="http://schemas.microsoft.com/office/drawing/2014/main" val="2696593972"/>
                     </a:ext>
                   </a:extLst>
                 </a:gridCol>
                 <a:gridCol w="1174531">
                   <a:extLst>
                     <a:ext uri="{9D8B030D-6E8A-4147-A177-3AD203B41FA5}">
-                      <a16:colId xmlns="" xmlns:a16="http://schemas.microsoft.com/office/drawing/2014/main" val="3670021084"/>
+                      <a16:colId xmlns:a16="http://schemas.microsoft.com/office/drawing/2014/main" val="3670021084"/>
                     </a:ext>
                   </a:extLst>
                 </a:gridCol>
                 <a:gridCol w="449317">
                   <a:extLst>
                     <a:ext uri="{9D8B030D-6E8A-4147-A177-3AD203B41FA5}">
-                      <a16:colId xmlns="" xmlns:a16="http://schemas.microsoft.com/office/drawing/2014/main" val="141499677"/>
+                      <a16:colId xmlns:a16="http://schemas.microsoft.com/office/drawing/2014/main" val="141499677"/>
                     </a:ext>
                   </a:extLst>
                 </a:gridCol>
                 <a:gridCol w="1371600">
                   <a:extLst>
                     <a:ext uri="{9D8B030D-6E8A-4147-A177-3AD203B41FA5}">
-                      <a16:colId xmlns="" xmlns:a16="http://schemas.microsoft.com/office/drawing/2014/main" val="935067537"/>
+                      <a16:colId xmlns:a16="http://schemas.microsoft.com/office/drawing/2014/main" val="935067537"/>
                     </a:ext>
                   </a:extLst>
                 </a:gridCol>
                 <a:gridCol w="622739">
                   <a:extLst>
                     <a:ext uri="{9D8B030D-6E8A-4147-A177-3AD203B41FA5}">
-                      <a16:colId xmlns="" xmlns:a16="http://schemas.microsoft.com/office/drawing/2014/main" val="2779693455"/>
+                      <a16:colId xmlns:a16="http://schemas.microsoft.com/office/drawing/2014/main" val="2779693455"/>
                     </a:ext>
                   </a:extLst>
                 </a:gridCol>
                 <a:gridCol w="1545023">
                   <a:extLst>
                     <a:ext uri="{9D8B030D-6E8A-4147-A177-3AD203B41FA5}">
-                      <a16:colId xmlns="" xmlns:a16="http://schemas.microsoft.com/office/drawing/2014/main" val="732168727"/>
+                      <a16:colId xmlns:a16="http://schemas.microsoft.com/office/drawing/2014/main" val="732168727"/>
                     </a:ext>
                   </a:extLst>
                 </a:gridCol>
@@ -31074,7 +30583,7 @@
                         <a:t>요구사항 요약</a:t>
                       </a:r>
                       <a:r>
-                        <a:rPr lang="en-US" altLang="ko-KR" sz="1100" b="1" kern="0" spc="0" dirty="0" smtClean="0">
+                        <a:rPr lang="en-US" altLang="ko-KR" sz="1100" b="1" kern="0" spc="0" dirty="0">
                           <a:solidFill>
                             <a:srgbClr val="191919"/>
                           </a:solidFill>
@@ -31085,7 +30594,7 @@
                         <a:t>: </a:t>
                       </a:r>
                       <a:r>
-                        <a:rPr lang="ko-KR" altLang="en-US" sz="1100" b="0" kern="0" spc="0" dirty="0" smtClean="0">
+                        <a:rPr lang="ko-KR" altLang="en-US" sz="1100" b="0" kern="0" spc="0" dirty="0">
                           <a:solidFill>
                             <a:srgbClr val="191919"/>
                           </a:solidFill>
@@ -31096,7 +30605,7 @@
                         <a:t>식단관리 초보</a:t>
                       </a:r>
                       <a:r>
-                        <a:rPr lang="ko-KR" altLang="en-US" sz="1100" b="0" kern="0" spc="0" dirty="0" smtClean="0">
+                        <a:rPr lang="ko-KR" altLang="en-US" sz="1100" b="0" kern="0" spc="0" dirty="0">
                           <a:solidFill>
                             <a:srgbClr val="191919"/>
                           </a:solidFill>
@@ -31106,7 +30615,7 @@
                         <a:t>자도 </a:t>
                       </a:r>
                       <a:r>
-                        <a:rPr lang="ko-KR" altLang="en-US" sz="1100" kern="0" spc="0" dirty="0" smtClean="0">
+                        <a:rPr lang="ko-KR" altLang="en-US" sz="1100" kern="0" spc="0" dirty="0">
                           <a:solidFill>
                             <a:srgbClr val="191919"/>
                           </a:solidFill>
@@ -31116,7 +30625,7 @@
                         <a:t>쉽게 접근할 수 있도록 직관적이면서 정확한 도시락 종류 구분과 맛을 참고 할 </a:t>
                       </a:r>
                       <a:r>
-                        <a:rPr lang="ko-KR" altLang="en-US" sz="1100" kern="0" spc="0" dirty="0" err="1" smtClean="0">
+                        <a:rPr lang="ko-KR" altLang="en-US" sz="1100" kern="0" spc="0" dirty="0" err="1">
                           <a:solidFill>
                             <a:srgbClr val="191919"/>
                           </a:solidFill>
@@ -31126,7 +30635,7 @@
                         <a:t>수있는</a:t>
                       </a:r>
                       <a:r>
-                        <a:rPr lang="ko-KR" altLang="en-US" sz="1100" kern="0" spc="0" dirty="0" smtClean="0">
+                        <a:rPr lang="ko-KR" altLang="en-US" sz="1100" kern="0" spc="0" dirty="0">
                           <a:solidFill>
                             <a:srgbClr val="191919"/>
                           </a:solidFill>
@@ -31135,13 +30644,6 @@
                         </a:rPr>
                         <a:t> 리뷰가 필요</a:t>
                       </a:r>
-                      <a:endParaRPr lang="ko-KR" altLang="en-US" sz="1100" kern="0" spc="0" dirty="0">
-                        <a:solidFill>
-                          <a:srgbClr val="191919"/>
-                        </a:solidFill>
-                        <a:effectLst/>
-                        <a:latin typeface="맑은 고딕" panose="020B0503020000020004" pitchFamily="50" charset="-127"/>
-                      </a:endParaRPr>
                     </a:p>
                   </a:txBody>
                   <a:tcPr marL="64771" marR="64771" marT="17907" marB="17907" anchor="ctr">
@@ -31296,7 +30798,7 @@
                 </a:tc>
                 <a:extLst>
                   <a:ext uri="{0D108BD9-81ED-4DB2-BD59-A6C34878D82A}">
-                    <a16:rowId xmlns="" xmlns:a16="http://schemas.microsoft.com/office/drawing/2014/main" val="3340433091"/>
+                    <a16:rowId xmlns:a16="http://schemas.microsoft.com/office/drawing/2014/main" val="3340433091"/>
                   </a:ext>
                 </a:extLst>
               </a:tr>
@@ -31403,7 +30905,7 @@
                         </a:spcAft>
                       </a:pPr>
                       <a:r>
-                        <a:rPr lang="ko-KR" altLang="en-US" sz="1100" kern="0" spc="0" dirty="0" smtClean="0">
+                        <a:rPr lang="ko-KR" altLang="en-US" sz="1100" kern="0" spc="0" dirty="0">
                           <a:solidFill>
                             <a:srgbClr val="191919"/>
                           </a:solidFill>
@@ -31412,13 +30914,6 @@
                         </a:rPr>
                         <a:t>이다희</a:t>
                       </a:r>
-                      <a:endParaRPr lang="ko-KR" altLang="en-US" sz="1100" kern="0" spc="0" dirty="0">
-                        <a:solidFill>
-                          <a:srgbClr val="191919"/>
-                        </a:solidFill>
-                        <a:effectLst/>
-                        <a:latin typeface="맑은 고딕" panose="020B0503020000020004" pitchFamily="50" charset="-127"/>
-                      </a:endParaRPr>
                     </a:p>
                   </a:txBody>
                   <a:tcPr marL="64771" marR="64771" marT="17907" marB="17907" anchor="ctr">
@@ -31592,7 +31087,7 @@
                         </a:spcAft>
                       </a:pPr>
                       <a:r>
-                        <a:rPr lang="en-US" altLang="ko-KR" sz="1100" kern="0" spc="0" dirty="0" smtClean="0">
+                        <a:rPr lang="en-US" altLang="ko-KR" sz="1100" kern="0" spc="0" dirty="0">
                           <a:solidFill>
                             <a:srgbClr val="191919"/>
                           </a:solidFill>
@@ -31762,7 +31257,7 @@
                         </a:spcAft>
                       </a:pPr>
                       <a:r>
-                        <a:rPr lang="ko-KR" altLang="en-US" sz="1100" kern="0" spc="0" dirty="0" smtClean="0">
+                        <a:rPr lang="ko-KR" altLang="en-US" sz="1100" kern="0" spc="0" dirty="0">
                           <a:solidFill>
                             <a:srgbClr val="191919"/>
                           </a:solidFill>
@@ -31771,13 +31266,6 @@
                         </a:rPr>
                         <a:t>여자</a:t>
                       </a:r>
-                      <a:endParaRPr lang="ko-KR" altLang="en-US" sz="1100" kern="0" spc="0" dirty="0">
-                        <a:solidFill>
-                          <a:srgbClr val="191919"/>
-                        </a:solidFill>
-                        <a:effectLst/>
-                        <a:latin typeface="맑은 고딕" panose="020B0503020000020004" pitchFamily="50" charset="-127"/>
-                      </a:endParaRPr>
                     </a:p>
                   </a:txBody>
                   <a:tcPr marL="64771" marR="64771" marT="17907" marB="17907" anchor="ctr">
@@ -31932,7 +31420,7 @@
                         </a:spcAft>
                       </a:pPr>
                       <a:r>
-                        <a:rPr lang="ko-KR" altLang="en-US" sz="900" kern="0" spc="0" dirty="0" smtClean="0">
+                        <a:rPr lang="ko-KR" altLang="en-US" sz="900" kern="0" spc="0" dirty="0">
                           <a:solidFill>
                             <a:srgbClr val="191919"/>
                           </a:solidFill>
@@ -31941,13 +31429,6 @@
                         </a:rPr>
                         <a:t>대한민국</a:t>
                       </a:r>
-                      <a:endParaRPr lang="ko-KR" altLang="en-US" sz="900" kern="0" spc="0" dirty="0">
-                        <a:solidFill>
-                          <a:srgbClr val="191919"/>
-                        </a:solidFill>
-                        <a:effectLst/>
-                        <a:latin typeface="맑은 고딕" panose="020B0503020000020004" pitchFamily="50" charset="-127"/>
-                      </a:endParaRPr>
                     </a:p>
                   </a:txBody>
                   <a:tcPr marL="64771" marR="64771" marT="17907" marB="17907" anchor="ctr">
@@ -32102,7 +31583,7 @@
                         </a:spcAft>
                       </a:pPr>
                       <a:r>
-                        <a:rPr lang="ko-KR" altLang="en-US" sz="800" b="1" kern="0" spc="0" dirty="0" smtClean="0">
+                        <a:rPr lang="ko-KR" altLang="en-US" sz="800" b="1" kern="0" spc="0" dirty="0">
                           <a:solidFill>
                             <a:srgbClr val="191919"/>
                           </a:solidFill>
@@ -32173,7 +31654,7 @@
                 </a:tc>
                 <a:extLst>
                   <a:ext uri="{0D108BD9-81ED-4DB2-BD59-A6C34878D82A}">
-                    <a16:rowId xmlns="" xmlns:a16="http://schemas.microsoft.com/office/drawing/2014/main" val="3702969753"/>
+                    <a16:rowId xmlns:a16="http://schemas.microsoft.com/office/drawing/2014/main" val="3702969753"/>
                   </a:ext>
                 </a:extLst>
               </a:tr>
@@ -32282,7 +31763,7 @@
                         </a:spcAft>
                       </a:pPr>
                       <a:r>
-                        <a:rPr lang="ko-KR" altLang="en-US" sz="1100" b="1" kern="0" spc="0" dirty="0" smtClean="0">
+                        <a:rPr lang="ko-KR" altLang="en-US" sz="1100" b="1" kern="0" spc="0" dirty="0">
                           <a:solidFill>
                             <a:srgbClr val="191919"/>
                           </a:solidFill>
@@ -32291,13 +31772,6 @@
                         </a:rPr>
                         <a:t>영화보기</a:t>
                       </a:r>
-                      <a:endParaRPr lang="ko-KR" altLang="en-US" sz="1100" b="1" kern="0" spc="0" dirty="0">
-                        <a:solidFill>
-                          <a:srgbClr val="191919"/>
-                        </a:solidFill>
-                        <a:effectLst/>
-                        <a:latin typeface="맑은 고딕" panose="020B0503020000020004" pitchFamily="50" charset="-127"/>
-                      </a:endParaRPr>
                     </a:p>
                   </a:txBody>
                   <a:tcPr marL="64771" marR="64771" marT="17907" marB="17907" anchor="ctr">
@@ -32500,7 +31974,7 @@
                         <a:defRPr/>
                       </a:pPr>
                       <a:r>
-                        <a:rPr lang="ko-KR" altLang="en-US" sz="1100" b="1" kern="0" spc="0" dirty="0" smtClean="0">
+                        <a:rPr lang="ko-KR" altLang="en-US" sz="1100" b="1" kern="0" spc="0" dirty="0">
                           <a:solidFill>
                             <a:srgbClr val="191919"/>
                           </a:solidFill>
@@ -32685,7 +32159,7 @@
                         <a:defRPr/>
                       </a:pPr>
                       <a:r>
-                        <a:rPr lang="en-US" altLang="ko-KR" sz="900" b="1" kern="0" spc="0" dirty="0" smtClean="0">
+                        <a:rPr lang="en-US" altLang="ko-KR" sz="900" b="1" kern="0" spc="0" dirty="0">
                           <a:solidFill>
                             <a:srgbClr val="191919"/>
                           </a:solidFill>
@@ -32695,7 +32169,7 @@
                         <a:t>200</a:t>
                       </a:r>
                       <a:r>
-                        <a:rPr lang="ko-KR" altLang="en-US" sz="900" b="1" kern="0" spc="0" dirty="0" smtClean="0">
+                        <a:rPr lang="ko-KR" altLang="en-US" sz="900" b="1" kern="0" spc="0" dirty="0">
                           <a:solidFill>
                             <a:srgbClr val="191919"/>
                           </a:solidFill>
@@ -32756,7 +32230,7 @@
                 </a:tc>
                 <a:extLst>
                   <a:ext uri="{0D108BD9-81ED-4DB2-BD59-A6C34878D82A}">
-                    <a16:rowId xmlns="" xmlns:a16="http://schemas.microsoft.com/office/drawing/2014/main" val="87832763"/>
+                    <a16:rowId xmlns:a16="http://schemas.microsoft.com/office/drawing/2014/main" val="87832763"/>
                   </a:ext>
                 </a:extLst>
               </a:tr>
@@ -32887,7 +32361,7 @@
                         </a:spcAft>
                       </a:pPr>
                       <a:r>
-                        <a:rPr lang="ko-KR" altLang="en-US" sz="1100" kern="0" spc="0" dirty="0" smtClean="0">
+                        <a:rPr lang="ko-KR" altLang="en-US" sz="1100" kern="0" spc="0" dirty="0">
                           <a:solidFill>
                             <a:schemeClr val="tx1"/>
                           </a:solidFill>
@@ -32897,7 +32371,7 @@
                         <a:t>움직이는 것을 별로 좋아하지 않고 운동과 거리가 멀고 배달음식을</a:t>
                       </a:r>
                       <a:r>
-                        <a:rPr lang="ko-KR" altLang="en-US" sz="1100" kern="0" spc="0" baseline="0" dirty="0" smtClean="0">
+                        <a:rPr lang="ko-KR" altLang="en-US" sz="1100" kern="0" spc="0" baseline="0" dirty="0">
                           <a:solidFill>
                             <a:schemeClr val="tx1"/>
                           </a:solidFill>
@@ -33053,7 +32527,7 @@
                 </a:tc>
                 <a:extLst>
                   <a:ext uri="{0D108BD9-81ED-4DB2-BD59-A6C34878D82A}">
-                    <a16:rowId xmlns="" xmlns:a16="http://schemas.microsoft.com/office/drawing/2014/main" val="2882620723"/>
+                    <a16:rowId xmlns:a16="http://schemas.microsoft.com/office/drawing/2014/main" val="2882620723"/>
                   </a:ext>
                 </a:extLst>
               </a:tr>
@@ -33097,7 +32571,7 @@
                         <a:t> 및 스토리 </a:t>
                       </a:r>
                       <a:r>
-                        <a:rPr lang="en-US" altLang="ko-KR" sz="1100" b="1" kern="0" spc="-80" dirty="0" smtClean="0">
+                        <a:rPr lang="en-US" altLang="ko-KR" sz="1100" b="1" kern="0" spc="-80" dirty="0">
                           <a:solidFill>
                             <a:srgbClr val="4C4C4C"/>
                           </a:solidFill>
@@ -33120,7 +32594,7 @@
                           <a:spcPts val="0"/>
                         </a:spcAft>
                       </a:pPr>
-                      <a:endParaRPr lang="en-US" altLang="ko-KR" sz="1100" b="1" kern="0" spc="-80" dirty="0" smtClean="0">
+                      <a:endParaRPr lang="en-US" altLang="ko-KR" sz="1100" b="1" kern="0" spc="-80" dirty="0">
                         <a:solidFill>
                           <a:srgbClr val="4C4C4C"/>
                         </a:solidFill>
@@ -33142,7 +32616,7 @@
                         </a:spcAft>
                       </a:pPr>
                       <a:r>
-                        <a:rPr lang="ko-KR" altLang="en-US" sz="1100" kern="0" spc="0" dirty="0" smtClean="0">
+                        <a:rPr lang="ko-KR" altLang="en-US" sz="1100" kern="0" spc="0" dirty="0">
                           <a:solidFill>
                             <a:srgbClr val="191919"/>
                           </a:solidFill>
@@ -33152,7 +32626,7 @@
                         <a:t>평소 운동을 좋아하지 않고 배달</a:t>
                       </a:r>
                       <a:r>
-                        <a:rPr lang="ko-KR" altLang="en-US" sz="1100" kern="0" spc="0" baseline="0" dirty="0" smtClean="0">
+                        <a:rPr lang="ko-KR" altLang="en-US" sz="1100" kern="0" spc="0" baseline="0" dirty="0">
                           <a:solidFill>
                             <a:srgbClr val="191919"/>
                           </a:solidFill>
@@ -33162,7 +32636,7 @@
                         <a:t> 음식으로 인하여 급격한 체중 증가로 인하여 </a:t>
                       </a:r>
                       <a:r>
-                        <a:rPr lang="en-US" altLang="ko-KR" sz="1100" kern="0" spc="0" baseline="0" dirty="0" smtClean="0">
+                        <a:rPr lang="en-US" altLang="ko-KR" sz="1100" kern="0" spc="0" baseline="0" dirty="0">
                           <a:solidFill>
                             <a:srgbClr val="191919"/>
                           </a:solidFill>
@@ -33172,7 +32646,7 @@
                         <a:t>30</a:t>
                       </a:r>
                       <a:r>
-                        <a:rPr lang="ko-KR" altLang="en-US" sz="1100" kern="0" spc="0" baseline="0" dirty="0" smtClean="0">
+                        <a:rPr lang="ko-KR" altLang="en-US" sz="1100" kern="0" spc="0" baseline="0" dirty="0">
                           <a:solidFill>
                             <a:srgbClr val="191919"/>
                           </a:solidFill>
@@ -33182,7 +32656,7 @@
                         <a:t>살이 되기 전 마지막 다이어트를 결심하게 되는데</a:t>
                       </a:r>
                       <a:r>
-                        <a:rPr lang="en-US" altLang="ko-KR" sz="1100" kern="0" spc="0" baseline="0" dirty="0" smtClean="0">
+                        <a:rPr lang="en-US" altLang="ko-KR" sz="1100" kern="0" spc="0" baseline="0" dirty="0">
                           <a:solidFill>
                             <a:srgbClr val="191919"/>
                           </a:solidFill>
@@ -33205,7 +32679,7 @@
                         </a:spcAft>
                       </a:pPr>
                       <a:r>
-                        <a:rPr lang="ko-KR" altLang="en-US" sz="1100" kern="0" spc="0" dirty="0" smtClean="0">
+                        <a:rPr lang="ko-KR" altLang="en-US" sz="1100" kern="0" spc="0" dirty="0">
                           <a:solidFill>
                             <a:srgbClr val="191919"/>
                           </a:solidFill>
@@ -33215,7 +32689,7 @@
                         <a:t>뭐부터 시작해야 할 지 몰라 다이어트 도시락을 구매하려고 하지만 너무 많은 다이어트 도시락 종류로 선택의 어려워 한다</a:t>
                       </a:r>
                       <a:r>
-                        <a:rPr lang="en-US" altLang="ko-KR" sz="1100" kern="0" spc="0" dirty="0" smtClean="0">
+                        <a:rPr lang="en-US" altLang="ko-KR" sz="1100" kern="0" spc="0" dirty="0">
                           <a:solidFill>
                             <a:srgbClr val="191919"/>
                           </a:solidFill>
@@ -33238,7 +32712,7 @@
                         </a:spcAft>
                       </a:pPr>
                       <a:r>
-                        <a:rPr lang="ko-KR" altLang="en-US" sz="1100" kern="0" spc="0" dirty="0" smtClean="0">
+                        <a:rPr lang="ko-KR" altLang="en-US" sz="1100" kern="0" spc="0" dirty="0">
                           <a:solidFill>
                             <a:srgbClr val="191919"/>
                           </a:solidFill>
@@ -33248,7 +32722,7 @@
                         <a:t>초보자도 쉽게 접근할 수 있도록 직관적이면서 정확한 도시락 종류 구분과 종류가 많은 많은 맛에 대한 리뷰가 한</a:t>
                       </a:r>
                       <a:r>
-                        <a:rPr lang="ko-KR" altLang="en-US" sz="1100" kern="0" spc="0" baseline="0" dirty="0" smtClean="0">
+                        <a:rPr lang="ko-KR" altLang="en-US" sz="1100" kern="0" spc="0" baseline="0" dirty="0">
                           <a:solidFill>
                             <a:srgbClr val="191919"/>
                           </a:solidFill>
@@ -33258,7 +32732,7 @@
                         <a:t> 눈에 보였</a:t>
                       </a:r>
                       <a:r>
-                        <a:rPr lang="ko-KR" altLang="en-US" sz="1100" kern="0" spc="0" dirty="0" smtClean="0">
+                        <a:rPr lang="ko-KR" altLang="en-US" sz="1100" kern="0" spc="0" dirty="0">
                           <a:solidFill>
                             <a:srgbClr val="191919"/>
                           </a:solidFill>
@@ -33268,7 +32742,7 @@
                         <a:t>으면 좋겠다고 생각한다</a:t>
                       </a:r>
                       <a:r>
-                        <a:rPr lang="en-US" altLang="ko-KR" sz="1100" kern="0" spc="0" dirty="0" smtClean="0">
+                        <a:rPr lang="en-US" altLang="ko-KR" sz="1100" kern="0" spc="0" dirty="0">
                           <a:solidFill>
                             <a:srgbClr val="191919"/>
                           </a:solidFill>
@@ -33472,7 +32946,7 @@
                 </a:tc>
                 <a:extLst>
                   <a:ext uri="{0D108BD9-81ED-4DB2-BD59-A6C34878D82A}">
-                    <a16:rowId xmlns="" xmlns:a16="http://schemas.microsoft.com/office/drawing/2014/main" val="1128258594"/>
+                    <a16:rowId xmlns:a16="http://schemas.microsoft.com/office/drawing/2014/main" val="1128258594"/>
                   </a:ext>
                 </a:extLst>
               </a:tr>
@@ -33485,7 +32959,7 @@
           <p:cNvPr id="17" name="슬라이드 번호 개체 틀 3">
             <a:extLst>
               <a:ext uri="{FF2B5EF4-FFF2-40B4-BE49-F238E27FC236}">
-                <a16:creationId xmlns="" xmlns:a16="http://schemas.microsoft.com/office/drawing/2014/main" id="{CB038CF3-C276-45A8-9583-DEAAFD8485F0}"/>
+                <a16:creationId xmlns:a16="http://schemas.microsoft.com/office/drawing/2014/main" id="{CB038CF3-C276-45A8-9583-DEAAFD8485F0}"/>
               </a:ext>
             </a:extLst>
           </p:cNvPr>
@@ -33563,7 +33037,7 @@
           <p:cNvPr id="2" name="제목 1">
             <a:extLst>
               <a:ext uri="{FF2B5EF4-FFF2-40B4-BE49-F238E27FC236}">
-                <a16:creationId xmlns="" xmlns:a16="http://schemas.microsoft.com/office/drawing/2014/main" id="{4E1E60AE-5AB9-4B0F-A0D8-2339BA34DD09}"/>
+                <a16:creationId xmlns:a16="http://schemas.microsoft.com/office/drawing/2014/main" id="{4E1E60AE-5AB9-4B0F-A0D8-2339BA34DD09}"/>
               </a:ext>
             </a:extLst>
           </p:cNvPr>
@@ -33608,7 +33082,7 @@
           <p:cNvPr id="12" name="부제목 3">
             <a:extLst>
               <a:ext uri="{FF2B5EF4-FFF2-40B4-BE49-F238E27FC236}">
-                <a16:creationId xmlns="" xmlns:a16="http://schemas.microsoft.com/office/drawing/2014/main" id="{9BDE5150-D116-4748-8159-831FAA8ABF6E}"/>
+                <a16:creationId xmlns:a16="http://schemas.microsoft.com/office/drawing/2014/main" id="{9BDE5150-D116-4748-8159-831FAA8ABF6E}"/>
               </a:ext>
             </a:extLst>
           </p:cNvPr>
@@ -33640,7 +33114,7 @@
           <p:cNvPr id="13" name="텍스트 개체 틀 11">
             <a:extLst>
               <a:ext uri="{FF2B5EF4-FFF2-40B4-BE49-F238E27FC236}">
-                <a16:creationId xmlns="" xmlns:a16="http://schemas.microsoft.com/office/drawing/2014/main" id="{77A760DD-A22E-4893-8886-C3EF30F0E801}"/>
+                <a16:creationId xmlns:a16="http://schemas.microsoft.com/office/drawing/2014/main" id="{77A760DD-A22E-4893-8886-C3EF30F0E801}"/>
               </a:ext>
             </a:extLst>
           </p:cNvPr>
@@ -33730,7 +33204,7 @@
           <p:cNvPr id="20" name="직사각형 19">
             <a:extLst>
               <a:ext uri="{FF2B5EF4-FFF2-40B4-BE49-F238E27FC236}">
-                <a16:creationId xmlns="" xmlns:a16="http://schemas.microsoft.com/office/drawing/2014/main" id="{E3EF3568-F942-C94E-926B-6416379CD47C}"/>
+                <a16:creationId xmlns:a16="http://schemas.microsoft.com/office/drawing/2014/main" id="{E3EF3568-F942-C94E-926B-6416379CD47C}"/>
               </a:ext>
             </a:extLst>
           </p:cNvPr>
@@ -33780,7 +33254,7 @@
           <p:cNvPr id="9" name="표 8">
             <a:extLst>
               <a:ext uri="{FF2B5EF4-FFF2-40B4-BE49-F238E27FC236}">
-                <a16:creationId xmlns="" xmlns:a16="http://schemas.microsoft.com/office/drawing/2014/main" id="{CAA12A27-DF1A-434C-99F6-A077860D06EF}"/>
+                <a16:creationId xmlns:a16="http://schemas.microsoft.com/office/drawing/2014/main" id="{CAA12A27-DF1A-434C-99F6-A077860D06EF}"/>
               </a:ext>
             </a:extLst>
           </p:cNvPr>
@@ -33807,84 +33281,84 @@
                 <a:gridCol w="590747">
                   <a:extLst>
                     <a:ext uri="{9D8B030D-6E8A-4147-A177-3AD203B41FA5}">
-                      <a16:colId xmlns="" xmlns:a16="http://schemas.microsoft.com/office/drawing/2014/main" val="2825577889"/>
+                      <a16:colId xmlns:a16="http://schemas.microsoft.com/office/drawing/2014/main" val="2825577889"/>
                     </a:ext>
                   </a:extLst>
                 </a:gridCol>
                 <a:gridCol w="271773">
                   <a:extLst>
                     <a:ext uri="{9D8B030D-6E8A-4147-A177-3AD203B41FA5}">
-                      <a16:colId xmlns="" xmlns:a16="http://schemas.microsoft.com/office/drawing/2014/main" val="2575371145"/>
+                      <a16:colId xmlns:a16="http://schemas.microsoft.com/office/drawing/2014/main" val="2575371145"/>
                     </a:ext>
                   </a:extLst>
                 </a:gridCol>
                 <a:gridCol w="271773">
                   <a:extLst>
                     <a:ext uri="{9D8B030D-6E8A-4147-A177-3AD203B41FA5}">
-                      <a16:colId xmlns="" xmlns:a16="http://schemas.microsoft.com/office/drawing/2014/main" val="2460392279"/>
+                      <a16:colId xmlns:a16="http://schemas.microsoft.com/office/drawing/2014/main" val="2460392279"/>
                     </a:ext>
                   </a:extLst>
                 </a:gridCol>
                 <a:gridCol w="1168621">
                   <a:extLst>
                     <a:ext uri="{9D8B030D-6E8A-4147-A177-3AD203B41FA5}">
-                      <a16:colId xmlns="" xmlns:a16="http://schemas.microsoft.com/office/drawing/2014/main" val="2618226828"/>
+                      <a16:colId xmlns:a16="http://schemas.microsoft.com/office/drawing/2014/main" val="2618226828"/>
                     </a:ext>
                   </a:extLst>
                 </a:gridCol>
                 <a:gridCol w="559676">
                   <a:extLst>
                     <a:ext uri="{9D8B030D-6E8A-4147-A177-3AD203B41FA5}">
-                      <a16:colId xmlns="" xmlns:a16="http://schemas.microsoft.com/office/drawing/2014/main" val="1969063327"/>
+                      <a16:colId xmlns:a16="http://schemas.microsoft.com/office/drawing/2014/main" val="1969063327"/>
                     </a:ext>
                   </a:extLst>
                 </a:gridCol>
                 <a:gridCol w="851339">
                   <a:extLst>
                     <a:ext uri="{9D8B030D-6E8A-4147-A177-3AD203B41FA5}">
-                      <a16:colId xmlns="" xmlns:a16="http://schemas.microsoft.com/office/drawing/2014/main" val="3189108789"/>
+                      <a16:colId xmlns:a16="http://schemas.microsoft.com/office/drawing/2014/main" val="3189108789"/>
                     </a:ext>
                   </a:extLst>
                 </a:gridCol>
                 <a:gridCol w="614855">
                   <a:extLst>
                     <a:ext uri="{9D8B030D-6E8A-4147-A177-3AD203B41FA5}">
-                      <a16:colId xmlns="" xmlns:a16="http://schemas.microsoft.com/office/drawing/2014/main" val="2696593972"/>
+                      <a16:colId xmlns:a16="http://schemas.microsoft.com/office/drawing/2014/main" val="2696593972"/>
                     </a:ext>
                   </a:extLst>
                 </a:gridCol>
                 <a:gridCol w="1174531">
                   <a:extLst>
                     <a:ext uri="{9D8B030D-6E8A-4147-A177-3AD203B41FA5}">
-                      <a16:colId xmlns="" xmlns:a16="http://schemas.microsoft.com/office/drawing/2014/main" val="3670021084"/>
+                      <a16:colId xmlns:a16="http://schemas.microsoft.com/office/drawing/2014/main" val="3670021084"/>
                     </a:ext>
                   </a:extLst>
                 </a:gridCol>
                 <a:gridCol w="449317">
                   <a:extLst>
                     <a:ext uri="{9D8B030D-6E8A-4147-A177-3AD203B41FA5}">
-                      <a16:colId xmlns="" xmlns:a16="http://schemas.microsoft.com/office/drawing/2014/main" val="141499677"/>
+                      <a16:colId xmlns:a16="http://schemas.microsoft.com/office/drawing/2014/main" val="141499677"/>
                     </a:ext>
                   </a:extLst>
                 </a:gridCol>
                 <a:gridCol w="1371600">
                   <a:extLst>
                     <a:ext uri="{9D8B030D-6E8A-4147-A177-3AD203B41FA5}">
-                      <a16:colId xmlns="" xmlns:a16="http://schemas.microsoft.com/office/drawing/2014/main" val="935067537"/>
+                      <a16:colId xmlns:a16="http://schemas.microsoft.com/office/drawing/2014/main" val="935067537"/>
                     </a:ext>
                   </a:extLst>
                 </a:gridCol>
                 <a:gridCol w="622739">
                   <a:extLst>
                     <a:ext uri="{9D8B030D-6E8A-4147-A177-3AD203B41FA5}">
-                      <a16:colId xmlns="" xmlns:a16="http://schemas.microsoft.com/office/drawing/2014/main" val="2779693455"/>
+                      <a16:colId xmlns:a16="http://schemas.microsoft.com/office/drawing/2014/main" val="2779693455"/>
                     </a:ext>
                   </a:extLst>
                 </a:gridCol>
                 <a:gridCol w="1545023">
                   <a:extLst>
                     <a:ext uri="{9D8B030D-6E8A-4147-A177-3AD203B41FA5}">
-                      <a16:colId xmlns="" xmlns:a16="http://schemas.microsoft.com/office/drawing/2014/main" val="732168727"/>
+                      <a16:colId xmlns:a16="http://schemas.microsoft.com/office/drawing/2014/main" val="732168727"/>
                     </a:ext>
                   </a:extLst>
                 </a:gridCol>
@@ -34024,7 +33498,7 @@
                         <a:t>요구사항 요약</a:t>
                       </a:r>
                       <a:r>
-                        <a:rPr lang="en-US" altLang="ko-KR" sz="1100" b="1" kern="0" spc="0" dirty="0" smtClean="0">
+                        <a:rPr lang="en-US" altLang="ko-KR" sz="1100" b="1" kern="0" spc="0" dirty="0">
                           <a:solidFill>
                             <a:srgbClr val="191919"/>
                           </a:solidFill>
@@ -34035,7 +33509,7 @@
                         <a:t>: </a:t>
                       </a:r>
                       <a:r>
-                        <a:rPr lang="ko-KR" altLang="en-US" sz="1100" b="1" kern="0" spc="0" dirty="0" err="1" smtClean="0">
+                        <a:rPr lang="ko-KR" altLang="en-US" sz="1100" b="1" kern="0" spc="0" dirty="0" err="1">
                           <a:solidFill>
                             <a:srgbClr val="191919"/>
                           </a:solidFill>
@@ -34046,7 +33520,7 @@
                         <a:t>포르미라는</a:t>
                       </a:r>
                       <a:r>
-                        <a:rPr lang="ko-KR" altLang="en-US" sz="1100" b="1" kern="0" spc="0" dirty="0" smtClean="0">
+                        <a:rPr lang="ko-KR" altLang="en-US" sz="1100" b="1" kern="0" spc="0" dirty="0">
                           <a:solidFill>
                             <a:srgbClr val="191919"/>
                           </a:solidFill>
@@ -34057,7 +33531,7 @@
                         <a:t> 브랜드 경영철학인 </a:t>
                       </a:r>
                       <a:r>
-                        <a:rPr lang="en-US" altLang="ko-KR" sz="1100" b="1" kern="0" spc="0" dirty="0" smtClean="0">
+                        <a:rPr lang="en-US" altLang="ko-KR" sz="1100" b="1" kern="0" spc="0" dirty="0">
                           <a:solidFill>
                             <a:srgbClr val="191919"/>
                           </a:solidFill>
@@ -34068,7 +33542,7 @@
                         <a:t>‘</a:t>
                       </a:r>
                       <a:r>
-                        <a:rPr lang="ko-KR" altLang="en-US" sz="1100" b="1" kern="0" spc="0" dirty="0" smtClean="0">
+                        <a:rPr lang="ko-KR" altLang="en-US" sz="1100" b="1" kern="0" spc="0" dirty="0">
                           <a:solidFill>
                             <a:srgbClr val="191919"/>
                           </a:solidFill>
@@ -34079,7 +33553,7 @@
                         <a:t>건강한 도시락</a:t>
                       </a:r>
                       <a:r>
-                        <a:rPr lang="en-US" altLang="ko-KR" sz="1100" b="1" kern="0" spc="0" dirty="0" smtClean="0">
+                        <a:rPr lang="en-US" altLang="ko-KR" sz="1100" b="1" kern="0" spc="0" dirty="0">
                           <a:solidFill>
                             <a:srgbClr val="191919"/>
                           </a:solidFill>
@@ -34090,7 +33564,7 @@
                         <a:t>’</a:t>
                       </a:r>
                       <a:r>
-                        <a:rPr lang="ko-KR" altLang="en-US" sz="1100" b="1" kern="0" spc="0" dirty="0" smtClean="0">
+                        <a:rPr lang="ko-KR" altLang="en-US" sz="1100" b="1" kern="0" spc="0" dirty="0">
                           <a:solidFill>
                             <a:srgbClr val="191919"/>
                           </a:solidFill>
@@ -34101,7 +33575,7 @@
                         <a:t>을 보여줄 수 있는 것이 필요함</a:t>
                       </a:r>
                       <a:r>
-                        <a:rPr lang="en-US" altLang="ko-KR" sz="1100" b="1" kern="0" spc="0" dirty="0" smtClean="0">
+                        <a:rPr lang="en-US" altLang="ko-KR" sz="1100" b="1" kern="0" spc="0" dirty="0">
                           <a:solidFill>
                             <a:srgbClr val="191919"/>
                           </a:solidFill>
@@ -34272,7 +33746,7 @@
                 </a:tc>
                 <a:extLst>
                   <a:ext uri="{0D108BD9-81ED-4DB2-BD59-A6C34878D82A}">
-                    <a16:rowId xmlns="" xmlns:a16="http://schemas.microsoft.com/office/drawing/2014/main" val="3340433091"/>
+                    <a16:rowId xmlns:a16="http://schemas.microsoft.com/office/drawing/2014/main" val="3340433091"/>
                   </a:ext>
                 </a:extLst>
               </a:tr>
@@ -34379,7 +33853,7 @@
                         </a:spcAft>
                       </a:pPr>
                       <a:r>
-                        <a:rPr lang="ko-KR" altLang="en-US" sz="1100" kern="0" spc="0" dirty="0" smtClean="0">
+                        <a:rPr lang="ko-KR" altLang="en-US" sz="1100" kern="0" spc="0" dirty="0">
                           <a:solidFill>
                             <a:srgbClr val="191919"/>
                           </a:solidFill>
@@ -34388,13 +33862,6 @@
                         </a:rPr>
                         <a:t>이진호</a:t>
                       </a:r>
-                      <a:endParaRPr lang="ko-KR" altLang="en-US" sz="1100" kern="0" spc="0" dirty="0">
-                        <a:solidFill>
-                          <a:srgbClr val="191919"/>
-                        </a:solidFill>
-                        <a:effectLst/>
-                        <a:latin typeface="맑은 고딕" panose="020B0503020000020004" pitchFamily="50" charset="-127"/>
-                      </a:endParaRPr>
                     </a:p>
                   </a:txBody>
                   <a:tcPr marL="64771" marR="64771" marT="17907" marB="17907" anchor="ctr">
@@ -34568,7 +34035,7 @@
                         </a:spcAft>
                       </a:pPr>
                       <a:r>
-                        <a:rPr lang="en-US" altLang="ko-KR" sz="1100" kern="0" spc="0" dirty="0" smtClean="0">
+                        <a:rPr lang="en-US" altLang="ko-KR" sz="1100" kern="0" spc="0" dirty="0">
                           <a:solidFill>
                             <a:srgbClr val="191919"/>
                           </a:solidFill>
@@ -34738,7 +34205,7 @@
                         </a:spcAft>
                       </a:pPr>
                       <a:r>
-                        <a:rPr lang="ko-KR" altLang="en-US" sz="1100" kern="0" spc="0" dirty="0" smtClean="0">
+                        <a:rPr lang="ko-KR" altLang="en-US" sz="1100" kern="0" spc="0" dirty="0">
                           <a:solidFill>
                             <a:srgbClr val="191919"/>
                           </a:solidFill>
@@ -34747,13 +34214,6 @@
                         </a:rPr>
                         <a:t>남자</a:t>
                       </a:r>
-                      <a:endParaRPr lang="ko-KR" altLang="en-US" sz="1100" kern="0" spc="0" dirty="0">
-                        <a:solidFill>
-                          <a:srgbClr val="191919"/>
-                        </a:solidFill>
-                        <a:effectLst/>
-                        <a:latin typeface="맑은 고딕" panose="020B0503020000020004" pitchFamily="50" charset="-127"/>
-                      </a:endParaRPr>
                     </a:p>
                   </a:txBody>
                   <a:tcPr marL="64771" marR="64771" marT="17907" marB="17907" anchor="ctr">
@@ -34908,7 +34368,7 @@
                         </a:spcAft>
                       </a:pPr>
                       <a:r>
-                        <a:rPr lang="ko-KR" altLang="en-US" sz="900" kern="0" spc="0" dirty="0" smtClean="0">
+                        <a:rPr lang="ko-KR" altLang="en-US" sz="900" kern="0" spc="0" dirty="0">
                           <a:solidFill>
                             <a:srgbClr val="191919"/>
                           </a:solidFill>
@@ -34917,13 +34377,6 @@
                         </a:rPr>
                         <a:t>대한민국</a:t>
                       </a:r>
-                      <a:endParaRPr lang="ko-KR" altLang="en-US" sz="900" kern="0" spc="0" dirty="0">
-                        <a:solidFill>
-                          <a:srgbClr val="191919"/>
-                        </a:solidFill>
-                        <a:effectLst/>
-                        <a:latin typeface="맑은 고딕" panose="020B0503020000020004" pitchFamily="50" charset="-127"/>
-                      </a:endParaRPr>
                     </a:p>
                   </a:txBody>
                   <a:tcPr marL="64771" marR="64771" marT="17907" marB="17907" anchor="ctr">
@@ -35078,7 +34531,7 @@
                         </a:spcAft>
                       </a:pPr>
                       <a:r>
-                        <a:rPr lang="ko-KR" altLang="en-US" sz="800" b="1" kern="0" spc="0" dirty="0" smtClean="0">
+                        <a:rPr lang="ko-KR" altLang="en-US" sz="800" b="1" kern="0" spc="0" dirty="0">
                           <a:solidFill>
                             <a:srgbClr val="191919"/>
                           </a:solidFill>
@@ -35149,7 +34602,7 @@
                 </a:tc>
                 <a:extLst>
                   <a:ext uri="{0D108BD9-81ED-4DB2-BD59-A6C34878D82A}">
-                    <a16:rowId xmlns="" xmlns:a16="http://schemas.microsoft.com/office/drawing/2014/main" val="3702969753"/>
+                    <a16:rowId xmlns:a16="http://schemas.microsoft.com/office/drawing/2014/main" val="3702969753"/>
                   </a:ext>
                 </a:extLst>
               </a:tr>
@@ -35258,7 +34711,7 @@
                         </a:spcAft>
                       </a:pPr>
                       <a:r>
-                        <a:rPr lang="ko-KR" altLang="en-US" sz="1100" b="1" kern="0" spc="0" dirty="0" err="1" smtClean="0">
+                        <a:rPr lang="ko-KR" altLang="en-US" sz="1100" b="1" kern="0" spc="0" dirty="0" err="1">
                           <a:solidFill>
                             <a:srgbClr val="191919"/>
                           </a:solidFill>
@@ -35470,7 +34923,7 @@
                         </a:spcAft>
                       </a:pPr>
                       <a:r>
-                        <a:rPr lang="ko-KR" altLang="en-US" sz="1100" kern="0" spc="0" dirty="0" smtClean="0">
+                        <a:rPr lang="ko-KR" altLang="en-US" sz="1100" kern="0" spc="0" dirty="0">
                           <a:solidFill>
                             <a:schemeClr val="tx1"/>
                           </a:solidFill>
@@ -35479,13 +34932,6 @@
                         </a:rPr>
                         <a:t>서울</a:t>
                       </a:r>
-                      <a:endParaRPr lang="ko-KR" altLang="en-US" sz="1100" kern="0" spc="0" dirty="0">
-                        <a:solidFill>
-                          <a:schemeClr val="tx1"/>
-                        </a:solidFill>
-                        <a:effectLst/>
-                        <a:latin typeface="맑은 고딕" panose="020B0503020000020004" pitchFamily="50" charset="-127"/>
-                      </a:endParaRPr>
                     </a:p>
                   </a:txBody>
                   <a:tcPr marL="64771" marR="64771" marT="17907" marB="17907" anchor="ctr">
@@ -35656,7 +35102,7 @@
                         </a:spcAft>
                       </a:pPr>
                       <a:r>
-                        <a:rPr lang="en-US" altLang="ko-KR" sz="900" kern="0" spc="0" dirty="0" smtClean="0">
+                        <a:rPr lang="en-US" altLang="ko-KR" sz="900" kern="0" spc="0" dirty="0">
                           <a:solidFill>
                             <a:schemeClr val="tx1"/>
                           </a:solidFill>
@@ -35666,7 +35112,7 @@
                         <a:t>300</a:t>
                       </a:r>
                       <a:r>
-                        <a:rPr lang="ko-KR" altLang="en-US" sz="900" kern="0" spc="0" dirty="0" smtClean="0">
+                        <a:rPr lang="ko-KR" altLang="en-US" sz="900" kern="0" spc="0" dirty="0">
                           <a:solidFill>
                             <a:schemeClr val="tx1"/>
                           </a:solidFill>
@@ -35675,13 +35121,6 @@
                         </a:rPr>
                         <a:t>만원</a:t>
                       </a:r>
-                      <a:endParaRPr lang="ko-KR" altLang="en-US" sz="900" kern="0" spc="0" dirty="0">
-                        <a:solidFill>
-                          <a:schemeClr val="tx1"/>
-                        </a:solidFill>
-                        <a:effectLst/>
-                        <a:latin typeface="맑은 고딕" panose="020B0503020000020004" pitchFamily="50" charset="-127"/>
-                      </a:endParaRPr>
                     </a:p>
                   </a:txBody>
                   <a:tcPr marL="64771" marR="64771" marT="17907" marB="17907" anchor="ctr">
@@ -35734,7 +35173,7 @@
                 </a:tc>
                 <a:extLst>
                   <a:ext uri="{0D108BD9-81ED-4DB2-BD59-A6C34878D82A}">
-                    <a16:rowId xmlns="" xmlns:a16="http://schemas.microsoft.com/office/drawing/2014/main" val="87832763"/>
+                    <a16:rowId xmlns:a16="http://schemas.microsoft.com/office/drawing/2014/main" val="87832763"/>
                   </a:ext>
                 </a:extLst>
               </a:tr>
@@ -35865,7 +35304,7 @@
                         </a:spcAft>
                       </a:pPr>
                       <a:r>
-                        <a:rPr lang="ko-KR" altLang="en-US" sz="1100" kern="0" spc="0" dirty="0" smtClean="0">
+                        <a:rPr lang="ko-KR" altLang="en-US" sz="1100" kern="0" spc="0" dirty="0">
                           <a:solidFill>
                             <a:schemeClr val="tx1"/>
                           </a:solidFill>
@@ -35875,7 +35314,7 @@
                         <a:t>혼자 살고 있는 </a:t>
                       </a:r>
                       <a:r>
-                        <a:rPr lang="en-US" altLang="ko-KR" sz="1100" kern="0" spc="0" dirty="0" smtClean="0">
+                        <a:rPr lang="en-US" altLang="ko-KR" sz="1100" kern="0" spc="0" dirty="0">
                           <a:solidFill>
                             <a:schemeClr val="tx1"/>
                           </a:solidFill>
@@ -35885,7 +35324,7 @@
                         <a:t>1</a:t>
                       </a:r>
                       <a:r>
-                        <a:rPr lang="ko-KR" altLang="en-US" sz="1100" kern="0" spc="0" dirty="0" smtClean="0">
+                        <a:rPr lang="ko-KR" altLang="en-US" sz="1100" kern="0" spc="0" dirty="0">
                           <a:solidFill>
                             <a:schemeClr val="tx1"/>
                           </a:solidFill>
@@ -35895,7 +35334,7 @@
                         <a:t>인가구로 아주 </a:t>
                       </a:r>
                       <a:r>
-                        <a:rPr lang="ko-KR" altLang="en-US" sz="1100" kern="0" spc="0" dirty="0" err="1" smtClean="0">
+                        <a:rPr lang="ko-KR" altLang="en-US" sz="1100" kern="0" spc="0" dirty="0" err="1">
                           <a:solidFill>
                             <a:schemeClr val="tx1"/>
                           </a:solidFill>
@@ -35905,7 +35344,7 @@
                         <a:t>미니멀한</a:t>
                       </a:r>
                       <a:r>
-                        <a:rPr lang="ko-KR" altLang="en-US" sz="1100" kern="0" spc="0" dirty="0" smtClean="0">
+                        <a:rPr lang="ko-KR" altLang="en-US" sz="1100" kern="0" spc="0" dirty="0">
                           <a:solidFill>
                             <a:schemeClr val="tx1"/>
                           </a:solidFill>
@@ -35914,13 +35353,6 @@
                         </a:rPr>
                         <a:t> 라이프를 살고 있는 자취생</a:t>
                       </a:r>
-                      <a:endParaRPr lang="ko-KR" altLang="en-US" sz="1100" kern="0" spc="0" dirty="0">
-                        <a:solidFill>
-                          <a:schemeClr val="tx1"/>
-                        </a:solidFill>
-                        <a:effectLst/>
-                        <a:latin typeface="맑은 고딕" panose="020B0503020000020004" pitchFamily="50" charset="-127"/>
-                      </a:endParaRPr>
                     </a:p>
                   </a:txBody>
                   <a:tcPr marL="64771" marR="64771" marT="17907" marB="17907" anchor="ctr">
@@ -36061,7 +35493,7 @@
                 </a:tc>
                 <a:extLst>
                   <a:ext uri="{0D108BD9-81ED-4DB2-BD59-A6C34878D82A}">
-                    <a16:rowId xmlns="" xmlns:a16="http://schemas.microsoft.com/office/drawing/2014/main" val="2882620723"/>
+                    <a16:rowId xmlns:a16="http://schemas.microsoft.com/office/drawing/2014/main" val="2882620723"/>
                   </a:ext>
                 </a:extLst>
               </a:tr>
@@ -36105,7 +35537,7 @@
                         <a:t> 및 스토리 </a:t>
                       </a:r>
                       <a:r>
-                        <a:rPr lang="en-US" altLang="ko-KR" sz="1100" b="1" kern="0" spc="-80" dirty="0" smtClean="0">
+                        <a:rPr lang="en-US" altLang="ko-KR" sz="1100" b="1" kern="0" spc="-80" dirty="0">
                           <a:solidFill>
                             <a:srgbClr val="4C4C4C"/>
                           </a:solidFill>
@@ -36128,7 +35560,7 @@
                           <a:spcPts val="0"/>
                         </a:spcAft>
                       </a:pPr>
-                      <a:endParaRPr lang="en-US" altLang="ko-KR" sz="1100" b="1" kern="0" spc="-80" dirty="0" smtClean="0">
+                      <a:endParaRPr lang="en-US" altLang="ko-KR" sz="1100" b="1" kern="0" spc="-80" dirty="0">
                         <a:solidFill>
                           <a:srgbClr val="4C4C4C"/>
                         </a:solidFill>
@@ -36150,7 +35582,7 @@
                         </a:spcAft>
                       </a:pPr>
                       <a:r>
-                        <a:rPr lang="ko-KR" altLang="en-US" sz="1100" kern="0" spc="0" dirty="0" smtClean="0">
+                        <a:rPr lang="ko-KR" altLang="en-US" sz="1100" kern="0" spc="0" dirty="0">
                           <a:solidFill>
                             <a:srgbClr val="191919"/>
                           </a:solidFill>
@@ -36160,7 +35592,7 @@
                         <a:t>혼자 살고 있는 </a:t>
                       </a:r>
                       <a:r>
-                        <a:rPr lang="en-US" altLang="ko-KR" sz="1100" kern="0" spc="0" dirty="0" smtClean="0">
+                        <a:rPr lang="en-US" altLang="ko-KR" sz="1100" kern="0" spc="0" dirty="0">
                           <a:solidFill>
                             <a:srgbClr val="191919"/>
                           </a:solidFill>
@@ -36170,7 +35602,7 @@
                         <a:t>1</a:t>
                       </a:r>
                       <a:r>
-                        <a:rPr lang="ko-KR" altLang="en-US" sz="1100" kern="0" spc="0" dirty="0" smtClean="0">
+                        <a:rPr lang="ko-KR" altLang="en-US" sz="1100" kern="0" spc="0" dirty="0">
                           <a:solidFill>
                             <a:srgbClr val="191919"/>
                           </a:solidFill>
@@ -36179,7 +35611,7 @@
                         </a:rPr>
                         <a:t>인 가구로 제때 끼니를 챙겨먹는 것이 어려운데 잦은 야근과 장시간 앉아있는 직업으로</a:t>
                       </a:r>
-                      <a:endParaRPr lang="en-US" altLang="ko-KR" sz="1100" kern="0" spc="0" dirty="0" smtClean="0">
+                      <a:endParaRPr lang="en-US" altLang="ko-KR" sz="1100" kern="0" spc="0" dirty="0">
                         <a:solidFill>
                           <a:srgbClr val="191919"/>
                         </a:solidFill>
@@ -36200,7 +35632,7 @@
                         </a:spcAft>
                       </a:pPr>
                       <a:r>
-                        <a:rPr lang="ko-KR" altLang="en-US" sz="1100" kern="0" spc="0" dirty="0" smtClean="0">
+                        <a:rPr lang="ko-KR" altLang="en-US" sz="1100" kern="0" spc="0" dirty="0">
                           <a:solidFill>
                             <a:srgbClr val="191919"/>
                           </a:solidFill>
@@ -36210,7 +35642,7 @@
                         <a:t>건강상 식단관리를 해야겠다는 생각이 들어 간편하게 섭취하면서도 건강한 도시락을 찾고 있음</a:t>
                       </a:r>
                       <a:r>
-                        <a:rPr lang="en-US" altLang="ko-KR" sz="1100" kern="0" spc="0" dirty="0" smtClean="0">
+                        <a:rPr lang="en-US" altLang="ko-KR" sz="1100" kern="0" spc="0" dirty="0">
                           <a:solidFill>
                             <a:srgbClr val="191919"/>
                           </a:solidFill>
@@ -36414,7 +35846,7 @@
                 </a:tc>
                 <a:extLst>
                   <a:ext uri="{0D108BD9-81ED-4DB2-BD59-A6C34878D82A}">
-                    <a16:rowId xmlns="" xmlns:a16="http://schemas.microsoft.com/office/drawing/2014/main" val="1128258594"/>
+                    <a16:rowId xmlns:a16="http://schemas.microsoft.com/office/drawing/2014/main" val="1128258594"/>
                   </a:ext>
                 </a:extLst>
               </a:tr>
@@ -36427,7 +35859,7 @@
           <p:cNvPr id="10" name="슬라이드 번호 개체 틀 3">
             <a:extLst>
               <a:ext uri="{FF2B5EF4-FFF2-40B4-BE49-F238E27FC236}">
-                <a16:creationId xmlns="" xmlns:a16="http://schemas.microsoft.com/office/drawing/2014/main" id="{D2FC7D21-7C4B-486B-A234-37948BFEDC2B}"/>
+                <a16:creationId xmlns:a16="http://schemas.microsoft.com/office/drawing/2014/main" id="{D2FC7D21-7C4B-486B-A234-37948BFEDC2B}"/>
               </a:ext>
             </a:extLst>
           </p:cNvPr>
@@ -36772,7 +36204,7 @@
   <a:extraClrSchemeLst/>
   <a:extLst>
     <a:ext uri="{05A4C25C-085E-4340-85A3-A5531E510DB2}">
-      <thm15:themeFamily xmlns="" xmlns:thm15="http://schemas.microsoft.com/office/thememl/2012/main" name="Office Theme" id="{62F939B6-93AF-4DB8-9C6B-D6C7DFDC589F}" vid="{4A3C46E8-61CC-4603-A589-7422A47A8E4A}"/>
+      <thm15:themeFamily xmlns:thm15="http://schemas.microsoft.com/office/thememl/2012/main" name="Office Theme" id="{62F939B6-93AF-4DB8-9C6B-D6C7DFDC589F}" vid="{4A3C46E8-61CC-4603-A589-7422A47A8E4A}"/>
     </a:ext>
   </a:extLst>
 </a:theme>
